--- a/PP_MAL_NORSK.pptx
+++ b/PP_MAL_NORSK.pptx
@@ -2,23 +2,25 @@
 <file path=ppt/presentation.xml><?xml version="1.0" encoding="utf-8"?>
 <p:presentation xmlns:a="http://schemas.openxmlformats.org/drawingml/2006/main" xmlns:r="http://schemas.openxmlformats.org/officeDocument/2006/relationships" xmlns:p="http://schemas.openxmlformats.org/presentationml/2006/main" saveSubsetFonts="1">
   <p:sldMasterIdLst>
-    <p:sldMasterId id="2147483648" r:id="rId1"/>
-    <p:sldMasterId id="2147483752" r:id="rId2"/>
-    <p:sldMasterId id="2147483661" r:id="rId3"/>
-    <p:sldMasterId id="2147483673" r:id="rId4"/>
-    <p:sldMasterId id="2147483685" r:id="rId5"/>
-    <p:sldMasterId id="2147483697" r:id="rId6"/>
+    <p:sldMasterId id="2147483648" r:id="rId4"/>
+    <p:sldMasterId id="2147483752" r:id="rId5"/>
+    <p:sldMasterId id="2147483661" r:id="rId6"/>
+    <p:sldMasterId id="2147483673" r:id="rId7"/>
+    <p:sldMasterId id="2147483685" r:id="rId8"/>
+    <p:sldMasterId id="2147483697" r:id="rId9"/>
+    <p:sldMasterId id="2147483765" r:id="rId10"/>
   </p:sldMasterIdLst>
   <p:notesMasterIdLst>
-    <p:notesMasterId r:id="rId13"/>
+    <p:notesMasterId r:id="rId18"/>
   </p:notesMasterIdLst>
   <p:sldIdLst>
-    <p:sldId id="272" r:id="rId7"/>
-    <p:sldId id="270" r:id="rId8"/>
-    <p:sldId id="285" r:id="rId9"/>
-    <p:sldId id="286" r:id="rId10"/>
-    <p:sldId id="258" r:id="rId11"/>
-    <p:sldId id="259" r:id="rId12"/>
+    <p:sldId id="289" r:id="rId11"/>
+    <p:sldId id="270" r:id="rId12"/>
+    <p:sldId id="285" r:id="rId13"/>
+    <p:sldId id="290" r:id="rId14"/>
+    <p:sldId id="286" r:id="rId15"/>
+    <p:sldId id="287" r:id="rId16"/>
+    <p:sldId id="288" r:id="rId17"/>
   </p:sldIdLst>
   <p:sldSz cx="9144000" cy="5145088"/>
   <p:notesSz cx="6858000" cy="9144000"/>
@@ -207,7 +209,7 @@
           <a:p>
             <a:fld id="{FE3CBABE-916E-4AAD-B057-5389DC7DF64C}" type="datetimeFigureOut">
               <a:rPr lang="nb-NO" smtClean="0"/>
-              <a:t>02.07.2021</a:t>
+              <a:t>22.12.2021</a:t>
             </a:fld>
             <a:endParaRPr lang="nb-NO"/>
           </a:p>
@@ -474,9 +476,9 @@
 </p:notesMaster>
 </file>
 
-<file path=ppt/slideLayouts/slideLayout1.xml><?xml version="1.0" encoding="utf-8"?>
-<p:sldLayout xmlns:a="http://schemas.openxmlformats.org/drawingml/2006/main" xmlns:r="http://schemas.openxmlformats.org/officeDocument/2006/relationships" xmlns:p="http://schemas.openxmlformats.org/presentationml/2006/main" showMasterSp="0" preserve="1" userDrawn="1">
-  <p:cSld name="Forside">
+<file path=ppt/notesSlides/notesSlide1.xml><?xml version="1.0" encoding="utf-8"?>
+<p:notes xmlns:a="http://schemas.openxmlformats.org/drawingml/2006/main" xmlns:r="http://schemas.openxmlformats.org/officeDocument/2006/relationships" xmlns:p="http://schemas.openxmlformats.org/presentationml/2006/main">
+  <p:cSld>
     <p:spTree>
       <p:nvGrpSpPr>
         <p:cNvPr id="1" name=""/>
@@ -493,27 +495,618 @@
       </p:grpSpPr>
       <p:sp>
         <p:nvSpPr>
-          <p:cNvPr id="12" name="Tittel 1"/>
-          <p:cNvSpPr>
-            <a:spLocks noGrp="1"/>
-          </p:cNvSpPr>
-          <p:nvPr>
-            <p:ph type="ctrTitle"/>
+          <p:cNvPr id="2" name="Slide Image Placeholder 1"/>
+          <p:cNvSpPr>
+            <a:spLocks noGrp="1" noRot="1" noChangeAspect="1"/>
+          </p:cNvSpPr>
+          <p:nvPr>
+            <p:ph type="sldImg"/>
+          </p:nvPr>
+        </p:nvSpPr>
+        <p:spPr/>
+      </p:sp>
+      <p:sp>
+        <p:nvSpPr>
+          <p:cNvPr id="3" name="Notes Placeholder 2"/>
+          <p:cNvSpPr>
+            <a:spLocks noGrp="1"/>
+          </p:cNvSpPr>
+          <p:nvPr>
+            <p:ph type="body" idx="1"/>
+          </p:nvPr>
+        </p:nvSpPr>
+        <p:spPr/>
+        <p:txBody>
+          <a:bodyPr/>
+          <a:lstStyle/>
+          <a:p>
+            <a:endParaRPr lang="nb-NO" dirty="0"/>
+          </a:p>
+        </p:txBody>
+      </p:sp>
+      <p:sp>
+        <p:nvSpPr>
+          <p:cNvPr id="4" name="Slide Number Placeholder 3"/>
+          <p:cNvSpPr>
+            <a:spLocks noGrp="1"/>
+          </p:cNvSpPr>
+          <p:nvPr>
+            <p:ph type="sldNum" sz="quarter" idx="5"/>
+          </p:nvPr>
+        </p:nvSpPr>
+        <p:spPr/>
+        <p:txBody>
+          <a:bodyPr/>
+          <a:lstStyle/>
+          <a:p>
+            <a:fld id="{0C6A1A9E-9E56-4094-AB2E-3DD200DFCBAC}" type="slidenum">
+              <a:rPr lang="nb-NO" smtClean="0"/>
+              <a:t>1</a:t>
+            </a:fld>
+            <a:endParaRPr lang="nb-NO" dirty="0"/>
+          </a:p>
+        </p:txBody>
+      </p:sp>
+    </p:spTree>
+    <p:extLst>
+      <p:ext uri="{BB962C8B-B14F-4D97-AF65-F5344CB8AC3E}">
+        <p14:creationId xmlns:p14="http://schemas.microsoft.com/office/powerpoint/2010/main" val="2925194122"/>
+      </p:ext>
+    </p:extLst>
+  </p:cSld>
+  <p:clrMapOvr>
+    <a:masterClrMapping/>
+  </p:clrMapOvr>
+</p:notes>
+</file>
+
+<file path=ppt/notesSlides/notesSlide2.xml><?xml version="1.0" encoding="utf-8"?>
+<p:notes xmlns:a="http://schemas.openxmlformats.org/drawingml/2006/main" xmlns:r="http://schemas.openxmlformats.org/officeDocument/2006/relationships" xmlns:p="http://schemas.openxmlformats.org/presentationml/2006/main">
+  <p:cSld>
+    <p:spTree>
+      <p:nvGrpSpPr>
+        <p:cNvPr id="1" name=""/>
+        <p:cNvGrpSpPr/>
+        <p:nvPr/>
+      </p:nvGrpSpPr>
+      <p:grpSpPr>
+        <a:xfrm>
+          <a:off x="0" y="0"/>
+          <a:ext cx="0" cy="0"/>
+          <a:chOff x="0" y="0"/>
+          <a:chExt cx="0" cy="0"/>
+        </a:xfrm>
+      </p:grpSpPr>
+      <p:sp>
+        <p:nvSpPr>
+          <p:cNvPr id="2" name="Slide Image Placeholder 1"/>
+          <p:cNvSpPr>
+            <a:spLocks noGrp="1" noRot="1" noChangeAspect="1"/>
+          </p:cNvSpPr>
+          <p:nvPr>
+            <p:ph type="sldImg"/>
+          </p:nvPr>
+        </p:nvSpPr>
+        <p:spPr/>
+      </p:sp>
+      <p:sp>
+        <p:nvSpPr>
+          <p:cNvPr id="3" name="Notes Placeholder 2"/>
+          <p:cNvSpPr>
+            <a:spLocks noGrp="1"/>
+          </p:cNvSpPr>
+          <p:nvPr>
+            <p:ph type="body" idx="1"/>
+          </p:nvPr>
+        </p:nvSpPr>
+        <p:spPr/>
+        <p:txBody>
+          <a:bodyPr/>
+          <a:lstStyle/>
+          <a:p>
+            <a:endParaRPr lang="nb-NO" dirty="0"/>
+          </a:p>
+        </p:txBody>
+      </p:sp>
+      <p:sp>
+        <p:nvSpPr>
+          <p:cNvPr id="4" name="Slide Number Placeholder 3"/>
+          <p:cNvSpPr>
+            <a:spLocks noGrp="1"/>
+          </p:cNvSpPr>
+          <p:nvPr>
+            <p:ph type="sldNum" sz="quarter" idx="5"/>
+          </p:nvPr>
+        </p:nvSpPr>
+        <p:spPr/>
+        <p:txBody>
+          <a:bodyPr/>
+          <a:lstStyle/>
+          <a:p>
+            <a:fld id="{0C6A1A9E-9E56-4094-AB2E-3DD200DFCBAC}" type="slidenum">
+              <a:rPr lang="nb-NO" smtClean="0"/>
+              <a:t>2</a:t>
+            </a:fld>
+            <a:endParaRPr lang="nb-NO" dirty="0"/>
+          </a:p>
+        </p:txBody>
+      </p:sp>
+    </p:spTree>
+    <p:extLst>
+      <p:ext uri="{BB962C8B-B14F-4D97-AF65-F5344CB8AC3E}">
+        <p14:creationId xmlns:p14="http://schemas.microsoft.com/office/powerpoint/2010/main" val="2332199911"/>
+      </p:ext>
+    </p:extLst>
+  </p:cSld>
+  <p:clrMapOvr>
+    <a:masterClrMapping/>
+  </p:clrMapOvr>
+</p:notes>
+</file>
+
+<file path=ppt/notesSlides/notesSlide3.xml><?xml version="1.0" encoding="utf-8"?>
+<p:notes xmlns:a="http://schemas.openxmlformats.org/drawingml/2006/main" xmlns:r="http://schemas.openxmlformats.org/officeDocument/2006/relationships" xmlns:p="http://schemas.openxmlformats.org/presentationml/2006/main">
+  <p:cSld>
+    <p:spTree>
+      <p:nvGrpSpPr>
+        <p:cNvPr id="1" name=""/>
+        <p:cNvGrpSpPr/>
+        <p:nvPr/>
+      </p:nvGrpSpPr>
+      <p:grpSpPr>
+        <a:xfrm>
+          <a:off x="0" y="0"/>
+          <a:ext cx="0" cy="0"/>
+          <a:chOff x="0" y="0"/>
+          <a:chExt cx="0" cy="0"/>
+        </a:xfrm>
+      </p:grpSpPr>
+      <p:sp>
+        <p:nvSpPr>
+          <p:cNvPr id="2" name="Slide Image Placeholder 1"/>
+          <p:cNvSpPr>
+            <a:spLocks noGrp="1" noRot="1" noChangeAspect="1"/>
+          </p:cNvSpPr>
+          <p:nvPr>
+            <p:ph type="sldImg"/>
+          </p:nvPr>
+        </p:nvSpPr>
+        <p:spPr/>
+      </p:sp>
+      <p:sp>
+        <p:nvSpPr>
+          <p:cNvPr id="3" name="Notes Placeholder 2"/>
+          <p:cNvSpPr>
+            <a:spLocks noGrp="1"/>
+          </p:cNvSpPr>
+          <p:nvPr>
+            <p:ph type="body" idx="1"/>
+          </p:nvPr>
+        </p:nvSpPr>
+        <p:spPr/>
+        <p:txBody>
+          <a:bodyPr/>
+          <a:lstStyle/>
+          <a:p>
+            <a:endParaRPr lang="nb-NO" dirty="0"/>
+          </a:p>
+        </p:txBody>
+      </p:sp>
+      <p:sp>
+        <p:nvSpPr>
+          <p:cNvPr id="4" name="Slide Number Placeholder 3"/>
+          <p:cNvSpPr>
+            <a:spLocks noGrp="1"/>
+          </p:cNvSpPr>
+          <p:nvPr>
+            <p:ph type="sldNum" sz="quarter" idx="5"/>
+          </p:nvPr>
+        </p:nvSpPr>
+        <p:spPr/>
+        <p:txBody>
+          <a:bodyPr/>
+          <a:lstStyle/>
+          <a:p>
+            <a:fld id="{0C6A1A9E-9E56-4094-AB2E-3DD200DFCBAC}" type="slidenum">
+              <a:rPr lang="nb-NO" smtClean="0"/>
+              <a:t>3</a:t>
+            </a:fld>
+            <a:endParaRPr lang="nb-NO" dirty="0"/>
+          </a:p>
+        </p:txBody>
+      </p:sp>
+    </p:spTree>
+    <p:extLst>
+      <p:ext uri="{BB962C8B-B14F-4D97-AF65-F5344CB8AC3E}">
+        <p14:creationId xmlns:p14="http://schemas.microsoft.com/office/powerpoint/2010/main" val="1017204725"/>
+      </p:ext>
+    </p:extLst>
+  </p:cSld>
+  <p:clrMapOvr>
+    <a:masterClrMapping/>
+  </p:clrMapOvr>
+</p:notes>
+</file>
+
+<file path=ppt/notesSlides/notesSlide4.xml><?xml version="1.0" encoding="utf-8"?>
+<p:notes xmlns:a="http://schemas.openxmlformats.org/drawingml/2006/main" xmlns:r="http://schemas.openxmlformats.org/officeDocument/2006/relationships" xmlns:p="http://schemas.openxmlformats.org/presentationml/2006/main">
+  <p:cSld>
+    <p:spTree>
+      <p:nvGrpSpPr>
+        <p:cNvPr id="1" name=""/>
+        <p:cNvGrpSpPr/>
+        <p:nvPr/>
+      </p:nvGrpSpPr>
+      <p:grpSpPr>
+        <a:xfrm>
+          <a:off x="0" y="0"/>
+          <a:ext cx="0" cy="0"/>
+          <a:chOff x="0" y="0"/>
+          <a:chExt cx="0" cy="0"/>
+        </a:xfrm>
+      </p:grpSpPr>
+      <p:sp>
+        <p:nvSpPr>
+          <p:cNvPr id="2" name="Slide Image Placeholder 1"/>
+          <p:cNvSpPr>
+            <a:spLocks noGrp="1" noRot="1" noChangeAspect="1"/>
+          </p:cNvSpPr>
+          <p:nvPr>
+            <p:ph type="sldImg"/>
+          </p:nvPr>
+        </p:nvSpPr>
+        <p:spPr/>
+      </p:sp>
+      <p:sp>
+        <p:nvSpPr>
+          <p:cNvPr id="3" name="Notes Placeholder 2"/>
+          <p:cNvSpPr>
+            <a:spLocks noGrp="1"/>
+          </p:cNvSpPr>
+          <p:nvPr>
+            <p:ph type="body" idx="1"/>
+          </p:nvPr>
+        </p:nvSpPr>
+        <p:spPr/>
+        <p:txBody>
+          <a:bodyPr/>
+          <a:lstStyle/>
+          <a:p>
+            <a:endParaRPr lang="nb-NO" dirty="0"/>
+          </a:p>
+        </p:txBody>
+      </p:sp>
+      <p:sp>
+        <p:nvSpPr>
+          <p:cNvPr id="4" name="Slide Number Placeholder 3"/>
+          <p:cNvSpPr>
+            <a:spLocks noGrp="1"/>
+          </p:cNvSpPr>
+          <p:nvPr>
+            <p:ph type="sldNum" sz="quarter" idx="5"/>
+          </p:nvPr>
+        </p:nvSpPr>
+        <p:spPr/>
+        <p:txBody>
+          <a:bodyPr/>
+          <a:lstStyle/>
+          <a:p>
+            <a:fld id="{0C6A1A9E-9E56-4094-AB2E-3DD200DFCBAC}" type="slidenum">
+              <a:rPr lang="nb-NO" smtClean="0"/>
+              <a:t>4</a:t>
+            </a:fld>
+            <a:endParaRPr lang="nb-NO" dirty="0"/>
+          </a:p>
+        </p:txBody>
+      </p:sp>
+    </p:spTree>
+    <p:extLst>
+      <p:ext uri="{BB962C8B-B14F-4D97-AF65-F5344CB8AC3E}">
+        <p14:creationId xmlns:p14="http://schemas.microsoft.com/office/powerpoint/2010/main" val="964964411"/>
+      </p:ext>
+    </p:extLst>
+  </p:cSld>
+  <p:clrMapOvr>
+    <a:masterClrMapping/>
+  </p:clrMapOvr>
+</p:notes>
+</file>
+
+<file path=ppt/notesSlides/notesSlide5.xml><?xml version="1.0" encoding="utf-8"?>
+<p:notes xmlns:a="http://schemas.openxmlformats.org/drawingml/2006/main" xmlns:r="http://schemas.openxmlformats.org/officeDocument/2006/relationships" xmlns:p="http://schemas.openxmlformats.org/presentationml/2006/main">
+  <p:cSld>
+    <p:spTree>
+      <p:nvGrpSpPr>
+        <p:cNvPr id="1" name=""/>
+        <p:cNvGrpSpPr/>
+        <p:nvPr/>
+      </p:nvGrpSpPr>
+      <p:grpSpPr>
+        <a:xfrm>
+          <a:off x="0" y="0"/>
+          <a:ext cx="0" cy="0"/>
+          <a:chOff x="0" y="0"/>
+          <a:chExt cx="0" cy="0"/>
+        </a:xfrm>
+      </p:grpSpPr>
+      <p:sp>
+        <p:nvSpPr>
+          <p:cNvPr id="2" name="Slide Image Placeholder 1"/>
+          <p:cNvSpPr>
+            <a:spLocks noGrp="1" noRot="1" noChangeAspect="1"/>
+          </p:cNvSpPr>
+          <p:nvPr>
+            <p:ph type="sldImg"/>
+          </p:nvPr>
+        </p:nvSpPr>
+        <p:spPr/>
+      </p:sp>
+      <p:sp>
+        <p:nvSpPr>
+          <p:cNvPr id="3" name="Notes Placeholder 2"/>
+          <p:cNvSpPr>
+            <a:spLocks noGrp="1"/>
+          </p:cNvSpPr>
+          <p:nvPr>
+            <p:ph type="body" idx="1"/>
+          </p:nvPr>
+        </p:nvSpPr>
+        <p:spPr/>
+        <p:txBody>
+          <a:bodyPr/>
+          <a:lstStyle/>
+          <a:p>
+            <a:endParaRPr lang="nb-NO" dirty="0"/>
+          </a:p>
+        </p:txBody>
+      </p:sp>
+      <p:sp>
+        <p:nvSpPr>
+          <p:cNvPr id="4" name="Slide Number Placeholder 3"/>
+          <p:cNvSpPr>
+            <a:spLocks noGrp="1"/>
+          </p:cNvSpPr>
+          <p:nvPr>
+            <p:ph type="sldNum" sz="quarter" idx="5"/>
+          </p:nvPr>
+        </p:nvSpPr>
+        <p:spPr/>
+        <p:txBody>
+          <a:bodyPr/>
+          <a:lstStyle/>
+          <a:p>
+            <a:fld id="{0C6A1A9E-9E56-4094-AB2E-3DD200DFCBAC}" type="slidenum">
+              <a:rPr lang="nb-NO" smtClean="0"/>
+              <a:t>5</a:t>
+            </a:fld>
+            <a:endParaRPr lang="nb-NO" dirty="0"/>
+          </a:p>
+        </p:txBody>
+      </p:sp>
+    </p:spTree>
+    <p:extLst>
+      <p:ext uri="{BB962C8B-B14F-4D97-AF65-F5344CB8AC3E}">
+        <p14:creationId xmlns:p14="http://schemas.microsoft.com/office/powerpoint/2010/main" val="1674105865"/>
+      </p:ext>
+    </p:extLst>
+  </p:cSld>
+  <p:clrMapOvr>
+    <a:masterClrMapping/>
+  </p:clrMapOvr>
+</p:notes>
+</file>
+
+<file path=ppt/notesSlides/notesSlide6.xml><?xml version="1.0" encoding="utf-8"?>
+<p:notes xmlns:a="http://schemas.openxmlformats.org/drawingml/2006/main" xmlns:r="http://schemas.openxmlformats.org/officeDocument/2006/relationships" xmlns:p="http://schemas.openxmlformats.org/presentationml/2006/main">
+  <p:cSld>
+    <p:spTree>
+      <p:nvGrpSpPr>
+        <p:cNvPr id="1" name=""/>
+        <p:cNvGrpSpPr/>
+        <p:nvPr/>
+      </p:nvGrpSpPr>
+      <p:grpSpPr>
+        <a:xfrm>
+          <a:off x="0" y="0"/>
+          <a:ext cx="0" cy="0"/>
+          <a:chOff x="0" y="0"/>
+          <a:chExt cx="0" cy="0"/>
+        </a:xfrm>
+      </p:grpSpPr>
+      <p:sp>
+        <p:nvSpPr>
+          <p:cNvPr id="2" name="Slide Image Placeholder 1"/>
+          <p:cNvSpPr>
+            <a:spLocks noGrp="1" noRot="1" noChangeAspect="1"/>
+          </p:cNvSpPr>
+          <p:nvPr>
+            <p:ph type="sldImg"/>
+          </p:nvPr>
+        </p:nvSpPr>
+        <p:spPr/>
+      </p:sp>
+      <p:sp>
+        <p:nvSpPr>
+          <p:cNvPr id="3" name="Notes Placeholder 2"/>
+          <p:cNvSpPr>
+            <a:spLocks noGrp="1"/>
+          </p:cNvSpPr>
+          <p:nvPr>
+            <p:ph type="body" idx="1"/>
+          </p:nvPr>
+        </p:nvSpPr>
+        <p:spPr/>
+        <p:txBody>
+          <a:bodyPr/>
+          <a:lstStyle/>
+          <a:p>
+            <a:endParaRPr lang="nb-NO" dirty="0"/>
+          </a:p>
+        </p:txBody>
+      </p:sp>
+      <p:sp>
+        <p:nvSpPr>
+          <p:cNvPr id="4" name="Slide Number Placeholder 3"/>
+          <p:cNvSpPr>
+            <a:spLocks noGrp="1"/>
+          </p:cNvSpPr>
+          <p:nvPr>
+            <p:ph type="sldNum" sz="quarter" idx="5"/>
+          </p:nvPr>
+        </p:nvSpPr>
+        <p:spPr/>
+        <p:txBody>
+          <a:bodyPr/>
+          <a:lstStyle/>
+          <a:p>
+            <a:fld id="{0C6A1A9E-9E56-4094-AB2E-3DD200DFCBAC}" type="slidenum">
+              <a:rPr lang="nb-NO" smtClean="0"/>
+              <a:t>6</a:t>
+            </a:fld>
+            <a:endParaRPr lang="nb-NO" dirty="0"/>
+          </a:p>
+        </p:txBody>
+      </p:sp>
+    </p:spTree>
+    <p:extLst>
+      <p:ext uri="{BB962C8B-B14F-4D97-AF65-F5344CB8AC3E}">
+        <p14:creationId xmlns:p14="http://schemas.microsoft.com/office/powerpoint/2010/main" val="173012655"/>
+      </p:ext>
+    </p:extLst>
+  </p:cSld>
+  <p:clrMapOvr>
+    <a:masterClrMapping/>
+  </p:clrMapOvr>
+</p:notes>
+</file>
+
+<file path=ppt/notesSlides/notesSlide7.xml><?xml version="1.0" encoding="utf-8"?>
+<p:notes xmlns:a="http://schemas.openxmlformats.org/drawingml/2006/main" xmlns:r="http://schemas.openxmlformats.org/officeDocument/2006/relationships" xmlns:p="http://schemas.openxmlformats.org/presentationml/2006/main">
+  <p:cSld>
+    <p:spTree>
+      <p:nvGrpSpPr>
+        <p:cNvPr id="1" name=""/>
+        <p:cNvGrpSpPr/>
+        <p:nvPr/>
+      </p:nvGrpSpPr>
+      <p:grpSpPr>
+        <a:xfrm>
+          <a:off x="0" y="0"/>
+          <a:ext cx="0" cy="0"/>
+          <a:chOff x="0" y="0"/>
+          <a:chExt cx="0" cy="0"/>
+        </a:xfrm>
+      </p:grpSpPr>
+      <p:sp>
+        <p:nvSpPr>
+          <p:cNvPr id="2" name="Slide Image Placeholder 1"/>
+          <p:cNvSpPr>
+            <a:spLocks noGrp="1" noRot="1" noChangeAspect="1"/>
+          </p:cNvSpPr>
+          <p:nvPr>
+            <p:ph type="sldImg"/>
+          </p:nvPr>
+        </p:nvSpPr>
+        <p:spPr/>
+      </p:sp>
+      <p:sp>
+        <p:nvSpPr>
+          <p:cNvPr id="3" name="Notes Placeholder 2"/>
+          <p:cNvSpPr>
+            <a:spLocks noGrp="1"/>
+          </p:cNvSpPr>
+          <p:nvPr>
+            <p:ph type="body" idx="1"/>
+          </p:nvPr>
+        </p:nvSpPr>
+        <p:spPr/>
+        <p:txBody>
+          <a:bodyPr/>
+          <a:lstStyle/>
+          <a:p>
+            <a:endParaRPr lang="nb-NO" dirty="0"/>
+          </a:p>
+        </p:txBody>
+      </p:sp>
+      <p:sp>
+        <p:nvSpPr>
+          <p:cNvPr id="4" name="Slide Number Placeholder 3"/>
+          <p:cNvSpPr>
+            <a:spLocks noGrp="1"/>
+          </p:cNvSpPr>
+          <p:nvPr>
+            <p:ph type="sldNum" sz="quarter" idx="5"/>
+          </p:nvPr>
+        </p:nvSpPr>
+        <p:spPr/>
+        <p:txBody>
+          <a:bodyPr/>
+          <a:lstStyle/>
+          <a:p>
+            <a:fld id="{0C6A1A9E-9E56-4094-AB2E-3DD200DFCBAC}" type="slidenum">
+              <a:rPr lang="nb-NO" smtClean="0"/>
+              <a:t>7</a:t>
+            </a:fld>
+            <a:endParaRPr lang="nb-NO" dirty="0"/>
+          </a:p>
+        </p:txBody>
+      </p:sp>
+    </p:spTree>
+    <p:extLst>
+      <p:ext uri="{BB962C8B-B14F-4D97-AF65-F5344CB8AC3E}">
+        <p14:creationId xmlns:p14="http://schemas.microsoft.com/office/powerpoint/2010/main" val="806267992"/>
+      </p:ext>
+    </p:extLst>
+  </p:cSld>
+  <p:clrMapOvr>
+    <a:masterClrMapping/>
+  </p:clrMapOvr>
+</p:notes>
+</file>
+
+<file path=ppt/slideLayouts/slideLayout1.xml><?xml version="1.0" encoding="utf-8"?>
+<p:sldLayout xmlns:a="http://schemas.openxmlformats.org/drawingml/2006/main" xmlns:r="http://schemas.openxmlformats.org/officeDocument/2006/relationships" xmlns:p="http://schemas.openxmlformats.org/presentationml/2006/main" showMasterSp="0" preserve="1" userDrawn="1">
+  <p:cSld name="Tittelside">
+    <p:spTree>
+      <p:nvGrpSpPr>
+        <p:cNvPr id="1" name=""/>
+        <p:cNvGrpSpPr/>
+        <p:nvPr/>
+      </p:nvGrpSpPr>
+      <p:grpSpPr>
+        <a:xfrm>
+          <a:off x="0" y="0"/>
+          <a:ext cx="0" cy="0"/>
+          <a:chOff x="0" y="0"/>
+          <a:chExt cx="0" cy="0"/>
+        </a:xfrm>
+      </p:grpSpPr>
+      <p:sp>
+        <p:nvSpPr>
+          <p:cNvPr id="13" name="Plassholder for dato 3"/>
+          <p:cNvSpPr>
+            <a:spLocks noGrp="1"/>
+          </p:cNvSpPr>
+          <p:nvPr>
+            <p:ph type="dt" sz="half" idx="10"/>
           </p:nvPr>
         </p:nvSpPr>
         <p:spPr>
           <a:xfrm>
-            <a:off x="2003079" y="3456043"/>
-            <a:ext cx="5137842" cy="180049"/>
+            <a:off x="2003079" y="3839778"/>
+            <a:ext cx="5137842" cy="200055"/>
           </a:xfrm>
+          <a:prstGeom prst="rect">
+            <a:avLst/>
+          </a:prstGeom>
         </p:spPr>
         <p:txBody>
-          <a:bodyPr lIns="0" tIns="0" rIns="0" bIns="0" anchor="b">
+          <a:bodyPr lIns="0" tIns="0" rIns="0" bIns="0">
             <a:spAutoFit/>
           </a:bodyPr>
           <a:lstStyle>
             <a:lvl1pPr algn="ctr">
-              <a:defRPr sz="1300" cap="all" baseline="0">
+              <a:defRPr sz="1300" b="0">
                 <a:solidFill>
                   <a:schemeClr val="tx1"/>
                 </a:solidFill>
@@ -522,51 +1115,10 @@
             </a:lvl1pPr>
           </a:lstStyle>
           <a:p>
-            <a:r>
-              <a:rPr lang="nb-NO"/>
-              <a:t>Klikk for å redigere tittelstil</a:t>
-            </a:r>
-            <a:endParaRPr lang="nb-NO" dirty="0"/>
-          </a:p>
-        </p:txBody>
-      </p:sp>
-      <p:sp>
-        <p:nvSpPr>
-          <p:cNvPr id="13" name="Plassholder for dato 3"/>
-          <p:cNvSpPr>
-            <a:spLocks noGrp="1"/>
-          </p:cNvSpPr>
-          <p:nvPr>
-            <p:ph type="dt" sz="half" idx="10"/>
-          </p:nvPr>
-        </p:nvSpPr>
-        <p:spPr>
-          <a:xfrm>
-            <a:off x="2003079" y="3627510"/>
-            <a:ext cx="5137842" cy="200055"/>
-          </a:xfrm>
-          <a:prstGeom prst="rect">
-            <a:avLst/>
-          </a:prstGeom>
-        </p:spPr>
-        <p:txBody>
-          <a:bodyPr lIns="0" tIns="0" rIns="0" bIns="0">
-            <a:spAutoFit/>
-          </a:bodyPr>
-          <a:lstStyle>
-            <a:lvl1pPr algn="ctr">
-              <a:defRPr sz="1300" b="1">
-                <a:solidFill>
-                  <a:schemeClr val="tx1"/>
-                </a:solidFill>
-                <a:latin typeface="+mj-lt"/>
-              </a:defRPr>
-            </a:lvl1pPr>
-          </a:lstStyle>
-          <a:p>
             <a:fld id="{CC918E41-4448-4E79-865F-42013EA6E1CC}" type="datetime1">
               <a:rPr lang="nb-NO" smtClean="0"/>
-              <a:t>02.07.2021</a:t>
+              <a:pPr/>
+              <a:t>22.12.2021</a:t>
             </a:fld>
             <a:endParaRPr lang="nb-NO" dirty="0"/>
           </a:p>
@@ -661,6 +1213,44 @@
           </a:prstGeom>
         </p:spPr>
       </p:pic>
+      <p:sp>
+        <p:nvSpPr>
+          <p:cNvPr id="12" name="Tittel 1"/>
+          <p:cNvSpPr>
+            <a:spLocks noGrp="1"/>
+          </p:cNvSpPr>
+          <p:nvPr>
+            <p:ph type="ctrTitle" hasCustomPrompt="1"/>
+          </p:nvPr>
+        </p:nvSpPr>
+        <p:spPr>
+          <a:xfrm>
+            <a:off x="2003079" y="3414493"/>
+            <a:ext cx="5137842" cy="221599"/>
+          </a:xfrm>
+        </p:spPr>
+        <p:txBody>
+          <a:bodyPr lIns="0" tIns="0" rIns="0" bIns="0" anchor="ctr">
+            <a:spAutoFit/>
+          </a:bodyPr>
+          <a:lstStyle>
+            <a:lvl1pPr algn="ctr">
+              <a:defRPr sz="1600" cap="none" baseline="0">
+                <a:solidFill>
+                  <a:schemeClr val="tx1"/>
+                </a:solidFill>
+                <a:latin typeface="+mj-lt"/>
+              </a:defRPr>
+            </a:lvl1pPr>
+          </a:lstStyle>
+          <a:p>
+            <a:r>
+              <a:rPr lang="nb-NO" dirty="0"/>
+              <a:t>Klikk for å legge inn tittel</a:t>
+            </a:r>
+          </a:p>
+        </p:txBody>
+      </p:sp>
     </p:spTree>
     <p:extLst>
       <p:ext uri="{BB962C8B-B14F-4D97-AF65-F5344CB8AC3E}">
@@ -675,6 +1265,1220 @@
 </file>
 
 <file path=ppt/slideLayouts/slideLayout10.xml><?xml version="1.0" encoding="utf-8"?>
+<p:sldLayout xmlns:a="http://schemas.openxmlformats.org/drawingml/2006/main" xmlns:r="http://schemas.openxmlformats.org/officeDocument/2006/relationships" xmlns:p="http://schemas.openxmlformats.org/presentationml/2006/main" type="secHead" preserve="1">
+  <p:cSld name="Deloverskrift">
+    <p:spTree>
+      <p:nvGrpSpPr>
+        <p:cNvPr id="1" name=""/>
+        <p:cNvGrpSpPr/>
+        <p:nvPr/>
+      </p:nvGrpSpPr>
+      <p:grpSpPr>
+        <a:xfrm>
+          <a:off x="0" y="0"/>
+          <a:ext cx="0" cy="0"/>
+          <a:chOff x="0" y="0"/>
+          <a:chExt cx="0" cy="0"/>
+        </a:xfrm>
+      </p:grpSpPr>
+      <p:sp>
+        <p:nvSpPr>
+          <p:cNvPr id="2" name="Tittel 1"/>
+          <p:cNvSpPr>
+            <a:spLocks noGrp="1"/>
+          </p:cNvSpPr>
+          <p:nvPr>
+            <p:ph type="title" hasCustomPrompt="1"/>
+          </p:nvPr>
+        </p:nvSpPr>
+        <p:spPr>
+          <a:xfrm>
+            <a:off x="623888" y="1282700"/>
+            <a:ext cx="7886700" cy="2140213"/>
+          </a:xfrm>
+        </p:spPr>
+        <p:txBody>
+          <a:bodyPr anchor="b"/>
+          <a:lstStyle>
+            <a:lvl1pPr>
+              <a:defRPr sz="4500"/>
+            </a:lvl1pPr>
+          </a:lstStyle>
+          <a:p>
+            <a:r>
+              <a:rPr lang="nb-NO" dirty="0"/>
+              <a:t>Klikk for å legge til tittel</a:t>
+            </a:r>
+          </a:p>
+        </p:txBody>
+      </p:sp>
+      <p:sp>
+        <p:nvSpPr>
+          <p:cNvPr id="3" name="Plassholder for tekst 2"/>
+          <p:cNvSpPr>
+            <a:spLocks noGrp="1"/>
+          </p:cNvSpPr>
+          <p:nvPr>
+            <p:ph type="body" idx="1" hasCustomPrompt="1"/>
+          </p:nvPr>
+        </p:nvSpPr>
+        <p:spPr>
+          <a:xfrm>
+            <a:off x="623888" y="3443160"/>
+            <a:ext cx="7886700" cy="1125488"/>
+          </a:xfrm>
+        </p:spPr>
+        <p:txBody>
+          <a:bodyPr/>
+          <a:lstStyle>
+            <a:lvl1pPr marL="0" indent="0">
+              <a:buNone/>
+              <a:defRPr sz="1800">
+                <a:solidFill>
+                  <a:schemeClr val="tx1">
+                    <a:tint val="75000"/>
+                  </a:schemeClr>
+                </a:solidFill>
+              </a:defRPr>
+            </a:lvl1pPr>
+            <a:lvl2pPr marL="342900" indent="0">
+              <a:buNone/>
+              <a:defRPr sz="1500">
+                <a:solidFill>
+                  <a:schemeClr val="tx1">
+                    <a:tint val="75000"/>
+                  </a:schemeClr>
+                </a:solidFill>
+              </a:defRPr>
+            </a:lvl2pPr>
+            <a:lvl3pPr marL="685800" indent="0">
+              <a:buNone/>
+              <a:defRPr sz="1350">
+                <a:solidFill>
+                  <a:schemeClr val="tx1">
+                    <a:tint val="75000"/>
+                  </a:schemeClr>
+                </a:solidFill>
+              </a:defRPr>
+            </a:lvl3pPr>
+            <a:lvl4pPr marL="1028700" indent="0">
+              <a:buNone/>
+              <a:defRPr sz="1200">
+                <a:solidFill>
+                  <a:schemeClr val="tx1">
+                    <a:tint val="75000"/>
+                  </a:schemeClr>
+                </a:solidFill>
+              </a:defRPr>
+            </a:lvl4pPr>
+            <a:lvl5pPr marL="1371600" indent="0">
+              <a:buNone/>
+              <a:defRPr sz="1200">
+                <a:solidFill>
+                  <a:schemeClr val="tx1">
+                    <a:tint val="75000"/>
+                  </a:schemeClr>
+                </a:solidFill>
+              </a:defRPr>
+            </a:lvl5pPr>
+            <a:lvl6pPr marL="1714500" indent="0">
+              <a:buNone/>
+              <a:defRPr sz="1200">
+                <a:solidFill>
+                  <a:schemeClr val="tx1">
+                    <a:tint val="75000"/>
+                  </a:schemeClr>
+                </a:solidFill>
+              </a:defRPr>
+            </a:lvl6pPr>
+            <a:lvl7pPr marL="2057400" indent="0">
+              <a:buNone/>
+              <a:defRPr sz="1200">
+                <a:solidFill>
+                  <a:schemeClr val="tx1">
+                    <a:tint val="75000"/>
+                  </a:schemeClr>
+                </a:solidFill>
+              </a:defRPr>
+            </a:lvl7pPr>
+            <a:lvl8pPr marL="2400300" indent="0">
+              <a:buNone/>
+              <a:defRPr sz="1200">
+                <a:solidFill>
+                  <a:schemeClr val="tx1">
+                    <a:tint val="75000"/>
+                  </a:schemeClr>
+                </a:solidFill>
+              </a:defRPr>
+            </a:lvl8pPr>
+            <a:lvl9pPr marL="2743200" indent="0">
+              <a:buNone/>
+              <a:defRPr sz="1200">
+                <a:solidFill>
+                  <a:schemeClr val="tx1">
+                    <a:tint val="75000"/>
+                  </a:schemeClr>
+                </a:solidFill>
+              </a:defRPr>
+            </a:lvl9pPr>
+          </a:lstStyle>
+          <a:p>
+            <a:pPr lvl="0"/>
+            <a:r>
+              <a:rPr lang="nb-NO" dirty="0"/>
+              <a:t>Klikk for å legge til undertittel</a:t>
+            </a:r>
+          </a:p>
+        </p:txBody>
+      </p:sp>
+      <p:sp>
+        <p:nvSpPr>
+          <p:cNvPr id="5" name="Plassholder for bunntekst 4"/>
+          <p:cNvSpPr>
+            <a:spLocks noGrp="1"/>
+          </p:cNvSpPr>
+          <p:nvPr>
+            <p:ph type="ftr" sz="quarter" idx="11"/>
+          </p:nvPr>
+        </p:nvSpPr>
+        <p:spPr/>
+        <p:txBody>
+          <a:bodyPr/>
+          <a:lstStyle/>
+          <a:p>
+            <a:endParaRPr lang="nb-NO" dirty="0"/>
+          </a:p>
+        </p:txBody>
+      </p:sp>
+      <p:sp>
+        <p:nvSpPr>
+          <p:cNvPr id="6" name="Plassholder for lysbildenummer 5"/>
+          <p:cNvSpPr>
+            <a:spLocks noGrp="1"/>
+          </p:cNvSpPr>
+          <p:nvPr>
+            <p:ph type="sldNum" sz="quarter" idx="12"/>
+          </p:nvPr>
+        </p:nvSpPr>
+        <p:spPr/>
+        <p:txBody>
+          <a:bodyPr/>
+          <a:lstStyle/>
+          <a:p>
+            <a:fld id="{35E025E5-F4E9-4572-B8CF-5901727261FC}" type="slidenum">
+              <a:rPr lang="nb-NO" smtClean="0"/>
+              <a:t>‹#›</a:t>
+            </a:fld>
+            <a:endParaRPr lang="nb-NO" dirty="0"/>
+          </a:p>
+        </p:txBody>
+      </p:sp>
+    </p:spTree>
+    <p:extLst>
+      <p:ext uri="{BB962C8B-B14F-4D97-AF65-F5344CB8AC3E}">
+        <p14:creationId xmlns:p14="http://schemas.microsoft.com/office/powerpoint/2010/main" val="2803204339"/>
+      </p:ext>
+    </p:extLst>
+  </p:cSld>
+  <p:clrMapOvr>
+    <a:masterClrMapping/>
+  </p:clrMapOvr>
+</p:sldLayout>
+</file>
+
+<file path=ppt/slideLayouts/slideLayout11.xml><?xml version="1.0" encoding="utf-8"?>
+<p:sldLayout xmlns:a="http://schemas.openxmlformats.org/drawingml/2006/main" xmlns:r="http://schemas.openxmlformats.org/officeDocument/2006/relationships" xmlns:p="http://schemas.openxmlformats.org/presentationml/2006/main" type="twoObj" preserve="1">
+  <p:cSld name="To innholdsdeler">
+    <p:spTree>
+      <p:nvGrpSpPr>
+        <p:cNvPr id="1" name=""/>
+        <p:cNvGrpSpPr/>
+        <p:nvPr/>
+      </p:nvGrpSpPr>
+      <p:grpSpPr>
+        <a:xfrm>
+          <a:off x="0" y="0"/>
+          <a:ext cx="0" cy="0"/>
+          <a:chOff x="0" y="0"/>
+          <a:chExt cx="0" cy="0"/>
+        </a:xfrm>
+      </p:grpSpPr>
+      <p:sp>
+        <p:nvSpPr>
+          <p:cNvPr id="2" name="Tittel 1"/>
+          <p:cNvSpPr>
+            <a:spLocks noGrp="1"/>
+          </p:cNvSpPr>
+          <p:nvPr>
+            <p:ph type="title" hasCustomPrompt="1"/>
+          </p:nvPr>
+        </p:nvSpPr>
+        <p:spPr/>
+        <p:txBody>
+          <a:bodyPr/>
+          <a:lstStyle/>
+          <a:p>
+            <a:r>
+              <a:rPr lang="nb-NO" dirty="0"/>
+              <a:t>Klikk for å legge til tittel</a:t>
+            </a:r>
+          </a:p>
+        </p:txBody>
+      </p:sp>
+      <p:sp>
+        <p:nvSpPr>
+          <p:cNvPr id="3" name="Plassholder for innhold 2"/>
+          <p:cNvSpPr>
+            <a:spLocks noGrp="1"/>
+          </p:cNvSpPr>
+          <p:nvPr>
+            <p:ph sz="half" idx="1" hasCustomPrompt="1"/>
+          </p:nvPr>
+        </p:nvSpPr>
+        <p:spPr>
+          <a:xfrm>
+            <a:off x="628650" y="1369642"/>
+            <a:ext cx="3886200" cy="3042380"/>
+          </a:xfrm>
+        </p:spPr>
+        <p:txBody>
+          <a:bodyPr/>
+          <a:lstStyle>
+            <a:lvl1pPr>
+              <a:defRPr/>
+            </a:lvl1pPr>
+          </a:lstStyle>
+          <a:p>
+            <a:pPr lvl="0"/>
+            <a:r>
+              <a:rPr lang="nb-NO" dirty="0"/>
+              <a:t>Klikk for å legge til tekst</a:t>
+            </a:r>
+          </a:p>
+          <a:p>
+            <a:pPr lvl="1"/>
+            <a:r>
+              <a:rPr lang="nb-NO" dirty="0"/>
+              <a:t>Andre nivå</a:t>
+            </a:r>
+          </a:p>
+          <a:p>
+            <a:pPr lvl="2"/>
+            <a:r>
+              <a:rPr lang="nb-NO" dirty="0"/>
+              <a:t>Tredje nivå</a:t>
+            </a:r>
+          </a:p>
+          <a:p>
+            <a:pPr lvl="3"/>
+            <a:r>
+              <a:rPr lang="nb-NO" dirty="0"/>
+              <a:t>Fjerde nivå</a:t>
+            </a:r>
+          </a:p>
+          <a:p>
+            <a:pPr lvl="4"/>
+            <a:r>
+              <a:rPr lang="nb-NO" dirty="0"/>
+              <a:t>Femte nivå</a:t>
+            </a:r>
+          </a:p>
+        </p:txBody>
+      </p:sp>
+      <p:sp>
+        <p:nvSpPr>
+          <p:cNvPr id="4" name="Plassholder for innhold 3"/>
+          <p:cNvSpPr>
+            <a:spLocks noGrp="1"/>
+          </p:cNvSpPr>
+          <p:nvPr>
+            <p:ph sz="half" idx="2" hasCustomPrompt="1"/>
+          </p:nvPr>
+        </p:nvSpPr>
+        <p:spPr>
+          <a:xfrm>
+            <a:off x="4629150" y="1369642"/>
+            <a:ext cx="3886200" cy="3042380"/>
+          </a:xfrm>
+        </p:spPr>
+        <p:txBody>
+          <a:bodyPr/>
+          <a:lstStyle>
+            <a:lvl1pPr>
+              <a:defRPr/>
+            </a:lvl1pPr>
+          </a:lstStyle>
+          <a:p>
+            <a:pPr lvl="0"/>
+            <a:r>
+              <a:rPr lang="nb-NO" dirty="0"/>
+              <a:t>Klikk for å legge til tekst</a:t>
+            </a:r>
+          </a:p>
+          <a:p>
+            <a:pPr lvl="1"/>
+            <a:r>
+              <a:rPr lang="nb-NO" dirty="0"/>
+              <a:t>Andre nivå</a:t>
+            </a:r>
+          </a:p>
+          <a:p>
+            <a:pPr lvl="2"/>
+            <a:r>
+              <a:rPr lang="nb-NO" dirty="0"/>
+              <a:t>Tredje nivå</a:t>
+            </a:r>
+          </a:p>
+          <a:p>
+            <a:pPr lvl="3"/>
+            <a:r>
+              <a:rPr lang="nb-NO" dirty="0"/>
+              <a:t>Fjerde nivå</a:t>
+            </a:r>
+          </a:p>
+          <a:p>
+            <a:pPr lvl="4"/>
+            <a:r>
+              <a:rPr lang="nb-NO" dirty="0"/>
+              <a:t>Femte nivå</a:t>
+            </a:r>
+          </a:p>
+        </p:txBody>
+      </p:sp>
+      <p:sp>
+        <p:nvSpPr>
+          <p:cNvPr id="6" name="Plassholder for bunntekst 5"/>
+          <p:cNvSpPr>
+            <a:spLocks noGrp="1"/>
+          </p:cNvSpPr>
+          <p:nvPr>
+            <p:ph type="ftr" sz="quarter" idx="11"/>
+          </p:nvPr>
+        </p:nvSpPr>
+        <p:spPr/>
+        <p:txBody>
+          <a:bodyPr/>
+          <a:lstStyle/>
+          <a:p>
+            <a:endParaRPr lang="nb-NO" dirty="0"/>
+          </a:p>
+        </p:txBody>
+      </p:sp>
+      <p:sp>
+        <p:nvSpPr>
+          <p:cNvPr id="7" name="Plassholder for lysbildenummer 6"/>
+          <p:cNvSpPr>
+            <a:spLocks noGrp="1"/>
+          </p:cNvSpPr>
+          <p:nvPr>
+            <p:ph type="sldNum" sz="quarter" idx="12"/>
+          </p:nvPr>
+        </p:nvSpPr>
+        <p:spPr/>
+        <p:txBody>
+          <a:bodyPr/>
+          <a:lstStyle/>
+          <a:p>
+            <a:fld id="{35E025E5-F4E9-4572-B8CF-5901727261FC}" type="slidenum">
+              <a:rPr lang="nb-NO" smtClean="0"/>
+              <a:t>‹#›</a:t>
+            </a:fld>
+            <a:endParaRPr lang="nb-NO" dirty="0"/>
+          </a:p>
+        </p:txBody>
+      </p:sp>
+    </p:spTree>
+    <p:extLst>
+      <p:ext uri="{BB962C8B-B14F-4D97-AF65-F5344CB8AC3E}">
+        <p14:creationId xmlns:p14="http://schemas.microsoft.com/office/powerpoint/2010/main" val="4046789185"/>
+      </p:ext>
+    </p:extLst>
+  </p:cSld>
+  <p:clrMapOvr>
+    <a:masterClrMapping/>
+  </p:clrMapOvr>
+</p:sldLayout>
+</file>
+
+<file path=ppt/slideLayouts/slideLayout12.xml><?xml version="1.0" encoding="utf-8"?>
+<p:sldLayout xmlns:a="http://schemas.openxmlformats.org/drawingml/2006/main" xmlns:r="http://schemas.openxmlformats.org/officeDocument/2006/relationships" xmlns:p="http://schemas.openxmlformats.org/presentationml/2006/main" preserve="1" userDrawn="1">
+  <p:cSld name="Sammenligning">
+    <p:spTree>
+      <p:nvGrpSpPr>
+        <p:cNvPr id="1" name=""/>
+        <p:cNvGrpSpPr/>
+        <p:nvPr/>
+      </p:nvGrpSpPr>
+      <p:grpSpPr>
+        <a:xfrm>
+          <a:off x="0" y="0"/>
+          <a:ext cx="0" cy="0"/>
+          <a:chOff x="0" y="0"/>
+          <a:chExt cx="0" cy="0"/>
+        </a:xfrm>
+      </p:grpSpPr>
+      <p:sp>
+        <p:nvSpPr>
+          <p:cNvPr id="3" name="Plassholder for tekst 2"/>
+          <p:cNvSpPr>
+            <a:spLocks noGrp="1"/>
+          </p:cNvSpPr>
+          <p:nvPr>
+            <p:ph type="body" idx="1" hasCustomPrompt="1"/>
+          </p:nvPr>
+        </p:nvSpPr>
+        <p:spPr>
+          <a:xfrm>
+            <a:off x="628650" y="1369642"/>
+            <a:ext cx="3886200" cy="601190"/>
+          </a:xfrm>
+        </p:spPr>
+        <p:txBody>
+          <a:bodyPr anchor="t">
+            <a:noAutofit/>
+          </a:bodyPr>
+          <a:lstStyle>
+            <a:lvl1pPr marL="0" indent="0">
+              <a:buNone/>
+              <a:defRPr sz="1800" b="1"/>
+            </a:lvl1pPr>
+            <a:lvl2pPr marL="342900" indent="0">
+              <a:buNone/>
+              <a:defRPr sz="1500" b="1"/>
+            </a:lvl2pPr>
+            <a:lvl3pPr marL="685800" indent="0">
+              <a:buNone/>
+              <a:defRPr sz="1350" b="1"/>
+            </a:lvl3pPr>
+            <a:lvl4pPr marL="1028700" indent="0">
+              <a:buNone/>
+              <a:defRPr sz="1200" b="1"/>
+            </a:lvl4pPr>
+            <a:lvl5pPr marL="1371600" indent="0">
+              <a:buNone/>
+              <a:defRPr sz="1200" b="1"/>
+            </a:lvl5pPr>
+            <a:lvl6pPr marL="1714500" indent="0">
+              <a:buNone/>
+              <a:defRPr sz="1200" b="1"/>
+            </a:lvl6pPr>
+            <a:lvl7pPr marL="2057400" indent="0">
+              <a:buNone/>
+              <a:defRPr sz="1200" b="1"/>
+            </a:lvl7pPr>
+            <a:lvl8pPr marL="2400300" indent="0">
+              <a:buNone/>
+              <a:defRPr sz="1200" b="1"/>
+            </a:lvl8pPr>
+            <a:lvl9pPr marL="2743200" indent="0">
+              <a:buNone/>
+              <a:defRPr sz="1200" b="1"/>
+            </a:lvl9pPr>
+          </a:lstStyle>
+          <a:p>
+            <a:pPr lvl="0"/>
+            <a:r>
+              <a:rPr lang="nb-NO" dirty="0"/>
+              <a:t>Klikk for å legge til tekst</a:t>
+            </a:r>
+          </a:p>
+        </p:txBody>
+      </p:sp>
+      <p:sp>
+        <p:nvSpPr>
+          <p:cNvPr id="8" name="Plassholder for bunntekst 7"/>
+          <p:cNvSpPr>
+            <a:spLocks noGrp="1"/>
+          </p:cNvSpPr>
+          <p:nvPr>
+            <p:ph type="ftr" sz="quarter" idx="11"/>
+          </p:nvPr>
+        </p:nvSpPr>
+        <p:spPr/>
+        <p:txBody>
+          <a:bodyPr/>
+          <a:lstStyle/>
+          <a:p>
+            <a:endParaRPr lang="nb-NO" dirty="0"/>
+          </a:p>
+        </p:txBody>
+      </p:sp>
+      <p:sp>
+        <p:nvSpPr>
+          <p:cNvPr id="9" name="Plassholder for lysbildenummer 8"/>
+          <p:cNvSpPr>
+            <a:spLocks noGrp="1"/>
+          </p:cNvSpPr>
+          <p:nvPr>
+            <p:ph type="sldNum" sz="quarter" idx="12"/>
+          </p:nvPr>
+        </p:nvSpPr>
+        <p:spPr/>
+        <p:txBody>
+          <a:bodyPr/>
+          <a:lstStyle/>
+          <a:p>
+            <a:fld id="{35E025E5-F4E9-4572-B8CF-5901727261FC}" type="slidenum">
+              <a:rPr lang="nb-NO" smtClean="0"/>
+              <a:t>‹#›</a:t>
+            </a:fld>
+            <a:endParaRPr lang="nb-NO" dirty="0"/>
+          </a:p>
+        </p:txBody>
+      </p:sp>
+      <p:sp>
+        <p:nvSpPr>
+          <p:cNvPr id="10" name="Plassholder for tittel 1"/>
+          <p:cNvSpPr>
+            <a:spLocks noGrp="1"/>
+          </p:cNvSpPr>
+          <p:nvPr>
+            <p:ph type="title" hasCustomPrompt="1"/>
+          </p:nvPr>
+        </p:nvSpPr>
+        <p:spPr>
+          <a:xfrm>
+            <a:off x="628650" y="351954"/>
+            <a:ext cx="7886700" cy="828104"/>
+          </a:xfrm>
+          <a:prstGeom prst="rect">
+            <a:avLst/>
+          </a:prstGeom>
+        </p:spPr>
+        <p:txBody>
+          <a:bodyPr vert="horz" lIns="0" tIns="0" rIns="0" bIns="0" rtlCol="0" anchor="ctr">
+            <a:noAutofit/>
+          </a:bodyPr>
+          <a:lstStyle/>
+          <a:p>
+            <a:r>
+              <a:rPr lang="nb-NO" dirty="0"/>
+              <a:t>Klikk for å legge til tittel</a:t>
+            </a:r>
+          </a:p>
+        </p:txBody>
+      </p:sp>
+      <p:sp>
+        <p:nvSpPr>
+          <p:cNvPr id="12" name="Plassholder for tekst 2"/>
+          <p:cNvSpPr>
+            <a:spLocks noGrp="1"/>
+          </p:cNvSpPr>
+          <p:nvPr>
+            <p:ph type="body" idx="14" hasCustomPrompt="1"/>
+          </p:nvPr>
+        </p:nvSpPr>
+        <p:spPr>
+          <a:xfrm>
+            <a:off x="4629150" y="1369642"/>
+            <a:ext cx="3886200" cy="601190"/>
+          </a:xfrm>
+        </p:spPr>
+        <p:txBody>
+          <a:bodyPr anchor="t">
+            <a:noAutofit/>
+          </a:bodyPr>
+          <a:lstStyle>
+            <a:lvl1pPr marL="0" indent="0">
+              <a:buNone/>
+              <a:defRPr sz="1800" b="1"/>
+            </a:lvl1pPr>
+            <a:lvl2pPr marL="342900" indent="0">
+              <a:buNone/>
+              <a:defRPr sz="1500" b="1"/>
+            </a:lvl2pPr>
+            <a:lvl3pPr marL="685800" indent="0">
+              <a:buNone/>
+              <a:defRPr sz="1350" b="1"/>
+            </a:lvl3pPr>
+            <a:lvl4pPr marL="1028700" indent="0">
+              <a:buNone/>
+              <a:defRPr sz="1200" b="1"/>
+            </a:lvl4pPr>
+            <a:lvl5pPr marL="1371600" indent="0">
+              <a:buNone/>
+              <a:defRPr sz="1200" b="1"/>
+            </a:lvl5pPr>
+            <a:lvl6pPr marL="1714500" indent="0">
+              <a:buNone/>
+              <a:defRPr sz="1200" b="1"/>
+            </a:lvl6pPr>
+            <a:lvl7pPr marL="2057400" indent="0">
+              <a:buNone/>
+              <a:defRPr sz="1200" b="1"/>
+            </a:lvl7pPr>
+            <a:lvl8pPr marL="2400300" indent="0">
+              <a:buNone/>
+              <a:defRPr sz="1200" b="1"/>
+            </a:lvl8pPr>
+            <a:lvl9pPr marL="2743200" indent="0">
+              <a:buNone/>
+              <a:defRPr sz="1200" b="1"/>
+            </a:lvl9pPr>
+          </a:lstStyle>
+          <a:p>
+            <a:pPr lvl="0"/>
+            <a:r>
+              <a:rPr lang="nb-NO" dirty="0"/>
+              <a:t>Klikk for å legge til tekst</a:t>
+            </a:r>
+          </a:p>
+        </p:txBody>
+      </p:sp>
+      <p:sp>
+        <p:nvSpPr>
+          <p:cNvPr id="13" name="Plassholder for innhold 2"/>
+          <p:cNvSpPr>
+            <a:spLocks noGrp="1"/>
+          </p:cNvSpPr>
+          <p:nvPr>
+            <p:ph sz="half" idx="15" hasCustomPrompt="1"/>
+          </p:nvPr>
+        </p:nvSpPr>
+        <p:spPr>
+          <a:xfrm>
+            <a:off x="4629150" y="1970832"/>
+            <a:ext cx="3886200" cy="2441189"/>
+          </a:xfrm>
+        </p:spPr>
+        <p:txBody>
+          <a:bodyPr/>
+          <a:lstStyle/>
+          <a:p>
+            <a:pPr lvl="0"/>
+            <a:r>
+              <a:rPr lang="nb-NO" dirty="0"/>
+              <a:t>Klikk for å legge til tekst</a:t>
+            </a:r>
+          </a:p>
+          <a:p>
+            <a:pPr lvl="1"/>
+            <a:r>
+              <a:rPr lang="nb-NO" dirty="0"/>
+              <a:t>Andre nivå</a:t>
+            </a:r>
+          </a:p>
+          <a:p>
+            <a:pPr lvl="2"/>
+            <a:r>
+              <a:rPr lang="nb-NO" dirty="0"/>
+              <a:t>Tredje nivå</a:t>
+            </a:r>
+          </a:p>
+          <a:p>
+            <a:pPr lvl="3"/>
+            <a:r>
+              <a:rPr lang="nb-NO" dirty="0"/>
+              <a:t>Fjerde nivå</a:t>
+            </a:r>
+          </a:p>
+          <a:p>
+            <a:pPr lvl="4"/>
+            <a:r>
+              <a:rPr lang="nb-NO" dirty="0"/>
+              <a:t>Femte nivå</a:t>
+            </a:r>
+          </a:p>
+        </p:txBody>
+      </p:sp>
+      <p:sp>
+        <p:nvSpPr>
+          <p:cNvPr id="2" name="Content Placeholder 1">
+            <a:extLst>
+              <a:ext uri="{FF2B5EF4-FFF2-40B4-BE49-F238E27FC236}">
+                <a16:creationId xmlns:a16="http://schemas.microsoft.com/office/drawing/2014/main" id="{F269327F-7799-4597-BCED-BE3A21D9E2C9}"/>
+              </a:ext>
+            </a:extLst>
+          </p:cNvPr>
+          <p:cNvSpPr>
+            <a:spLocks noGrp="1"/>
+          </p:cNvSpPr>
+          <p:nvPr>
+            <p:ph sz="quarter" idx="16" hasCustomPrompt="1"/>
+          </p:nvPr>
+        </p:nvSpPr>
+        <p:spPr>
+          <a:xfrm>
+            <a:off x="628650" y="1970833"/>
+            <a:ext cx="3886200" cy="2441189"/>
+          </a:xfrm>
+          <a:prstGeom prst="rect">
+            <a:avLst/>
+          </a:prstGeom>
+        </p:spPr>
+        <p:txBody>
+          <a:bodyPr lIns="0" tIns="0" rIns="0" bIns="0"/>
+          <a:lstStyle/>
+          <a:p>
+            <a:pPr lvl="0"/>
+            <a:r>
+              <a:rPr lang="nb-NO" dirty="0"/>
+              <a:t>Klikk for å legge til tekst</a:t>
+            </a:r>
+          </a:p>
+          <a:p>
+            <a:pPr lvl="1"/>
+            <a:r>
+              <a:rPr lang="en-US" dirty="0"/>
+              <a:t>Second level</a:t>
+            </a:r>
+          </a:p>
+          <a:p>
+            <a:pPr lvl="2"/>
+            <a:r>
+              <a:rPr lang="en-US" dirty="0"/>
+              <a:t>Third level</a:t>
+            </a:r>
+          </a:p>
+          <a:p>
+            <a:pPr lvl="3"/>
+            <a:r>
+              <a:rPr lang="en-US" dirty="0"/>
+              <a:t>Fourth level</a:t>
+            </a:r>
+          </a:p>
+          <a:p>
+            <a:pPr lvl="4"/>
+            <a:r>
+              <a:rPr lang="en-US" dirty="0"/>
+              <a:t>Fifth level</a:t>
+            </a:r>
+            <a:endParaRPr lang="en-GB" dirty="0"/>
+          </a:p>
+        </p:txBody>
+      </p:sp>
+    </p:spTree>
+    <p:extLst>
+      <p:ext uri="{BB962C8B-B14F-4D97-AF65-F5344CB8AC3E}">
+        <p14:creationId xmlns:p14="http://schemas.microsoft.com/office/powerpoint/2010/main" val="3775116170"/>
+      </p:ext>
+    </p:extLst>
+  </p:cSld>
+  <p:clrMapOvr>
+    <a:masterClrMapping/>
+  </p:clrMapOvr>
+</p:sldLayout>
+</file>
+
+<file path=ppt/slideLayouts/slideLayout13.xml><?xml version="1.0" encoding="utf-8"?>
+<p:sldLayout xmlns:a="http://schemas.openxmlformats.org/drawingml/2006/main" xmlns:r="http://schemas.openxmlformats.org/officeDocument/2006/relationships" xmlns:p="http://schemas.openxmlformats.org/presentationml/2006/main" type="titleOnly" preserve="1">
+  <p:cSld name="Bare tittel">
+    <p:spTree>
+      <p:nvGrpSpPr>
+        <p:cNvPr id="1" name=""/>
+        <p:cNvGrpSpPr/>
+        <p:nvPr/>
+      </p:nvGrpSpPr>
+      <p:grpSpPr>
+        <a:xfrm>
+          <a:off x="0" y="0"/>
+          <a:ext cx="0" cy="0"/>
+          <a:chOff x="0" y="0"/>
+          <a:chExt cx="0" cy="0"/>
+        </a:xfrm>
+      </p:grpSpPr>
+      <p:sp>
+        <p:nvSpPr>
+          <p:cNvPr id="2" name="Tittel 1"/>
+          <p:cNvSpPr>
+            <a:spLocks noGrp="1"/>
+          </p:cNvSpPr>
+          <p:nvPr>
+            <p:ph type="title" hasCustomPrompt="1"/>
+          </p:nvPr>
+        </p:nvSpPr>
+        <p:spPr/>
+        <p:txBody>
+          <a:bodyPr/>
+          <a:lstStyle/>
+          <a:p>
+            <a:r>
+              <a:rPr lang="nb-NO" dirty="0"/>
+              <a:t>Klikk for å legge til tittel</a:t>
+            </a:r>
+          </a:p>
+        </p:txBody>
+      </p:sp>
+      <p:sp>
+        <p:nvSpPr>
+          <p:cNvPr id="4" name="Plassholder for bunntekst 3"/>
+          <p:cNvSpPr>
+            <a:spLocks noGrp="1"/>
+          </p:cNvSpPr>
+          <p:nvPr>
+            <p:ph type="ftr" sz="quarter" idx="11"/>
+          </p:nvPr>
+        </p:nvSpPr>
+        <p:spPr/>
+        <p:txBody>
+          <a:bodyPr/>
+          <a:lstStyle/>
+          <a:p>
+            <a:endParaRPr lang="nb-NO" dirty="0"/>
+          </a:p>
+        </p:txBody>
+      </p:sp>
+      <p:sp>
+        <p:nvSpPr>
+          <p:cNvPr id="5" name="Plassholder for lysbildenummer 4"/>
+          <p:cNvSpPr>
+            <a:spLocks noGrp="1"/>
+          </p:cNvSpPr>
+          <p:nvPr>
+            <p:ph type="sldNum" sz="quarter" idx="12"/>
+          </p:nvPr>
+        </p:nvSpPr>
+        <p:spPr/>
+        <p:txBody>
+          <a:bodyPr/>
+          <a:lstStyle/>
+          <a:p>
+            <a:fld id="{35E025E5-F4E9-4572-B8CF-5901727261FC}" type="slidenum">
+              <a:rPr lang="nb-NO" smtClean="0"/>
+              <a:t>‹#›</a:t>
+            </a:fld>
+            <a:endParaRPr lang="nb-NO" dirty="0"/>
+          </a:p>
+        </p:txBody>
+      </p:sp>
+    </p:spTree>
+    <p:extLst>
+      <p:ext uri="{BB962C8B-B14F-4D97-AF65-F5344CB8AC3E}">
+        <p14:creationId xmlns:p14="http://schemas.microsoft.com/office/powerpoint/2010/main" val="2436915275"/>
+      </p:ext>
+    </p:extLst>
+  </p:cSld>
+  <p:clrMapOvr>
+    <a:masterClrMapping/>
+  </p:clrMapOvr>
+</p:sldLayout>
+</file>
+
+<file path=ppt/slideLayouts/slideLayout14.xml><?xml version="1.0" encoding="utf-8"?>
+<p:sldLayout xmlns:a="http://schemas.openxmlformats.org/drawingml/2006/main" xmlns:r="http://schemas.openxmlformats.org/officeDocument/2006/relationships" xmlns:p="http://schemas.openxmlformats.org/presentationml/2006/main" type="blank" preserve="1">
+  <p:cSld name="Tomt">
+    <p:spTree>
+      <p:nvGrpSpPr>
+        <p:cNvPr id="1" name=""/>
+        <p:cNvGrpSpPr/>
+        <p:nvPr/>
+      </p:nvGrpSpPr>
+      <p:grpSpPr>
+        <a:xfrm>
+          <a:off x="0" y="0"/>
+          <a:ext cx="0" cy="0"/>
+          <a:chOff x="0" y="0"/>
+          <a:chExt cx="0" cy="0"/>
+        </a:xfrm>
+      </p:grpSpPr>
+      <p:sp>
+        <p:nvSpPr>
+          <p:cNvPr id="3" name="Plassholder for bunntekst 2"/>
+          <p:cNvSpPr>
+            <a:spLocks noGrp="1"/>
+          </p:cNvSpPr>
+          <p:nvPr>
+            <p:ph type="ftr" sz="quarter" idx="11"/>
+          </p:nvPr>
+        </p:nvSpPr>
+        <p:spPr/>
+        <p:txBody>
+          <a:bodyPr/>
+          <a:lstStyle/>
+          <a:p>
+            <a:endParaRPr lang="nb-NO" dirty="0"/>
+          </a:p>
+        </p:txBody>
+      </p:sp>
+      <p:sp>
+        <p:nvSpPr>
+          <p:cNvPr id="4" name="Plassholder for lysbildenummer 3"/>
+          <p:cNvSpPr>
+            <a:spLocks noGrp="1"/>
+          </p:cNvSpPr>
+          <p:nvPr>
+            <p:ph type="sldNum" sz="quarter" idx="12"/>
+          </p:nvPr>
+        </p:nvSpPr>
+        <p:spPr/>
+        <p:txBody>
+          <a:bodyPr/>
+          <a:lstStyle/>
+          <a:p>
+            <a:fld id="{35E025E5-F4E9-4572-B8CF-5901727261FC}" type="slidenum">
+              <a:rPr lang="nb-NO" smtClean="0"/>
+              <a:t>‹#›</a:t>
+            </a:fld>
+            <a:endParaRPr lang="nb-NO" dirty="0"/>
+          </a:p>
+        </p:txBody>
+      </p:sp>
+    </p:spTree>
+    <p:extLst>
+      <p:ext uri="{BB962C8B-B14F-4D97-AF65-F5344CB8AC3E}">
+        <p14:creationId xmlns:p14="http://schemas.microsoft.com/office/powerpoint/2010/main" val="6859923"/>
+      </p:ext>
+    </p:extLst>
+  </p:cSld>
+  <p:clrMapOvr>
+    <a:masterClrMapping/>
+  </p:clrMapOvr>
+</p:sldLayout>
+</file>
+
+<file path=ppt/slideLayouts/slideLayout15.xml><?xml version="1.0" encoding="utf-8"?>
+<p:sldLayout xmlns:a="http://schemas.openxmlformats.org/drawingml/2006/main" xmlns:r="http://schemas.openxmlformats.org/officeDocument/2006/relationships" xmlns:p="http://schemas.openxmlformats.org/presentationml/2006/main" type="objTx" preserve="1">
+  <p:cSld name="Innhold med tekst">
+    <p:spTree>
+      <p:nvGrpSpPr>
+        <p:cNvPr id="1" name=""/>
+        <p:cNvGrpSpPr/>
+        <p:nvPr/>
+      </p:nvGrpSpPr>
+      <p:grpSpPr>
+        <a:xfrm>
+          <a:off x="0" y="0"/>
+          <a:ext cx="0" cy="0"/>
+          <a:chOff x="0" y="0"/>
+          <a:chExt cx="0" cy="0"/>
+        </a:xfrm>
+      </p:grpSpPr>
+      <p:sp>
+        <p:nvSpPr>
+          <p:cNvPr id="2" name="Tittel 1"/>
+          <p:cNvSpPr>
+            <a:spLocks noGrp="1"/>
+          </p:cNvSpPr>
+          <p:nvPr>
+            <p:ph type="title" hasCustomPrompt="1"/>
+          </p:nvPr>
+        </p:nvSpPr>
+        <p:spPr>
+          <a:xfrm>
+            <a:off x="629841" y="343006"/>
+            <a:ext cx="2949178" cy="1200521"/>
+          </a:xfrm>
+        </p:spPr>
+        <p:txBody>
+          <a:bodyPr anchor="b"/>
+          <a:lstStyle>
+            <a:lvl1pPr>
+              <a:defRPr sz="2400"/>
+            </a:lvl1pPr>
+          </a:lstStyle>
+          <a:p>
+            <a:r>
+              <a:rPr lang="nb-NO" dirty="0"/>
+              <a:t>Klikk for å legge til tittel</a:t>
+            </a:r>
+          </a:p>
+        </p:txBody>
+      </p:sp>
+      <p:sp>
+        <p:nvSpPr>
+          <p:cNvPr id="3" name="Plassholder for innhold 2"/>
+          <p:cNvSpPr>
+            <a:spLocks noGrp="1"/>
+          </p:cNvSpPr>
+          <p:nvPr>
+            <p:ph idx="1" hasCustomPrompt="1"/>
+          </p:nvPr>
+        </p:nvSpPr>
+        <p:spPr>
+          <a:xfrm>
+            <a:off x="3887391" y="740798"/>
+            <a:ext cx="4629150" cy="3656347"/>
+          </a:xfrm>
+        </p:spPr>
+        <p:txBody>
+          <a:bodyPr/>
+          <a:lstStyle>
+            <a:lvl1pPr>
+              <a:defRPr sz="2400"/>
+            </a:lvl1pPr>
+            <a:lvl2pPr>
+              <a:defRPr sz="2100"/>
+            </a:lvl2pPr>
+            <a:lvl3pPr>
+              <a:defRPr sz="1800"/>
+            </a:lvl3pPr>
+            <a:lvl4pPr>
+              <a:defRPr sz="1500"/>
+            </a:lvl4pPr>
+            <a:lvl5pPr>
+              <a:defRPr sz="1500"/>
+            </a:lvl5pPr>
+            <a:lvl6pPr>
+              <a:defRPr sz="1500"/>
+            </a:lvl6pPr>
+            <a:lvl7pPr>
+              <a:defRPr sz="1500"/>
+            </a:lvl7pPr>
+            <a:lvl8pPr>
+              <a:defRPr sz="1500"/>
+            </a:lvl8pPr>
+            <a:lvl9pPr>
+              <a:defRPr sz="1500"/>
+            </a:lvl9pPr>
+          </a:lstStyle>
+          <a:p>
+            <a:pPr lvl="0"/>
+            <a:r>
+              <a:rPr lang="nb-NO" dirty="0"/>
+              <a:t>Klikk for å legge til tekst</a:t>
+            </a:r>
+          </a:p>
+          <a:p>
+            <a:pPr lvl="1"/>
+            <a:r>
+              <a:rPr lang="nb-NO" dirty="0"/>
+              <a:t>Andre nivå</a:t>
+            </a:r>
+          </a:p>
+          <a:p>
+            <a:pPr lvl="2"/>
+            <a:r>
+              <a:rPr lang="nb-NO" dirty="0"/>
+              <a:t>Tredje nivå</a:t>
+            </a:r>
+          </a:p>
+          <a:p>
+            <a:pPr lvl="3"/>
+            <a:r>
+              <a:rPr lang="nb-NO" dirty="0"/>
+              <a:t>Fjerde nivå</a:t>
+            </a:r>
+          </a:p>
+          <a:p>
+            <a:pPr lvl="4"/>
+            <a:r>
+              <a:rPr lang="nb-NO" dirty="0"/>
+              <a:t>Femte nivå</a:t>
+            </a:r>
+          </a:p>
+        </p:txBody>
+      </p:sp>
+      <p:sp>
+        <p:nvSpPr>
+          <p:cNvPr id="4" name="Plassholder for tekst 3"/>
+          <p:cNvSpPr>
+            <a:spLocks noGrp="1"/>
+          </p:cNvSpPr>
+          <p:nvPr>
+            <p:ph type="body" sz="half" idx="2" hasCustomPrompt="1"/>
+          </p:nvPr>
+        </p:nvSpPr>
+        <p:spPr>
+          <a:xfrm>
+            <a:off x="629841" y="1543526"/>
+            <a:ext cx="2949178" cy="2859574"/>
+          </a:xfrm>
+        </p:spPr>
+        <p:txBody>
+          <a:bodyPr/>
+          <a:lstStyle>
+            <a:lvl1pPr marL="0" indent="0">
+              <a:buNone/>
+              <a:defRPr sz="1200"/>
+            </a:lvl1pPr>
+            <a:lvl2pPr marL="342900" indent="0">
+              <a:buNone/>
+              <a:defRPr sz="1050"/>
+            </a:lvl2pPr>
+            <a:lvl3pPr marL="685800" indent="0">
+              <a:buNone/>
+              <a:defRPr sz="900"/>
+            </a:lvl3pPr>
+            <a:lvl4pPr marL="1028700" indent="0">
+              <a:buNone/>
+              <a:defRPr sz="750"/>
+            </a:lvl4pPr>
+            <a:lvl5pPr marL="1371600" indent="0">
+              <a:buNone/>
+              <a:defRPr sz="750"/>
+            </a:lvl5pPr>
+            <a:lvl6pPr marL="1714500" indent="0">
+              <a:buNone/>
+              <a:defRPr sz="750"/>
+            </a:lvl6pPr>
+            <a:lvl7pPr marL="2057400" indent="0">
+              <a:buNone/>
+              <a:defRPr sz="750"/>
+            </a:lvl7pPr>
+            <a:lvl8pPr marL="2400300" indent="0">
+              <a:buNone/>
+              <a:defRPr sz="750"/>
+            </a:lvl8pPr>
+            <a:lvl9pPr marL="2743200" indent="0">
+              <a:buNone/>
+              <a:defRPr sz="750"/>
+            </a:lvl9pPr>
+          </a:lstStyle>
+          <a:p>
+            <a:pPr lvl="0"/>
+            <a:r>
+              <a:rPr lang="nb-NO" dirty="0"/>
+              <a:t>Klikk for å legge til tekst</a:t>
+            </a:r>
+          </a:p>
+        </p:txBody>
+      </p:sp>
+      <p:sp>
+        <p:nvSpPr>
+          <p:cNvPr id="6" name="Plassholder for bunntekst 5"/>
+          <p:cNvSpPr>
+            <a:spLocks noGrp="1"/>
+          </p:cNvSpPr>
+          <p:nvPr>
+            <p:ph type="ftr" sz="quarter" idx="11"/>
+          </p:nvPr>
+        </p:nvSpPr>
+        <p:spPr/>
+        <p:txBody>
+          <a:bodyPr/>
+          <a:lstStyle/>
+          <a:p>
+            <a:endParaRPr lang="nb-NO" dirty="0"/>
+          </a:p>
+        </p:txBody>
+      </p:sp>
+      <p:sp>
+        <p:nvSpPr>
+          <p:cNvPr id="7" name="Plassholder for lysbildenummer 6"/>
+          <p:cNvSpPr>
+            <a:spLocks noGrp="1"/>
+          </p:cNvSpPr>
+          <p:nvPr>
+            <p:ph type="sldNum" sz="quarter" idx="12"/>
+          </p:nvPr>
+        </p:nvSpPr>
+        <p:spPr/>
+        <p:txBody>
+          <a:bodyPr/>
+          <a:lstStyle/>
+          <a:p>
+            <a:fld id="{35E025E5-F4E9-4572-B8CF-5901727261FC}" type="slidenum">
+              <a:rPr lang="nb-NO" smtClean="0"/>
+              <a:t>‹#›</a:t>
+            </a:fld>
+            <a:endParaRPr lang="nb-NO" dirty="0"/>
+          </a:p>
+        </p:txBody>
+      </p:sp>
+    </p:spTree>
+    <p:extLst>
+      <p:ext uri="{BB962C8B-B14F-4D97-AF65-F5344CB8AC3E}">
+        <p14:creationId xmlns:p14="http://schemas.microsoft.com/office/powerpoint/2010/main" val="1378589360"/>
+      </p:ext>
+    </p:extLst>
+  </p:cSld>
+  <p:clrMapOvr>
+    <a:masterClrMapping/>
+  </p:clrMapOvr>
+</p:sldLayout>
+</file>
+
+<file path=ppt/slideLayouts/slideLayout16.xml><?xml version="1.0" encoding="utf-8"?>
 <p:sldLayout xmlns:a="http://schemas.openxmlformats.org/drawingml/2006/main" xmlns:r="http://schemas.openxmlformats.org/officeDocument/2006/relationships" xmlns:p="http://schemas.openxmlformats.org/presentationml/2006/main" type="picTx" preserve="1">
   <p:cSld name="Bilde med tekst">
     <p:spTree>
@@ -698,7 +2502,7 @@
             <a:spLocks noGrp="1"/>
           </p:cNvSpPr>
           <p:nvPr>
-            <p:ph type="title"/>
+            <p:ph type="title" hasCustomPrompt="1"/>
           </p:nvPr>
         </p:nvSpPr>
         <p:spPr>
@@ -716,8 +2520,8 @@
           </a:lstStyle>
           <a:p>
             <a:r>
-              <a:rPr lang="nb-NO"/>
-              <a:t>Klikk for å redigere tittelstil</a:t>
+              <a:rPr lang="nb-NO" dirty="0"/>
+              <a:t>Klikk for å legge til tittel</a:t>
             </a:r>
           </a:p>
         </p:txBody>
@@ -729,7 +2533,7 @@
             <a:spLocks noGrp="1"/>
           </p:cNvSpPr>
           <p:nvPr>
-            <p:ph type="pic" idx="1"/>
+            <p:ph type="pic" idx="1" hasCustomPrompt="1"/>
           </p:nvPr>
         </p:nvSpPr>
         <p:spPr>
@@ -780,7 +2584,7 @@
           </a:lstStyle>
           <a:p>
             <a:r>
-              <a:rPr lang="nb-NO"/>
+              <a:rPr lang="nb-NO" dirty="0"/>
               <a:t>Klikk på ikonet for å legge til et bilde</a:t>
             </a:r>
           </a:p>
@@ -793,7 +2597,7 @@
             <a:spLocks noGrp="1"/>
           </p:cNvSpPr>
           <p:nvPr>
-            <p:ph type="body" sz="half" idx="2"/>
+            <p:ph type="body" sz="half" idx="2" hasCustomPrompt="1"/>
           </p:nvPr>
         </p:nvSpPr>
         <p:spPr>
@@ -845,8 +2649,8 @@
           <a:p>
             <a:pPr lvl="0"/>
             <a:r>
-              <a:rPr lang="nb-NO"/>
-              <a:t>Klikk for å redigere tekststiler i malen</a:t>
+              <a:rPr lang="nb-NO" dirty="0"/>
+              <a:t>Klikk for å legge til tekst</a:t>
             </a:r>
           </a:p>
         </p:txBody>
@@ -866,7 +2670,7 @@
           <a:bodyPr/>
           <a:lstStyle/>
           <a:p>
-            <a:endParaRPr lang="nb-NO"/>
+            <a:endParaRPr lang="nb-NO" dirty="0"/>
           </a:p>
         </p:txBody>
       </p:sp>
@@ -889,7 +2693,7 @@
               <a:rPr lang="nb-NO" smtClean="0"/>
               <a:t>‹#›</a:t>
             </a:fld>
-            <a:endParaRPr lang="nb-NO"/>
+            <a:endParaRPr lang="nb-NO" dirty="0"/>
           </a:p>
         </p:txBody>
       </p:sp>
@@ -906,7 +2710,7 @@
 </p:sldLayout>
 </file>
 
-<file path=ppt/slideLayouts/slideLayout11.xml><?xml version="1.0" encoding="utf-8"?>
+<file path=ppt/slideLayouts/slideLayout17.xml><?xml version="1.0" encoding="utf-8"?>
 <p:sldLayout xmlns:a="http://schemas.openxmlformats.org/drawingml/2006/main" xmlns:r="http://schemas.openxmlformats.org/officeDocument/2006/relationships" xmlns:p="http://schemas.openxmlformats.org/presentationml/2006/main" showMasterSp="0" preserve="1" userDrawn="1">
   <p:cSld name="Forside">
     <p:spTree>
@@ -930,7 +2734,7 @@
             <a:spLocks noGrp="1"/>
           </p:cNvSpPr>
           <p:nvPr>
-            <p:ph type="ctrTitle"/>
+            <p:ph type="ctrTitle" hasCustomPrompt="1"/>
           </p:nvPr>
         </p:nvSpPr>
         <p:spPr>
@@ -955,10 +2759,9 @@
           </a:lstStyle>
           <a:p>
             <a:r>
-              <a:rPr lang="nb-NO"/>
-              <a:t>Klikk for å redigere tittelstil</a:t>
-            </a:r>
-            <a:endParaRPr lang="nb-NO" dirty="0"/>
+              <a:rPr lang="nb-NO" dirty="0"/>
+              <a:t>Klikk for å legge til tittel</a:t>
+            </a:r>
           </a:p>
         </p:txBody>
       </p:sp>
@@ -998,7 +2801,7 @@
           <a:p>
             <a:fld id="{CC918E41-4448-4E79-865F-42013EA6E1CC}" type="datetime1">
               <a:rPr lang="nb-NO" smtClean="0"/>
-              <a:t>02.07.2021</a:t>
+              <a:t>22.12.2021</a:t>
             </a:fld>
             <a:endParaRPr lang="nb-NO" dirty="0"/>
           </a:p>
@@ -1106,7 +2909,7 @@
 </p:sldLayout>
 </file>
 
-<file path=ppt/slideLayouts/slideLayout12.xml><?xml version="1.0" encoding="utf-8"?>
+<file path=ppt/slideLayouts/slideLayout18.xml><?xml version="1.0" encoding="utf-8"?>
 <p:sldLayout xmlns:a="http://schemas.openxmlformats.org/drawingml/2006/main" xmlns:r="http://schemas.openxmlformats.org/officeDocument/2006/relationships" xmlns:p="http://schemas.openxmlformats.org/presentationml/2006/main" type="title" preserve="1">
   <p:cSld name="Tittellysbilde">
     <p:spTree>
@@ -1130,7 +2933,7 @@
             <a:spLocks noGrp="1"/>
           </p:cNvSpPr>
           <p:nvPr>
-            <p:ph type="ctrTitle"/>
+            <p:ph type="ctrTitle" hasCustomPrompt="1"/>
           </p:nvPr>
         </p:nvSpPr>
         <p:spPr>
@@ -1149,7 +2952,7 @@
           <a:p>
             <a:r>
               <a:rPr lang="nb-NO" dirty="0"/>
-              <a:t>Klikk for å redigere tittelstil</a:t>
+              <a:t>Klikk for å legge til tittel</a:t>
             </a:r>
           </a:p>
         </p:txBody>
@@ -1161,7 +2964,7 @@
             <a:spLocks noGrp="1"/>
           </p:cNvSpPr>
           <p:nvPr>
-            <p:ph type="subTitle" idx="1"/>
+            <p:ph type="subTitle" idx="1" hasCustomPrompt="1"/>
           </p:nvPr>
         </p:nvSpPr>
         <p:spPr>
@@ -1214,8 +3017,8 @@
           </a:lstStyle>
           <a:p>
             <a:r>
-              <a:rPr lang="nb-NO"/>
-              <a:t>Klikk for å redigere undertittelstil i malen</a:t>
+              <a:rPr lang="nb-NO" dirty="0"/>
+              <a:t>Klikk for å legge til undertittel</a:t>
             </a:r>
           </a:p>
         </p:txBody>
@@ -1233,7 +3036,7 @@
 </p:sldLayout>
 </file>
 
-<file path=ppt/slideLayouts/slideLayout13.xml><?xml version="1.0" encoding="utf-8"?>
+<file path=ppt/slideLayouts/slideLayout19.xml><?xml version="1.0" encoding="utf-8"?>
 <p:sldLayout xmlns:a="http://schemas.openxmlformats.org/drawingml/2006/main" xmlns:r="http://schemas.openxmlformats.org/officeDocument/2006/relationships" xmlns:p="http://schemas.openxmlformats.org/presentationml/2006/main" type="obj" preserve="1">
   <p:cSld name="Tittel og innhold">
     <p:spTree>
@@ -1257,7 +3060,7 @@
             <a:spLocks noGrp="1"/>
           </p:cNvSpPr>
           <p:nvPr>
-            <p:ph type="title"/>
+            <p:ph type="title" hasCustomPrompt="1"/>
           </p:nvPr>
         </p:nvSpPr>
         <p:spPr/>
@@ -1266,8 +3069,8 @@
           <a:lstStyle/>
           <a:p>
             <a:r>
-              <a:rPr lang="nb-NO"/>
-              <a:t>Klikk for å redigere tittelstil</a:t>
+              <a:rPr lang="nb-NO" dirty="0"/>
+              <a:t>Klikk for å legge til tittel</a:t>
             </a:r>
           </a:p>
         </p:txBody>
@@ -1279,7 +3082,7 @@
             <a:spLocks noGrp="1"/>
           </p:cNvSpPr>
           <p:nvPr>
-            <p:ph idx="1"/>
+            <p:ph idx="1" hasCustomPrompt="1"/>
           </p:nvPr>
         </p:nvSpPr>
         <p:spPr/>
@@ -1289,38 +3092,37 @@
           <a:p>
             <a:pPr lvl="0"/>
             <a:r>
-              <a:rPr lang="nb-NO"/>
-              <a:t>Klikk for å redigere tekststiler i malen</a:t>
+              <a:rPr lang="nb-NO" dirty="0"/>
+              <a:t>Klikk for å legge til tekst</a:t>
             </a:r>
           </a:p>
           <a:p>
             <a:pPr lvl="1"/>
             <a:r>
-              <a:rPr lang="nb-NO"/>
+              <a:rPr lang="nb-NO" dirty="0"/>
               <a:t>Andre nivå</a:t>
             </a:r>
           </a:p>
           <a:p>
             <a:pPr lvl="2"/>
             <a:r>
-              <a:rPr lang="nb-NO"/>
+              <a:rPr lang="nb-NO" dirty="0"/>
               <a:t>Tredje nivå</a:t>
             </a:r>
           </a:p>
           <a:p>
             <a:pPr lvl="3"/>
             <a:r>
-              <a:rPr lang="nb-NO"/>
+              <a:rPr lang="nb-NO" dirty="0"/>
               <a:t>Fjerde nivå</a:t>
             </a:r>
           </a:p>
           <a:p>
             <a:pPr lvl="4"/>
             <a:r>
-              <a:rPr lang="nb-NO"/>
+              <a:rPr lang="nb-NO" dirty="0"/>
               <a:t>Femte nivå</a:t>
             </a:r>
-            <a:endParaRPr lang="nb-NO" dirty="0"/>
           </a:p>
         </p:txBody>
       </p:sp>
@@ -1339,7 +3141,7 @@
           <a:bodyPr/>
           <a:lstStyle/>
           <a:p>
-            <a:endParaRPr lang="nb-NO"/>
+            <a:endParaRPr lang="nb-NO" dirty="0"/>
           </a:p>
         </p:txBody>
       </p:sp>
@@ -1362,7 +3164,7 @@
               <a:rPr lang="nb-NO" smtClean="0"/>
               <a:t>‹#›</a:t>
             </a:fld>
-            <a:endParaRPr lang="nb-NO"/>
+            <a:endParaRPr lang="nb-NO" dirty="0"/>
           </a:p>
         </p:txBody>
       </p:sp>
@@ -1379,7 +3181,184 @@
 </p:sldLayout>
 </file>
 
-<file path=ppt/slideLayouts/slideLayout14.xml><?xml version="1.0" encoding="utf-8"?>
+<file path=ppt/slideLayouts/slideLayout2.xml><?xml version="1.0" encoding="utf-8"?>
+<p:sldLayout xmlns:a="http://schemas.openxmlformats.org/drawingml/2006/main" xmlns:r="http://schemas.openxmlformats.org/officeDocument/2006/relationships" xmlns:p="http://schemas.openxmlformats.org/presentationml/2006/main" preserve="1" userDrawn="1">
+  <p:cSld name="Bilde, tittel og rød strek">
+    <p:spTree>
+      <p:nvGrpSpPr>
+        <p:cNvPr id="1" name=""/>
+        <p:cNvGrpSpPr/>
+        <p:nvPr/>
+      </p:nvGrpSpPr>
+      <p:grpSpPr>
+        <a:xfrm>
+          <a:off x="0" y="0"/>
+          <a:ext cx="0" cy="0"/>
+          <a:chOff x="0" y="0"/>
+          <a:chExt cx="0" cy="0"/>
+        </a:xfrm>
+      </p:grpSpPr>
+      <p:sp>
+        <p:nvSpPr>
+          <p:cNvPr id="10" name="Picture Placeholder 9">
+            <a:extLst>
+              <a:ext uri="{FF2B5EF4-FFF2-40B4-BE49-F238E27FC236}">
+                <a16:creationId xmlns:a16="http://schemas.microsoft.com/office/drawing/2014/main" id="{EBB785D6-56F2-421B-9C6E-0CE161F6B873}"/>
+              </a:ext>
+            </a:extLst>
+          </p:cNvPr>
+          <p:cNvSpPr>
+            <a:spLocks noGrp="1"/>
+          </p:cNvSpPr>
+          <p:nvPr>
+            <p:ph type="pic" sz="quarter" idx="10"/>
+          </p:nvPr>
+        </p:nvSpPr>
+        <p:spPr>
+          <a:xfrm>
+            <a:off x="0" y="0"/>
+            <a:ext cx="9144000" cy="5145088"/>
+          </a:xfrm>
+          <a:solidFill>
+            <a:srgbClr val="F6F6F6"/>
+          </a:solidFill>
+        </p:spPr>
+        <p:txBody>
+          <a:bodyPr>
+            <a:normAutofit/>
+          </a:bodyPr>
+          <a:lstStyle>
+            <a:lvl1pPr marL="0" indent="0">
+              <a:buNone/>
+              <a:defRPr sz="1200"/>
+            </a:lvl1pPr>
+          </a:lstStyle>
+          <a:p>
+            <a:r>
+              <a:rPr lang="nb-NO"/>
+              <a:t>Klikk på ikonet for å legge til et bilde</a:t>
+            </a:r>
+            <a:endParaRPr lang="en-GB" dirty="0"/>
+          </a:p>
+        </p:txBody>
+      </p:sp>
+      <p:sp>
+        <p:nvSpPr>
+          <p:cNvPr id="2" name="Title 1">
+            <a:extLst>
+              <a:ext uri="{FF2B5EF4-FFF2-40B4-BE49-F238E27FC236}">
+                <a16:creationId xmlns:a16="http://schemas.microsoft.com/office/drawing/2014/main" id="{8FB34EC5-FCD0-4DB5-B3AE-6EB23C75DF43}"/>
+              </a:ext>
+            </a:extLst>
+          </p:cNvPr>
+          <p:cNvSpPr>
+            <a:spLocks noGrp="1"/>
+          </p:cNvSpPr>
+          <p:nvPr>
+            <p:ph type="title" hasCustomPrompt="1"/>
+          </p:nvPr>
+        </p:nvSpPr>
+        <p:spPr/>
+        <p:txBody>
+          <a:bodyPr/>
+          <a:lstStyle>
+            <a:lvl1pPr>
+              <a:defRPr/>
+            </a:lvl1pPr>
+          </a:lstStyle>
+          <a:p>
+            <a:r>
+              <a:rPr lang="nb-NO" dirty="0"/>
+              <a:t>Klikk for å legge til tittel</a:t>
+            </a:r>
+          </a:p>
+        </p:txBody>
+      </p:sp>
+      <p:sp>
+        <p:nvSpPr>
+          <p:cNvPr id="17" name="Text Placeholder 16">
+            <a:extLst>
+              <a:ext uri="{FF2B5EF4-FFF2-40B4-BE49-F238E27FC236}">
+                <a16:creationId xmlns:a16="http://schemas.microsoft.com/office/drawing/2014/main" id="{E7A3D93F-B7C3-4F5A-B7D9-2F41E5150842}"/>
+              </a:ext>
+            </a:extLst>
+          </p:cNvPr>
+          <p:cNvSpPr>
+            <a:spLocks noGrp="1"/>
+          </p:cNvSpPr>
+          <p:nvPr>
+            <p:ph type="body" sz="quarter" idx="12" hasCustomPrompt="1"/>
+          </p:nvPr>
+        </p:nvSpPr>
+        <p:spPr>
+          <a:xfrm>
+            <a:off x="-1" y="4419599"/>
+            <a:ext cx="6234113" cy="409576"/>
+          </a:xfrm>
+          <a:blipFill>
+            <a:blip r:embed="rId2">
+              <a:extLst>
+                <a:ext uri="{96DAC541-7B7A-43D3-8B79-37D633B846F1}">
+                  <asvg:svgBlip xmlns:asvg="http://schemas.microsoft.com/office/drawing/2016/SVG/main" r:embed="rId3"/>
+                </a:ext>
+              </a:extLst>
+            </a:blip>
+            <a:stretch>
+              <a:fillRect/>
+            </a:stretch>
+          </a:blipFill>
+        </p:spPr>
+        <p:txBody>
+          <a:bodyPr anchor="ctr"/>
+          <a:lstStyle>
+            <a:lvl1pPr marL="0" indent="0" algn="ctr">
+              <a:buNone/>
+              <a:defRPr>
+                <a:solidFill>
+                  <a:schemeClr val="bg1"/>
+                </a:solidFill>
+              </a:defRPr>
+            </a:lvl1pPr>
+          </a:lstStyle>
+          <a:p>
+            <a:pPr marL="0" marR="0" lvl="0" indent="0" algn="ctr" defTabSz="685800" rtl="0" eaLnBrk="1" fontAlgn="auto" latinLnBrk="0" hangingPunct="1">
+              <a:lnSpc>
+                <a:spcPct val="90000"/>
+              </a:lnSpc>
+              <a:spcBef>
+                <a:spcPts val="750"/>
+              </a:spcBef>
+              <a:spcAft>
+                <a:spcPts val="0"/>
+              </a:spcAft>
+              <a:buClrTx/>
+              <a:buSzTx/>
+              <a:buFont typeface="Arial" panose="020B0604020202020204" pitchFamily="34" charset="0"/>
+              <a:buNone/>
+              <a:tabLst/>
+              <a:defRPr/>
+            </a:pPr>
+            <a:r>
+              <a:rPr lang="nb-NO" dirty="0"/>
+              <a:t>Klikk for å legge til tekst</a:t>
+            </a:r>
+          </a:p>
+        </p:txBody>
+      </p:sp>
+    </p:spTree>
+    <p:extLst>
+      <p:ext uri="{BB962C8B-B14F-4D97-AF65-F5344CB8AC3E}">
+        <p14:creationId xmlns:p14="http://schemas.microsoft.com/office/powerpoint/2010/main" val="2787842652"/>
+      </p:ext>
+    </p:extLst>
+  </p:cSld>
+  <p:clrMapOvr>
+    <a:masterClrMapping/>
+  </p:clrMapOvr>
+</p:sldLayout>
+</file>
+
+<file path=ppt/slideLayouts/slideLayout20.xml><?xml version="1.0" encoding="utf-8"?>
 <p:sldLayout xmlns:a="http://schemas.openxmlformats.org/drawingml/2006/main" xmlns:r="http://schemas.openxmlformats.org/officeDocument/2006/relationships" xmlns:p="http://schemas.openxmlformats.org/presentationml/2006/main" type="secHead" preserve="1">
   <p:cSld name="Deloverskrift">
     <p:spTree>
@@ -1403,7 +3382,7 @@
             <a:spLocks noGrp="1"/>
           </p:cNvSpPr>
           <p:nvPr>
-            <p:ph type="title"/>
+            <p:ph type="title" hasCustomPrompt="1"/>
           </p:nvPr>
         </p:nvSpPr>
         <p:spPr>
@@ -1422,7 +3401,7 @@
           <a:p>
             <a:r>
               <a:rPr lang="nb-NO" dirty="0"/>
-              <a:t>Klikk for å redigere tittelstil</a:t>
+              <a:t>Klikk for å legge til tittel</a:t>
             </a:r>
           </a:p>
         </p:txBody>
@@ -1434,7 +3413,7 @@
             <a:spLocks noGrp="1"/>
           </p:cNvSpPr>
           <p:nvPr>
-            <p:ph type="body" idx="1"/>
+            <p:ph type="body" idx="1" hasCustomPrompt="1"/>
           </p:nvPr>
         </p:nvSpPr>
         <p:spPr>
@@ -1538,10 +3517,9 @@
             </a:lvl9pPr>
           </a:lstStyle>
           <a:p>
-            <a:pPr lvl="0"/>
-            <a:r>
-              <a:rPr lang="nb-NO" dirty="0"/>
-              <a:t>Klikk for å redigere tekststiler i malen</a:t>
+            <a:r>
+              <a:rPr lang="nb-NO" dirty="0"/>
+              <a:t>Klikk for å legge til undertittel</a:t>
             </a:r>
           </a:p>
         </p:txBody>
@@ -1561,7 +3539,7 @@
           <a:bodyPr/>
           <a:lstStyle/>
           <a:p>
-            <a:endParaRPr lang="nb-NO"/>
+            <a:endParaRPr lang="nb-NO" dirty="0"/>
           </a:p>
         </p:txBody>
       </p:sp>
@@ -1584,7 +3562,7 @@
               <a:rPr lang="nb-NO" smtClean="0"/>
               <a:t>‹#›</a:t>
             </a:fld>
-            <a:endParaRPr lang="nb-NO"/>
+            <a:endParaRPr lang="nb-NO" dirty="0"/>
           </a:p>
         </p:txBody>
       </p:sp>
@@ -1601,7 +3579,7 @@
 </p:sldLayout>
 </file>
 
-<file path=ppt/slideLayouts/slideLayout15.xml><?xml version="1.0" encoding="utf-8"?>
+<file path=ppt/slideLayouts/slideLayout21.xml><?xml version="1.0" encoding="utf-8"?>
 <p:sldLayout xmlns:a="http://schemas.openxmlformats.org/drawingml/2006/main" xmlns:r="http://schemas.openxmlformats.org/officeDocument/2006/relationships" xmlns:p="http://schemas.openxmlformats.org/presentationml/2006/main" type="twoObj" preserve="1">
   <p:cSld name="To innholdsdeler">
     <p:spTree>
@@ -1625,7 +3603,7 @@
             <a:spLocks noGrp="1"/>
           </p:cNvSpPr>
           <p:nvPr>
-            <p:ph type="title"/>
+            <p:ph type="title" hasCustomPrompt="1"/>
           </p:nvPr>
         </p:nvSpPr>
         <p:spPr/>
@@ -1634,8 +3612,8 @@
           <a:lstStyle/>
           <a:p>
             <a:r>
-              <a:rPr lang="nb-NO"/>
-              <a:t>Klikk for å redigere tittelstil</a:t>
+              <a:rPr lang="nb-NO" dirty="0"/>
+              <a:t>Klikk for å legge til tittel</a:t>
             </a:r>
           </a:p>
         </p:txBody>
@@ -1647,7 +3625,7 @@
             <a:spLocks noGrp="1"/>
           </p:cNvSpPr>
           <p:nvPr>
-            <p:ph sz="half" idx="1"/>
+            <p:ph sz="half" idx="1" hasCustomPrompt="1"/>
           </p:nvPr>
         </p:nvSpPr>
         <p:spPr>
@@ -1662,38 +3640,37 @@
           <a:p>
             <a:pPr lvl="0"/>
             <a:r>
-              <a:rPr lang="nb-NO"/>
-              <a:t>Klikk for å redigere tekststiler i malen</a:t>
+              <a:rPr lang="nb-NO" dirty="0"/>
+              <a:t>Klikk for å legge til tekst</a:t>
             </a:r>
           </a:p>
           <a:p>
             <a:pPr lvl="1"/>
             <a:r>
-              <a:rPr lang="nb-NO"/>
+              <a:rPr lang="nb-NO" dirty="0"/>
               <a:t>Andre nivå</a:t>
             </a:r>
           </a:p>
           <a:p>
             <a:pPr lvl="2"/>
             <a:r>
-              <a:rPr lang="nb-NO"/>
+              <a:rPr lang="nb-NO" dirty="0"/>
               <a:t>Tredje nivå</a:t>
             </a:r>
           </a:p>
           <a:p>
             <a:pPr lvl="3"/>
             <a:r>
-              <a:rPr lang="nb-NO"/>
+              <a:rPr lang="nb-NO" dirty="0"/>
               <a:t>Fjerde nivå</a:t>
             </a:r>
           </a:p>
           <a:p>
             <a:pPr lvl="4"/>
             <a:r>
-              <a:rPr lang="nb-NO"/>
+              <a:rPr lang="nb-NO" dirty="0"/>
               <a:t>Femte nivå</a:t>
             </a:r>
-            <a:endParaRPr lang="nb-NO" dirty="0"/>
           </a:p>
         </p:txBody>
       </p:sp>
@@ -1704,7 +3681,7 @@
             <a:spLocks noGrp="1"/>
           </p:cNvSpPr>
           <p:nvPr>
-            <p:ph sz="half" idx="2"/>
+            <p:ph sz="half" idx="2" hasCustomPrompt="1"/>
           </p:nvPr>
         </p:nvSpPr>
         <p:spPr>
@@ -1719,35 +3696,35 @@
           <a:p>
             <a:pPr lvl="0"/>
             <a:r>
-              <a:rPr lang="nb-NO"/>
-              <a:t>Klikk for å redigere tekststiler i malen</a:t>
+              <a:rPr lang="nb-NO" dirty="0"/>
+              <a:t>Klikk for å legge til tekst</a:t>
             </a:r>
           </a:p>
           <a:p>
             <a:pPr lvl="1"/>
             <a:r>
-              <a:rPr lang="nb-NO"/>
+              <a:rPr lang="nb-NO" dirty="0"/>
               <a:t>Andre nivå</a:t>
             </a:r>
           </a:p>
           <a:p>
             <a:pPr lvl="2"/>
             <a:r>
-              <a:rPr lang="nb-NO"/>
+              <a:rPr lang="nb-NO" dirty="0"/>
               <a:t>Tredje nivå</a:t>
             </a:r>
           </a:p>
           <a:p>
             <a:pPr lvl="3"/>
             <a:r>
-              <a:rPr lang="nb-NO"/>
+              <a:rPr lang="nb-NO" dirty="0"/>
               <a:t>Fjerde nivå</a:t>
             </a:r>
           </a:p>
           <a:p>
             <a:pPr lvl="4"/>
             <a:r>
-              <a:rPr lang="nb-NO"/>
+              <a:rPr lang="nb-NO" dirty="0"/>
               <a:t>Femte nivå</a:t>
             </a:r>
           </a:p>
@@ -1768,7 +3745,7 @@
           <a:bodyPr/>
           <a:lstStyle/>
           <a:p>
-            <a:endParaRPr lang="nb-NO"/>
+            <a:endParaRPr lang="nb-NO" dirty="0"/>
           </a:p>
         </p:txBody>
       </p:sp>
@@ -1791,7 +3768,7 @@
               <a:rPr lang="nb-NO" smtClean="0"/>
               <a:t>‹#›</a:t>
             </a:fld>
-            <a:endParaRPr lang="nb-NO"/>
+            <a:endParaRPr lang="nb-NO" dirty="0"/>
           </a:p>
         </p:txBody>
       </p:sp>
@@ -1808,7 +3785,7 @@
 </p:sldLayout>
 </file>
 
-<file path=ppt/slideLayouts/slideLayout16.xml><?xml version="1.0" encoding="utf-8"?>
+<file path=ppt/slideLayouts/slideLayout22.xml><?xml version="1.0" encoding="utf-8"?>
 <p:sldLayout xmlns:a="http://schemas.openxmlformats.org/drawingml/2006/main" xmlns:r="http://schemas.openxmlformats.org/officeDocument/2006/relationships" xmlns:p="http://schemas.openxmlformats.org/presentationml/2006/main" preserve="1" userDrawn="1">
   <p:cSld name="Sammenligning">
     <p:spTree>
@@ -1832,7 +3809,7 @@
             <a:spLocks noGrp="1"/>
           </p:cNvSpPr>
           <p:nvPr>
-            <p:ph type="body" idx="1"/>
+            <p:ph type="body" idx="1" hasCustomPrompt="1"/>
           </p:nvPr>
         </p:nvSpPr>
         <p:spPr>
@@ -1886,8 +3863,8 @@
           <a:p>
             <a:pPr lvl="0"/>
             <a:r>
-              <a:rPr lang="nb-NO"/>
-              <a:t>Klikk for å redigere tekststiler i malen</a:t>
+              <a:rPr lang="nb-NO" dirty="0"/>
+              <a:t>Klikk for å legge til tekst</a:t>
             </a:r>
           </a:p>
         </p:txBody>
@@ -1907,7 +3884,7 @@
           <a:bodyPr/>
           <a:lstStyle/>
           <a:p>
-            <a:endParaRPr lang="nb-NO"/>
+            <a:endParaRPr lang="nb-NO" dirty="0"/>
           </a:p>
         </p:txBody>
       </p:sp>
@@ -1930,7 +3907,7 @@
               <a:rPr lang="nb-NO" smtClean="0"/>
               <a:t>‹#›</a:t>
             </a:fld>
-            <a:endParaRPr lang="nb-NO"/>
+            <a:endParaRPr lang="nb-NO" dirty="0"/>
           </a:p>
         </p:txBody>
       </p:sp>
@@ -1941,7 +3918,7 @@
             <a:spLocks noGrp="1"/>
           </p:cNvSpPr>
           <p:nvPr>
-            <p:ph type="title"/>
+            <p:ph type="title" hasCustomPrompt="1"/>
           </p:nvPr>
         </p:nvSpPr>
         <p:spPr>
@@ -1960,10 +3937,9 @@
           <a:lstStyle/>
           <a:p>
             <a:r>
-              <a:rPr lang="nb-NO"/>
-              <a:t>Klikk for å redigere tittelstil</a:t>
-            </a:r>
-            <a:endParaRPr lang="nb-NO" dirty="0"/>
+              <a:rPr lang="nb-NO" dirty="0"/>
+              <a:t>Klikk for å legge til tittel</a:t>
+            </a:r>
           </a:p>
         </p:txBody>
       </p:sp>
@@ -1974,7 +3950,7 @@
             <a:spLocks noGrp="1"/>
           </p:cNvSpPr>
           <p:nvPr>
-            <p:ph sz="half" idx="13"/>
+            <p:ph sz="half" idx="13" hasCustomPrompt="1"/>
           </p:nvPr>
         </p:nvSpPr>
         <p:spPr>
@@ -1989,38 +3965,37 @@
           <a:p>
             <a:pPr lvl="0"/>
             <a:r>
-              <a:rPr lang="nb-NO"/>
-              <a:t>Klikk for å redigere tekststiler i malen</a:t>
+              <a:rPr lang="nb-NO" dirty="0"/>
+              <a:t>Klikk for å legge til tekst</a:t>
             </a:r>
           </a:p>
           <a:p>
             <a:pPr lvl="1"/>
             <a:r>
-              <a:rPr lang="nb-NO"/>
+              <a:rPr lang="nb-NO" dirty="0"/>
               <a:t>Andre nivå</a:t>
             </a:r>
           </a:p>
           <a:p>
             <a:pPr lvl="2"/>
             <a:r>
-              <a:rPr lang="nb-NO"/>
+              <a:rPr lang="nb-NO" dirty="0"/>
               <a:t>Tredje nivå</a:t>
             </a:r>
           </a:p>
           <a:p>
             <a:pPr lvl="3"/>
             <a:r>
-              <a:rPr lang="nb-NO"/>
+              <a:rPr lang="nb-NO" dirty="0"/>
               <a:t>Fjerde nivå</a:t>
             </a:r>
           </a:p>
           <a:p>
             <a:pPr lvl="4"/>
             <a:r>
-              <a:rPr lang="nb-NO"/>
+              <a:rPr lang="nb-NO" dirty="0"/>
               <a:t>Femte nivå</a:t>
             </a:r>
-            <a:endParaRPr lang="nb-NO" dirty="0"/>
           </a:p>
         </p:txBody>
       </p:sp>
@@ -2031,7 +4006,7 @@
             <a:spLocks noGrp="1"/>
           </p:cNvSpPr>
           <p:nvPr>
-            <p:ph type="body" idx="14"/>
+            <p:ph type="body" idx="14" hasCustomPrompt="1"/>
           </p:nvPr>
         </p:nvSpPr>
         <p:spPr>
@@ -2085,8 +4060,8 @@
           <a:p>
             <a:pPr lvl="0"/>
             <a:r>
-              <a:rPr lang="nb-NO"/>
-              <a:t>Klikk for å redigere tekststiler i malen</a:t>
+              <a:rPr lang="nb-NO" dirty="0"/>
+              <a:t>Klikk for å legge til tekst</a:t>
             </a:r>
           </a:p>
         </p:txBody>
@@ -2098,7 +4073,7 @@
             <a:spLocks noGrp="1"/>
           </p:cNvSpPr>
           <p:nvPr>
-            <p:ph sz="half" idx="15"/>
+            <p:ph sz="half" idx="15" hasCustomPrompt="1"/>
           </p:nvPr>
         </p:nvSpPr>
         <p:spPr>
@@ -2113,38 +4088,37 @@
           <a:p>
             <a:pPr lvl="0"/>
             <a:r>
-              <a:rPr lang="nb-NO"/>
-              <a:t>Klikk for å redigere tekststiler i malen</a:t>
+              <a:rPr lang="nb-NO" dirty="0"/>
+              <a:t>Klikk for å legge til tekst</a:t>
             </a:r>
           </a:p>
           <a:p>
             <a:pPr lvl="1"/>
             <a:r>
-              <a:rPr lang="nb-NO"/>
+              <a:rPr lang="nb-NO" dirty="0"/>
               <a:t>Andre nivå</a:t>
             </a:r>
           </a:p>
           <a:p>
             <a:pPr lvl="2"/>
             <a:r>
-              <a:rPr lang="nb-NO"/>
+              <a:rPr lang="nb-NO" dirty="0"/>
               <a:t>Tredje nivå</a:t>
             </a:r>
           </a:p>
           <a:p>
             <a:pPr lvl="3"/>
             <a:r>
-              <a:rPr lang="nb-NO"/>
+              <a:rPr lang="nb-NO" dirty="0"/>
               <a:t>Fjerde nivå</a:t>
             </a:r>
           </a:p>
           <a:p>
             <a:pPr lvl="4"/>
             <a:r>
-              <a:rPr lang="nb-NO"/>
+              <a:rPr lang="nb-NO" dirty="0"/>
               <a:t>Femte nivå</a:t>
             </a:r>
-            <a:endParaRPr lang="nb-NO" dirty="0"/>
           </a:p>
         </p:txBody>
       </p:sp>
@@ -2161,7 +4135,7 @@
 </p:sldLayout>
 </file>
 
-<file path=ppt/slideLayouts/slideLayout17.xml><?xml version="1.0" encoding="utf-8"?>
+<file path=ppt/slideLayouts/slideLayout23.xml><?xml version="1.0" encoding="utf-8"?>
 <p:sldLayout xmlns:a="http://schemas.openxmlformats.org/drawingml/2006/main" xmlns:r="http://schemas.openxmlformats.org/officeDocument/2006/relationships" xmlns:p="http://schemas.openxmlformats.org/presentationml/2006/main" type="titleOnly" preserve="1">
   <p:cSld name="Bare tittel">
     <p:spTree>
@@ -2185,7 +4159,7 @@
             <a:spLocks noGrp="1"/>
           </p:cNvSpPr>
           <p:nvPr>
-            <p:ph type="title"/>
+            <p:ph type="title" hasCustomPrompt="1"/>
           </p:nvPr>
         </p:nvSpPr>
         <p:spPr/>
@@ -2194,8 +4168,8 @@
           <a:lstStyle/>
           <a:p>
             <a:r>
-              <a:rPr lang="nb-NO"/>
-              <a:t>Klikk for å redigere tittelstil</a:t>
+              <a:rPr lang="nb-NO" dirty="0"/>
+              <a:t>Klikk for å legge til tittel</a:t>
             </a:r>
           </a:p>
         </p:txBody>
@@ -2215,7 +4189,7 @@
           <a:bodyPr/>
           <a:lstStyle/>
           <a:p>
-            <a:endParaRPr lang="nb-NO"/>
+            <a:endParaRPr lang="nb-NO" dirty="0"/>
           </a:p>
         </p:txBody>
       </p:sp>
@@ -2238,7 +4212,7 @@
               <a:rPr lang="nb-NO" smtClean="0"/>
               <a:t>‹#›</a:t>
             </a:fld>
-            <a:endParaRPr lang="nb-NO"/>
+            <a:endParaRPr lang="nb-NO" dirty="0"/>
           </a:p>
         </p:txBody>
       </p:sp>
@@ -2255,7 +4229,7 @@
 </p:sldLayout>
 </file>
 
-<file path=ppt/slideLayouts/slideLayout18.xml><?xml version="1.0" encoding="utf-8"?>
+<file path=ppt/slideLayouts/slideLayout24.xml><?xml version="1.0" encoding="utf-8"?>
 <p:sldLayout xmlns:a="http://schemas.openxmlformats.org/drawingml/2006/main" xmlns:r="http://schemas.openxmlformats.org/officeDocument/2006/relationships" xmlns:p="http://schemas.openxmlformats.org/presentationml/2006/main" type="blank" preserve="1">
   <p:cSld name="Tomt">
     <p:spTree>
@@ -2287,7 +4261,7 @@
           <a:bodyPr/>
           <a:lstStyle/>
           <a:p>
-            <a:endParaRPr lang="nb-NO"/>
+            <a:endParaRPr lang="nb-NO" dirty="0"/>
           </a:p>
         </p:txBody>
       </p:sp>
@@ -2310,7 +4284,7 @@
               <a:rPr lang="nb-NO" smtClean="0"/>
               <a:t>‹#›</a:t>
             </a:fld>
-            <a:endParaRPr lang="nb-NO"/>
+            <a:endParaRPr lang="nb-NO" dirty="0"/>
           </a:p>
         </p:txBody>
       </p:sp>
@@ -2327,7 +4301,7 @@
 </p:sldLayout>
 </file>
 
-<file path=ppt/slideLayouts/slideLayout19.xml><?xml version="1.0" encoding="utf-8"?>
+<file path=ppt/slideLayouts/slideLayout25.xml><?xml version="1.0" encoding="utf-8"?>
 <p:sldLayout xmlns:a="http://schemas.openxmlformats.org/drawingml/2006/main" xmlns:r="http://schemas.openxmlformats.org/officeDocument/2006/relationships" xmlns:p="http://schemas.openxmlformats.org/presentationml/2006/main" type="objTx" preserve="1">
   <p:cSld name="Innhold med tekst">
     <p:spTree>
@@ -2351,7 +4325,7 @@
             <a:spLocks noGrp="1"/>
           </p:cNvSpPr>
           <p:nvPr>
-            <p:ph type="title"/>
+            <p:ph type="title" hasCustomPrompt="1"/>
           </p:nvPr>
         </p:nvSpPr>
         <p:spPr>
@@ -2369,8 +4343,8 @@
           </a:lstStyle>
           <a:p>
             <a:r>
-              <a:rPr lang="nb-NO"/>
-              <a:t>Klikk for å redigere tittelstil</a:t>
+              <a:rPr lang="nb-NO" dirty="0"/>
+              <a:t>Klikk for å legge til tittel</a:t>
             </a:r>
           </a:p>
         </p:txBody>
@@ -2382,7 +4356,7 @@
             <a:spLocks noGrp="1"/>
           </p:cNvSpPr>
           <p:nvPr>
-            <p:ph idx="1"/>
+            <p:ph idx="1" hasCustomPrompt="1"/>
           </p:nvPr>
         </p:nvSpPr>
         <p:spPr>
@@ -2425,35 +4399,35 @@
           <a:p>
             <a:pPr lvl="0"/>
             <a:r>
-              <a:rPr lang="nb-NO"/>
-              <a:t>Klikk for å redigere tekststiler i malen</a:t>
+              <a:rPr lang="nb-NO" dirty="0"/>
+              <a:t>Klikk for å legge til tekst</a:t>
             </a:r>
           </a:p>
           <a:p>
             <a:pPr lvl="1"/>
             <a:r>
-              <a:rPr lang="nb-NO"/>
+              <a:rPr lang="nb-NO" dirty="0"/>
               <a:t>Andre nivå</a:t>
             </a:r>
           </a:p>
           <a:p>
             <a:pPr lvl="2"/>
             <a:r>
-              <a:rPr lang="nb-NO"/>
+              <a:rPr lang="nb-NO" dirty="0"/>
               <a:t>Tredje nivå</a:t>
             </a:r>
           </a:p>
           <a:p>
             <a:pPr lvl="3"/>
             <a:r>
-              <a:rPr lang="nb-NO"/>
+              <a:rPr lang="nb-NO" dirty="0"/>
               <a:t>Fjerde nivå</a:t>
             </a:r>
           </a:p>
           <a:p>
             <a:pPr lvl="4"/>
             <a:r>
-              <a:rPr lang="nb-NO"/>
+              <a:rPr lang="nb-NO" dirty="0"/>
               <a:t>Femte nivå</a:t>
             </a:r>
           </a:p>
@@ -2466,7 +4440,7 @@
             <a:spLocks noGrp="1"/>
           </p:cNvSpPr>
           <p:nvPr>
-            <p:ph type="body" sz="half" idx="2"/>
+            <p:ph type="body" sz="half" idx="2" hasCustomPrompt="1"/>
           </p:nvPr>
         </p:nvSpPr>
         <p:spPr>
@@ -2518,8 +4492,8 @@
           <a:p>
             <a:pPr lvl="0"/>
             <a:r>
-              <a:rPr lang="nb-NO"/>
-              <a:t>Klikk for å redigere tekststiler i malen</a:t>
+              <a:rPr lang="nb-NO" dirty="0"/>
+              <a:t>Klikk for å legge til tekst</a:t>
             </a:r>
           </a:p>
         </p:txBody>
@@ -2539,7 +4513,7 @@
           <a:bodyPr/>
           <a:lstStyle/>
           <a:p>
-            <a:endParaRPr lang="nb-NO"/>
+            <a:endParaRPr lang="nb-NO" dirty="0"/>
           </a:p>
         </p:txBody>
       </p:sp>
@@ -2562,7 +4536,7 @@
               <a:rPr lang="nb-NO" smtClean="0"/>
               <a:t>‹#›</a:t>
             </a:fld>
-            <a:endParaRPr lang="nb-NO"/>
+            <a:endParaRPr lang="nb-NO" dirty="0"/>
           </a:p>
         </p:txBody>
       </p:sp>
@@ -2579,134 +4553,7 @@
 </p:sldLayout>
 </file>
 
-<file path=ppt/slideLayouts/slideLayout2.xml><?xml version="1.0" encoding="utf-8"?>
-<p:sldLayout xmlns:a="http://schemas.openxmlformats.org/drawingml/2006/main" xmlns:r="http://schemas.openxmlformats.org/officeDocument/2006/relationships" xmlns:p="http://schemas.openxmlformats.org/presentationml/2006/main" type="title" preserve="1">
-  <p:cSld name="Tittellysbilde">
-    <p:spTree>
-      <p:nvGrpSpPr>
-        <p:cNvPr id="1" name=""/>
-        <p:cNvGrpSpPr/>
-        <p:nvPr/>
-      </p:nvGrpSpPr>
-      <p:grpSpPr>
-        <a:xfrm>
-          <a:off x="0" y="0"/>
-          <a:ext cx="0" cy="0"/>
-          <a:chOff x="0" y="0"/>
-          <a:chExt cx="0" cy="0"/>
-        </a:xfrm>
-      </p:grpSpPr>
-      <p:sp>
-        <p:nvSpPr>
-          <p:cNvPr id="2" name="Tittel 1"/>
-          <p:cNvSpPr>
-            <a:spLocks noGrp="1"/>
-          </p:cNvSpPr>
-          <p:nvPr>
-            <p:ph type="ctrTitle"/>
-          </p:nvPr>
-        </p:nvSpPr>
-        <p:spPr>
-          <a:xfrm>
-            <a:off x="1997678" y="1376493"/>
-            <a:ext cx="5148643" cy="828104"/>
-          </a:xfrm>
-        </p:spPr>
-        <p:txBody>
-          <a:bodyPr anchor="ctr"/>
-          <a:lstStyle>
-            <a:lvl1pPr algn="ctr">
-              <a:defRPr sz="2600"/>
-            </a:lvl1pPr>
-          </a:lstStyle>
-          <a:p>
-            <a:r>
-              <a:rPr lang="nb-NO" dirty="0"/>
-              <a:t>Klikk for å redigere tittelstil</a:t>
-            </a:r>
-          </a:p>
-        </p:txBody>
-      </p:sp>
-      <p:sp>
-        <p:nvSpPr>
-          <p:cNvPr id="3" name="Undertittel 2"/>
-          <p:cNvSpPr>
-            <a:spLocks noGrp="1"/>
-          </p:cNvSpPr>
-          <p:nvPr>
-            <p:ph type="subTitle" idx="1"/>
-          </p:nvPr>
-        </p:nvSpPr>
-        <p:spPr>
-          <a:xfrm>
-            <a:off x="1997678" y="2386299"/>
-            <a:ext cx="5148643" cy="828104"/>
-          </a:xfrm>
-        </p:spPr>
-        <p:txBody>
-          <a:bodyPr anchor="ctr">
-            <a:noAutofit/>
-          </a:bodyPr>
-          <a:lstStyle>
-            <a:lvl1pPr marL="0" indent="0" algn="ctr">
-              <a:buNone/>
-              <a:defRPr sz="1700"/>
-            </a:lvl1pPr>
-            <a:lvl2pPr marL="342900" indent="0" algn="ctr">
-              <a:buNone/>
-              <a:defRPr sz="1500"/>
-            </a:lvl2pPr>
-            <a:lvl3pPr marL="685800" indent="0" algn="ctr">
-              <a:buNone/>
-              <a:defRPr sz="1350"/>
-            </a:lvl3pPr>
-            <a:lvl4pPr marL="1028700" indent="0" algn="ctr">
-              <a:buNone/>
-              <a:defRPr sz="1200"/>
-            </a:lvl4pPr>
-            <a:lvl5pPr marL="1371600" indent="0" algn="ctr">
-              <a:buNone/>
-              <a:defRPr sz="1200"/>
-            </a:lvl5pPr>
-            <a:lvl6pPr marL="1714500" indent="0" algn="ctr">
-              <a:buNone/>
-              <a:defRPr sz="1200"/>
-            </a:lvl6pPr>
-            <a:lvl7pPr marL="2057400" indent="0" algn="ctr">
-              <a:buNone/>
-              <a:defRPr sz="1200"/>
-            </a:lvl7pPr>
-            <a:lvl8pPr marL="2400300" indent="0" algn="ctr">
-              <a:buNone/>
-              <a:defRPr sz="1200"/>
-            </a:lvl8pPr>
-            <a:lvl9pPr marL="2743200" indent="0" algn="ctr">
-              <a:buNone/>
-              <a:defRPr sz="1200"/>
-            </a:lvl9pPr>
-          </a:lstStyle>
-          <a:p>
-            <a:r>
-              <a:rPr lang="nb-NO"/>
-              <a:t>Klikk for å redigere undertittelstil i malen</a:t>
-            </a:r>
-          </a:p>
-        </p:txBody>
-      </p:sp>
-    </p:spTree>
-    <p:extLst>
-      <p:ext uri="{BB962C8B-B14F-4D97-AF65-F5344CB8AC3E}">
-        <p14:creationId xmlns:p14="http://schemas.microsoft.com/office/powerpoint/2010/main" val="1846559389"/>
-      </p:ext>
-    </p:extLst>
-  </p:cSld>
-  <p:clrMapOvr>
-    <a:masterClrMapping/>
-  </p:clrMapOvr>
-</p:sldLayout>
-</file>
-
-<file path=ppt/slideLayouts/slideLayout20.xml><?xml version="1.0" encoding="utf-8"?>
+<file path=ppt/slideLayouts/slideLayout26.xml><?xml version="1.0" encoding="utf-8"?>
 <p:sldLayout xmlns:a="http://schemas.openxmlformats.org/drawingml/2006/main" xmlns:r="http://schemas.openxmlformats.org/officeDocument/2006/relationships" xmlns:p="http://schemas.openxmlformats.org/presentationml/2006/main" type="picTx" preserve="1">
   <p:cSld name="Bilde med tekst">
     <p:spTree>
@@ -2730,7 +4577,7 @@
             <a:spLocks noGrp="1"/>
           </p:cNvSpPr>
           <p:nvPr>
-            <p:ph type="title"/>
+            <p:ph type="title" hasCustomPrompt="1"/>
           </p:nvPr>
         </p:nvSpPr>
         <p:spPr>
@@ -2748,8 +4595,8 @@
           </a:lstStyle>
           <a:p>
             <a:r>
-              <a:rPr lang="nb-NO"/>
-              <a:t>Klikk for å redigere tittelstil</a:t>
+              <a:rPr lang="nb-NO" dirty="0"/>
+              <a:t>Klikk for å legge til tittel</a:t>
             </a:r>
           </a:p>
         </p:txBody>
@@ -2761,7 +4608,7 @@
             <a:spLocks noGrp="1"/>
           </p:cNvSpPr>
           <p:nvPr>
-            <p:ph type="pic" idx="1"/>
+            <p:ph type="pic" idx="1" hasCustomPrompt="1"/>
           </p:nvPr>
         </p:nvSpPr>
         <p:spPr>
@@ -2812,7 +4659,7 @@
           </a:lstStyle>
           <a:p>
             <a:r>
-              <a:rPr lang="nb-NO"/>
+              <a:rPr lang="nb-NO" dirty="0"/>
               <a:t>Klikk på ikonet for å legge til et bilde</a:t>
             </a:r>
           </a:p>
@@ -2825,7 +4672,7 @@
             <a:spLocks noGrp="1"/>
           </p:cNvSpPr>
           <p:nvPr>
-            <p:ph type="body" sz="half" idx="2"/>
+            <p:ph type="body" sz="half" idx="2" hasCustomPrompt="1"/>
           </p:nvPr>
         </p:nvSpPr>
         <p:spPr>
@@ -2877,8 +4724,8 @@
           <a:p>
             <a:pPr lvl="0"/>
             <a:r>
-              <a:rPr lang="nb-NO"/>
-              <a:t>Klikk for å redigere tekststiler i malen</a:t>
+              <a:rPr lang="nb-NO" dirty="0"/>
+              <a:t>Klikk for å legge til tekst</a:t>
             </a:r>
           </a:p>
         </p:txBody>
@@ -2898,7 +4745,7 @@
           <a:bodyPr/>
           <a:lstStyle/>
           <a:p>
-            <a:endParaRPr lang="nb-NO"/>
+            <a:endParaRPr lang="nb-NO" dirty="0"/>
           </a:p>
         </p:txBody>
       </p:sp>
@@ -2921,7 +4768,7 @@
               <a:rPr lang="nb-NO" smtClean="0"/>
               <a:t>‹#›</a:t>
             </a:fld>
-            <a:endParaRPr lang="nb-NO"/>
+            <a:endParaRPr lang="nb-NO" dirty="0"/>
           </a:p>
         </p:txBody>
       </p:sp>
@@ -2938,7 +4785,7 @@
 </p:sldLayout>
 </file>
 
-<file path=ppt/slideLayouts/slideLayout21.xml><?xml version="1.0" encoding="utf-8"?>
+<file path=ppt/slideLayouts/slideLayout27.xml><?xml version="1.0" encoding="utf-8"?>
 <p:sldLayout xmlns:a="http://schemas.openxmlformats.org/drawingml/2006/main" xmlns:r="http://schemas.openxmlformats.org/officeDocument/2006/relationships" xmlns:p="http://schemas.openxmlformats.org/presentationml/2006/main" preserve="1" userDrawn="1">
   <p:cSld name="Tittellysbilde">
     <p:spTree>
@@ -2968,7 +4815,7 @@
             <a:spLocks noGrp="1"/>
           </p:cNvSpPr>
           <p:nvPr>
-            <p:ph type="subTitle" idx="1"/>
+            <p:ph type="subTitle" idx="1" hasCustomPrompt="1"/>
           </p:nvPr>
         </p:nvSpPr>
         <p:spPr>
@@ -3019,8 +4866,8 @@
           </a:lstStyle>
           <a:p>
             <a:r>
-              <a:rPr lang="nb-NO"/>
-              <a:t>Klikk for å redigere undertittelstil i malen</a:t>
+              <a:rPr lang="nb-NO" dirty="0"/>
+              <a:t>Klikk for å legge til undertittel</a:t>
             </a:r>
           </a:p>
         </p:txBody>
@@ -3038,7 +4885,7 @@
             <a:spLocks noGrp="1"/>
           </p:cNvSpPr>
           <p:nvPr>
-            <p:ph type="ctrTitle"/>
+            <p:ph type="ctrTitle" hasCustomPrompt="1"/>
           </p:nvPr>
         </p:nvSpPr>
         <p:spPr>
@@ -3059,7 +4906,7 @@
           <a:p>
             <a:r>
               <a:rPr lang="nb-NO" dirty="0"/>
-              <a:t>Klikk for å redigere tittelstil</a:t>
+              <a:t>Klikk for å legge til tittel</a:t>
             </a:r>
           </a:p>
         </p:txBody>
@@ -3077,7 +4924,189 @@
 </p:sldLayout>
 </file>
 
-<file path=ppt/slideLayouts/slideLayout22.xml><?xml version="1.0" encoding="utf-8"?>
+<file path=ppt/slideLayouts/slideLayout28.xml><?xml version="1.0" encoding="utf-8"?>
+<p:sldLayout xmlns:a="http://schemas.openxmlformats.org/drawingml/2006/main" xmlns:r="http://schemas.openxmlformats.org/officeDocument/2006/relationships" xmlns:p="http://schemas.openxmlformats.org/presentationml/2006/main" preserve="1" userDrawn="1">
+  <p:cSld name="Tittel og innhold">
+    <p:spTree>
+      <p:nvGrpSpPr>
+        <p:cNvPr id="1" name=""/>
+        <p:cNvGrpSpPr/>
+        <p:nvPr/>
+      </p:nvGrpSpPr>
+      <p:grpSpPr>
+        <a:xfrm>
+          <a:off x="0" y="0"/>
+          <a:ext cx="0" cy="0"/>
+          <a:chOff x="0" y="0"/>
+          <a:chExt cx="0" cy="0"/>
+        </a:xfrm>
+      </p:grpSpPr>
+      <p:sp>
+        <p:nvSpPr>
+          <p:cNvPr id="2" name="Title 1">
+            <a:extLst>
+              <a:ext uri="{FF2B5EF4-FFF2-40B4-BE49-F238E27FC236}">
+                <a16:creationId xmlns:a16="http://schemas.microsoft.com/office/drawing/2014/main" id="{EE432826-C099-49D2-A0A8-B6588C0E5E20}"/>
+              </a:ext>
+            </a:extLst>
+          </p:cNvPr>
+          <p:cNvSpPr>
+            <a:spLocks noGrp="1"/>
+          </p:cNvSpPr>
+          <p:nvPr>
+            <p:ph type="title" hasCustomPrompt="1"/>
+          </p:nvPr>
+        </p:nvSpPr>
+        <p:spPr/>
+        <p:txBody>
+          <a:bodyPr/>
+          <a:lstStyle>
+            <a:lvl1pPr>
+              <a:defRPr/>
+            </a:lvl1pPr>
+          </a:lstStyle>
+          <a:p>
+            <a:r>
+              <a:rPr lang="en-US" dirty="0" err="1"/>
+              <a:t>Klikk</a:t>
+            </a:r>
+            <a:r>
+              <a:rPr lang="en-US" dirty="0"/>
+              <a:t> for å </a:t>
+            </a:r>
+            <a:r>
+              <a:rPr lang="en-US" dirty="0" err="1"/>
+              <a:t>legge</a:t>
+            </a:r>
+            <a:r>
+              <a:rPr lang="en-US" dirty="0"/>
+              <a:t> </a:t>
+            </a:r>
+            <a:r>
+              <a:rPr lang="en-US" dirty="0" err="1"/>
+              <a:t>til</a:t>
+            </a:r>
+            <a:r>
+              <a:rPr lang="en-US" dirty="0"/>
+              <a:t> </a:t>
+            </a:r>
+            <a:r>
+              <a:rPr lang="en-US" dirty="0" err="1"/>
+              <a:t>tittel</a:t>
+            </a:r>
+            <a:endParaRPr lang="en-GB" dirty="0"/>
+          </a:p>
+        </p:txBody>
+      </p:sp>
+      <p:sp>
+        <p:nvSpPr>
+          <p:cNvPr id="3" name="Content Placeholder 3">
+            <a:extLst>
+              <a:ext uri="{FF2B5EF4-FFF2-40B4-BE49-F238E27FC236}">
+                <a16:creationId xmlns:a16="http://schemas.microsoft.com/office/drawing/2014/main" id="{2712A80B-F6C6-433F-8EB2-B0096D0E3DFA}"/>
+              </a:ext>
+            </a:extLst>
+          </p:cNvPr>
+          <p:cNvSpPr>
+            <a:spLocks noGrp="1"/>
+          </p:cNvSpPr>
+          <p:nvPr>
+            <p:ph sz="quarter" idx="10" hasCustomPrompt="1"/>
+          </p:nvPr>
+        </p:nvSpPr>
+        <p:spPr>
+          <a:xfrm>
+            <a:off x="628650" y="1370013"/>
+            <a:ext cx="7886700" cy="3263900"/>
+          </a:xfrm>
+          <a:prstGeom prst="rect">
+            <a:avLst/>
+          </a:prstGeom>
+        </p:spPr>
+        <p:txBody>
+          <a:bodyPr lIns="91440" tIns="45720" rIns="91440" bIns="45720"/>
+          <a:lstStyle>
+            <a:lvl1pPr>
+              <a:defRPr/>
+            </a:lvl1pPr>
+          </a:lstStyle>
+          <a:p>
+            <a:pPr lvl="0"/>
+            <a:r>
+              <a:rPr lang="en-US" dirty="0" err="1"/>
+              <a:t>Klikk</a:t>
+            </a:r>
+            <a:r>
+              <a:rPr lang="en-US" dirty="0"/>
+              <a:t> for å </a:t>
+            </a:r>
+            <a:r>
+              <a:rPr lang="en-US" dirty="0" err="1"/>
+              <a:t>legge</a:t>
+            </a:r>
+            <a:r>
+              <a:rPr lang="en-US" dirty="0"/>
+              <a:t> </a:t>
+            </a:r>
+            <a:r>
+              <a:rPr lang="en-US" dirty="0" err="1"/>
+              <a:t>til</a:t>
+            </a:r>
+            <a:r>
+              <a:rPr lang="en-US" dirty="0"/>
+              <a:t> </a:t>
+            </a:r>
+            <a:r>
+              <a:rPr lang="en-US" dirty="0" err="1"/>
+              <a:t>tekst</a:t>
+            </a:r>
+            <a:endParaRPr lang="en-US" dirty="0"/>
+          </a:p>
+          <a:p>
+            <a:pPr lvl="1"/>
+            <a:r>
+              <a:rPr lang="en-US" dirty="0"/>
+              <a:t>Second level</a:t>
+            </a:r>
+          </a:p>
+          <a:p>
+            <a:pPr lvl="2"/>
+            <a:r>
+              <a:rPr lang="en-US" dirty="0"/>
+              <a:t>Third level</a:t>
+            </a:r>
+          </a:p>
+          <a:p>
+            <a:pPr lvl="3"/>
+            <a:r>
+              <a:rPr lang="en-US" dirty="0"/>
+              <a:t>Fourth level</a:t>
+            </a:r>
+          </a:p>
+          <a:p>
+            <a:pPr lvl="4"/>
+            <a:r>
+              <a:rPr lang="en-US" dirty="0"/>
+              <a:t>Fifth level</a:t>
+            </a:r>
+            <a:endParaRPr lang="en-GB" dirty="0"/>
+          </a:p>
+        </p:txBody>
+      </p:sp>
+    </p:spTree>
+    <p:extLst>
+      <p:ext uri="{BB962C8B-B14F-4D97-AF65-F5344CB8AC3E}">
+        <p14:creationId xmlns:p14="http://schemas.microsoft.com/office/powerpoint/2010/main" val="4285739991"/>
+      </p:ext>
+    </p:extLst>
+  </p:cSld>
+  <p:clrMapOvr>
+    <a:masterClrMapping/>
+  </p:clrMapOvr>
+</p:sldLayout>
+</file>
+
+<file path=ppt/slideLayouts/slideLayout29.xml><?xml version="1.0" encoding="utf-8"?>
 <p:sldLayout xmlns:a="http://schemas.openxmlformats.org/drawingml/2006/main" xmlns:r="http://schemas.openxmlformats.org/officeDocument/2006/relationships" xmlns:p="http://schemas.openxmlformats.org/presentationml/2006/main" preserve="1" userDrawn="1">
   <p:cSld name="Bare tittel">
     <p:spTree>
@@ -3107,7 +5136,7 @@
             <a:spLocks noGrp="1"/>
           </p:cNvSpPr>
           <p:nvPr>
-            <p:ph type="title"/>
+            <p:ph type="title" hasCustomPrompt="1"/>
           </p:nvPr>
         </p:nvSpPr>
         <p:spPr>
@@ -3126,7 +5155,7 @@
           <a:p>
             <a:r>
               <a:rPr lang="nb-NO" dirty="0"/>
-              <a:t>Klikk for å redigere tittelstil</a:t>
+              <a:t>Klikk for å legge til tittel</a:t>
             </a:r>
           </a:p>
         </p:txBody>
@@ -3144,7 +5173,150 @@
 </p:sldLayout>
 </file>
 
-<file path=ppt/slideLayouts/slideLayout23.xml><?xml version="1.0" encoding="utf-8"?>
+<file path=ppt/slideLayouts/slideLayout3.xml><?xml version="1.0" encoding="utf-8"?>
+<p:sldLayout xmlns:a="http://schemas.openxmlformats.org/drawingml/2006/main" xmlns:r="http://schemas.openxmlformats.org/officeDocument/2006/relationships" xmlns:p="http://schemas.openxmlformats.org/presentationml/2006/main" preserve="1" userDrawn="1">
+  <p:cSld name="Bilde og tekst">
+    <p:spTree>
+      <p:nvGrpSpPr>
+        <p:cNvPr id="1" name=""/>
+        <p:cNvGrpSpPr/>
+        <p:nvPr/>
+      </p:nvGrpSpPr>
+      <p:grpSpPr>
+        <a:xfrm>
+          <a:off x="0" y="0"/>
+          <a:ext cx="0" cy="0"/>
+          <a:chOff x="0" y="0"/>
+          <a:chExt cx="0" cy="0"/>
+        </a:xfrm>
+      </p:grpSpPr>
+      <p:sp>
+        <p:nvSpPr>
+          <p:cNvPr id="8" name="Picture Placeholder 9">
+            <a:extLst>
+              <a:ext uri="{FF2B5EF4-FFF2-40B4-BE49-F238E27FC236}">
+                <a16:creationId xmlns:a16="http://schemas.microsoft.com/office/drawing/2014/main" id="{CBBDFCF7-F532-477F-8A1A-E900E1DC9286}"/>
+              </a:ext>
+            </a:extLst>
+          </p:cNvPr>
+          <p:cNvSpPr>
+            <a:spLocks noGrp="1"/>
+          </p:cNvSpPr>
+          <p:nvPr>
+            <p:ph type="pic" sz="quarter" idx="10"/>
+          </p:nvPr>
+        </p:nvSpPr>
+        <p:spPr>
+          <a:xfrm>
+            <a:off x="0" y="0"/>
+            <a:ext cx="9144000" cy="5145088"/>
+          </a:xfrm>
+          <a:solidFill>
+            <a:srgbClr val="F6F6F6"/>
+          </a:solidFill>
+        </p:spPr>
+        <p:txBody>
+          <a:bodyPr anchor="t">
+            <a:normAutofit/>
+          </a:bodyPr>
+          <a:lstStyle>
+            <a:lvl1pPr marL="0" indent="0" algn="ctr">
+              <a:buNone/>
+              <a:defRPr sz="1200"/>
+            </a:lvl1pPr>
+          </a:lstStyle>
+          <a:p>
+            <a:r>
+              <a:rPr lang="nb-NO"/>
+              <a:t>Klikk på ikonet for å legge til et bilde</a:t>
+            </a:r>
+            <a:endParaRPr lang="en-GB" dirty="0"/>
+          </a:p>
+        </p:txBody>
+      </p:sp>
+      <p:sp>
+        <p:nvSpPr>
+          <p:cNvPr id="12" name="Text Placeholder 11">
+            <a:extLst>
+              <a:ext uri="{FF2B5EF4-FFF2-40B4-BE49-F238E27FC236}">
+                <a16:creationId xmlns:a16="http://schemas.microsoft.com/office/drawing/2014/main" id="{2FA06A6E-EF01-4423-B229-C83BB34ADB95}"/>
+              </a:ext>
+            </a:extLst>
+          </p:cNvPr>
+          <p:cNvSpPr>
+            <a:spLocks noGrp="1"/>
+          </p:cNvSpPr>
+          <p:nvPr>
+            <p:ph type="body" sz="quarter" idx="11" hasCustomPrompt="1"/>
+          </p:nvPr>
+        </p:nvSpPr>
+        <p:spPr>
+          <a:xfrm>
+            <a:off x="0" y="4412342"/>
+            <a:ext cx="9143999" cy="732745"/>
+          </a:xfrm>
+          <a:blipFill>
+            <a:blip r:embed="rId2">
+              <a:extLst>
+                <a:ext uri="{96DAC541-7B7A-43D3-8B79-37D633B846F1}">
+                  <asvg:svgBlip xmlns:asvg="http://schemas.microsoft.com/office/drawing/2016/SVG/main" r:embed="rId3"/>
+                </a:ext>
+              </a:extLst>
+            </a:blip>
+            <a:stretch>
+              <a:fillRect/>
+            </a:stretch>
+          </a:blipFill>
+        </p:spPr>
+        <p:txBody>
+          <a:bodyPr lIns="612000" rIns="468000" anchor="ctr">
+            <a:normAutofit/>
+          </a:bodyPr>
+          <a:lstStyle>
+            <a:lvl1pPr marL="0" indent="0" algn="l">
+              <a:buNone/>
+              <a:defRPr sz="2000" b="1"/>
+            </a:lvl1pPr>
+          </a:lstStyle>
+          <a:p>
+            <a:pPr marL="0" marR="0" lvl="0" indent="0" algn="l" defTabSz="685800" rtl="0" eaLnBrk="1" fontAlgn="auto" latinLnBrk="0" hangingPunct="1">
+              <a:lnSpc>
+                <a:spcPct val="90000"/>
+              </a:lnSpc>
+              <a:spcBef>
+                <a:spcPts val="750"/>
+              </a:spcBef>
+              <a:spcAft>
+                <a:spcPts val="0"/>
+              </a:spcAft>
+              <a:buClrTx/>
+              <a:buSzTx/>
+              <a:buFont typeface="Arial" panose="020B0604020202020204" pitchFamily="34" charset="0"/>
+              <a:buNone/>
+              <a:tabLst/>
+              <a:defRPr/>
+            </a:pPr>
+            <a:r>
+              <a:rPr lang="nb-NO" dirty="0"/>
+              <a:t>Klikk for å legge til tekst</a:t>
+            </a:r>
+          </a:p>
+        </p:txBody>
+      </p:sp>
+    </p:spTree>
+    <p:extLst>
+      <p:ext uri="{BB962C8B-B14F-4D97-AF65-F5344CB8AC3E}">
+        <p14:creationId xmlns:p14="http://schemas.microsoft.com/office/powerpoint/2010/main" val="300024147"/>
+      </p:ext>
+    </p:extLst>
+  </p:cSld>
+  <p:clrMapOvr>
+    <a:masterClrMapping/>
+  </p:clrMapOvr>
+</p:sldLayout>
+</file>
+
+<file path=ppt/slideLayouts/slideLayout30.xml><?xml version="1.0" encoding="utf-8"?>
 <p:sldLayout xmlns:a="http://schemas.openxmlformats.org/drawingml/2006/main" xmlns:r="http://schemas.openxmlformats.org/officeDocument/2006/relationships" xmlns:p="http://schemas.openxmlformats.org/presentationml/2006/main" type="blank" preserve="1">
   <p:cSld name="Tomt">
     <p:spTree>
@@ -3174,7 +5346,7 @@
 </p:sldLayout>
 </file>
 
-<file path=ppt/slideLayouts/slideLayout24.xml><?xml version="1.0" encoding="utf-8"?>
+<file path=ppt/slideLayouts/slideLayout31.xml><?xml version="1.0" encoding="utf-8"?>
 <p:sldLayout xmlns:a="http://schemas.openxmlformats.org/drawingml/2006/main" xmlns:r="http://schemas.openxmlformats.org/officeDocument/2006/relationships" xmlns:p="http://schemas.openxmlformats.org/presentationml/2006/main" preserve="1" userDrawn="1">
   <p:cSld name="Tittellysbilde">
     <p:spTree>
@@ -3204,7 +5376,7 @@
             <a:spLocks noGrp="1"/>
           </p:cNvSpPr>
           <p:nvPr>
-            <p:ph type="subTitle" idx="1"/>
+            <p:ph type="subTitle" idx="1" hasCustomPrompt="1"/>
           </p:nvPr>
         </p:nvSpPr>
         <p:spPr>
@@ -3255,8 +5427,8 @@
           </a:lstStyle>
           <a:p>
             <a:r>
-              <a:rPr lang="nb-NO"/>
-              <a:t>Klikk for å redigere undertittelstil i malen</a:t>
+              <a:rPr lang="nb-NO" dirty="0"/>
+              <a:t>Klikk for å legge til undertittel</a:t>
             </a:r>
           </a:p>
         </p:txBody>
@@ -3274,7 +5446,7 @@
             <a:spLocks noGrp="1"/>
           </p:cNvSpPr>
           <p:nvPr>
-            <p:ph type="ctrTitle"/>
+            <p:ph type="ctrTitle" hasCustomPrompt="1"/>
           </p:nvPr>
         </p:nvSpPr>
         <p:spPr>
@@ -3295,7 +5467,7 @@
           <a:p>
             <a:r>
               <a:rPr lang="nb-NO" dirty="0"/>
-              <a:t>Klikk for å redigere tittelstil</a:t>
+              <a:t>Klikk for å legge til tittel</a:t>
             </a:r>
           </a:p>
         </p:txBody>
@@ -3313,7 +5485,189 @@
 </p:sldLayout>
 </file>
 
-<file path=ppt/slideLayouts/slideLayout25.xml><?xml version="1.0" encoding="utf-8"?>
+<file path=ppt/slideLayouts/slideLayout32.xml><?xml version="1.0" encoding="utf-8"?>
+<p:sldLayout xmlns:a="http://schemas.openxmlformats.org/drawingml/2006/main" xmlns:r="http://schemas.openxmlformats.org/officeDocument/2006/relationships" xmlns:p="http://schemas.openxmlformats.org/presentationml/2006/main" preserve="1" userDrawn="1">
+  <p:cSld name="Tittel og innhold">
+    <p:spTree>
+      <p:nvGrpSpPr>
+        <p:cNvPr id="1" name=""/>
+        <p:cNvGrpSpPr/>
+        <p:nvPr/>
+      </p:nvGrpSpPr>
+      <p:grpSpPr>
+        <a:xfrm>
+          <a:off x="0" y="0"/>
+          <a:ext cx="0" cy="0"/>
+          <a:chOff x="0" y="0"/>
+          <a:chExt cx="0" cy="0"/>
+        </a:xfrm>
+      </p:grpSpPr>
+      <p:sp>
+        <p:nvSpPr>
+          <p:cNvPr id="2" name="Title 1">
+            <a:extLst>
+              <a:ext uri="{FF2B5EF4-FFF2-40B4-BE49-F238E27FC236}">
+                <a16:creationId xmlns:a16="http://schemas.microsoft.com/office/drawing/2014/main" id="{77283D6C-6DFE-47A5-88F4-FCF159E82E60}"/>
+              </a:ext>
+            </a:extLst>
+          </p:cNvPr>
+          <p:cNvSpPr>
+            <a:spLocks noGrp="1"/>
+          </p:cNvSpPr>
+          <p:nvPr>
+            <p:ph type="title" hasCustomPrompt="1"/>
+          </p:nvPr>
+        </p:nvSpPr>
+        <p:spPr/>
+        <p:txBody>
+          <a:bodyPr/>
+          <a:lstStyle>
+            <a:lvl1pPr>
+              <a:defRPr/>
+            </a:lvl1pPr>
+          </a:lstStyle>
+          <a:p>
+            <a:r>
+              <a:rPr lang="en-US" dirty="0" err="1"/>
+              <a:t>Klikk</a:t>
+            </a:r>
+            <a:r>
+              <a:rPr lang="en-US" dirty="0"/>
+              <a:t> for å </a:t>
+            </a:r>
+            <a:r>
+              <a:rPr lang="en-US" dirty="0" err="1"/>
+              <a:t>legge</a:t>
+            </a:r>
+            <a:r>
+              <a:rPr lang="en-US" dirty="0"/>
+              <a:t> </a:t>
+            </a:r>
+            <a:r>
+              <a:rPr lang="en-US" dirty="0" err="1"/>
+              <a:t>til</a:t>
+            </a:r>
+            <a:r>
+              <a:rPr lang="en-US" dirty="0"/>
+              <a:t> </a:t>
+            </a:r>
+            <a:r>
+              <a:rPr lang="en-US" dirty="0" err="1"/>
+              <a:t>tittel</a:t>
+            </a:r>
+            <a:endParaRPr lang="en-GB" dirty="0"/>
+          </a:p>
+        </p:txBody>
+      </p:sp>
+      <p:sp>
+        <p:nvSpPr>
+          <p:cNvPr id="3" name="Content Placeholder 3">
+            <a:extLst>
+              <a:ext uri="{FF2B5EF4-FFF2-40B4-BE49-F238E27FC236}">
+                <a16:creationId xmlns:a16="http://schemas.microsoft.com/office/drawing/2014/main" id="{1E7901DD-A680-4B52-B365-A2C8C938706B}"/>
+              </a:ext>
+            </a:extLst>
+          </p:cNvPr>
+          <p:cNvSpPr>
+            <a:spLocks noGrp="1"/>
+          </p:cNvSpPr>
+          <p:nvPr>
+            <p:ph sz="quarter" idx="10" hasCustomPrompt="1"/>
+          </p:nvPr>
+        </p:nvSpPr>
+        <p:spPr>
+          <a:xfrm>
+            <a:off x="628650" y="1370013"/>
+            <a:ext cx="7886700" cy="3263900"/>
+          </a:xfrm>
+          <a:prstGeom prst="rect">
+            <a:avLst/>
+          </a:prstGeom>
+        </p:spPr>
+        <p:txBody>
+          <a:bodyPr lIns="91440" tIns="45720" rIns="91440" bIns="45720"/>
+          <a:lstStyle>
+            <a:lvl1pPr>
+              <a:defRPr/>
+            </a:lvl1pPr>
+          </a:lstStyle>
+          <a:p>
+            <a:pPr lvl="0"/>
+            <a:r>
+              <a:rPr lang="en-US" dirty="0" err="1"/>
+              <a:t>Klikk</a:t>
+            </a:r>
+            <a:r>
+              <a:rPr lang="en-US" dirty="0"/>
+              <a:t> for å </a:t>
+            </a:r>
+            <a:r>
+              <a:rPr lang="en-US" dirty="0" err="1"/>
+              <a:t>legge</a:t>
+            </a:r>
+            <a:r>
+              <a:rPr lang="en-US" dirty="0"/>
+              <a:t> </a:t>
+            </a:r>
+            <a:r>
+              <a:rPr lang="en-US" dirty="0" err="1"/>
+              <a:t>til</a:t>
+            </a:r>
+            <a:r>
+              <a:rPr lang="en-US" dirty="0"/>
+              <a:t> </a:t>
+            </a:r>
+            <a:r>
+              <a:rPr lang="en-US" dirty="0" err="1"/>
+              <a:t>tekst</a:t>
+            </a:r>
+            <a:endParaRPr lang="en-US" dirty="0"/>
+          </a:p>
+          <a:p>
+            <a:pPr lvl="1"/>
+            <a:r>
+              <a:rPr lang="en-US" dirty="0"/>
+              <a:t>Second level</a:t>
+            </a:r>
+          </a:p>
+          <a:p>
+            <a:pPr lvl="2"/>
+            <a:r>
+              <a:rPr lang="en-US" dirty="0"/>
+              <a:t>Third level</a:t>
+            </a:r>
+          </a:p>
+          <a:p>
+            <a:pPr lvl="3"/>
+            <a:r>
+              <a:rPr lang="en-US" dirty="0"/>
+              <a:t>Fourth level</a:t>
+            </a:r>
+          </a:p>
+          <a:p>
+            <a:pPr lvl="4"/>
+            <a:r>
+              <a:rPr lang="en-US" dirty="0"/>
+              <a:t>Fifth level</a:t>
+            </a:r>
+            <a:endParaRPr lang="en-GB" dirty="0"/>
+          </a:p>
+        </p:txBody>
+      </p:sp>
+    </p:spTree>
+    <p:extLst>
+      <p:ext uri="{BB962C8B-B14F-4D97-AF65-F5344CB8AC3E}">
+        <p14:creationId xmlns:p14="http://schemas.microsoft.com/office/powerpoint/2010/main" val="4049611686"/>
+      </p:ext>
+    </p:extLst>
+  </p:cSld>
+  <p:clrMapOvr>
+    <a:masterClrMapping/>
+  </p:clrMapOvr>
+</p:sldLayout>
+</file>
+
+<file path=ppt/slideLayouts/slideLayout33.xml><?xml version="1.0" encoding="utf-8"?>
 <p:sldLayout xmlns:a="http://schemas.openxmlformats.org/drawingml/2006/main" xmlns:r="http://schemas.openxmlformats.org/officeDocument/2006/relationships" xmlns:p="http://schemas.openxmlformats.org/presentationml/2006/main" preserve="1" userDrawn="1">
   <p:cSld name="Bare tittel">
     <p:spTree>
@@ -3343,7 +5697,7 @@
             <a:spLocks noGrp="1"/>
           </p:cNvSpPr>
           <p:nvPr>
-            <p:ph type="title"/>
+            <p:ph type="title" hasCustomPrompt="1"/>
           </p:nvPr>
         </p:nvSpPr>
         <p:spPr>
@@ -3362,7 +5716,7 @@
           <a:p>
             <a:r>
               <a:rPr lang="nb-NO" dirty="0"/>
-              <a:t>Klikk for å redigere tittelstil</a:t>
+              <a:t>Klikk for å legge til tittel</a:t>
             </a:r>
           </a:p>
         </p:txBody>
@@ -3380,7 +5734,7 @@
 </p:sldLayout>
 </file>
 
-<file path=ppt/slideLayouts/slideLayout26.xml><?xml version="1.0" encoding="utf-8"?>
+<file path=ppt/slideLayouts/slideLayout34.xml><?xml version="1.0" encoding="utf-8"?>
 <p:sldLayout xmlns:a="http://schemas.openxmlformats.org/drawingml/2006/main" xmlns:r="http://schemas.openxmlformats.org/officeDocument/2006/relationships" xmlns:p="http://schemas.openxmlformats.org/presentationml/2006/main" type="blank" preserve="1">
   <p:cSld name="Tomt">
     <p:spTree>
@@ -3410,7 +5764,7 @@
 </p:sldLayout>
 </file>
 
-<file path=ppt/slideLayouts/slideLayout27.xml><?xml version="1.0" encoding="utf-8"?>
+<file path=ppt/slideLayouts/slideLayout35.xml><?xml version="1.0" encoding="utf-8"?>
 <p:sldLayout xmlns:a="http://schemas.openxmlformats.org/drawingml/2006/main" xmlns:r="http://schemas.openxmlformats.org/officeDocument/2006/relationships" xmlns:p="http://schemas.openxmlformats.org/presentationml/2006/main" preserve="1" userDrawn="1">
   <p:cSld name="Tittellysbilde">
     <p:spTree>
@@ -3440,7 +5794,7 @@
             <a:spLocks noGrp="1"/>
           </p:cNvSpPr>
           <p:nvPr>
-            <p:ph type="subTitle" idx="1"/>
+            <p:ph type="subTitle" idx="1" hasCustomPrompt="1"/>
           </p:nvPr>
         </p:nvSpPr>
         <p:spPr>
@@ -3491,8 +5845,8 @@
           </a:lstStyle>
           <a:p>
             <a:r>
-              <a:rPr lang="nb-NO"/>
-              <a:t>Klikk for å redigere undertittelstil i malen</a:t>
+              <a:rPr lang="nb-NO" dirty="0"/>
+              <a:t>Klikk for å legge til undertittel</a:t>
             </a:r>
           </a:p>
         </p:txBody>
@@ -3510,7 +5864,7 @@
             <a:spLocks noGrp="1"/>
           </p:cNvSpPr>
           <p:nvPr>
-            <p:ph type="ctrTitle"/>
+            <p:ph type="ctrTitle" hasCustomPrompt="1"/>
           </p:nvPr>
         </p:nvSpPr>
         <p:spPr>
@@ -3531,7 +5885,7 @@
           <a:p>
             <a:r>
               <a:rPr lang="nb-NO" dirty="0"/>
-              <a:t>Klikk for å redigere tittelstil</a:t>
+              <a:t>Klikk for å legge til tittel</a:t>
             </a:r>
           </a:p>
         </p:txBody>
@@ -3549,7 +5903,189 @@
 </p:sldLayout>
 </file>
 
-<file path=ppt/slideLayouts/slideLayout28.xml><?xml version="1.0" encoding="utf-8"?>
+<file path=ppt/slideLayouts/slideLayout36.xml><?xml version="1.0" encoding="utf-8"?>
+<p:sldLayout xmlns:a="http://schemas.openxmlformats.org/drawingml/2006/main" xmlns:r="http://schemas.openxmlformats.org/officeDocument/2006/relationships" xmlns:p="http://schemas.openxmlformats.org/presentationml/2006/main" preserve="1" userDrawn="1">
+  <p:cSld name="Tittel og innhold">
+    <p:spTree>
+      <p:nvGrpSpPr>
+        <p:cNvPr id="1" name=""/>
+        <p:cNvGrpSpPr/>
+        <p:nvPr/>
+      </p:nvGrpSpPr>
+      <p:grpSpPr>
+        <a:xfrm>
+          <a:off x="0" y="0"/>
+          <a:ext cx="0" cy="0"/>
+          <a:chOff x="0" y="0"/>
+          <a:chExt cx="0" cy="0"/>
+        </a:xfrm>
+      </p:grpSpPr>
+      <p:sp>
+        <p:nvSpPr>
+          <p:cNvPr id="2" name="Title 1">
+            <a:extLst>
+              <a:ext uri="{FF2B5EF4-FFF2-40B4-BE49-F238E27FC236}">
+                <a16:creationId xmlns:a16="http://schemas.microsoft.com/office/drawing/2014/main" id="{65EA11D9-7B4E-4F15-842A-E08A1D6B415D}"/>
+              </a:ext>
+            </a:extLst>
+          </p:cNvPr>
+          <p:cNvSpPr>
+            <a:spLocks noGrp="1"/>
+          </p:cNvSpPr>
+          <p:nvPr>
+            <p:ph type="title" hasCustomPrompt="1"/>
+          </p:nvPr>
+        </p:nvSpPr>
+        <p:spPr/>
+        <p:txBody>
+          <a:bodyPr/>
+          <a:lstStyle>
+            <a:lvl1pPr>
+              <a:defRPr/>
+            </a:lvl1pPr>
+          </a:lstStyle>
+          <a:p>
+            <a:r>
+              <a:rPr lang="en-US" dirty="0" err="1"/>
+              <a:t>Klikk</a:t>
+            </a:r>
+            <a:r>
+              <a:rPr lang="en-US" dirty="0"/>
+              <a:t> for å </a:t>
+            </a:r>
+            <a:r>
+              <a:rPr lang="en-US" dirty="0" err="1"/>
+              <a:t>legge</a:t>
+            </a:r>
+            <a:r>
+              <a:rPr lang="en-US" dirty="0"/>
+              <a:t> </a:t>
+            </a:r>
+            <a:r>
+              <a:rPr lang="en-US" dirty="0" err="1"/>
+              <a:t>til</a:t>
+            </a:r>
+            <a:r>
+              <a:rPr lang="en-US" dirty="0"/>
+              <a:t> </a:t>
+            </a:r>
+            <a:r>
+              <a:rPr lang="en-US" dirty="0" err="1"/>
+              <a:t>tittel</a:t>
+            </a:r>
+            <a:endParaRPr lang="en-GB" dirty="0"/>
+          </a:p>
+        </p:txBody>
+      </p:sp>
+      <p:sp>
+        <p:nvSpPr>
+          <p:cNvPr id="3" name="Content Placeholder 3">
+            <a:extLst>
+              <a:ext uri="{FF2B5EF4-FFF2-40B4-BE49-F238E27FC236}">
+                <a16:creationId xmlns:a16="http://schemas.microsoft.com/office/drawing/2014/main" id="{FBF94286-2306-40E2-9F24-9C71DCFE31DD}"/>
+              </a:ext>
+            </a:extLst>
+          </p:cNvPr>
+          <p:cNvSpPr>
+            <a:spLocks noGrp="1"/>
+          </p:cNvSpPr>
+          <p:nvPr>
+            <p:ph sz="quarter" idx="10" hasCustomPrompt="1"/>
+          </p:nvPr>
+        </p:nvSpPr>
+        <p:spPr>
+          <a:xfrm>
+            <a:off x="628650" y="1370013"/>
+            <a:ext cx="7886700" cy="3263900"/>
+          </a:xfrm>
+          <a:prstGeom prst="rect">
+            <a:avLst/>
+          </a:prstGeom>
+        </p:spPr>
+        <p:txBody>
+          <a:bodyPr lIns="91440" tIns="45720" rIns="91440" bIns="45720"/>
+          <a:lstStyle>
+            <a:lvl1pPr>
+              <a:defRPr/>
+            </a:lvl1pPr>
+          </a:lstStyle>
+          <a:p>
+            <a:pPr lvl="0"/>
+            <a:r>
+              <a:rPr lang="en-US" dirty="0" err="1"/>
+              <a:t>Klikk</a:t>
+            </a:r>
+            <a:r>
+              <a:rPr lang="en-US" dirty="0"/>
+              <a:t> for å </a:t>
+            </a:r>
+            <a:r>
+              <a:rPr lang="en-US" dirty="0" err="1"/>
+              <a:t>legge</a:t>
+            </a:r>
+            <a:r>
+              <a:rPr lang="en-US" dirty="0"/>
+              <a:t> </a:t>
+            </a:r>
+            <a:r>
+              <a:rPr lang="en-US" dirty="0" err="1"/>
+              <a:t>til</a:t>
+            </a:r>
+            <a:r>
+              <a:rPr lang="en-US" dirty="0"/>
+              <a:t> </a:t>
+            </a:r>
+            <a:r>
+              <a:rPr lang="en-US" dirty="0" err="1"/>
+              <a:t>tekst</a:t>
+            </a:r>
+            <a:endParaRPr lang="en-US" dirty="0"/>
+          </a:p>
+          <a:p>
+            <a:pPr lvl="1"/>
+            <a:r>
+              <a:rPr lang="en-US" dirty="0"/>
+              <a:t>Second level</a:t>
+            </a:r>
+          </a:p>
+          <a:p>
+            <a:pPr lvl="2"/>
+            <a:r>
+              <a:rPr lang="en-US" dirty="0"/>
+              <a:t>Third level</a:t>
+            </a:r>
+          </a:p>
+          <a:p>
+            <a:pPr lvl="3"/>
+            <a:r>
+              <a:rPr lang="en-US" dirty="0"/>
+              <a:t>Fourth level</a:t>
+            </a:r>
+          </a:p>
+          <a:p>
+            <a:pPr lvl="4"/>
+            <a:r>
+              <a:rPr lang="en-US" dirty="0"/>
+              <a:t>Fifth level</a:t>
+            </a:r>
+            <a:endParaRPr lang="en-GB" dirty="0"/>
+          </a:p>
+        </p:txBody>
+      </p:sp>
+    </p:spTree>
+    <p:extLst>
+      <p:ext uri="{BB962C8B-B14F-4D97-AF65-F5344CB8AC3E}">
+        <p14:creationId xmlns:p14="http://schemas.microsoft.com/office/powerpoint/2010/main" val="1218213637"/>
+      </p:ext>
+    </p:extLst>
+  </p:cSld>
+  <p:clrMapOvr>
+    <a:masterClrMapping/>
+  </p:clrMapOvr>
+</p:sldLayout>
+</file>
+
+<file path=ppt/slideLayouts/slideLayout37.xml><?xml version="1.0" encoding="utf-8"?>
 <p:sldLayout xmlns:a="http://schemas.openxmlformats.org/drawingml/2006/main" xmlns:r="http://schemas.openxmlformats.org/officeDocument/2006/relationships" xmlns:p="http://schemas.openxmlformats.org/presentationml/2006/main" preserve="1" userDrawn="1">
   <p:cSld name="Bare tittel">
     <p:spTree>
@@ -3579,7 +6115,7 @@
             <a:spLocks noGrp="1"/>
           </p:cNvSpPr>
           <p:nvPr>
-            <p:ph type="title"/>
+            <p:ph type="title" hasCustomPrompt="1"/>
           </p:nvPr>
         </p:nvSpPr>
         <p:spPr>
@@ -3598,7 +6134,7 @@
           <a:p>
             <a:r>
               <a:rPr lang="nb-NO" dirty="0"/>
-              <a:t>Klikk for å redigere tittelstil</a:t>
+              <a:t>Klikk for å legge til tittel</a:t>
             </a:r>
           </a:p>
         </p:txBody>
@@ -3616,7 +6152,7 @@
 </p:sldLayout>
 </file>
 
-<file path=ppt/slideLayouts/slideLayout29.xml><?xml version="1.0" encoding="utf-8"?>
+<file path=ppt/slideLayouts/slideLayout38.xml><?xml version="1.0" encoding="utf-8"?>
 <p:sldLayout xmlns:a="http://schemas.openxmlformats.org/drawingml/2006/main" xmlns:r="http://schemas.openxmlformats.org/officeDocument/2006/relationships" xmlns:p="http://schemas.openxmlformats.org/presentationml/2006/main" type="blank" preserve="1">
   <p:cSld name="Tomt">
     <p:spTree>
@@ -3646,153 +6182,7 @@
 </p:sldLayout>
 </file>
 
-<file path=ppt/slideLayouts/slideLayout3.xml><?xml version="1.0" encoding="utf-8"?>
-<p:sldLayout xmlns:a="http://schemas.openxmlformats.org/drawingml/2006/main" xmlns:r="http://schemas.openxmlformats.org/officeDocument/2006/relationships" xmlns:p="http://schemas.openxmlformats.org/presentationml/2006/main" type="obj" preserve="1">
-  <p:cSld name="Tittel og innhold">
-    <p:spTree>
-      <p:nvGrpSpPr>
-        <p:cNvPr id="1" name=""/>
-        <p:cNvGrpSpPr/>
-        <p:nvPr/>
-      </p:nvGrpSpPr>
-      <p:grpSpPr>
-        <a:xfrm>
-          <a:off x="0" y="0"/>
-          <a:ext cx="0" cy="0"/>
-          <a:chOff x="0" y="0"/>
-          <a:chExt cx="0" cy="0"/>
-        </a:xfrm>
-      </p:grpSpPr>
-      <p:sp>
-        <p:nvSpPr>
-          <p:cNvPr id="2" name="Tittel 1"/>
-          <p:cNvSpPr>
-            <a:spLocks noGrp="1"/>
-          </p:cNvSpPr>
-          <p:nvPr>
-            <p:ph type="title"/>
-          </p:nvPr>
-        </p:nvSpPr>
-        <p:spPr/>
-        <p:txBody>
-          <a:bodyPr/>
-          <a:lstStyle/>
-          <a:p>
-            <a:r>
-              <a:rPr lang="nb-NO"/>
-              <a:t>Klikk for å redigere tittelstil</a:t>
-            </a:r>
-          </a:p>
-        </p:txBody>
-      </p:sp>
-      <p:sp>
-        <p:nvSpPr>
-          <p:cNvPr id="3" name="Plassholder for innhold 2"/>
-          <p:cNvSpPr>
-            <a:spLocks noGrp="1"/>
-          </p:cNvSpPr>
-          <p:nvPr>
-            <p:ph idx="1"/>
-          </p:nvPr>
-        </p:nvSpPr>
-        <p:spPr/>
-        <p:txBody>
-          <a:bodyPr/>
-          <a:lstStyle/>
-          <a:p>
-            <a:pPr lvl="0"/>
-            <a:r>
-              <a:rPr lang="nb-NO"/>
-              <a:t>Klikk for å redigere tekststiler i malen</a:t>
-            </a:r>
-          </a:p>
-          <a:p>
-            <a:pPr lvl="1"/>
-            <a:r>
-              <a:rPr lang="nb-NO"/>
-              <a:t>Andre nivå</a:t>
-            </a:r>
-          </a:p>
-          <a:p>
-            <a:pPr lvl="2"/>
-            <a:r>
-              <a:rPr lang="nb-NO"/>
-              <a:t>Tredje nivå</a:t>
-            </a:r>
-          </a:p>
-          <a:p>
-            <a:pPr lvl="3"/>
-            <a:r>
-              <a:rPr lang="nb-NO"/>
-              <a:t>Fjerde nivå</a:t>
-            </a:r>
-          </a:p>
-          <a:p>
-            <a:pPr lvl="4"/>
-            <a:r>
-              <a:rPr lang="nb-NO"/>
-              <a:t>Femte nivå</a:t>
-            </a:r>
-            <a:endParaRPr lang="nb-NO" dirty="0"/>
-          </a:p>
-        </p:txBody>
-      </p:sp>
-      <p:sp>
-        <p:nvSpPr>
-          <p:cNvPr id="5" name="Plassholder for bunntekst 4"/>
-          <p:cNvSpPr>
-            <a:spLocks noGrp="1"/>
-          </p:cNvSpPr>
-          <p:nvPr>
-            <p:ph type="ftr" sz="quarter" idx="11"/>
-          </p:nvPr>
-        </p:nvSpPr>
-        <p:spPr/>
-        <p:txBody>
-          <a:bodyPr/>
-          <a:lstStyle/>
-          <a:p>
-            <a:endParaRPr lang="nb-NO"/>
-          </a:p>
-        </p:txBody>
-      </p:sp>
-      <p:sp>
-        <p:nvSpPr>
-          <p:cNvPr id="6" name="Plassholder for lysbildenummer 5"/>
-          <p:cNvSpPr>
-            <a:spLocks noGrp="1"/>
-          </p:cNvSpPr>
-          <p:nvPr>
-            <p:ph type="sldNum" sz="quarter" idx="12"/>
-          </p:nvPr>
-        </p:nvSpPr>
-        <p:spPr/>
-        <p:txBody>
-          <a:bodyPr/>
-          <a:lstStyle/>
-          <a:p>
-            <a:fld id="{35E025E5-F4E9-4572-B8CF-5901727261FC}" type="slidenum">
-              <a:rPr lang="nb-NO" smtClean="0"/>
-              <a:t>‹#›</a:t>
-            </a:fld>
-            <a:endParaRPr lang="nb-NO"/>
-          </a:p>
-        </p:txBody>
-      </p:sp>
-    </p:spTree>
-    <p:extLst>
-      <p:ext uri="{BB962C8B-B14F-4D97-AF65-F5344CB8AC3E}">
-        <p14:creationId xmlns:p14="http://schemas.microsoft.com/office/powerpoint/2010/main" val="1639579462"/>
-      </p:ext>
-    </p:extLst>
-  </p:cSld>
-  <p:clrMapOvr>
-    <a:masterClrMapping/>
-  </p:clrMapOvr>
-</p:sldLayout>
-</file>
-
-<file path=ppt/slideLayouts/slideLayout30.xml><?xml version="1.0" encoding="utf-8"?>
+<file path=ppt/slideLayouts/slideLayout39.xml><?xml version="1.0" encoding="utf-8"?>
 <p:sldLayout xmlns:a="http://schemas.openxmlformats.org/drawingml/2006/main" xmlns:r="http://schemas.openxmlformats.org/officeDocument/2006/relationships" xmlns:p="http://schemas.openxmlformats.org/presentationml/2006/main" preserve="1" userDrawn="1">
   <p:cSld name="Tittellysbilde">
     <p:spTree>
@@ -3822,7 +6212,7 @@
             <a:spLocks noGrp="1"/>
           </p:cNvSpPr>
           <p:nvPr>
-            <p:ph type="subTitle" idx="1"/>
+            <p:ph type="subTitle" idx="1" hasCustomPrompt="1"/>
           </p:nvPr>
         </p:nvSpPr>
         <p:spPr>
@@ -3873,8 +6263,8 @@
           </a:lstStyle>
           <a:p>
             <a:r>
-              <a:rPr lang="nb-NO"/>
-              <a:t>Klikk for å redigere undertittelstil i malen</a:t>
+              <a:rPr lang="nb-NO" dirty="0"/>
+              <a:t>Klikk for å legge til undertittel</a:t>
             </a:r>
           </a:p>
         </p:txBody>
@@ -3892,7 +6282,7 @@
             <a:spLocks noGrp="1"/>
           </p:cNvSpPr>
           <p:nvPr>
-            <p:ph type="ctrTitle"/>
+            <p:ph type="ctrTitle" hasCustomPrompt="1"/>
           </p:nvPr>
         </p:nvSpPr>
         <p:spPr>
@@ -3913,7 +6303,7 @@
           <a:p>
             <a:r>
               <a:rPr lang="nb-NO" dirty="0"/>
-              <a:t>Klikk for å redigere tittelstil</a:t>
+              <a:t>Klikk for å legge til tittel</a:t>
             </a:r>
           </a:p>
         </p:txBody>
@@ -3931,7 +6321,332 @@
 </p:sldLayout>
 </file>
 
-<file path=ppt/slideLayouts/slideLayout31.xml><?xml version="1.0" encoding="utf-8"?>
+<file path=ppt/slideLayouts/slideLayout4.xml><?xml version="1.0" encoding="utf-8"?>
+<p:sldLayout xmlns:a="http://schemas.openxmlformats.org/drawingml/2006/main" xmlns:r="http://schemas.openxmlformats.org/officeDocument/2006/relationships" xmlns:p="http://schemas.openxmlformats.org/presentationml/2006/main" preserve="1" userDrawn="1">
+  <p:cSld name="Bilde og tekst søyle">
+    <p:spTree>
+      <p:nvGrpSpPr>
+        <p:cNvPr id="1" name=""/>
+        <p:cNvGrpSpPr/>
+        <p:nvPr/>
+      </p:nvGrpSpPr>
+      <p:grpSpPr>
+        <a:xfrm>
+          <a:off x="0" y="0"/>
+          <a:ext cx="0" cy="0"/>
+          <a:chOff x="0" y="0"/>
+          <a:chExt cx="0" cy="0"/>
+        </a:xfrm>
+      </p:grpSpPr>
+      <p:sp>
+        <p:nvSpPr>
+          <p:cNvPr id="8" name="Picture Placeholder 9">
+            <a:extLst>
+              <a:ext uri="{FF2B5EF4-FFF2-40B4-BE49-F238E27FC236}">
+                <a16:creationId xmlns:a16="http://schemas.microsoft.com/office/drawing/2014/main" id="{CBBDFCF7-F532-477F-8A1A-E900E1DC9286}"/>
+              </a:ext>
+            </a:extLst>
+          </p:cNvPr>
+          <p:cNvSpPr>
+            <a:spLocks noGrp="1"/>
+          </p:cNvSpPr>
+          <p:nvPr>
+            <p:ph type="pic" sz="quarter" idx="10"/>
+          </p:nvPr>
+        </p:nvSpPr>
+        <p:spPr>
+          <a:xfrm>
+            <a:off x="0" y="0"/>
+            <a:ext cx="9144000" cy="5145088"/>
+          </a:xfrm>
+          <a:solidFill>
+            <a:srgbClr val="F6F6F6"/>
+          </a:solidFill>
+        </p:spPr>
+        <p:txBody>
+          <a:bodyPr anchor="t">
+            <a:normAutofit/>
+          </a:bodyPr>
+          <a:lstStyle>
+            <a:lvl1pPr marL="0" indent="0" algn="ctr">
+              <a:buNone/>
+              <a:defRPr sz="1200"/>
+            </a:lvl1pPr>
+          </a:lstStyle>
+          <a:p>
+            <a:r>
+              <a:rPr lang="nb-NO"/>
+              <a:t>Klikk på ikonet for å legge til et bilde</a:t>
+            </a:r>
+            <a:endParaRPr lang="en-GB" dirty="0"/>
+          </a:p>
+        </p:txBody>
+      </p:sp>
+      <p:sp>
+        <p:nvSpPr>
+          <p:cNvPr id="12" name="Text Placeholder 11">
+            <a:extLst>
+              <a:ext uri="{FF2B5EF4-FFF2-40B4-BE49-F238E27FC236}">
+                <a16:creationId xmlns:a16="http://schemas.microsoft.com/office/drawing/2014/main" id="{2FA06A6E-EF01-4423-B229-C83BB34ADB95}"/>
+              </a:ext>
+            </a:extLst>
+          </p:cNvPr>
+          <p:cNvSpPr>
+            <a:spLocks noGrp="1"/>
+          </p:cNvSpPr>
+          <p:nvPr>
+            <p:ph type="body" sz="quarter" idx="11" hasCustomPrompt="1"/>
+          </p:nvPr>
+        </p:nvSpPr>
+        <p:spPr>
+          <a:xfrm>
+            <a:off x="1447200" y="1"/>
+            <a:ext cx="3193200" cy="5145088"/>
+          </a:xfrm>
+          <a:blipFill>
+            <a:blip r:embed="rId2">
+              <a:extLst>
+                <a:ext uri="{96DAC541-7B7A-43D3-8B79-37D633B846F1}">
+                  <asvg:svgBlip xmlns:asvg="http://schemas.microsoft.com/office/drawing/2016/SVG/main" r:embed="rId3"/>
+                </a:ext>
+              </a:extLst>
+            </a:blip>
+            <a:stretch>
+              <a:fillRect/>
+            </a:stretch>
+          </a:blipFill>
+        </p:spPr>
+        <p:txBody>
+          <a:bodyPr lIns="612000" rIns="468000" anchor="ctr">
+            <a:normAutofit/>
+          </a:bodyPr>
+          <a:lstStyle>
+            <a:lvl1pPr marL="0" indent="0" algn="l">
+              <a:buNone/>
+              <a:defRPr sz="2000" b="0"/>
+            </a:lvl1pPr>
+          </a:lstStyle>
+          <a:p>
+            <a:pPr marL="0" marR="0" lvl="0" indent="0" algn="l" defTabSz="685800" rtl="0" eaLnBrk="1" fontAlgn="auto" latinLnBrk="0" hangingPunct="1">
+              <a:lnSpc>
+                <a:spcPct val="90000"/>
+              </a:lnSpc>
+              <a:spcBef>
+                <a:spcPts val="750"/>
+              </a:spcBef>
+              <a:spcAft>
+                <a:spcPts val="0"/>
+              </a:spcAft>
+              <a:buClrTx/>
+              <a:buSzTx/>
+              <a:buFont typeface="Arial" panose="020B0604020202020204" pitchFamily="34" charset="0"/>
+              <a:buNone/>
+              <a:tabLst/>
+              <a:defRPr/>
+            </a:pPr>
+            <a:r>
+              <a:rPr lang="nb-NO" dirty="0"/>
+              <a:t>Klikk for å legge til tekst</a:t>
+            </a:r>
+          </a:p>
+        </p:txBody>
+      </p:sp>
+    </p:spTree>
+    <p:extLst>
+      <p:ext uri="{BB962C8B-B14F-4D97-AF65-F5344CB8AC3E}">
+        <p14:creationId xmlns:p14="http://schemas.microsoft.com/office/powerpoint/2010/main" val="3558173076"/>
+      </p:ext>
+    </p:extLst>
+  </p:cSld>
+  <p:clrMapOvr>
+    <a:masterClrMapping/>
+  </p:clrMapOvr>
+</p:sldLayout>
+</file>
+
+<file path=ppt/slideLayouts/slideLayout40.xml><?xml version="1.0" encoding="utf-8"?>
+<p:sldLayout xmlns:a="http://schemas.openxmlformats.org/drawingml/2006/main" xmlns:r="http://schemas.openxmlformats.org/officeDocument/2006/relationships" xmlns:p="http://schemas.openxmlformats.org/presentationml/2006/main" preserve="1" userDrawn="1">
+  <p:cSld name="Tittel og innhold">
+    <p:spTree>
+      <p:nvGrpSpPr>
+        <p:cNvPr id="1" name=""/>
+        <p:cNvGrpSpPr/>
+        <p:nvPr/>
+      </p:nvGrpSpPr>
+      <p:grpSpPr>
+        <a:xfrm>
+          <a:off x="0" y="0"/>
+          <a:ext cx="0" cy="0"/>
+          <a:chOff x="0" y="0"/>
+          <a:chExt cx="0" cy="0"/>
+        </a:xfrm>
+      </p:grpSpPr>
+      <p:sp>
+        <p:nvSpPr>
+          <p:cNvPr id="2" name="Title 1">
+            <a:extLst>
+              <a:ext uri="{FF2B5EF4-FFF2-40B4-BE49-F238E27FC236}">
+                <a16:creationId xmlns:a16="http://schemas.microsoft.com/office/drawing/2014/main" id="{BD885C32-39A1-4FFB-AD80-E3F99D1548B0}"/>
+              </a:ext>
+            </a:extLst>
+          </p:cNvPr>
+          <p:cNvSpPr>
+            <a:spLocks noGrp="1"/>
+          </p:cNvSpPr>
+          <p:nvPr>
+            <p:ph type="title" hasCustomPrompt="1"/>
+          </p:nvPr>
+        </p:nvSpPr>
+        <p:spPr/>
+        <p:txBody>
+          <a:bodyPr/>
+          <a:lstStyle>
+            <a:lvl1pPr>
+              <a:defRPr/>
+            </a:lvl1pPr>
+          </a:lstStyle>
+          <a:p>
+            <a:r>
+              <a:rPr lang="en-US" dirty="0" err="1"/>
+              <a:t>Klikk</a:t>
+            </a:r>
+            <a:r>
+              <a:rPr lang="en-US" dirty="0"/>
+              <a:t> for å </a:t>
+            </a:r>
+            <a:r>
+              <a:rPr lang="en-US" dirty="0" err="1"/>
+              <a:t>legge</a:t>
+            </a:r>
+            <a:r>
+              <a:rPr lang="en-US" dirty="0"/>
+              <a:t> </a:t>
+            </a:r>
+            <a:r>
+              <a:rPr lang="en-US" dirty="0" err="1"/>
+              <a:t>til</a:t>
+            </a:r>
+            <a:r>
+              <a:rPr lang="en-US" dirty="0"/>
+              <a:t> </a:t>
+            </a:r>
+            <a:r>
+              <a:rPr lang="en-US" dirty="0" err="1"/>
+              <a:t>tittel</a:t>
+            </a:r>
+            <a:endParaRPr lang="en-GB" dirty="0"/>
+          </a:p>
+        </p:txBody>
+      </p:sp>
+      <p:sp>
+        <p:nvSpPr>
+          <p:cNvPr id="3" name="Content Placeholder 3">
+            <a:extLst>
+              <a:ext uri="{FF2B5EF4-FFF2-40B4-BE49-F238E27FC236}">
+                <a16:creationId xmlns:a16="http://schemas.microsoft.com/office/drawing/2014/main" id="{D3862554-B158-41F3-B722-059291A78B26}"/>
+              </a:ext>
+            </a:extLst>
+          </p:cNvPr>
+          <p:cNvSpPr>
+            <a:spLocks noGrp="1"/>
+          </p:cNvSpPr>
+          <p:nvPr>
+            <p:ph sz="quarter" idx="10" hasCustomPrompt="1"/>
+          </p:nvPr>
+        </p:nvSpPr>
+        <p:spPr>
+          <a:xfrm>
+            <a:off x="628650" y="1370013"/>
+            <a:ext cx="7886700" cy="3263900"/>
+          </a:xfrm>
+          <a:prstGeom prst="rect">
+            <a:avLst/>
+          </a:prstGeom>
+        </p:spPr>
+        <p:txBody>
+          <a:bodyPr lIns="91440" tIns="45720" rIns="91440" bIns="45720"/>
+          <a:lstStyle>
+            <a:lvl1pPr>
+              <a:defRPr/>
+            </a:lvl1pPr>
+          </a:lstStyle>
+          <a:p>
+            <a:pPr lvl="0"/>
+            <a:r>
+              <a:rPr lang="en-US" dirty="0" err="1"/>
+              <a:t>Klikk</a:t>
+            </a:r>
+            <a:r>
+              <a:rPr lang="en-US" dirty="0"/>
+              <a:t> for å </a:t>
+            </a:r>
+            <a:r>
+              <a:rPr lang="en-US" dirty="0" err="1"/>
+              <a:t>legge</a:t>
+            </a:r>
+            <a:r>
+              <a:rPr lang="en-US" dirty="0"/>
+              <a:t> </a:t>
+            </a:r>
+            <a:r>
+              <a:rPr lang="en-US" dirty="0" err="1"/>
+              <a:t>til</a:t>
+            </a:r>
+            <a:r>
+              <a:rPr lang="en-US" dirty="0"/>
+              <a:t> </a:t>
+            </a:r>
+            <a:r>
+              <a:rPr lang="en-US" dirty="0" err="1"/>
+              <a:t>tekst</a:t>
+            </a:r>
+            <a:endParaRPr lang="en-US" dirty="0"/>
+          </a:p>
+          <a:p>
+            <a:pPr lvl="1"/>
+            <a:r>
+              <a:rPr lang="en-US" dirty="0"/>
+              <a:t>Second level</a:t>
+            </a:r>
+          </a:p>
+          <a:p>
+            <a:pPr lvl="2"/>
+            <a:r>
+              <a:rPr lang="en-US" dirty="0"/>
+              <a:t>Third level</a:t>
+            </a:r>
+          </a:p>
+          <a:p>
+            <a:pPr lvl="3"/>
+            <a:r>
+              <a:rPr lang="en-US" dirty="0"/>
+              <a:t>Fourth level</a:t>
+            </a:r>
+          </a:p>
+          <a:p>
+            <a:pPr lvl="4"/>
+            <a:r>
+              <a:rPr lang="en-US" dirty="0"/>
+              <a:t>Fifth level</a:t>
+            </a:r>
+            <a:endParaRPr lang="en-GB" dirty="0"/>
+          </a:p>
+        </p:txBody>
+      </p:sp>
+    </p:spTree>
+    <p:extLst>
+      <p:ext uri="{BB962C8B-B14F-4D97-AF65-F5344CB8AC3E}">
+        <p14:creationId xmlns:p14="http://schemas.microsoft.com/office/powerpoint/2010/main" val="229432423"/>
+      </p:ext>
+    </p:extLst>
+  </p:cSld>
+  <p:clrMapOvr>
+    <a:masterClrMapping/>
+  </p:clrMapOvr>
+</p:sldLayout>
+</file>
+
+<file path=ppt/slideLayouts/slideLayout41.xml><?xml version="1.0" encoding="utf-8"?>
 <p:sldLayout xmlns:a="http://schemas.openxmlformats.org/drawingml/2006/main" xmlns:r="http://schemas.openxmlformats.org/officeDocument/2006/relationships" xmlns:p="http://schemas.openxmlformats.org/presentationml/2006/main" preserve="1" userDrawn="1">
   <p:cSld name="Bare tittel">
     <p:spTree>
@@ -3961,7 +6676,7 @@
             <a:spLocks noGrp="1"/>
           </p:cNvSpPr>
           <p:nvPr>
-            <p:ph type="title"/>
+            <p:ph type="title" hasCustomPrompt="1"/>
           </p:nvPr>
         </p:nvSpPr>
         <p:spPr>
@@ -3980,7 +6695,7 @@
           <a:p>
             <a:r>
               <a:rPr lang="nb-NO" dirty="0"/>
-              <a:t>Klikk for å redigere tittelstil</a:t>
+              <a:t>Klikk for å legge til tittel</a:t>
             </a:r>
           </a:p>
         </p:txBody>
@@ -3998,7 +6713,7 @@
 </p:sldLayout>
 </file>
 
-<file path=ppt/slideLayouts/slideLayout32.xml><?xml version="1.0" encoding="utf-8"?>
+<file path=ppt/slideLayouts/slideLayout42.xml><?xml version="1.0" encoding="utf-8"?>
 <p:sldLayout xmlns:a="http://schemas.openxmlformats.org/drawingml/2006/main" xmlns:r="http://schemas.openxmlformats.org/officeDocument/2006/relationships" xmlns:p="http://schemas.openxmlformats.org/presentationml/2006/main" type="blank" preserve="1">
   <p:cSld name="Tomt">
     <p:spTree>
@@ -4028,9 +6743,9 @@
 </p:sldLayout>
 </file>
 
-<file path=ppt/slideLayouts/slideLayout4.xml><?xml version="1.0" encoding="utf-8"?>
-<p:sldLayout xmlns:a="http://schemas.openxmlformats.org/drawingml/2006/main" xmlns:r="http://schemas.openxmlformats.org/officeDocument/2006/relationships" xmlns:p="http://schemas.openxmlformats.org/presentationml/2006/main" type="secHead" preserve="1">
-  <p:cSld name="Deloverskrift">
+<file path=ppt/slideLayouts/slideLayout43.xml><?xml version="1.0" encoding="utf-8"?>
+<p:sldLayout xmlns:a="http://schemas.openxmlformats.org/drawingml/2006/main" xmlns:r="http://schemas.openxmlformats.org/officeDocument/2006/relationships" xmlns:p="http://schemas.openxmlformats.org/presentationml/2006/main" preserve="1" userDrawn="1">
+  <p:cSld name="Tittellysbilde">
     <p:spTree>
       <p:nvGrpSpPr>
         <p:cNvPr id="1" name=""/>
@@ -4047,200 +6762,208 @@
       </p:grpSpPr>
       <p:sp>
         <p:nvSpPr>
-          <p:cNvPr id="2" name="Tittel 1"/>
-          <p:cNvSpPr>
-            <a:spLocks noGrp="1"/>
-          </p:cNvSpPr>
-          <p:nvPr>
-            <p:ph type="title"/>
+          <p:cNvPr id="4" name="Content Placeholder 3">
+            <a:extLst>
+              <a:ext uri="{FF2B5EF4-FFF2-40B4-BE49-F238E27FC236}">
+                <a16:creationId xmlns:a16="http://schemas.microsoft.com/office/drawing/2014/main" id="{754C2846-774C-4F08-A52E-43AC0A8456FC}"/>
+              </a:ext>
+            </a:extLst>
+          </p:cNvPr>
+          <p:cNvSpPr>
+            <a:spLocks noGrp="1"/>
+          </p:cNvSpPr>
+          <p:nvPr>
+            <p:ph sz="quarter" idx="10" hasCustomPrompt="1"/>
           </p:nvPr>
         </p:nvSpPr>
         <p:spPr>
           <a:xfrm>
-            <a:off x="623888" y="1282700"/>
-            <a:ext cx="7886700" cy="2140213"/>
+            <a:off x="0" y="0"/>
+            <a:ext cx="9144000" cy="5145088"/>
           </a:xfrm>
         </p:spPr>
         <p:txBody>
-          <a:bodyPr anchor="b"/>
+          <a:bodyPr/>
           <a:lstStyle>
             <a:lvl1pPr>
-              <a:defRPr sz="4500"/>
+              <a:defRPr/>
             </a:lvl1pPr>
           </a:lstStyle>
           <a:p>
-            <a:r>
-              <a:rPr lang="nb-NO" dirty="0"/>
-              <a:t>Klikk for å redigere tittelstil</a:t>
-            </a:r>
-          </a:p>
-        </p:txBody>
-      </p:sp>
-      <p:sp>
-        <p:nvSpPr>
-          <p:cNvPr id="3" name="Plassholder for tekst 2"/>
-          <p:cNvSpPr>
-            <a:spLocks noGrp="1"/>
-          </p:cNvSpPr>
-          <p:nvPr>
-            <p:ph type="body" idx="1"/>
+            <a:pPr lvl="0"/>
+            <a:r>
+              <a:rPr lang="en-US" dirty="0"/>
+              <a:t>Legg </a:t>
+            </a:r>
+            <a:r>
+              <a:rPr lang="en-US" dirty="0" err="1"/>
+              <a:t>til</a:t>
+            </a:r>
+            <a:r>
+              <a:rPr lang="en-US" dirty="0"/>
+              <a:t> </a:t>
+            </a:r>
+            <a:r>
+              <a:rPr lang="en-US" dirty="0" err="1"/>
+              <a:t>innhold</a:t>
+            </a:r>
+            <a:r>
+              <a:rPr lang="en-US" dirty="0"/>
+              <a:t> via </a:t>
+            </a:r>
+            <a:r>
+              <a:rPr lang="en-US" dirty="0" err="1"/>
+              <a:t>menyen</a:t>
+            </a:r>
+            <a:r>
+              <a:rPr lang="en-US" dirty="0"/>
+              <a:t>.</a:t>
+            </a:r>
+          </a:p>
+          <a:p>
+            <a:pPr lvl="1"/>
+            <a:r>
+              <a:rPr lang="en-US" dirty="0"/>
+              <a:t>Second level</a:t>
+            </a:r>
+          </a:p>
+          <a:p>
+            <a:pPr lvl="2"/>
+            <a:r>
+              <a:rPr lang="en-US" dirty="0"/>
+              <a:t>Third level</a:t>
+            </a:r>
+          </a:p>
+          <a:p>
+            <a:pPr lvl="3"/>
+            <a:r>
+              <a:rPr lang="en-US" dirty="0"/>
+              <a:t>Fourth level</a:t>
+            </a:r>
+          </a:p>
+          <a:p>
+            <a:pPr lvl="4"/>
+            <a:r>
+              <a:rPr lang="en-US" dirty="0"/>
+              <a:t>Fifth level</a:t>
+            </a:r>
+            <a:endParaRPr lang="en-GB" dirty="0"/>
+          </a:p>
+        </p:txBody>
+      </p:sp>
+      <p:sp>
+        <p:nvSpPr>
+          <p:cNvPr id="3" name="Undertittel 2">
+            <a:extLst>
+              <a:ext uri="{FF2B5EF4-FFF2-40B4-BE49-F238E27FC236}">
+                <a16:creationId xmlns:a16="http://schemas.microsoft.com/office/drawing/2014/main" id="{ACFB1E53-D74D-421B-A3C1-CEBCB5700854}"/>
+              </a:ext>
+            </a:extLst>
+          </p:cNvPr>
+          <p:cNvSpPr>
+            <a:spLocks noGrp="1"/>
+          </p:cNvSpPr>
+          <p:nvPr>
+            <p:ph type="subTitle" idx="1" hasCustomPrompt="1"/>
           </p:nvPr>
         </p:nvSpPr>
         <p:spPr>
           <a:xfrm>
-            <a:off x="623888" y="3443160"/>
-            <a:ext cx="7886700" cy="1125488"/>
+            <a:off x="1143000" y="2701925"/>
+            <a:ext cx="6858000" cy="1243013"/>
           </a:xfrm>
         </p:spPr>
         <p:txBody>
           <a:bodyPr/>
           <a:lstStyle>
-            <a:lvl1pPr marL="0" indent="0">
-              <a:buNone/>
-              <a:defRPr sz="1800">
-                <a:solidFill>
-                  <a:schemeClr val="tx1">
-                    <a:tint val="75000"/>
-                  </a:schemeClr>
-                </a:solidFill>
-              </a:defRPr>
+            <a:lvl1pPr marL="0" indent="0" algn="ctr">
+              <a:buNone/>
+              <a:defRPr sz="2400"/>
             </a:lvl1pPr>
-            <a:lvl2pPr marL="342900" indent="0">
-              <a:buNone/>
-              <a:defRPr sz="1500">
-                <a:solidFill>
-                  <a:schemeClr val="tx1">
-                    <a:tint val="75000"/>
-                  </a:schemeClr>
-                </a:solidFill>
-              </a:defRPr>
+            <a:lvl2pPr marL="457200" indent="0" algn="ctr">
+              <a:buNone/>
+              <a:defRPr sz="2000"/>
             </a:lvl2pPr>
-            <a:lvl3pPr marL="685800" indent="0">
-              <a:buNone/>
-              <a:defRPr sz="1350">
-                <a:solidFill>
-                  <a:schemeClr val="tx1">
-                    <a:tint val="75000"/>
-                  </a:schemeClr>
-                </a:solidFill>
-              </a:defRPr>
+            <a:lvl3pPr marL="914400" indent="0" algn="ctr">
+              <a:buNone/>
+              <a:defRPr sz="1800"/>
             </a:lvl3pPr>
-            <a:lvl4pPr marL="1028700" indent="0">
-              <a:buNone/>
-              <a:defRPr sz="1200">
-                <a:solidFill>
-                  <a:schemeClr val="tx1">
-                    <a:tint val="75000"/>
-                  </a:schemeClr>
-                </a:solidFill>
-              </a:defRPr>
+            <a:lvl4pPr marL="1371600" indent="0" algn="ctr">
+              <a:buNone/>
+              <a:defRPr sz="1600"/>
             </a:lvl4pPr>
-            <a:lvl5pPr marL="1371600" indent="0">
-              <a:buNone/>
-              <a:defRPr sz="1200">
-                <a:solidFill>
-                  <a:schemeClr val="tx1">
-                    <a:tint val="75000"/>
-                  </a:schemeClr>
-                </a:solidFill>
-              </a:defRPr>
+            <a:lvl5pPr marL="1828800" indent="0" algn="ctr">
+              <a:buNone/>
+              <a:defRPr sz="1600"/>
             </a:lvl5pPr>
-            <a:lvl6pPr marL="1714500" indent="0">
-              <a:buNone/>
-              <a:defRPr sz="1200">
-                <a:solidFill>
-                  <a:schemeClr val="tx1">
-                    <a:tint val="75000"/>
-                  </a:schemeClr>
-                </a:solidFill>
-              </a:defRPr>
+            <a:lvl6pPr marL="2286000" indent="0" algn="ctr">
+              <a:buNone/>
+              <a:defRPr sz="1600"/>
             </a:lvl6pPr>
-            <a:lvl7pPr marL="2057400" indent="0">
-              <a:buNone/>
-              <a:defRPr sz="1200">
-                <a:solidFill>
-                  <a:schemeClr val="tx1">
-                    <a:tint val="75000"/>
-                  </a:schemeClr>
-                </a:solidFill>
-              </a:defRPr>
+            <a:lvl7pPr marL="2743200" indent="0" algn="ctr">
+              <a:buNone/>
+              <a:defRPr sz="1600"/>
             </a:lvl7pPr>
-            <a:lvl8pPr marL="2400300" indent="0">
-              <a:buNone/>
-              <a:defRPr sz="1200">
-                <a:solidFill>
-                  <a:schemeClr val="tx1">
-                    <a:tint val="75000"/>
-                  </a:schemeClr>
-                </a:solidFill>
-              </a:defRPr>
+            <a:lvl8pPr marL="3200400" indent="0" algn="ctr">
+              <a:buNone/>
+              <a:defRPr sz="1600"/>
             </a:lvl8pPr>
-            <a:lvl9pPr marL="2743200" indent="0">
-              <a:buNone/>
-              <a:defRPr sz="1200">
-                <a:solidFill>
-                  <a:schemeClr val="tx1">
-                    <a:tint val="75000"/>
-                  </a:schemeClr>
-                </a:solidFill>
-              </a:defRPr>
+            <a:lvl9pPr marL="3657600" indent="0" algn="ctr">
+              <a:buNone/>
+              <a:defRPr sz="1600"/>
             </a:lvl9pPr>
           </a:lstStyle>
           <a:p>
-            <a:pPr lvl="0"/>
-            <a:r>
-              <a:rPr lang="nb-NO" dirty="0"/>
-              <a:t>Klikk for å redigere tekststiler i malen</a:t>
-            </a:r>
-          </a:p>
-        </p:txBody>
-      </p:sp>
-      <p:sp>
-        <p:nvSpPr>
-          <p:cNvPr id="5" name="Plassholder for bunntekst 4"/>
-          <p:cNvSpPr>
-            <a:spLocks noGrp="1"/>
-          </p:cNvSpPr>
-          <p:nvPr>
-            <p:ph type="ftr" sz="quarter" idx="11"/>
-          </p:nvPr>
-        </p:nvSpPr>
-        <p:spPr/>
-        <p:txBody>
-          <a:bodyPr/>
-          <a:lstStyle/>
-          <a:p>
-            <a:endParaRPr lang="nb-NO"/>
-          </a:p>
-        </p:txBody>
-      </p:sp>
-      <p:sp>
-        <p:nvSpPr>
-          <p:cNvPr id="6" name="Plassholder for lysbildenummer 5"/>
-          <p:cNvSpPr>
-            <a:spLocks noGrp="1"/>
-          </p:cNvSpPr>
-          <p:nvPr>
-            <p:ph type="sldNum" sz="quarter" idx="12"/>
-          </p:nvPr>
-        </p:nvSpPr>
-        <p:spPr/>
-        <p:txBody>
-          <a:bodyPr/>
-          <a:lstStyle/>
-          <a:p>
-            <a:fld id="{35E025E5-F4E9-4572-B8CF-5901727261FC}" type="slidenum">
-              <a:rPr lang="nb-NO" smtClean="0"/>
-              <a:t>‹#›</a:t>
-            </a:fld>
-            <a:endParaRPr lang="nb-NO"/>
+            <a:r>
+              <a:rPr lang="nb-NO" dirty="0"/>
+              <a:t>Klikk for å legge til undertittel</a:t>
+            </a:r>
+          </a:p>
+        </p:txBody>
+      </p:sp>
+      <p:sp>
+        <p:nvSpPr>
+          <p:cNvPr id="7" name="Tittel 1">
+            <a:extLst>
+              <a:ext uri="{FF2B5EF4-FFF2-40B4-BE49-F238E27FC236}">
+                <a16:creationId xmlns:a16="http://schemas.microsoft.com/office/drawing/2014/main" id="{356C2279-BC3D-48E1-9CA5-9BDFC9460965}"/>
+              </a:ext>
+            </a:extLst>
+          </p:cNvPr>
+          <p:cNvSpPr>
+            <a:spLocks noGrp="1"/>
+          </p:cNvSpPr>
+          <p:nvPr>
+            <p:ph type="ctrTitle" hasCustomPrompt="1"/>
+          </p:nvPr>
+        </p:nvSpPr>
+        <p:spPr>
+          <a:xfrm>
+            <a:off x="1143000" y="1547906"/>
+            <a:ext cx="6858000" cy="895258"/>
+          </a:xfrm>
+        </p:spPr>
+        <p:txBody>
+          <a:bodyPr anchor="b">
+            <a:normAutofit/>
+          </a:bodyPr>
+          <a:lstStyle>
+            <a:lvl1pPr algn="ctr">
+              <a:defRPr sz="3200" baseline="0"/>
+            </a:lvl1pPr>
+          </a:lstStyle>
+          <a:p>
+            <a:r>
+              <a:rPr lang="nb-NO" dirty="0"/>
+              <a:t>Klikk for å legge til tittel</a:t>
+            </a:r>
           </a:p>
         </p:txBody>
       </p:sp>
     </p:spTree>
     <p:extLst>
       <p:ext uri="{BB962C8B-B14F-4D97-AF65-F5344CB8AC3E}">
-        <p14:creationId xmlns:p14="http://schemas.microsoft.com/office/powerpoint/2010/main" val="2803204339"/>
+        <p14:creationId xmlns:p14="http://schemas.microsoft.com/office/powerpoint/2010/main" val="303344431"/>
       </p:ext>
     </p:extLst>
   </p:cSld>
@@ -4250,9 +6973,9 @@
 </p:sldLayout>
 </file>
 
-<file path=ppt/slideLayouts/slideLayout5.xml><?xml version="1.0" encoding="utf-8"?>
-<p:sldLayout xmlns:a="http://schemas.openxmlformats.org/drawingml/2006/main" xmlns:r="http://schemas.openxmlformats.org/officeDocument/2006/relationships" xmlns:p="http://schemas.openxmlformats.org/presentationml/2006/main" type="twoObj" preserve="1">
-  <p:cSld name="To innholdsdeler">
+<file path=ppt/slideLayouts/slideLayout44.xml><?xml version="1.0" encoding="utf-8"?>
+<p:sldLayout xmlns:a="http://schemas.openxmlformats.org/drawingml/2006/main" xmlns:r="http://schemas.openxmlformats.org/officeDocument/2006/relationships" xmlns:p="http://schemas.openxmlformats.org/presentationml/2006/main" preserve="1" userDrawn="1">
+  <p:cSld name="Tittel og innhold">
     <p:spTree>
       <p:nvGrpSpPr>
         <p:cNvPr id="1" name=""/>
@@ -4269,185 +6992,160 @@
       </p:grpSpPr>
       <p:sp>
         <p:nvSpPr>
-          <p:cNvPr id="2" name="Tittel 1"/>
-          <p:cNvSpPr>
-            <a:spLocks noGrp="1"/>
-          </p:cNvSpPr>
-          <p:nvPr>
-            <p:ph type="title"/>
+          <p:cNvPr id="2" name="Title 1">
+            <a:extLst>
+              <a:ext uri="{FF2B5EF4-FFF2-40B4-BE49-F238E27FC236}">
+                <a16:creationId xmlns:a16="http://schemas.microsoft.com/office/drawing/2014/main" id="{53654A86-EA6A-4365-8419-46B7BB16D193}"/>
+              </a:ext>
+            </a:extLst>
+          </p:cNvPr>
+          <p:cNvSpPr>
+            <a:spLocks noGrp="1"/>
+          </p:cNvSpPr>
+          <p:nvPr>
+            <p:ph type="title" hasCustomPrompt="1"/>
           </p:nvPr>
         </p:nvSpPr>
         <p:spPr/>
         <p:txBody>
           <a:bodyPr/>
-          <a:lstStyle/>
-          <a:p>
-            <a:r>
-              <a:rPr lang="nb-NO"/>
-              <a:t>Klikk for å redigere tittelstil</a:t>
-            </a:r>
-          </a:p>
-        </p:txBody>
-      </p:sp>
-      <p:sp>
-        <p:nvSpPr>
-          <p:cNvPr id="3" name="Plassholder for innhold 2"/>
-          <p:cNvSpPr>
-            <a:spLocks noGrp="1"/>
-          </p:cNvSpPr>
-          <p:nvPr>
-            <p:ph sz="half" idx="1"/>
+          <a:lstStyle>
+            <a:lvl1pPr>
+              <a:defRPr/>
+            </a:lvl1pPr>
+          </a:lstStyle>
+          <a:p>
+            <a:r>
+              <a:rPr lang="en-US" dirty="0" err="1"/>
+              <a:t>Klikk</a:t>
+            </a:r>
+            <a:r>
+              <a:rPr lang="en-US" dirty="0"/>
+              <a:t> for å </a:t>
+            </a:r>
+            <a:r>
+              <a:rPr lang="en-US" dirty="0" err="1"/>
+              <a:t>legge</a:t>
+            </a:r>
+            <a:r>
+              <a:rPr lang="en-US" dirty="0"/>
+              <a:t> </a:t>
+            </a:r>
+            <a:r>
+              <a:rPr lang="en-US" dirty="0" err="1"/>
+              <a:t>til</a:t>
+            </a:r>
+            <a:r>
+              <a:rPr lang="en-US" dirty="0"/>
+              <a:t> </a:t>
+            </a:r>
+            <a:r>
+              <a:rPr lang="en-US" dirty="0" err="1"/>
+              <a:t>tittel</a:t>
+            </a:r>
+            <a:endParaRPr lang="en-GB" dirty="0"/>
+          </a:p>
+        </p:txBody>
+      </p:sp>
+      <p:sp>
+        <p:nvSpPr>
+          <p:cNvPr id="4" name="Content Placeholder 3">
+            <a:extLst>
+              <a:ext uri="{FF2B5EF4-FFF2-40B4-BE49-F238E27FC236}">
+                <a16:creationId xmlns:a16="http://schemas.microsoft.com/office/drawing/2014/main" id="{434E3902-CDBE-4B35-8D4F-D552A0F91394}"/>
+              </a:ext>
+            </a:extLst>
+          </p:cNvPr>
+          <p:cNvSpPr>
+            <a:spLocks noGrp="1"/>
+          </p:cNvSpPr>
+          <p:nvPr>
+            <p:ph sz="quarter" idx="10" hasCustomPrompt="1"/>
           </p:nvPr>
         </p:nvSpPr>
         <p:spPr>
           <a:xfrm>
-            <a:off x="628650" y="1369642"/>
-            <a:ext cx="3886200" cy="3042380"/>
+            <a:off x="628650" y="1370013"/>
+            <a:ext cx="7886700" cy="3263900"/>
           </a:xfrm>
+          <a:prstGeom prst="rect">
+            <a:avLst/>
+          </a:prstGeom>
         </p:spPr>
         <p:txBody>
-          <a:bodyPr/>
-          <a:lstStyle/>
+          <a:bodyPr lIns="91440" tIns="45720" rIns="91440" bIns="45720"/>
+          <a:lstStyle>
+            <a:lvl1pPr>
+              <a:defRPr/>
+            </a:lvl1pPr>
+          </a:lstStyle>
           <a:p>
             <a:pPr lvl="0"/>
             <a:r>
-              <a:rPr lang="nb-NO"/>
-              <a:t>Klikk for å redigere tekststiler i malen</a:t>
-            </a:r>
+              <a:rPr lang="en-US" dirty="0" err="1"/>
+              <a:t>Klikk</a:t>
+            </a:r>
+            <a:r>
+              <a:rPr lang="en-US" dirty="0"/>
+              <a:t> for å </a:t>
+            </a:r>
+            <a:r>
+              <a:rPr lang="en-US" dirty="0" err="1"/>
+              <a:t>legge</a:t>
+            </a:r>
+            <a:r>
+              <a:rPr lang="en-US" dirty="0"/>
+              <a:t> </a:t>
+            </a:r>
+            <a:r>
+              <a:rPr lang="en-US" dirty="0" err="1"/>
+              <a:t>til</a:t>
+            </a:r>
+            <a:r>
+              <a:rPr lang="en-US" dirty="0"/>
+              <a:t> </a:t>
+            </a:r>
+            <a:r>
+              <a:rPr lang="en-US" dirty="0" err="1"/>
+              <a:t>tekst</a:t>
+            </a:r>
+            <a:endParaRPr lang="en-US" dirty="0"/>
           </a:p>
           <a:p>
             <a:pPr lvl="1"/>
             <a:r>
-              <a:rPr lang="nb-NO"/>
-              <a:t>Andre nivå</a:t>
+              <a:rPr lang="en-US" dirty="0"/>
+              <a:t>Second level</a:t>
             </a:r>
           </a:p>
           <a:p>
             <a:pPr lvl="2"/>
             <a:r>
-              <a:rPr lang="nb-NO"/>
-              <a:t>Tredje nivå</a:t>
+              <a:rPr lang="en-US" dirty="0"/>
+              <a:t>Third level</a:t>
             </a:r>
           </a:p>
           <a:p>
             <a:pPr lvl="3"/>
             <a:r>
-              <a:rPr lang="nb-NO"/>
-              <a:t>Fjerde nivå</a:t>
+              <a:rPr lang="en-US" dirty="0"/>
+              <a:t>Fourth level</a:t>
             </a:r>
           </a:p>
           <a:p>
             <a:pPr lvl="4"/>
             <a:r>
-              <a:rPr lang="nb-NO"/>
-              <a:t>Femte nivå</a:t>
-            </a:r>
-            <a:endParaRPr lang="nb-NO" dirty="0"/>
-          </a:p>
-        </p:txBody>
-      </p:sp>
-      <p:sp>
-        <p:nvSpPr>
-          <p:cNvPr id="4" name="Plassholder for innhold 3"/>
-          <p:cNvSpPr>
-            <a:spLocks noGrp="1"/>
-          </p:cNvSpPr>
-          <p:nvPr>
-            <p:ph sz="half" idx="2"/>
-          </p:nvPr>
-        </p:nvSpPr>
-        <p:spPr>
-          <a:xfrm>
-            <a:off x="4629150" y="1369642"/>
-            <a:ext cx="3886200" cy="3042380"/>
-          </a:xfrm>
-        </p:spPr>
-        <p:txBody>
-          <a:bodyPr/>
-          <a:lstStyle/>
-          <a:p>
-            <a:pPr lvl="0"/>
-            <a:r>
-              <a:rPr lang="nb-NO"/>
-              <a:t>Klikk for å redigere tekststiler i malen</a:t>
-            </a:r>
-          </a:p>
-          <a:p>
-            <a:pPr lvl="1"/>
-            <a:r>
-              <a:rPr lang="nb-NO"/>
-              <a:t>Andre nivå</a:t>
-            </a:r>
-          </a:p>
-          <a:p>
-            <a:pPr lvl="2"/>
-            <a:r>
-              <a:rPr lang="nb-NO"/>
-              <a:t>Tredje nivå</a:t>
-            </a:r>
-          </a:p>
-          <a:p>
-            <a:pPr lvl="3"/>
-            <a:r>
-              <a:rPr lang="nb-NO"/>
-              <a:t>Fjerde nivå</a:t>
-            </a:r>
-          </a:p>
-          <a:p>
-            <a:pPr lvl="4"/>
-            <a:r>
-              <a:rPr lang="nb-NO"/>
-              <a:t>Femte nivå</a:t>
-            </a:r>
-          </a:p>
-        </p:txBody>
-      </p:sp>
-      <p:sp>
-        <p:nvSpPr>
-          <p:cNvPr id="6" name="Plassholder for bunntekst 5"/>
-          <p:cNvSpPr>
-            <a:spLocks noGrp="1"/>
-          </p:cNvSpPr>
-          <p:nvPr>
-            <p:ph type="ftr" sz="quarter" idx="11"/>
-          </p:nvPr>
-        </p:nvSpPr>
-        <p:spPr/>
-        <p:txBody>
-          <a:bodyPr/>
-          <a:lstStyle/>
-          <a:p>
-            <a:endParaRPr lang="nb-NO"/>
-          </a:p>
-        </p:txBody>
-      </p:sp>
-      <p:sp>
-        <p:nvSpPr>
-          <p:cNvPr id="7" name="Plassholder for lysbildenummer 6"/>
-          <p:cNvSpPr>
-            <a:spLocks noGrp="1"/>
-          </p:cNvSpPr>
-          <p:nvPr>
-            <p:ph type="sldNum" sz="quarter" idx="12"/>
-          </p:nvPr>
-        </p:nvSpPr>
-        <p:spPr/>
-        <p:txBody>
-          <a:bodyPr/>
-          <a:lstStyle/>
-          <a:p>
-            <a:fld id="{35E025E5-F4E9-4572-B8CF-5901727261FC}" type="slidenum">
-              <a:rPr lang="nb-NO" smtClean="0"/>
-              <a:t>‹#›</a:t>
-            </a:fld>
-            <a:endParaRPr lang="nb-NO"/>
+              <a:rPr lang="en-US" dirty="0"/>
+              <a:t>Fifth level</a:t>
+            </a:r>
+            <a:endParaRPr lang="en-GB" dirty="0"/>
           </a:p>
         </p:txBody>
       </p:sp>
     </p:spTree>
     <p:extLst>
       <p:ext uri="{BB962C8B-B14F-4D97-AF65-F5344CB8AC3E}">
-        <p14:creationId xmlns:p14="http://schemas.microsoft.com/office/powerpoint/2010/main" val="4046789185"/>
+        <p14:creationId xmlns:p14="http://schemas.microsoft.com/office/powerpoint/2010/main" val="1858157471"/>
       </p:ext>
     </p:extLst>
   </p:cSld>
@@ -4457,361 +7155,8 @@
 </p:sldLayout>
 </file>
 
-<file path=ppt/slideLayouts/slideLayout6.xml><?xml version="1.0" encoding="utf-8"?>
+<file path=ppt/slideLayouts/slideLayout45.xml><?xml version="1.0" encoding="utf-8"?>
 <p:sldLayout xmlns:a="http://schemas.openxmlformats.org/drawingml/2006/main" xmlns:r="http://schemas.openxmlformats.org/officeDocument/2006/relationships" xmlns:p="http://schemas.openxmlformats.org/presentationml/2006/main" preserve="1" userDrawn="1">
-  <p:cSld name="Sammenligning">
-    <p:spTree>
-      <p:nvGrpSpPr>
-        <p:cNvPr id="1" name=""/>
-        <p:cNvGrpSpPr/>
-        <p:nvPr/>
-      </p:nvGrpSpPr>
-      <p:grpSpPr>
-        <a:xfrm>
-          <a:off x="0" y="0"/>
-          <a:ext cx="0" cy="0"/>
-          <a:chOff x="0" y="0"/>
-          <a:chExt cx="0" cy="0"/>
-        </a:xfrm>
-      </p:grpSpPr>
-      <p:sp>
-        <p:nvSpPr>
-          <p:cNvPr id="3" name="Plassholder for tekst 2"/>
-          <p:cNvSpPr>
-            <a:spLocks noGrp="1"/>
-          </p:cNvSpPr>
-          <p:nvPr>
-            <p:ph type="body" idx="1"/>
-          </p:nvPr>
-        </p:nvSpPr>
-        <p:spPr>
-          <a:xfrm>
-            <a:off x="628650" y="1369642"/>
-            <a:ext cx="3886200" cy="601190"/>
-          </a:xfrm>
-        </p:spPr>
-        <p:txBody>
-          <a:bodyPr anchor="t">
-            <a:noAutofit/>
-          </a:bodyPr>
-          <a:lstStyle>
-            <a:lvl1pPr marL="0" indent="0">
-              <a:buNone/>
-              <a:defRPr sz="1800" b="1"/>
-            </a:lvl1pPr>
-            <a:lvl2pPr marL="342900" indent="0">
-              <a:buNone/>
-              <a:defRPr sz="1500" b="1"/>
-            </a:lvl2pPr>
-            <a:lvl3pPr marL="685800" indent="0">
-              <a:buNone/>
-              <a:defRPr sz="1350" b="1"/>
-            </a:lvl3pPr>
-            <a:lvl4pPr marL="1028700" indent="0">
-              <a:buNone/>
-              <a:defRPr sz="1200" b="1"/>
-            </a:lvl4pPr>
-            <a:lvl5pPr marL="1371600" indent="0">
-              <a:buNone/>
-              <a:defRPr sz="1200" b="1"/>
-            </a:lvl5pPr>
-            <a:lvl6pPr marL="1714500" indent="0">
-              <a:buNone/>
-              <a:defRPr sz="1200" b="1"/>
-            </a:lvl6pPr>
-            <a:lvl7pPr marL="2057400" indent="0">
-              <a:buNone/>
-              <a:defRPr sz="1200" b="1"/>
-            </a:lvl7pPr>
-            <a:lvl8pPr marL="2400300" indent="0">
-              <a:buNone/>
-              <a:defRPr sz="1200" b="1"/>
-            </a:lvl8pPr>
-            <a:lvl9pPr marL="2743200" indent="0">
-              <a:buNone/>
-              <a:defRPr sz="1200" b="1"/>
-            </a:lvl9pPr>
-          </a:lstStyle>
-          <a:p>
-            <a:pPr lvl="0"/>
-            <a:r>
-              <a:rPr lang="nb-NO"/>
-              <a:t>Klikk for å redigere tekststiler i malen</a:t>
-            </a:r>
-          </a:p>
-        </p:txBody>
-      </p:sp>
-      <p:sp>
-        <p:nvSpPr>
-          <p:cNvPr id="8" name="Plassholder for bunntekst 7"/>
-          <p:cNvSpPr>
-            <a:spLocks noGrp="1"/>
-          </p:cNvSpPr>
-          <p:nvPr>
-            <p:ph type="ftr" sz="quarter" idx="11"/>
-          </p:nvPr>
-        </p:nvSpPr>
-        <p:spPr/>
-        <p:txBody>
-          <a:bodyPr/>
-          <a:lstStyle/>
-          <a:p>
-            <a:endParaRPr lang="nb-NO"/>
-          </a:p>
-        </p:txBody>
-      </p:sp>
-      <p:sp>
-        <p:nvSpPr>
-          <p:cNvPr id="9" name="Plassholder for lysbildenummer 8"/>
-          <p:cNvSpPr>
-            <a:spLocks noGrp="1"/>
-          </p:cNvSpPr>
-          <p:nvPr>
-            <p:ph type="sldNum" sz="quarter" idx="12"/>
-          </p:nvPr>
-        </p:nvSpPr>
-        <p:spPr/>
-        <p:txBody>
-          <a:bodyPr/>
-          <a:lstStyle/>
-          <a:p>
-            <a:fld id="{35E025E5-F4E9-4572-B8CF-5901727261FC}" type="slidenum">
-              <a:rPr lang="nb-NO" smtClean="0"/>
-              <a:t>‹#›</a:t>
-            </a:fld>
-            <a:endParaRPr lang="nb-NO"/>
-          </a:p>
-        </p:txBody>
-      </p:sp>
-      <p:sp>
-        <p:nvSpPr>
-          <p:cNvPr id="10" name="Plassholder for tittel 1"/>
-          <p:cNvSpPr>
-            <a:spLocks noGrp="1"/>
-          </p:cNvSpPr>
-          <p:nvPr>
-            <p:ph type="title"/>
-          </p:nvPr>
-        </p:nvSpPr>
-        <p:spPr>
-          <a:xfrm>
-            <a:off x="628650" y="351954"/>
-            <a:ext cx="7886700" cy="828104"/>
-          </a:xfrm>
-          <a:prstGeom prst="rect">
-            <a:avLst/>
-          </a:prstGeom>
-        </p:spPr>
-        <p:txBody>
-          <a:bodyPr vert="horz" lIns="0" tIns="0" rIns="0" bIns="0" rtlCol="0" anchor="ctr">
-            <a:noAutofit/>
-          </a:bodyPr>
-          <a:lstStyle/>
-          <a:p>
-            <a:r>
-              <a:rPr lang="nb-NO"/>
-              <a:t>Klikk for å redigere tittelstil</a:t>
-            </a:r>
-            <a:endParaRPr lang="nb-NO" dirty="0"/>
-          </a:p>
-        </p:txBody>
-      </p:sp>
-      <p:sp>
-        <p:nvSpPr>
-          <p:cNvPr id="11" name="Plassholder for innhold 2"/>
-          <p:cNvSpPr>
-            <a:spLocks noGrp="1"/>
-          </p:cNvSpPr>
-          <p:nvPr>
-            <p:ph sz="half" idx="13"/>
-          </p:nvPr>
-        </p:nvSpPr>
-        <p:spPr>
-          <a:xfrm>
-            <a:off x="628650" y="1970832"/>
-            <a:ext cx="3886200" cy="2441189"/>
-          </a:xfrm>
-        </p:spPr>
-        <p:txBody>
-          <a:bodyPr/>
-          <a:lstStyle/>
-          <a:p>
-            <a:pPr lvl="0"/>
-            <a:r>
-              <a:rPr lang="nb-NO"/>
-              <a:t>Klikk for å redigere tekststiler i malen</a:t>
-            </a:r>
-          </a:p>
-          <a:p>
-            <a:pPr lvl="1"/>
-            <a:r>
-              <a:rPr lang="nb-NO"/>
-              <a:t>Andre nivå</a:t>
-            </a:r>
-          </a:p>
-          <a:p>
-            <a:pPr lvl="2"/>
-            <a:r>
-              <a:rPr lang="nb-NO"/>
-              <a:t>Tredje nivå</a:t>
-            </a:r>
-          </a:p>
-          <a:p>
-            <a:pPr lvl="3"/>
-            <a:r>
-              <a:rPr lang="nb-NO"/>
-              <a:t>Fjerde nivå</a:t>
-            </a:r>
-          </a:p>
-          <a:p>
-            <a:pPr lvl="4"/>
-            <a:r>
-              <a:rPr lang="nb-NO"/>
-              <a:t>Femte nivå</a:t>
-            </a:r>
-            <a:endParaRPr lang="nb-NO" dirty="0"/>
-          </a:p>
-        </p:txBody>
-      </p:sp>
-      <p:sp>
-        <p:nvSpPr>
-          <p:cNvPr id="12" name="Plassholder for tekst 2"/>
-          <p:cNvSpPr>
-            <a:spLocks noGrp="1"/>
-          </p:cNvSpPr>
-          <p:nvPr>
-            <p:ph type="body" idx="14"/>
-          </p:nvPr>
-        </p:nvSpPr>
-        <p:spPr>
-          <a:xfrm>
-            <a:off x="4629150" y="1369642"/>
-            <a:ext cx="3886200" cy="601190"/>
-          </a:xfrm>
-        </p:spPr>
-        <p:txBody>
-          <a:bodyPr anchor="t">
-            <a:noAutofit/>
-          </a:bodyPr>
-          <a:lstStyle>
-            <a:lvl1pPr marL="0" indent="0">
-              <a:buNone/>
-              <a:defRPr sz="1800" b="1"/>
-            </a:lvl1pPr>
-            <a:lvl2pPr marL="342900" indent="0">
-              <a:buNone/>
-              <a:defRPr sz="1500" b="1"/>
-            </a:lvl2pPr>
-            <a:lvl3pPr marL="685800" indent="0">
-              <a:buNone/>
-              <a:defRPr sz="1350" b="1"/>
-            </a:lvl3pPr>
-            <a:lvl4pPr marL="1028700" indent="0">
-              <a:buNone/>
-              <a:defRPr sz="1200" b="1"/>
-            </a:lvl4pPr>
-            <a:lvl5pPr marL="1371600" indent="0">
-              <a:buNone/>
-              <a:defRPr sz="1200" b="1"/>
-            </a:lvl5pPr>
-            <a:lvl6pPr marL="1714500" indent="0">
-              <a:buNone/>
-              <a:defRPr sz="1200" b="1"/>
-            </a:lvl6pPr>
-            <a:lvl7pPr marL="2057400" indent="0">
-              <a:buNone/>
-              <a:defRPr sz="1200" b="1"/>
-            </a:lvl7pPr>
-            <a:lvl8pPr marL="2400300" indent="0">
-              <a:buNone/>
-              <a:defRPr sz="1200" b="1"/>
-            </a:lvl8pPr>
-            <a:lvl9pPr marL="2743200" indent="0">
-              <a:buNone/>
-              <a:defRPr sz="1200" b="1"/>
-            </a:lvl9pPr>
-          </a:lstStyle>
-          <a:p>
-            <a:pPr lvl="0"/>
-            <a:r>
-              <a:rPr lang="nb-NO"/>
-              <a:t>Klikk for å redigere tekststiler i malen</a:t>
-            </a:r>
-          </a:p>
-        </p:txBody>
-      </p:sp>
-      <p:sp>
-        <p:nvSpPr>
-          <p:cNvPr id="13" name="Plassholder for innhold 2"/>
-          <p:cNvSpPr>
-            <a:spLocks noGrp="1"/>
-          </p:cNvSpPr>
-          <p:nvPr>
-            <p:ph sz="half" idx="15"/>
-          </p:nvPr>
-        </p:nvSpPr>
-        <p:spPr>
-          <a:xfrm>
-            <a:off x="4629150" y="1970832"/>
-            <a:ext cx="3886200" cy="2441189"/>
-          </a:xfrm>
-        </p:spPr>
-        <p:txBody>
-          <a:bodyPr/>
-          <a:lstStyle/>
-          <a:p>
-            <a:pPr lvl="0"/>
-            <a:r>
-              <a:rPr lang="nb-NO"/>
-              <a:t>Klikk for å redigere tekststiler i malen</a:t>
-            </a:r>
-          </a:p>
-          <a:p>
-            <a:pPr lvl="1"/>
-            <a:r>
-              <a:rPr lang="nb-NO"/>
-              <a:t>Andre nivå</a:t>
-            </a:r>
-          </a:p>
-          <a:p>
-            <a:pPr lvl="2"/>
-            <a:r>
-              <a:rPr lang="nb-NO"/>
-              <a:t>Tredje nivå</a:t>
-            </a:r>
-          </a:p>
-          <a:p>
-            <a:pPr lvl="3"/>
-            <a:r>
-              <a:rPr lang="nb-NO"/>
-              <a:t>Fjerde nivå</a:t>
-            </a:r>
-          </a:p>
-          <a:p>
-            <a:pPr lvl="4"/>
-            <a:r>
-              <a:rPr lang="nb-NO"/>
-              <a:t>Femte nivå</a:t>
-            </a:r>
-            <a:endParaRPr lang="nb-NO" dirty="0"/>
-          </a:p>
-        </p:txBody>
-      </p:sp>
-    </p:spTree>
-    <p:extLst>
-      <p:ext uri="{BB962C8B-B14F-4D97-AF65-F5344CB8AC3E}">
-        <p14:creationId xmlns:p14="http://schemas.microsoft.com/office/powerpoint/2010/main" val="3775116170"/>
-      </p:ext>
-    </p:extLst>
-  </p:cSld>
-  <p:clrMapOvr>
-    <a:masterClrMapping/>
-  </p:clrMapOvr>
-</p:sldLayout>
-</file>
-
-<file path=ppt/slideLayouts/slideLayout7.xml><?xml version="1.0" encoding="utf-8"?>
-<p:sldLayout xmlns:a="http://schemas.openxmlformats.org/drawingml/2006/main" xmlns:r="http://schemas.openxmlformats.org/officeDocument/2006/relationships" xmlns:p="http://schemas.openxmlformats.org/presentationml/2006/main" type="titleOnly" preserve="1">
   <p:cSld name="Bare tittel">
     <p:spTree>
       <p:nvGrpSpPr>
@@ -4829,72 +7174,45 @@
       </p:grpSpPr>
       <p:sp>
         <p:nvSpPr>
-          <p:cNvPr id="2" name="Tittel 1"/>
-          <p:cNvSpPr>
-            <a:spLocks noGrp="1"/>
-          </p:cNvSpPr>
-          <p:nvPr>
-            <p:ph type="title"/>
-          </p:nvPr>
-        </p:nvSpPr>
-        <p:spPr/>
+          <p:cNvPr id="6" name="Tittel 1">
+            <a:extLst>
+              <a:ext uri="{FF2B5EF4-FFF2-40B4-BE49-F238E27FC236}">
+                <a16:creationId xmlns:a16="http://schemas.microsoft.com/office/drawing/2014/main" id="{F57C1160-AA3D-4EC7-A753-1B68C145575F}"/>
+              </a:ext>
+            </a:extLst>
+          </p:cNvPr>
+          <p:cNvSpPr>
+            <a:spLocks noGrp="1"/>
+          </p:cNvSpPr>
+          <p:nvPr>
+            <p:ph type="title" hasCustomPrompt="1"/>
+          </p:nvPr>
+        </p:nvSpPr>
+        <p:spPr>
+          <a:xfrm>
+            <a:off x="772085" y="2033824"/>
+            <a:ext cx="7886700" cy="993775"/>
+          </a:xfrm>
+        </p:spPr>
         <p:txBody>
           <a:bodyPr/>
-          <a:lstStyle/>
-          <a:p>
-            <a:r>
-              <a:rPr lang="nb-NO"/>
-              <a:t>Klikk for å redigere tittelstil</a:t>
-            </a:r>
-          </a:p>
-        </p:txBody>
-      </p:sp>
-      <p:sp>
-        <p:nvSpPr>
-          <p:cNvPr id="4" name="Plassholder for bunntekst 3"/>
-          <p:cNvSpPr>
-            <a:spLocks noGrp="1"/>
-          </p:cNvSpPr>
-          <p:nvPr>
-            <p:ph type="ftr" sz="quarter" idx="11"/>
-          </p:nvPr>
-        </p:nvSpPr>
-        <p:spPr/>
-        <p:txBody>
-          <a:bodyPr/>
-          <a:lstStyle/>
-          <a:p>
-            <a:endParaRPr lang="nb-NO"/>
-          </a:p>
-        </p:txBody>
-      </p:sp>
-      <p:sp>
-        <p:nvSpPr>
-          <p:cNvPr id="5" name="Plassholder for lysbildenummer 4"/>
-          <p:cNvSpPr>
-            <a:spLocks noGrp="1"/>
-          </p:cNvSpPr>
-          <p:nvPr>
-            <p:ph type="sldNum" sz="quarter" idx="12"/>
-          </p:nvPr>
-        </p:nvSpPr>
-        <p:spPr/>
-        <p:txBody>
-          <a:bodyPr/>
-          <a:lstStyle/>
-          <a:p>
-            <a:fld id="{35E025E5-F4E9-4572-B8CF-5901727261FC}" type="slidenum">
-              <a:rPr lang="nb-NO" smtClean="0"/>
-              <a:t>‹#›</a:t>
-            </a:fld>
-            <a:endParaRPr lang="nb-NO"/>
+          <a:lstStyle>
+            <a:lvl1pPr algn="ctr">
+              <a:defRPr/>
+            </a:lvl1pPr>
+          </a:lstStyle>
+          <a:p>
+            <a:r>
+              <a:rPr lang="nb-NO" dirty="0"/>
+              <a:t>Klikk for å legge til tittel</a:t>
+            </a:r>
           </a:p>
         </p:txBody>
       </p:sp>
     </p:spTree>
     <p:extLst>
       <p:ext uri="{BB962C8B-B14F-4D97-AF65-F5344CB8AC3E}">
-        <p14:creationId xmlns:p14="http://schemas.microsoft.com/office/powerpoint/2010/main" val="2436915275"/>
+        <p14:creationId xmlns:p14="http://schemas.microsoft.com/office/powerpoint/2010/main" val="1028929727"/>
       </p:ext>
     </p:extLst>
   </p:cSld>
@@ -4904,7 +7222,7 @@
 </p:sldLayout>
 </file>
 
-<file path=ppt/slideLayouts/slideLayout8.xml><?xml version="1.0" encoding="utf-8"?>
+<file path=ppt/slideLayouts/slideLayout46.xml><?xml version="1.0" encoding="utf-8"?>
 <p:sldLayout xmlns:a="http://schemas.openxmlformats.org/drawingml/2006/main" xmlns:r="http://schemas.openxmlformats.org/officeDocument/2006/relationships" xmlns:p="http://schemas.openxmlformats.org/presentationml/2006/main" type="blank" preserve="1">
   <p:cSld name="Tomt">
     <p:spTree>
@@ -4921,52 +7239,10 @@
           <a:chExt cx="0" cy="0"/>
         </a:xfrm>
       </p:grpSpPr>
-      <p:sp>
-        <p:nvSpPr>
-          <p:cNvPr id="3" name="Plassholder for bunntekst 2"/>
-          <p:cNvSpPr>
-            <a:spLocks noGrp="1"/>
-          </p:cNvSpPr>
-          <p:nvPr>
-            <p:ph type="ftr" sz="quarter" idx="11"/>
-          </p:nvPr>
-        </p:nvSpPr>
-        <p:spPr/>
-        <p:txBody>
-          <a:bodyPr/>
-          <a:lstStyle/>
-          <a:p>
-            <a:endParaRPr lang="nb-NO"/>
-          </a:p>
-        </p:txBody>
-      </p:sp>
-      <p:sp>
-        <p:nvSpPr>
-          <p:cNvPr id="4" name="Plassholder for lysbildenummer 3"/>
-          <p:cNvSpPr>
-            <a:spLocks noGrp="1"/>
-          </p:cNvSpPr>
-          <p:nvPr>
-            <p:ph type="sldNum" sz="quarter" idx="12"/>
-          </p:nvPr>
-        </p:nvSpPr>
-        <p:spPr/>
-        <p:txBody>
-          <a:bodyPr/>
-          <a:lstStyle/>
-          <a:p>
-            <a:fld id="{35E025E5-F4E9-4572-B8CF-5901727261FC}" type="slidenum">
-              <a:rPr lang="nb-NO" smtClean="0"/>
-              <a:t>‹#›</a:t>
-            </a:fld>
-            <a:endParaRPr lang="nb-NO"/>
-          </a:p>
-        </p:txBody>
-      </p:sp>
     </p:spTree>
     <p:extLst>
       <p:ext uri="{BB962C8B-B14F-4D97-AF65-F5344CB8AC3E}">
-        <p14:creationId xmlns:p14="http://schemas.microsoft.com/office/powerpoint/2010/main" val="6859923"/>
+        <p14:creationId xmlns:p14="http://schemas.microsoft.com/office/powerpoint/2010/main" val="3973922481"/>
       </p:ext>
     </p:extLst>
   </p:cSld>
@@ -4976,9 +7252,9 @@
 </p:sldLayout>
 </file>
 
-<file path=ppt/slideLayouts/slideLayout9.xml><?xml version="1.0" encoding="utf-8"?>
-<p:sldLayout xmlns:a="http://schemas.openxmlformats.org/drawingml/2006/main" xmlns:r="http://schemas.openxmlformats.org/officeDocument/2006/relationships" xmlns:p="http://schemas.openxmlformats.org/presentationml/2006/main" type="objTx" preserve="1">
-  <p:cSld name="Innhold med tekst">
+<file path=ppt/slideLayouts/slideLayout5.xml><?xml version="1.0" encoding="utf-8"?>
+<p:sldLayout xmlns:a="http://schemas.openxmlformats.org/drawingml/2006/main" xmlns:r="http://schemas.openxmlformats.org/officeDocument/2006/relationships" xmlns:p="http://schemas.openxmlformats.org/presentationml/2006/main" type="title" preserve="1">
+  <p:cSld name="Tittellysbilde">
     <p:spTree>
       <p:nvGrpSpPr>
         <p:cNvPr id="1" name=""/>
@@ -5000,182 +7276,213 @@
             <a:spLocks noGrp="1"/>
           </p:cNvSpPr>
           <p:nvPr>
-            <p:ph type="title"/>
+            <p:ph type="ctrTitle" hasCustomPrompt="1"/>
           </p:nvPr>
         </p:nvSpPr>
         <p:spPr>
           <a:xfrm>
-            <a:off x="629841" y="343006"/>
-            <a:ext cx="2949178" cy="1200521"/>
+            <a:off x="1997678" y="1376493"/>
+            <a:ext cx="5148643" cy="828104"/>
           </a:xfrm>
         </p:spPr>
         <p:txBody>
-          <a:bodyPr anchor="b"/>
+          <a:bodyPr anchor="ctr"/>
           <a:lstStyle>
-            <a:lvl1pPr>
-              <a:defRPr sz="2400"/>
+            <a:lvl1pPr algn="ctr">
+              <a:tabLst>
+                <a:tab pos="2155825" algn="l"/>
+              </a:tabLst>
+              <a:defRPr sz="2600"/>
             </a:lvl1pPr>
           </a:lstStyle>
           <a:p>
             <a:r>
-              <a:rPr lang="nb-NO"/>
-              <a:t>Klikk for å redigere tittelstil</a:t>
-            </a:r>
-          </a:p>
-        </p:txBody>
-      </p:sp>
-      <p:sp>
-        <p:nvSpPr>
-          <p:cNvPr id="3" name="Plassholder for innhold 2"/>
-          <p:cNvSpPr>
-            <a:spLocks noGrp="1"/>
-          </p:cNvSpPr>
-          <p:nvPr>
-            <p:ph idx="1"/>
+              <a:rPr lang="nb-NO" dirty="0"/>
+              <a:t>Klikk for å legge til tittel</a:t>
+            </a:r>
+          </a:p>
+        </p:txBody>
+      </p:sp>
+      <p:sp>
+        <p:nvSpPr>
+          <p:cNvPr id="3" name="Undertittel 2"/>
+          <p:cNvSpPr>
+            <a:spLocks noGrp="1"/>
+          </p:cNvSpPr>
+          <p:nvPr>
+            <p:ph type="subTitle" idx="1" hasCustomPrompt="1"/>
           </p:nvPr>
         </p:nvSpPr>
         <p:spPr>
           <a:xfrm>
-            <a:off x="3887391" y="740798"/>
-            <a:ext cx="4629150" cy="3656347"/>
+            <a:off x="1997678" y="2386299"/>
+            <a:ext cx="5148643" cy="828104"/>
           </a:xfrm>
         </p:spPr>
+        <p:txBody>
+          <a:bodyPr anchor="ctr">
+            <a:noAutofit/>
+          </a:bodyPr>
+          <a:lstStyle>
+            <a:lvl1pPr marL="0" indent="0" algn="ctr">
+              <a:buNone/>
+              <a:defRPr sz="1700"/>
+            </a:lvl1pPr>
+            <a:lvl2pPr marL="342900" indent="0" algn="ctr">
+              <a:buNone/>
+              <a:defRPr sz="1500"/>
+            </a:lvl2pPr>
+            <a:lvl3pPr marL="685800" indent="0" algn="ctr">
+              <a:buNone/>
+              <a:defRPr sz="1350"/>
+            </a:lvl3pPr>
+            <a:lvl4pPr marL="1028700" indent="0" algn="ctr">
+              <a:buNone/>
+              <a:defRPr sz="1200"/>
+            </a:lvl4pPr>
+            <a:lvl5pPr marL="1371600" indent="0" algn="ctr">
+              <a:buNone/>
+              <a:defRPr sz="1200"/>
+            </a:lvl5pPr>
+            <a:lvl6pPr marL="1714500" indent="0" algn="ctr">
+              <a:buNone/>
+              <a:defRPr sz="1200"/>
+            </a:lvl6pPr>
+            <a:lvl7pPr marL="2057400" indent="0" algn="ctr">
+              <a:buNone/>
+              <a:defRPr sz="1200"/>
+            </a:lvl7pPr>
+            <a:lvl8pPr marL="2400300" indent="0" algn="ctr">
+              <a:buNone/>
+              <a:defRPr sz="1200"/>
+            </a:lvl8pPr>
+            <a:lvl9pPr marL="2743200" indent="0" algn="ctr">
+              <a:buNone/>
+              <a:defRPr sz="1200"/>
+            </a:lvl9pPr>
+          </a:lstStyle>
+          <a:p>
+            <a:r>
+              <a:rPr lang="nb-NO" dirty="0"/>
+              <a:t>Klikk for å legge til undertittel</a:t>
+            </a:r>
+          </a:p>
+        </p:txBody>
+      </p:sp>
+    </p:spTree>
+    <p:extLst>
+      <p:ext uri="{BB962C8B-B14F-4D97-AF65-F5344CB8AC3E}">
+        <p14:creationId xmlns:p14="http://schemas.microsoft.com/office/powerpoint/2010/main" val="1846559389"/>
+      </p:ext>
+    </p:extLst>
+  </p:cSld>
+  <p:clrMapOvr>
+    <a:masterClrMapping/>
+  </p:clrMapOvr>
+</p:sldLayout>
+</file>
+
+<file path=ppt/slideLayouts/slideLayout6.xml><?xml version="1.0" encoding="utf-8"?>
+<p:sldLayout xmlns:a="http://schemas.openxmlformats.org/drawingml/2006/main" xmlns:r="http://schemas.openxmlformats.org/officeDocument/2006/relationships" xmlns:p="http://schemas.openxmlformats.org/presentationml/2006/main" type="obj" preserve="1">
+  <p:cSld name="Tittel og innhold">
+    <p:spTree>
+      <p:nvGrpSpPr>
+        <p:cNvPr id="1" name=""/>
+        <p:cNvGrpSpPr/>
+        <p:nvPr/>
+      </p:nvGrpSpPr>
+      <p:grpSpPr>
+        <a:xfrm>
+          <a:off x="0" y="0"/>
+          <a:ext cx="0" cy="0"/>
+          <a:chOff x="0" y="0"/>
+          <a:chExt cx="0" cy="0"/>
+        </a:xfrm>
+      </p:grpSpPr>
+      <p:sp>
+        <p:nvSpPr>
+          <p:cNvPr id="2" name="Tittel 1"/>
+          <p:cNvSpPr>
+            <a:spLocks noGrp="1"/>
+          </p:cNvSpPr>
+          <p:nvPr>
+            <p:ph type="title" hasCustomPrompt="1"/>
+          </p:nvPr>
+        </p:nvSpPr>
+        <p:spPr/>
         <p:txBody>
           <a:bodyPr/>
           <a:lstStyle>
             <a:lvl1pPr>
-              <a:defRPr sz="2400"/>
+              <a:defRPr/>
             </a:lvl1pPr>
-            <a:lvl2pPr>
-              <a:defRPr sz="2100"/>
-            </a:lvl2pPr>
-            <a:lvl3pPr>
-              <a:defRPr sz="1800"/>
-            </a:lvl3pPr>
-            <a:lvl4pPr>
-              <a:defRPr sz="1500"/>
-            </a:lvl4pPr>
-            <a:lvl5pPr>
-              <a:defRPr sz="1500"/>
-            </a:lvl5pPr>
-            <a:lvl6pPr>
-              <a:defRPr sz="1500"/>
-            </a:lvl6pPr>
-            <a:lvl7pPr>
-              <a:defRPr sz="1500"/>
-            </a:lvl7pPr>
-            <a:lvl8pPr>
-              <a:defRPr sz="1500"/>
-            </a:lvl8pPr>
-            <a:lvl9pPr>
-              <a:defRPr sz="1500"/>
-            </a:lvl9pPr>
           </a:lstStyle>
           <a:p>
-            <a:pPr lvl="0"/>
-            <a:r>
-              <a:rPr lang="nb-NO"/>
-              <a:t>Klikk for å redigere tekststiler i malen</a:t>
-            </a:r>
-          </a:p>
-          <a:p>
-            <a:pPr lvl="1"/>
-            <a:r>
-              <a:rPr lang="nb-NO"/>
-              <a:t>Andre nivå</a:t>
-            </a:r>
-          </a:p>
-          <a:p>
-            <a:pPr lvl="2"/>
-            <a:r>
-              <a:rPr lang="nb-NO"/>
-              <a:t>Tredje nivå</a:t>
-            </a:r>
-          </a:p>
-          <a:p>
-            <a:pPr lvl="3"/>
-            <a:r>
-              <a:rPr lang="nb-NO"/>
-              <a:t>Fjerde nivå</a:t>
-            </a:r>
-          </a:p>
-          <a:p>
-            <a:pPr lvl="4"/>
-            <a:r>
-              <a:rPr lang="nb-NO"/>
-              <a:t>Femte nivå</a:t>
-            </a:r>
-          </a:p>
-        </p:txBody>
-      </p:sp>
-      <p:sp>
-        <p:nvSpPr>
-          <p:cNvPr id="4" name="Plassholder for tekst 3"/>
-          <p:cNvSpPr>
-            <a:spLocks noGrp="1"/>
-          </p:cNvSpPr>
-          <p:nvPr>
-            <p:ph type="body" sz="half" idx="2"/>
-          </p:nvPr>
-        </p:nvSpPr>
-        <p:spPr>
-          <a:xfrm>
-            <a:off x="629841" y="1543526"/>
-            <a:ext cx="2949178" cy="2859574"/>
-          </a:xfrm>
-        </p:spPr>
+            <a:r>
+              <a:rPr lang="nb-NO" dirty="0"/>
+              <a:t>Klikk for å legge til tittel</a:t>
+            </a:r>
+          </a:p>
+        </p:txBody>
+      </p:sp>
+      <p:sp>
+        <p:nvSpPr>
+          <p:cNvPr id="3" name="Plassholder for innhold 2"/>
+          <p:cNvSpPr>
+            <a:spLocks noGrp="1"/>
+          </p:cNvSpPr>
+          <p:nvPr>
+            <p:ph idx="1" hasCustomPrompt="1"/>
+          </p:nvPr>
+        </p:nvSpPr>
+        <p:spPr/>
         <p:txBody>
           <a:bodyPr/>
           <a:lstStyle>
-            <a:lvl1pPr marL="0" indent="0">
-              <a:buNone/>
-              <a:defRPr sz="1200"/>
+            <a:lvl1pPr>
+              <a:defRPr/>
             </a:lvl1pPr>
-            <a:lvl2pPr marL="342900" indent="0">
-              <a:buNone/>
-              <a:defRPr sz="1050"/>
-            </a:lvl2pPr>
-            <a:lvl3pPr marL="685800" indent="0">
-              <a:buNone/>
-              <a:defRPr sz="900"/>
-            </a:lvl3pPr>
-            <a:lvl4pPr marL="1028700" indent="0">
-              <a:buNone/>
-              <a:defRPr sz="750"/>
-            </a:lvl4pPr>
-            <a:lvl5pPr marL="1371600" indent="0">
-              <a:buNone/>
-              <a:defRPr sz="750"/>
-            </a:lvl5pPr>
-            <a:lvl6pPr marL="1714500" indent="0">
-              <a:buNone/>
-              <a:defRPr sz="750"/>
-            </a:lvl6pPr>
-            <a:lvl7pPr marL="2057400" indent="0">
-              <a:buNone/>
-              <a:defRPr sz="750"/>
-            </a:lvl7pPr>
-            <a:lvl8pPr marL="2400300" indent="0">
-              <a:buNone/>
-              <a:defRPr sz="750"/>
-            </a:lvl8pPr>
-            <a:lvl9pPr marL="2743200" indent="0">
-              <a:buNone/>
-              <a:defRPr sz="750"/>
-            </a:lvl9pPr>
           </a:lstStyle>
           <a:p>
             <a:pPr lvl="0"/>
             <a:r>
-              <a:rPr lang="nb-NO"/>
-              <a:t>Klikk for å redigere tekststiler i malen</a:t>
-            </a:r>
-          </a:p>
-        </p:txBody>
-      </p:sp>
-      <p:sp>
-        <p:nvSpPr>
-          <p:cNvPr id="6" name="Plassholder for bunntekst 5"/>
+              <a:rPr lang="nb-NO" dirty="0"/>
+              <a:t>Klikk for å legge til tekst</a:t>
+            </a:r>
+          </a:p>
+          <a:p>
+            <a:pPr lvl="1"/>
+            <a:r>
+              <a:rPr lang="nb-NO" dirty="0"/>
+              <a:t>Andre nivå</a:t>
+            </a:r>
+          </a:p>
+          <a:p>
+            <a:pPr lvl="2"/>
+            <a:r>
+              <a:rPr lang="nb-NO" dirty="0"/>
+              <a:t>Tredje nivå</a:t>
+            </a:r>
+          </a:p>
+          <a:p>
+            <a:pPr lvl="3"/>
+            <a:r>
+              <a:rPr lang="nb-NO" dirty="0"/>
+              <a:t>Fjerde nivå</a:t>
+            </a:r>
+          </a:p>
+          <a:p>
+            <a:pPr lvl="4"/>
+            <a:r>
+              <a:rPr lang="nb-NO" dirty="0"/>
+              <a:t>Femte nivå</a:t>
+            </a:r>
+          </a:p>
+        </p:txBody>
+      </p:sp>
+      <p:sp>
+        <p:nvSpPr>
+          <p:cNvPr id="5" name="Plassholder for bunntekst 4"/>
           <p:cNvSpPr>
             <a:spLocks noGrp="1"/>
           </p:cNvSpPr>
@@ -5188,13 +7495,13 @@
           <a:bodyPr/>
           <a:lstStyle/>
           <a:p>
-            <a:endParaRPr lang="nb-NO"/>
-          </a:p>
-        </p:txBody>
-      </p:sp>
-      <p:sp>
-        <p:nvSpPr>
-          <p:cNvPr id="7" name="Plassholder for lysbildenummer 6"/>
+            <a:endParaRPr lang="nb-NO" dirty="0"/>
+          </a:p>
+        </p:txBody>
+      </p:sp>
+      <p:sp>
+        <p:nvSpPr>
+          <p:cNvPr id="6" name="Plassholder for lysbildenummer 5"/>
           <p:cNvSpPr>
             <a:spLocks noGrp="1"/>
           </p:cNvSpPr>
@@ -5211,14 +7518,870 @@
               <a:rPr lang="nb-NO" smtClean="0"/>
               <a:t>‹#›</a:t>
             </a:fld>
-            <a:endParaRPr lang="nb-NO"/>
+            <a:endParaRPr lang="nb-NO" dirty="0"/>
           </a:p>
         </p:txBody>
       </p:sp>
     </p:spTree>
     <p:extLst>
       <p:ext uri="{BB962C8B-B14F-4D97-AF65-F5344CB8AC3E}">
-        <p14:creationId xmlns:p14="http://schemas.microsoft.com/office/powerpoint/2010/main" val="1378589360"/>
+        <p14:creationId xmlns:p14="http://schemas.microsoft.com/office/powerpoint/2010/main" val="1639579462"/>
+      </p:ext>
+    </p:extLst>
+  </p:cSld>
+  <p:clrMapOvr>
+    <a:masterClrMapping/>
+  </p:clrMapOvr>
+</p:sldLayout>
+</file>
+
+<file path=ppt/slideLayouts/slideLayout7.xml><?xml version="1.0" encoding="utf-8"?>
+<p:sldLayout xmlns:a="http://schemas.openxmlformats.org/drawingml/2006/main" xmlns:r="http://schemas.openxmlformats.org/officeDocument/2006/relationships" xmlns:p="http://schemas.openxmlformats.org/presentationml/2006/main" preserve="1" userDrawn="1">
+  <p:cSld name="Tittel og innhold (2)">
+    <p:spTree>
+      <p:nvGrpSpPr>
+        <p:cNvPr id="1" name=""/>
+        <p:cNvGrpSpPr/>
+        <p:nvPr/>
+      </p:nvGrpSpPr>
+      <p:grpSpPr>
+        <a:xfrm>
+          <a:off x="0" y="0"/>
+          <a:ext cx="0" cy="0"/>
+          <a:chOff x="0" y="0"/>
+          <a:chExt cx="0" cy="0"/>
+        </a:xfrm>
+      </p:grpSpPr>
+      <p:sp>
+        <p:nvSpPr>
+          <p:cNvPr id="4" name="Rectangle 3">
+            <a:extLst>
+              <a:ext uri="{FF2B5EF4-FFF2-40B4-BE49-F238E27FC236}">
+                <a16:creationId xmlns:a16="http://schemas.microsoft.com/office/drawing/2014/main" id="{F1E1C32F-6395-4279-A4F6-2DFACFC18416}"/>
+              </a:ext>
+            </a:extLst>
+          </p:cNvPr>
+          <p:cNvSpPr/>
+          <p:nvPr userDrawn="1"/>
+        </p:nvSpPr>
+        <p:spPr>
+          <a:xfrm>
+            <a:off x="1" y="0"/>
+            <a:ext cx="4572000" cy="5145088"/>
+          </a:xfrm>
+          <a:prstGeom prst="rect">
+            <a:avLst/>
+          </a:prstGeom>
+          <a:solidFill>
+            <a:schemeClr val="bg1">
+              <a:lumMod val="95000"/>
+            </a:schemeClr>
+          </a:solidFill>
+          <a:ln>
+            <a:noFill/>
+          </a:ln>
+        </p:spPr>
+        <p:style>
+          <a:lnRef idx="2">
+            <a:schemeClr val="accent1">
+              <a:shade val="50000"/>
+            </a:schemeClr>
+          </a:lnRef>
+          <a:fillRef idx="1">
+            <a:schemeClr val="accent1"/>
+          </a:fillRef>
+          <a:effectRef idx="0">
+            <a:schemeClr val="accent1"/>
+          </a:effectRef>
+          <a:fontRef idx="minor">
+            <a:schemeClr val="lt1"/>
+          </a:fontRef>
+        </p:style>
+        <p:txBody>
+          <a:bodyPr rtlCol="0" anchor="ctr"/>
+          <a:lstStyle/>
+          <a:p>
+            <a:pPr algn="ctr"/>
+            <a:endParaRPr lang="nb-NO" dirty="0"/>
+          </a:p>
+        </p:txBody>
+      </p:sp>
+      <p:sp>
+        <p:nvSpPr>
+          <p:cNvPr id="2" name="Tittel 1"/>
+          <p:cNvSpPr>
+            <a:spLocks noGrp="1"/>
+          </p:cNvSpPr>
+          <p:nvPr>
+            <p:ph type="title" hasCustomPrompt="1"/>
+          </p:nvPr>
+        </p:nvSpPr>
+        <p:spPr>
+          <a:xfrm>
+            <a:off x="628650" y="351954"/>
+            <a:ext cx="3316055" cy="828104"/>
+          </a:xfrm>
+        </p:spPr>
+        <p:txBody>
+          <a:bodyPr/>
+          <a:lstStyle>
+            <a:lvl1pPr>
+              <a:defRPr/>
+            </a:lvl1pPr>
+          </a:lstStyle>
+          <a:p>
+            <a:r>
+              <a:rPr lang="nb-NO" dirty="0"/>
+              <a:t>Tittel</a:t>
+            </a:r>
+          </a:p>
+        </p:txBody>
+      </p:sp>
+      <p:sp>
+        <p:nvSpPr>
+          <p:cNvPr id="5" name="Plassholder for bunntekst 4"/>
+          <p:cNvSpPr>
+            <a:spLocks noGrp="1"/>
+          </p:cNvSpPr>
+          <p:nvPr>
+            <p:ph type="ftr" sz="quarter" idx="11"/>
+          </p:nvPr>
+        </p:nvSpPr>
+        <p:spPr/>
+        <p:txBody>
+          <a:bodyPr/>
+          <a:lstStyle/>
+          <a:p>
+            <a:endParaRPr lang="nb-NO" dirty="0"/>
+          </a:p>
+        </p:txBody>
+      </p:sp>
+      <p:sp>
+        <p:nvSpPr>
+          <p:cNvPr id="6" name="Plassholder for lysbildenummer 5"/>
+          <p:cNvSpPr>
+            <a:spLocks noGrp="1"/>
+          </p:cNvSpPr>
+          <p:nvPr>
+            <p:ph type="sldNum" sz="quarter" idx="12"/>
+          </p:nvPr>
+        </p:nvSpPr>
+        <p:spPr/>
+        <p:txBody>
+          <a:bodyPr/>
+          <a:lstStyle/>
+          <a:p>
+            <a:fld id="{35E025E5-F4E9-4572-B8CF-5901727261FC}" type="slidenum">
+              <a:rPr lang="nb-NO" smtClean="0"/>
+              <a:t>‹#›</a:t>
+            </a:fld>
+            <a:endParaRPr lang="nb-NO" dirty="0"/>
+          </a:p>
+        </p:txBody>
+      </p:sp>
+      <p:sp>
+        <p:nvSpPr>
+          <p:cNvPr id="10" name="Text Placeholder 9">
+            <a:extLst>
+              <a:ext uri="{FF2B5EF4-FFF2-40B4-BE49-F238E27FC236}">
+                <a16:creationId xmlns:a16="http://schemas.microsoft.com/office/drawing/2014/main" id="{6D5337E2-4B06-4343-A7EC-B372A6E84A7B}"/>
+              </a:ext>
+            </a:extLst>
+          </p:cNvPr>
+          <p:cNvSpPr>
+            <a:spLocks noGrp="1"/>
+          </p:cNvSpPr>
+          <p:nvPr>
+            <p:ph type="body" sz="quarter" idx="14" hasCustomPrompt="1"/>
+          </p:nvPr>
+        </p:nvSpPr>
+        <p:spPr>
+          <a:xfrm>
+            <a:off x="5200648" y="351954"/>
+            <a:ext cx="3314697" cy="828104"/>
+          </a:xfrm>
+        </p:spPr>
+        <p:txBody>
+          <a:bodyPr anchor="ctr">
+            <a:normAutofit/>
+          </a:bodyPr>
+          <a:lstStyle>
+            <a:lvl1pPr marL="0" indent="0">
+              <a:spcBef>
+                <a:spcPts val="0"/>
+              </a:spcBef>
+              <a:buNone/>
+              <a:defRPr sz="2600"/>
+            </a:lvl1pPr>
+          </a:lstStyle>
+          <a:p>
+            <a:pPr lvl="0"/>
+            <a:r>
+              <a:rPr lang="nb-NO" dirty="0"/>
+              <a:t>Tittel</a:t>
+            </a:r>
+          </a:p>
+        </p:txBody>
+      </p:sp>
+      <p:sp>
+        <p:nvSpPr>
+          <p:cNvPr id="7" name="Content Placeholder 6">
+            <a:extLst>
+              <a:ext uri="{FF2B5EF4-FFF2-40B4-BE49-F238E27FC236}">
+                <a16:creationId xmlns:a16="http://schemas.microsoft.com/office/drawing/2014/main" id="{3A74192B-9ADD-4790-9339-0C70E66B2819}"/>
+              </a:ext>
+            </a:extLst>
+          </p:cNvPr>
+          <p:cNvSpPr>
+            <a:spLocks noGrp="1"/>
+          </p:cNvSpPr>
+          <p:nvPr>
+            <p:ph sz="quarter" idx="15" hasCustomPrompt="1"/>
+          </p:nvPr>
+        </p:nvSpPr>
+        <p:spPr>
+          <a:xfrm>
+            <a:off x="628650" y="1369643"/>
+            <a:ext cx="3316056" cy="3042700"/>
+          </a:xfrm>
+          <a:prstGeom prst="rect">
+            <a:avLst/>
+          </a:prstGeom>
+        </p:spPr>
+        <p:txBody>
+          <a:bodyPr lIns="0" tIns="0" rIns="0" bIns="0"/>
+          <a:lstStyle>
+            <a:lvl1pPr>
+              <a:defRPr/>
+            </a:lvl1pPr>
+          </a:lstStyle>
+          <a:p>
+            <a:pPr lvl="0"/>
+            <a:r>
+              <a:rPr lang="en-US" dirty="0" err="1"/>
+              <a:t>Klikk</a:t>
+            </a:r>
+            <a:r>
+              <a:rPr lang="en-US" dirty="0"/>
+              <a:t> for å </a:t>
+            </a:r>
+            <a:r>
+              <a:rPr lang="en-US" dirty="0" err="1"/>
+              <a:t>legge</a:t>
+            </a:r>
+            <a:r>
+              <a:rPr lang="en-US" dirty="0"/>
+              <a:t> </a:t>
+            </a:r>
+            <a:r>
+              <a:rPr lang="en-US" dirty="0" err="1"/>
+              <a:t>til</a:t>
+            </a:r>
+            <a:r>
+              <a:rPr lang="en-US" dirty="0"/>
+              <a:t> </a:t>
+            </a:r>
+            <a:r>
+              <a:rPr lang="en-US" dirty="0" err="1"/>
+              <a:t>tekst</a:t>
+            </a:r>
+            <a:endParaRPr lang="en-US" dirty="0"/>
+          </a:p>
+          <a:p>
+            <a:pPr lvl="1"/>
+            <a:r>
+              <a:rPr lang="en-US" dirty="0"/>
+              <a:t>Second level</a:t>
+            </a:r>
+          </a:p>
+          <a:p>
+            <a:pPr lvl="2"/>
+            <a:r>
+              <a:rPr lang="en-US" dirty="0"/>
+              <a:t>Third level</a:t>
+            </a:r>
+          </a:p>
+          <a:p>
+            <a:pPr lvl="3"/>
+            <a:r>
+              <a:rPr lang="en-US" dirty="0"/>
+              <a:t>Fourth level</a:t>
+            </a:r>
+          </a:p>
+          <a:p>
+            <a:pPr lvl="4"/>
+            <a:r>
+              <a:rPr lang="en-US" dirty="0"/>
+              <a:t>Fifth level</a:t>
+            </a:r>
+            <a:endParaRPr lang="en-GB" dirty="0"/>
+          </a:p>
+        </p:txBody>
+      </p:sp>
+      <p:sp>
+        <p:nvSpPr>
+          <p:cNvPr id="9" name="Content Placeholder 8">
+            <a:extLst>
+              <a:ext uri="{FF2B5EF4-FFF2-40B4-BE49-F238E27FC236}">
+                <a16:creationId xmlns:a16="http://schemas.microsoft.com/office/drawing/2014/main" id="{58A1958C-541C-458F-9C86-5AE3035B69A4}"/>
+              </a:ext>
+            </a:extLst>
+          </p:cNvPr>
+          <p:cNvSpPr>
+            <a:spLocks noGrp="1"/>
+          </p:cNvSpPr>
+          <p:nvPr>
+            <p:ph sz="quarter" idx="16" hasCustomPrompt="1"/>
+          </p:nvPr>
+        </p:nvSpPr>
+        <p:spPr>
+          <a:xfrm>
+            <a:off x="5200649" y="1369643"/>
+            <a:ext cx="3314696" cy="3042700"/>
+          </a:xfrm>
+          <a:prstGeom prst="rect">
+            <a:avLst/>
+          </a:prstGeom>
+        </p:spPr>
+        <p:txBody>
+          <a:bodyPr lIns="0" tIns="0" rIns="0" bIns="0"/>
+          <a:lstStyle>
+            <a:lvl1pPr>
+              <a:defRPr/>
+            </a:lvl1pPr>
+          </a:lstStyle>
+          <a:p>
+            <a:pPr lvl="0"/>
+            <a:r>
+              <a:rPr lang="en-US" dirty="0" err="1"/>
+              <a:t>Klikk</a:t>
+            </a:r>
+            <a:r>
+              <a:rPr lang="en-US" dirty="0"/>
+              <a:t> for å </a:t>
+            </a:r>
+            <a:r>
+              <a:rPr lang="en-US" dirty="0" err="1"/>
+              <a:t>legge</a:t>
+            </a:r>
+            <a:r>
+              <a:rPr lang="en-US" dirty="0"/>
+              <a:t> </a:t>
+            </a:r>
+            <a:r>
+              <a:rPr lang="en-US" dirty="0" err="1"/>
+              <a:t>til</a:t>
+            </a:r>
+            <a:r>
+              <a:rPr lang="en-US" dirty="0"/>
+              <a:t> </a:t>
+            </a:r>
+            <a:r>
+              <a:rPr lang="en-US" dirty="0" err="1"/>
+              <a:t>tekst</a:t>
+            </a:r>
+            <a:endParaRPr lang="en-US" dirty="0"/>
+          </a:p>
+          <a:p>
+            <a:pPr lvl="1"/>
+            <a:r>
+              <a:rPr lang="en-US" dirty="0"/>
+              <a:t>Second level</a:t>
+            </a:r>
+          </a:p>
+          <a:p>
+            <a:pPr lvl="2"/>
+            <a:r>
+              <a:rPr lang="en-US" dirty="0"/>
+              <a:t>Third level</a:t>
+            </a:r>
+          </a:p>
+          <a:p>
+            <a:pPr lvl="3"/>
+            <a:r>
+              <a:rPr lang="en-US" dirty="0"/>
+              <a:t>Fourth level</a:t>
+            </a:r>
+          </a:p>
+          <a:p>
+            <a:pPr lvl="4"/>
+            <a:r>
+              <a:rPr lang="en-US" dirty="0"/>
+              <a:t>Fifth level</a:t>
+            </a:r>
+            <a:endParaRPr lang="en-GB" dirty="0"/>
+          </a:p>
+        </p:txBody>
+      </p:sp>
+    </p:spTree>
+    <p:extLst>
+      <p:ext uri="{BB962C8B-B14F-4D97-AF65-F5344CB8AC3E}">
+        <p14:creationId xmlns:p14="http://schemas.microsoft.com/office/powerpoint/2010/main" val="4036886614"/>
+      </p:ext>
+    </p:extLst>
+  </p:cSld>
+  <p:clrMapOvr>
+    <a:masterClrMapping/>
+  </p:clrMapOvr>
+</p:sldLayout>
+</file>
+
+<file path=ppt/slideLayouts/slideLayout8.xml><?xml version="1.0" encoding="utf-8"?>
+<p:sldLayout xmlns:a="http://schemas.openxmlformats.org/drawingml/2006/main" xmlns:r="http://schemas.openxmlformats.org/officeDocument/2006/relationships" xmlns:p="http://schemas.openxmlformats.org/presentationml/2006/main" preserve="1" userDrawn="1">
+  <p:cSld name="Tittel, innhold og bilde (H)">
+    <p:spTree>
+      <p:nvGrpSpPr>
+        <p:cNvPr id="1" name=""/>
+        <p:cNvGrpSpPr/>
+        <p:nvPr/>
+      </p:nvGrpSpPr>
+      <p:grpSpPr>
+        <a:xfrm>
+          <a:off x="0" y="0"/>
+          <a:ext cx="0" cy="0"/>
+          <a:chOff x="0" y="0"/>
+          <a:chExt cx="0" cy="0"/>
+        </a:xfrm>
+      </p:grpSpPr>
+      <p:sp>
+        <p:nvSpPr>
+          <p:cNvPr id="4" name="Rectangle 3">
+            <a:extLst>
+              <a:ext uri="{FF2B5EF4-FFF2-40B4-BE49-F238E27FC236}">
+                <a16:creationId xmlns:a16="http://schemas.microsoft.com/office/drawing/2014/main" id="{F1E1C32F-6395-4279-A4F6-2DFACFC18416}"/>
+              </a:ext>
+            </a:extLst>
+          </p:cNvPr>
+          <p:cNvSpPr/>
+          <p:nvPr userDrawn="1"/>
+        </p:nvSpPr>
+        <p:spPr>
+          <a:xfrm>
+            <a:off x="1" y="0"/>
+            <a:ext cx="9143998" cy="5145088"/>
+          </a:xfrm>
+          <a:prstGeom prst="rect">
+            <a:avLst/>
+          </a:prstGeom>
+          <a:solidFill>
+            <a:schemeClr val="bg1">
+              <a:lumMod val="95000"/>
+            </a:schemeClr>
+          </a:solidFill>
+          <a:ln>
+            <a:noFill/>
+          </a:ln>
+        </p:spPr>
+        <p:style>
+          <a:lnRef idx="2">
+            <a:schemeClr val="accent1">
+              <a:shade val="50000"/>
+            </a:schemeClr>
+          </a:lnRef>
+          <a:fillRef idx="1">
+            <a:schemeClr val="accent1"/>
+          </a:fillRef>
+          <a:effectRef idx="0">
+            <a:schemeClr val="accent1"/>
+          </a:effectRef>
+          <a:fontRef idx="minor">
+            <a:schemeClr val="lt1"/>
+          </a:fontRef>
+        </p:style>
+        <p:txBody>
+          <a:bodyPr rtlCol="0" anchor="ctr"/>
+          <a:lstStyle/>
+          <a:p>
+            <a:pPr algn="ctr"/>
+            <a:endParaRPr lang="nb-NO" dirty="0"/>
+          </a:p>
+        </p:txBody>
+      </p:sp>
+      <p:sp>
+        <p:nvSpPr>
+          <p:cNvPr id="2" name="Tittel 1"/>
+          <p:cNvSpPr>
+            <a:spLocks noGrp="1"/>
+          </p:cNvSpPr>
+          <p:nvPr>
+            <p:ph type="title" hasCustomPrompt="1"/>
+          </p:nvPr>
+        </p:nvSpPr>
+        <p:spPr>
+          <a:xfrm>
+            <a:off x="628650" y="351954"/>
+            <a:ext cx="3316055" cy="828104"/>
+          </a:xfrm>
+        </p:spPr>
+        <p:txBody>
+          <a:bodyPr/>
+          <a:lstStyle>
+            <a:lvl1pPr>
+              <a:defRPr/>
+            </a:lvl1pPr>
+          </a:lstStyle>
+          <a:p>
+            <a:r>
+              <a:rPr lang="nb-NO" dirty="0"/>
+              <a:t>Tittel</a:t>
+            </a:r>
+          </a:p>
+        </p:txBody>
+      </p:sp>
+      <p:sp>
+        <p:nvSpPr>
+          <p:cNvPr id="3" name="Plassholder for innhold 2"/>
+          <p:cNvSpPr>
+            <a:spLocks noGrp="1"/>
+          </p:cNvSpPr>
+          <p:nvPr>
+            <p:ph idx="1" hasCustomPrompt="1"/>
+          </p:nvPr>
+        </p:nvSpPr>
+        <p:spPr>
+          <a:xfrm>
+            <a:off x="628650" y="1369643"/>
+            <a:ext cx="3316056" cy="3042700"/>
+          </a:xfrm>
+        </p:spPr>
+        <p:txBody>
+          <a:bodyPr/>
+          <a:lstStyle/>
+          <a:p>
+            <a:pPr lvl="0"/>
+            <a:r>
+              <a:rPr lang="nb-NO" dirty="0"/>
+              <a:t>Klikk for å legge til tekst</a:t>
+            </a:r>
+          </a:p>
+          <a:p>
+            <a:pPr lvl="1"/>
+            <a:r>
+              <a:rPr lang="nb-NO" dirty="0"/>
+              <a:t>Andre nivå</a:t>
+            </a:r>
+          </a:p>
+          <a:p>
+            <a:pPr lvl="2"/>
+            <a:r>
+              <a:rPr lang="nb-NO" dirty="0"/>
+              <a:t>Tredje nivå</a:t>
+            </a:r>
+          </a:p>
+          <a:p>
+            <a:pPr lvl="3"/>
+            <a:r>
+              <a:rPr lang="nb-NO" dirty="0"/>
+              <a:t>Fjerde nivå</a:t>
+            </a:r>
+          </a:p>
+          <a:p>
+            <a:pPr lvl="4"/>
+            <a:r>
+              <a:rPr lang="nb-NO" dirty="0"/>
+              <a:t>Femte nivå</a:t>
+            </a:r>
+          </a:p>
+        </p:txBody>
+      </p:sp>
+      <p:sp>
+        <p:nvSpPr>
+          <p:cNvPr id="5" name="Plassholder for bunntekst 4"/>
+          <p:cNvSpPr>
+            <a:spLocks noGrp="1"/>
+          </p:cNvSpPr>
+          <p:nvPr>
+            <p:ph type="ftr" sz="quarter" idx="11"/>
+          </p:nvPr>
+        </p:nvSpPr>
+        <p:spPr/>
+        <p:txBody>
+          <a:bodyPr/>
+          <a:lstStyle/>
+          <a:p>
+            <a:endParaRPr lang="nb-NO" dirty="0"/>
+          </a:p>
+        </p:txBody>
+      </p:sp>
+      <p:sp>
+        <p:nvSpPr>
+          <p:cNvPr id="6" name="Plassholder for lysbildenummer 5"/>
+          <p:cNvSpPr>
+            <a:spLocks noGrp="1"/>
+          </p:cNvSpPr>
+          <p:nvPr>
+            <p:ph type="sldNum" sz="quarter" idx="12"/>
+          </p:nvPr>
+        </p:nvSpPr>
+        <p:spPr/>
+        <p:txBody>
+          <a:bodyPr/>
+          <a:lstStyle/>
+          <a:p>
+            <a:fld id="{35E025E5-F4E9-4572-B8CF-5901727261FC}" type="slidenum">
+              <a:rPr lang="nb-NO" smtClean="0"/>
+              <a:t>‹#›</a:t>
+            </a:fld>
+            <a:endParaRPr lang="nb-NO" dirty="0"/>
+          </a:p>
+        </p:txBody>
+      </p:sp>
+      <p:sp>
+        <p:nvSpPr>
+          <p:cNvPr id="7" name="Picture Placeholder 6">
+            <a:extLst>
+              <a:ext uri="{FF2B5EF4-FFF2-40B4-BE49-F238E27FC236}">
+                <a16:creationId xmlns:a16="http://schemas.microsoft.com/office/drawing/2014/main" id="{48218045-9B70-4777-A444-3E4233FF4C41}"/>
+              </a:ext>
+            </a:extLst>
+          </p:cNvPr>
+          <p:cNvSpPr>
+            <a:spLocks noGrp="1"/>
+          </p:cNvSpPr>
+          <p:nvPr>
+            <p:ph type="pic" sz="quarter" idx="15"/>
+          </p:nvPr>
+        </p:nvSpPr>
+        <p:spPr>
+          <a:xfrm>
+            <a:off x="4572000" y="0"/>
+            <a:ext cx="4571999" cy="5145087"/>
+          </a:xfrm>
+          <a:prstGeom prst="rect">
+            <a:avLst/>
+          </a:prstGeom>
+        </p:spPr>
+        <p:txBody>
+          <a:bodyPr lIns="0" tIns="0" rIns="0" bIns="0"/>
+          <a:lstStyle/>
+          <a:p>
+            <a:r>
+              <a:rPr lang="nb-NO"/>
+              <a:t>Klikk på ikonet for å legge til et bilde</a:t>
+            </a:r>
+            <a:endParaRPr lang="en-GB"/>
+          </a:p>
+        </p:txBody>
+      </p:sp>
+    </p:spTree>
+    <p:extLst>
+      <p:ext uri="{BB962C8B-B14F-4D97-AF65-F5344CB8AC3E}">
+        <p14:creationId xmlns:p14="http://schemas.microsoft.com/office/powerpoint/2010/main" val="3202611020"/>
+      </p:ext>
+    </p:extLst>
+  </p:cSld>
+  <p:clrMapOvr>
+    <a:masterClrMapping/>
+  </p:clrMapOvr>
+</p:sldLayout>
+</file>
+
+<file path=ppt/slideLayouts/slideLayout9.xml><?xml version="1.0" encoding="utf-8"?>
+<p:sldLayout xmlns:a="http://schemas.openxmlformats.org/drawingml/2006/main" xmlns:r="http://schemas.openxmlformats.org/officeDocument/2006/relationships" xmlns:p="http://schemas.openxmlformats.org/presentationml/2006/main" preserve="1" userDrawn="1">
+  <p:cSld name="Tittel, innhold og bilde (V)">
+    <p:spTree>
+      <p:nvGrpSpPr>
+        <p:cNvPr id="1" name=""/>
+        <p:cNvGrpSpPr/>
+        <p:nvPr/>
+      </p:nvGrpSpPr>
+      <p:grpSpPr>
+        <a:xfrm>
+          <a:off x="0" y="0"/>
+          <a:ext cx="0" cy="0"/>
+          <a:chOff x="0" y="0"/>
+          <a:chExt cx="0" cy="0"/>
+        </a:xfrm>
+      </p:grpSpPr>
+      <p:sp>
+        <p:nvSpPr>
+          <p:cNvPr id="5" name="Plassholder for bunntekst 4"/>
+          <p:cNvSpPr>
+            <a:spLocks noGrp="1"/>
+          </p:cNvSpPr>
+          <p:nvPr>
+            <p:ph type="ftr" sz="quarter" idx="11"/>
+          </p:nvPr>
+        </p:nvSpPr>
+        <p:spPr/>
+        <p:txBody>
+          <a:bodyPr/>
+          <a:lstStyle/>
+          <a:p>
+            <a:endParaRPr lang="nb-NO" dirty="0"/>
+          </a:p>
+        </p:txBody>
+      </p:sp>
+      <p:sp>
+        <p:nvSpPr>
+          <p:cNvPr id="6" name="Plassholder for lysbildenummer 5"/>
+          <p:cNvSpPr>
+            <a:spLocks noGrp="1"/>
+          </p:cNvSpPr>
+          <p:nvPr>
+            <p:ph type="sldNum" sz="quarter" idx="12"/>
+          </p:nvPr>
+        </p:nvSpPr>
+        <p:spPr/>
+        <p:txBody>
+          <a:bodyPr/>
+          <a:lstStyle/>
+          <a:p>
+            <a:fld id="{35E025E5-F4E9-4572-B8CF-5901727261FC}" type="slidenum">
+              <a:rPr lang="nb-NO" smtClean="0"/>
+              <a:t>‹#›</a:t>
+            </a:fld>
+            <a:endParaRPr lang="nb-NO" dirty="0"/>
+          </a:p>
+        </p:txBody>
+      </p:sp>
+      <p:sp>
+        <p:nvSpPr>
+          <p:cNvPr id="8" name="Plassholder for innhold 2">
+            <a:extLst>
+              <a:ext uri="{FF2B5EF4-FFF2-40B4-BE49-F238E27FC236}">
+                <a16:creationId xmlns:a16="http://schemas.microsoft.com/office/drawing/2014/main" id="{3DDC1A92-163C-4D9F-982D-CDC6A6CB0788}"/>
+              </a:ext>
+            </a:extLst>
+          </p:cNvPr>
+          <p:cNvSpPr>
+            <a:spLocks noGrp="1"/>
+          </p:cNvSpPr>
+          <p:nvPr>
+            <p:ph idx="13" hasCustomPrompt="1"/>
+          </p:nvPr>
+        </p:nvSpPr>
+        <p:spPr>
+          <a:xfrm>
+            <a:off x="5200649" y="1369643"/>
+            <a:ext cx="3314696" cy="3042700"/>
+          </a:xfrm>
+        </p:spPr>
+        <p:txBody>
+          <a:bodyPr/>
+          <a:lstStyle/>
+          <a:p>
+            <a:pPr lvl="0"/>
+            <a:r>
+              <a:rPr lang="nb-NO" dirty="0"/>
+              <a:t>Klikk for å legge til tekst</a:t>
+            </a:r>
+          </a:p>
+          <a:p>
+            <a:pPr lvl="1"/>
+            <a:r>
+              <a:rPr lang="nb-NO" dirty="0"/>
+              <a:t>Andre nivå</a:t>
+            </a:r>
+          </a:p>
+          <a:p>
+            <a:pPr lvl="2"/>
+            <a:r>
+              <a:rPr lang="nb-NO" dirty="0"/>
+              <a:t>Tredje nivå</a:t>
+            </a:r>
+          </a:p>
+          <a:p>
+            <a:pPr lvl="3"/>
+            <a:r>
+              <a:rPr lang="nb-NO" dirty="0"/>
+              <a:t>Fjerde nivå</a:t>
+            </a:r>
+          </a:p>
+          <a:p>
+            <a:pPr lvl="4"/>
+            <a:r>
+              <a:rPr lang="nb-NO" dirty="0"/>
+              <a:t>Femte nivå</a:t>
+            </a:r>
+          </a:p>
+        </p:txBody>
+      </p:sp>
+      <p:sp>
+        <p:nvSpPr>
+          <p:cNvPr id="10" name="Text Placeholder 9">
+            <a:extLst>
+              <a:ext uri="{FF2B5EF4-FFF2-40B4-BE49-F238E27FC236}">
+                <a16:creationId xmlns:a16="http://schemas.microsoft.com/office/drawing/2014/main" id="{6D5337E2-4B06-4343-A7EC-B372A6E84A7B}"/>
+              </a:ext>
+            </a:extLst>
+          </p:cNvPr>
+          <p:cNvSpPr>
+            <a:spLocks noGrp="1"/>
+          </p:cNvSpPr>
+          <p:nvPr>
+            <p:ph type="body" sz="quarter" idx="14" hasCustomPrompt="1"/>
+          </p:nvPr>
+        </p:nvSpPr>
+        <p:spPr>
+          <a:xfrm>
+            <a:off x="5200648" y="351954"/>
+            <a:ext cx="3314697" cy="828104"/>
+          </a:xfrm>
+        </p:spPr>
+        <p:txBody>
+          <a:bodyPr anchor="ctr">
+            <a:normAutofit/>
+          </a:bodyPr>
+          <a:lstStyle>
+            <a:lvl1pPr marL="0" indent="0">
+              <a:spcBef>
+                <a:spcPts val="0"/>
+              </a:spcBef>
+              <a:buNone/>
+              <a:defRPr sz="2600"/>
+            </a:lvl1pPr>
+          </a:lstStyle>
+          <a:p>
+            <a:pPr lvl="0"/>
+            <a:r>
+              <a:rPr lang="nb-NO" dirty="0"/>
+              <a:t>Tittel</a:t>
+            </a:r>
+          </a:p>
+        </p:txBody>
+      </p:sp>
+      <p:sp>
+        <p:nvSpPr>
+          <p:cNvPr id="7" name="Picture Placeholder 6">
+            <a:extLst>
+              <a:ext uri="{FF2B5EF4-FFF2-40B4-BE49-F238E27FC236}">
+                <a16:creationId xmlns:a16="http://schemas.microsoft.com/office/drawing/2014/main" id="{DB52D3BE-B2BB-4638-9CFB-C9E00968464D}"/>
+              </a:ext>
+            </a:extLst>
+          </p:cNvPr>
+          <p:cNvSpPr>
+            <a:spLocks noGrp="1"/>
+          </p:cNvSpPr>
+          <p:nvPr>
+            <p:ph type="pic" sz="quarter" idx="15"/>
+          </p:nvPr>
+        </p:nvSpPr>
+        <p:spPr>
+          <a:xfrm>
+            <a:off x="-1" y="0"/>
+            <a:ext cx="4572001" cy="5145087"/>
+          </a:xfrm>
+          <a:prstGeom prst="rect">
+            <a:avLst/>
+          </a:prstGeom>
+        </p:spPr>
+        <p:txBody>
+          <a:bodyPr lIns="0" tIns="0" rIns="0" bIns="0"/>
+          <a:lstStyle/>
+          <a:p>
+            <a:r>
+              <a:rPr lang="nb-NO"/>
+              <a:t>Klikk på ikonet for å legge til et bilde</a:t>
+            </a:r>
+            <a:endParaRPr lang="en-GB"/>
+          </a:p>
+        </p:txBody>
+      </p:sp>
+    </p:spTree>
+    <p:extLst>
+      <p:ext uri="{BB962C8B-B14F-4D97-AF65-F5344CB8AC3E}">
+        <p14:creationId xmlns:p14="http://schemas.microsoft.com/office/powerpoint/2010/main" val="2245130753"/>
       </p:ext>
     </p:extLst>
   </p:cSld>
@@ -5265,7 +8428,7 @@
           <p:nvPr userDrawn="1"/>
         </p:nvPicPr>
         <p:blipFill>
-          <a:blip r:embed="rId12" cstate="print">
+          <a:blip r:embed="rId18" cstate="print">
             <a:extLst>
               <a:ext uri="{28A0092B-C50C-407E-A947-70E740481C1C}">
                 <a14:useLocalDpi xmlns:a14="http://schemas.microsoft.com/office/drawing/2010/main" val="0"/>
@@ -5313,7 +8476,7 @@
           <a:p>
             <a:r>
               <a:rPr lang="nb-NO" dirty="0"/>
-              <a:t>Klikk for å redigere tittelstil</a:t>
+              <a:t>Klikk for å legge til tittel</a:t>
             </a:r>
           </a:p>
         </p:txBody>
@@ -5346,7 +8509,7 @@
             <a:pPr lvl="0"/>
             <a:r>
               <a:rPr lang="nb-NO" dirty="0"/>
-              <a:t>Klikk for å redigere tekststiler i malen</a:t>
+              <a:t>Klikk for å legge til tekst</a:t>
             </a:r>
           </a:p>
           <a:p>
@@ -5468,15 +8631,21 @@
   <p:clrMap bg1="lt1" tx1="dk1" bg2="lt2" tx2="dk2" accent1="accent1" accent2="accent2" accent3="accent3" accent4="accent4" accent5="accent5" accent6="accent6" hlink="hlink" folHlink="folHlink"/>
   <p:sldLayoutIdLst>
     <p:sldLayoutId id="2147483660" r:id="rId1"/>
-    <p:sldLayoutId id="2147483649" r:id="rId2"/>
-    <p:sldLayoutId id="2147483650" r:id="rId3"/>
-    <p:sldLayoutId id="2147483651" r:id="rId4"/>
-    <p:sldLayoutId id="2147483652" r:id="rId5"/>
-    <p:sldLayoutId id="2147483653" r:id="rId6"/>
-    <p:sldLayoutId id="2147483654" r:id="rId7"/>
-    <p:sldLayoutId id="2147483655" r:id="rId8"/>
-    <p:sldLayoutId id="2147483656" r:id="rId9"/>
-    <p:sldLayoutId id="2147483657" r:id="rId10"/>
+    <p:sldLayoutId id="2147483763" r:id="rId2"/>
+    <p:sldLayoutId id="2147483770" r:id="rId3"/>
+    <p:sldLayoutId id="2147483764" r:id="rId4"/>
+    <p:sldLayoutId id="2147483649" r:id="rId5"/>
+    <p:sldLayoutId id="2147483650" r:id="rId6"/>
+    <p:sldLayoutId id="2147483769" r:id="rId7"/>
+    <p:sldLayoutId id="2147483771" r:id="rId8"/>
+    <p:sldLayoutId id="2147483772" r:id="rId9"/>
+    <p:sldLayoutId id="2147483651" r:id="rId10"/>
+    <p:sldLayoutId id="2147483652" r:id="rId11"/>
+    <p:sldLayoutId id="2147483653" r:id="rId12"/>
+    <p:sldLayoutId id="2147483654" r:id="rId13"/>
+    <p:sldLayoutId id="2147483655" r:id="rId14"/>
+    <p:sldLayoutId id="2147483656" r:id="rId15"/>
+    <p:sldLayoutId id="2147483657" r:id="rId16"/>
   </p:sldLayoutIdLst>
   <p:hf sldNum="0" hdr="0" ftr="0"/>
   <p:txStyles>
@@ -5901,7 +9070,7 @@
           <a:p>
             <a:r>
               <a:rPr lang="nb-NO" dirty="0"/>
-              <a:t>Klikk for å redigere tittelstil</a:t>
+              <a:t>Klikk for å legge til tittel</a:t>
             </a:r>
           </a:p>
         </p:txBody>
@@ -5934,7 +9103,7 @@
             <a:pPr lvl="0"/>
             <a:r>
               <a:rPr lang="nb-NO" dirty="0"/>
-              <a:t>Klikk for å redigere tekststiler i malen</a:t>
+              <a:t>Klikk for å legge til tekst</a:t>
             </a:r>
           </a:p>
           <a:p>
@@ -6408,7 +9577,7 @@
           <a:p>
             <a:r>
               <a:rPr lang="nb-NO" dirty="0"/>
-              <a:t>Klikk for å redigere tittelstil</a:t>
+              <a:t>Klikk for å legge til tittel</a:t>
             </a:r>
           </a:p>
         </p:txBody>
@@ -6447,7 +9616,7 @@
             <a:pPr lvl="0"/>
             <a:r>
               <a:rPr lang="nb-NO" dirty="0"/>
-              <a:t>Klikk for å redigere tekststiler i malen</a:t>
+              <a:t>Klikk for å legge til tekst</a:t>
             </a:r>
           </a:p>
           <a:p>
@@ -6480,42 +9649,6 @@
           </a:p>
         </p:txBody>
       </p:sp>
-      <p:pic>
-        <p:nvPicPr>
-          <p:cNvPr id="10" name="Bilde 9">
-            <a:extLst>
-              <a:ext uri="{FF2B5EF4-FFF2-40B4-BE49-F238E27FC236}">
-                <a16:creationId xmlns:a16="http://schemas.microsoft.com/office/drawing/2014/main" id="{841DCC5A-16F4-4CEB-B0BC-3C76F87CD92C}"/>
-              </a:ext>
-            </a:extLst>
-          </p:cNvPr>
-          <p:cNvPicPr>
-            <a:picLocks noChangeAspect="1"/>
-          </p:cNvPicPr>
-          <p:nvPr userDrawn="1"/>
-        </p:nvPicPr>
-        <p:blipFill>
-          <a:blip r:embed="rId5" cstate="print">
-            <a:extLst>
-              <a:ext uri="{28A0092B-C50C-407E-A947-70E740481C1C}">
-                <a14:useLocalDpi xmlns:a14="http://schemas.microsoft.com/office/drawing/2010/main" val="0"/>
-              </a:ext>
-            </a:extLst>
-          </a:blip>
-          <a:stretch>
-            <a:fillRect/>
-          </a:stretch>
-        </p:blipFill>
-        <p:spPr>
-          <a:xfrm>
-            <a:off x="-1229" y="4394700"/>
-            <a:ext cx="1358078" cy="748300"/>
-          </a:xfrm>
-          <a:prstGeom prst="rect">
-            <a:avLst/>
-          </a:prstGeom>
-        </p:spPr>
-      </p:pic>
     </p:spTree>
     <p:extLst>
       <p:ext uri="{BB962C8B-B14F-4D97-AF65-F5344CB8AC3E}">
@@ -6526,8 +9659,9 @@
   <p:clrMap bg1="lt1" tx1="dk1" bg2="lt2" tx2="dk2" accent1="accent1" accent2="accent2" accent3="accent3" accent4="accent4" accent5="accent5" accent6="accent6" hlink="hlink" folHlink="folHlink"/>
   <p:sldLayoutIdLst>
     <p:sldLayoutId id="2147483662" r:id="rId1"/>
-    <p:sldLayoutId id="2147483667" r:id="rId2"/>
-    <p:sldLayoutId id="2147483668" r:id="rId3"/>
+    <p:sldLayoutId id="2147483669" r:id="rId2"/>
+    <p:sldLayoutId id="2147483667" r:id="rId3"/>
+    <p:sldLayoutId id="2147483668" r:id="rId4"/>
   </p:sldLayoutIdLst>
   <p:txStyles>
     <p:titleStyle>
@@ -6870,7 +10004,7 @@
           <a:p>
             <a:r>
               <a:rPr lang="nb-NO" dirty="0"/>
-              <a:t>Klikk for å redigere tittelstil</a:t>
+              <a:t>Klikk for å legge til tittel</a:t>
             </a:r>
           </a:p>
         </p:txBody>
@@ -6909,7 +10043,7 @@
             <a:pPr lvl="0"/>
             <a:r>
               <a:rPr lang="nb-NO" dirty="0"/>
-              <a:t>Klikk for å redigere tekststiler i malen</a:t>
+              <a:t>Klikk for å legge til tekst</a:t>
             </a:r>
           </a:p>
           <a:p>
@@ -6942,42 +10076,6 @@
           </a:p>
         </p:txBody>
       </p:sp>
-      <p:pic>
-        <p:nvPicPr>
-          <p:cNvPr id="7" name="Bilde 6">
-            <a:extLst>
-              <a:ext uri="{FF2B5EF4-FFF2-40B4-BE49-F238E27FC236}">
-                <a16:creationId xmlns:a16="http://schemas.microsoft.com/office/drawing/2014/main" id="{D0A334BE-88C1-43B9-A803-31C612B7CD3D}"/>
-              </a:ext>
-            </a:extLst>
-          </p:cNvPr>
-          <p:cNvPicPr>
-            <a:picLocks noChangeAspect="1"/>
-          </p:cNvPicPr>
-          <p:nvPr userDrawn="1"/>
-        </p:nvPicPr>
-        <p:blipFill>
-          <a:blip r:embed="rId5" cstate="print">
-            <a:extLst>
-              <a:ext uri="{28A0092B-C50C-407E-A947-70E740481C1C}">
-                <a14:useLocalDpi xmlns:a14="http://schemas.microsoft.com/office/drawing/2010/main" val="0"/>
-              </a:ext>
-            </a:extLst>
-          </a:blip>
-          <a:stretch>
-            <a:fillRect/>
-          </a:stretch>
-        </p:blipFill>
-        <p:spPr>
-          <a:xfrm>
-            <a:off x="-1229" y="4394700"/>
-            <a:ext cx="1358078" cy="748300"/>
-          </a:xfrm>
-          <a:prstGeom prst="rect">
-            <a:avLst/>
-          </a:prstGeom>
-        </p:spPr>
-      </p:pic>
     </p:spTree>
     <p:extLst>
       <p:ext uri="{BB962C8B-B14F-4D97-AF65-F5344CB8AC3E}">
@@ -6988,8 +10086,9 @@
   <p:clrMap bg1="lt1" tx1="dk1" bg2="lt2" tx2="dk2" accent1="accent1" accent2="accent2" accent3="accent3" accent4="accent4" accent5="accent5" accent6="accent6" hlink="hlink" folHlink="folHlink"/>
   <p:sldLayoutIdLst>
     <p:sldLayoutId id="2147483674" r:id="rId1"/>
-    <p:sldLayoutId id="2147483679" r:id="rId2"/>
-    <p:sldLayoutId id="2147483680" r:id="rId3"/>
+    <p:sldLayoutId id="2147483681" r:id="rId2"/>
+    <p:sldLayoutId id="2147483679" r:id="rId3"/>
+    <p:sldLayoutId id="2147483680" r:id="rId4"/>
   </p:sldLayoutIdLst>
   <p:txStyles>
     <p:titleStyle>
@@ -7333,7 +10432,7 @@
           <a:p>
             <a:r>
               <a:rPr lang="nb-NO" dirty="0"/>
-              <a:t>Klikk for å redigere tittelstil</a:t>
+              <a:t>Klikk for å legge til tittel</a:t>
             </a:r>
           </a:p>
         </p:txBody>
@@ -7372,7 +10471,7 @@
             <a:pPr lvl="0"/>
             <a:r>
               <a:rPr lang="nb-NO" dirty="0"/>
-              <a:t>Klikk for å redigere tekststiler i malen</a:t>
+              <a:t>Klikk for å legge til tekst</a:t>
             </a:r>
           </a:p>
           <a:p>
@@ -7405,42 +10504,6 @@
           </a:p>
         </p:txBody>
       </p:sp>
-      <p:pic>
-        <p:nvPicPr>
-          <p:cNvPr id="7" name="Bilde 6">
-            <a:extLst>
-              <a:ext uri="{FF2B5EF4-FFF2-40B4-BE49-F238E27FC236}">
-                <a16:creationId xmlns:a16="http://schemas.microsoft.com/office/drawing/2014/main" id="{FC8EB3CD-C9F1-4B96-9B1D-A8C57482450F}"/>
-              </a:ext>
-            </a:extLst>
-          </p:cNvPr>
-          <p:cNvPicPr>
-            <a:picLocks noChangeAspect="1"/>
-          </p:cNvPicPr>
-          <p:nvPr userDrawn="1"/>
-        </p:nvPicPr>
-        <p:blipFill>
-          <a:blip r:embed="rId5" cstate="print">
-            <a:extLst>
-              <a:ext uri="{28A0092B-C50C-407E-A947-70E740481C1C}">
-                <a14:useLocalDpi xmlns:a14="http://schemas.microsoft.com/office/drawing/2010/main" val="0"/>
-              </a:ext>
-            </a:extLst>
-          </a:blip>
-          <a:stretch>
-            <a:fillRect/>
-          </a:stretch>
-        </p:blipFill>
-        <p:spPr>
-          <a:xfrm>
-            <a:off x="-1229" y="4394700"/>
-            <a:ext cx="1358078" cy="748300"/>
-          </a:xfrm>
-          <a:prstGeom prst="rect">
-            <a:avLst/>
-          </a:prstGeom>
-        </p:spPr>
-      </p:pic>
     </p:spTree>
     <p:extLst>
       <p:ext uri="{BB962C8B-B14F-4D97-AF65-F5344CB8AC3E}">
@@ -7451,8 +10514,9 @@
   <p:clrMap bg1="lt1" tx1="dk1" bg2="lt2" tx2="dk2" accent1="accent1" accent2="accent2" accent3="accent3" accent4="accent4" accent5="accent5" accent6="accent6" hlink="hlink" folHlink="folHlink"/>
   <p:sldLayoutIdLst>
     <p:sldLayoutId id="2147483686" r:id="rId1"/>
-    <p:sldLayoutId id="2147483691" r:id="rId2"/>
-    <p:sldLayoutId id="2147483692" r:id="rId3"/>
+    <p:sldLayoutId id="2147483693" r:id="rId2"/>
+    <p:sldLayoutId id="2147483691" r:id="rId3"/>
+    <p:sldLayoutId id="2147483692" r:id="rId4"/>
   </p:sldLayoutIdLst>
   <p:txStyles>
     <p:titleStyle>
@@ -7738,12 +10802,12 @@
 </file>
 
 <file path=ppt/slideMasters/slideMaster6.xml><?xml version="1.0" encoding="utf-8"?>
-<p:sldMaster xmlns:a="http://schemas.openxmlformats.org/drawingml/2006/main" xmlns:r="http://schemas.openxmlformats.org/officeDocument/2006/relationships" xmlns:p="http://schemas.openxmlformats.org/presentationml/2006/main" preserve="1">
+<p:sldMaster xmlns:a="http://schemas.openxmlformats.org/drawingml/2006/main" xmlns:r="http://schemas.openxmlformats.org/officeDocument/2006/relationships" xmlns:p="http://schemas.openxmlformats.org/presentationml/2006/main">
   <p:cSld>
     <p:bg>
       <p:bgPr>
         <a:solidFill>
-          <a:srgbClr val="428527"/>
+          <a:srgbClr val="117845"/>
         </a:solidFill>
         <a:effectLst/>
       </p:bgPr>
@@ -7795,7 +10859,7 @@
           <a:p>
             <a:r>
               <a:rPr lang="nb-NO" dirty="0"/>
-              <a:t>Klikk for å redigere tittelstil</a:t>
+              <a:t>Klikk for å legge til tittel</a:t>
             </a:r>
           </a:p>
         </p:txBody>
@@ -7834,7 +10898,7 @@
             <a:pPr lvl="0"/>
             <a:r>
               <a:rPr lang="nb-NO" dirty="0"/>
-              <a:t>Klikk for å redigere tekststiler i malen</a:t>
+              <a:t>Klikk for å legge til tekst</a:t>
             </a:r>
           </a:p>
           <a:p>
@@ -7867,42 +10931,6 @@
           </a:p>
         </p:txBody>
       </p:sp>
-      <p:pic>
-        <p:nvPicPr>
-          <p:cNvPr id="7" name="Bilde 6">
-            <a:extLst>
-              <a:ext uri="{FF2B5EF4-FFF2-40B4-BE49-F238E27FC236}">
-                <a16:creationId xmlns:a16="http://schemas.microsoft.com/office/drawing/2014/main" id="{7F75FE6F-51D7-4299-B179-D4D04BB7FFEF}"/>
-              </a:ext>
-            </a:extLst>
-          </p:cNvPr>
-          <p:cNvPicPr>
-            <a:picLocks noChangeAspect="1"/>
-          </p:cNvPicPr>
-          <p:nvPr userDrawn="1"/>
-        </p:nvPicPr>
-        <p:blipFill>
-          <a:blip r:embed="rId5" cstate="print">
-            <a:extLst>
-              <a:ext uri="{28A0092B-C50C-407E-A947-70E740481C1C}">
-                <a14:useLocalDpi xmlns:a14="http://schemas.microsoft.com/office/drawing/2010/main" val="0"/>
-              </a:ext>
-            </a:extLst>
-          </a:blip>
-          <a:stretch>
-            <a:fillRect/>
-          </a:stretch>
-        </p:blipFill>
-        <p:spPr>
-          <a:xfrm>
-            <a:off x="-1229" y="4394700"/>
-            <a:ext cx="1358078" cy="748300"/>
-          </a:xfrm>
-          <a:prstGeom prst="rect">
-            <a:avLst/>
-          </a:prstGeom>
-        </p:spPr>
-      </p:pic>
     </p:spTree>
     <p:extLst>
       <p:ext uri="{BB962C8B-B14F-4D97-AF65-F5344CB8AC3E}">
@@ -7913,8 +10941,9 @@
   <p:clrMap bg1="lt1" tx1="dk1" bg2="lt2" tx2="dk2" accent1="accent1" accent2="accent2" accent3="accent3" accent4="accent4" accent5="accent5" accent6="accent6" hlink="hlink" folHlink="folHlink"/>
   <p:sldLayoutIdLst>
     <p:sldLayoutId id="2147483698" r:id="rId1"/>
-    <p:sldLayoutId id="2147483703" r:id="rId2"/>
-    <p:sldLayoutId id="2147483704" r:id="rId3"/>
+    <p:sldLayoutId id="2147483705" r:id="rId2"/>
+    <p:sldLayoutId id="2147483703" r:id="rId3"/>
+    <p:sldLayoutId id="2147483704" r:id="rId4"/>
   </p:sldLayoutIdLst>
   <p:txStyles>
     <p:titleStyle>
@@ -8199,15 +11228,13 @@
 </p:sldMaster>
 </file>
 
-<file path=ppt/slides/slide1.xml><?xml version="1.0" encoding="utf-8"?>
-<p:sld xmlns:a="http://schemas.openxmlformats.org/drawingml/2006/main" xmlns:r="http://schemas.openxmlformats.org/officeDocument/2006/relationships" xmlns:p="http://schemas.openxmlformats.org/presentationml/2006/main">
+<file path=ppt/slideMasters/slideMaster7.xml><?xml version="1.0" encoding="utf-8"?>
+<p:sldMaster xmlns:a="http://schemas.openxmlformats.org/drawingml/2006/main" xmlns:r="http://schemas.openxmlformats.org/officeDocument/2006/relationships" xmlns:p="http://schemas.openxmlformats.org/presentationml/2006/main" preserve="1">
   <p:cSld>
     <p:bg>
       <p:bgPr>
         <a:solidFill>
-          <a:schemeClr val="bg1">
-            <a:alpha val="5000"/>
-          </a:schemeClr>
+          <a:schemeClr val="tx1"/>
         </a:solidFill>
         <a:effectLst/>
       </p:bgPr>
@@ -8228,44 +11255,442 @@
       </p:grpSpPr>
       <p:sp>
         <p:nvSpPr>
-          <p:cNvPr id="4" name="Tittel 3"/>
-          <p:cNvSpPr>
-            <a:spLocks noGrp="1"/>
-          </p:cNvSpPr>
-          <p:nvPr>
-            <p:ph type="ctrTitle"/>
+          <p:cNvPr id="2" name="Plassholder for tittel 1">
+            <a:extLst>
+              <a:ext uri="{FF2B5EF4-FFF2-40B4-BE49-F238E27FC236}">
+                <a16:creationId xmlns:a16="http://schemas.microsoft.com/office/drawing/2014/main" id="{E681A396-20AD-4B45-831C-5AB87B3E9316}"/>
+              </a:ext>
+            </a:extLst>
+          </p:cNvPr>
+          <p:cNvSpPr>
+            <a:spLocks noGrp="1"/>
+          </p:cNvSpPr>
+          <p:nvPr>
+            <p:ph type="title"/>
           </p:nvPr>
         </p:nvSpPr>
         <p:spPr>
           <a:xfrm>
-            <a:off x="2003079" y="3777524"/>
-            <a:ext cx="5137842" cy="221599"/>
+            <a:off x="628650" y="274638"/>
+            <a:ext cx="7886700" cy="993775"/>
           </a:xfrm>
+          <a:prstGeom prst="rect">
+            <a:avLst/>
+          </a:prstGeom>
         </p:spPr>
         <p:txBody>
-          <a:bodyPr/>
+          <a:bodyPr vert="horz" lIns="91440" tIns="45720" rIns="91440" bIns="45720" rtlCol="0" anchor="ctr">
+            <a:normAutofit/>
+          </a:bodyPr>
           <a:lstStyle/>
           <a:p>
             <a:r>
-              <a:rPr lang="nb-NO" sz="1600" dirty="0"/>
-              <a:t>Tittel</a:t>
-            </a:r>
-          </a:p>
-        </p:txBody>
-      </p:sp>
-      <p:sp>
-        <p:nvSpPr>
-          <p:cNvPr id="5" name="Plassholder for dato 4"/>
-          <p:cNvSpPr>
-            <a:spLocks noGrp="1"/>
-          </p:cNvSpPr>
-          <p:nvPr>
-            <p:ph type="dt" sz="half" idx="10"/>
+              <a:rPr lang="nb-NO" dirty="0"/>
+              <a:t>Klikk for å legge til tittel</a:t>
+            </a:r>
+          </a:p>
+        </p:txBody>
+      </p:sp>
+      <p:sp>
+        <p:nvSpPr>
+          <p:cNvPr id="3" name="Plassholder for tekst 2">
+            <a:extLst>
+              <a:ext uri="{FF2B5EF4-FFF2-40B4-BE49-F238E27FC236}">
+                <a16:creationId xmlns:a16="http://schemas.microsoft.com/office/drawing/2014/main" id="{2CFB4BBF-9F37-4753-A27F-F3CB18EA9CF7}"/>
+              </a:ext>
+            </a:extLst>
+          </p:cNvPr>
+          <p:cNvSpPr>
+            <a:spLocks noGrp="1"/>
+          </p:cNvSpPr>
+          <p:nvPr>
+            <p:ph type="body" idx="1"/>
           </p:nvPr>
         </p:nvSpPr>
         <p:spPr>
           <a:xfrm>
-            <a:off x="2003079" y="4097012"/>
+            <a:off x="628650" y="1370013"/>
+            <a:ext cx="7886700" cy="3263900"/>
+          </a:xfrm>
+          <a:prstGeom prst="rect">
+            <a:avLst/>
+          </a:prstGeom>
+        </p:spPr>
+        <p:txBody>
+          <a:bodyPr vert="horz" lIns="91440" tIns="45720" rIns="91440" bIns="45720" rtlCol="0">
+            <a:normAutofit/>
+          </a:bodyPr>
+          <a:lstStyle/>
+          <a:p>
+            <a:pPr lvl="0"/>
+            <a:r>
+              <a:rPr lang="nb-NO" dirty="0"/>
+              <a:t>Klikk for å legge til tekst</a:t>
+            </a:r>
+          </a:p>
+          <a:p>
+            <a:pPr lvl="1"/>
+            <a:r>
+              <a:rPr lang="nb-NO" dirty="0"/>
+              <a:t>Andre nivå</a:t>
+            </a:r>
+          </a:p>
+          <a:p>
+            <a:pPr lvl="2"/>
+            <a:r>
+              <a:rPr lang="nb-NO" dirty="0"/>
+              <a:t>Tredje nivå</a:t>
+            </a:r>
+          </a:p>
+          <a:p>
+            <a:pPr lvl="3"/>
+            <a:r>
+              <a:rPr lang="nb-NO" dirty="0"/>
+              <a:t>Fjerde nivå</a:t>
+            </a:r>
+          </a:p>
+          <a:p>
+            <a:pPr lvl="4"/>
+            <a:r>
+              <a:rPr lang="nb-NO" dirty="0"/>
+              <a:t>Femte nivå</a:t>
+            </a:r>
+          </a:p>
+        </p:txBody>
+      </p:sp>
+    </p:spTree>
+    <p:extLst>
+      <p:ext uri="{BB962C8B-B14F-4D97-AF65-F5344CB8AC3E}">
+        <p14:creationId xmlns:p14="http://schemas.microsoft.com/office/powerpoint/2010/main" val="3297221290"/>
+      </p:ext>
+    </p:extLst>
+  </p:cSld>
+  <p:clrMap bg1="lt1" tx1="dk1" bg2="lt2" tx2="dk2" accent1="accent1" accent2="accent2" accent3="accent3" accent4="accent4" accent5="accent5" accent6="accent6" hlink="hlink" folHlink="folHlink"/>
+  <p:sldLayoutIdLst>
+    <p:sldLayoutId id="2147483766" r:id="rId1"/>
+    <p:sldLayoutId id="2147483773" r:id="rId2"/>
+    <p:sldLayoutId id="2147483767" r:id="rId3"/>
+    <p:sldLayoutId id="2147483768" r:id="rId4"/>
+  </p:sldLayoutIdLst>
+  <p:txStyles>
+    <p:titleStyle>
+      <a:lvl1pPr algn="l" defTabSz="914400" rtl="0" eaLnBrk="1" latinLnBrk="0" hangingPunct="1">
+        <a:lnSpc>
+          <a:spcPct val="90000"/>
+        </a:lnSpc>
+        <a:spcBef>
+          <a:spcPct val="0"/>
+        </a:spcBef>
+        <a:buNone/>
+        <a:defRPr sz="2600" kern="1200">
+          <a:solidFill>
+            <a:schemeClr val="bg1"/>
+          </a:solidFill>
+          <a:latin typeface="Arial" panose="020B0604020202020204" pitchFamily="34" charset="0"/>
+          <a:ea typeface="+mj-ea"/>
+          <a:cs typeface="Arial" panose="020B0604020202020204" pitchFamily="34" charset="0"/>
+        </a:defRPr>
+      </a:lvl1pPr>
+    </p:titleStyle>
+    <p:bodyStyle>
+      <a:lvl1pPr marL="228600" indent="-228600" algn="l" defTabSz="914400" rtl="0" eaLnBrk="1" latinLnBrk="0" hangingPunct="1">
+        <a:lnSpc>
+          <a:spcPct val="90000"/>
+        </a:lnSpc>
+        <a:spcBef>
+          <a:spcPts val="1000"/>
+        </a:spcBef>
+        <a:buFont typeface="Arial" panose="020B0604020202020204" pitchFamily="34" charset="0"/>
+        <a:buChar char="•"/>
+        <a:defRPr sz="1800" kern="1200">
+          <a:solidFill>
+            <a:schemeClr val="bg1"/>
+          </a:solidFill>
+          <a:latin typeface="Arial" panose="020B0604020202020204" pitchFamily="34" charset="0"/>
+          <a:ea typeface="+mn-ea"/>
+          <a:cs typeface="Arial" panose="020B0604020202020204" pitchFamily="34" charset="0"/>
+        </a:defRPr>
+      </a:lvl1pPr>
+      <a:lvl2pPr marL="685800" indent="-228600" algn="l" defTabSz="914400" rtl="0" eaLnBrk="1" latinLnBrk="0" hangingPunct="1">
+        <a:lnSpc>
+          <a:spcPct val="90000"/>
+        </a:lnSpc>
+        <a:spcBef>
+          <a:spcPts val="500"/>
+        </a:spcBef>
+        <a:buFont typeface="Arial" panose="020B0604020202020204" pitchFamily="34" charset="0"/>
+        <a:buChar char="•"/>
+        <a:defRPr sz="1400" kern="1200">
+          <a:solidFill>
+            <a:schemeClr val="bg1"/>
+          </a:solidFill>
+          <a:latin typeface="Arial" panose="020B0604020202020204" pitchFamily="34" charset="0"/>
+          <a:ea typeface="+mn-ea"/>
+          <a:cs typeface="Arial" panose="020B0604020202020204" pitchFamily="34" charset="0"/>
+        </a:defRPr>
+      </a:lvl2pPr>
+      <a:lvl3pPr marL="1143000" indent="-228600" algn="l" defTabSz="914400" rtl="0" eaLnBrk="1" latinLnBrk="0" hangingPunct="1">
+        <a:lnSpc>
+          <a:spcPct val="90000"/>
+        </a:lnSpc>
+        <a:spcBef>
+          <a:spcPts val="500"/>
+        </a:spcBef>
+        <a:buFont typeface="Arial" panose="020B0604020202020204" pitchFamily="34" charset="0"/>
+        <a:buChar char="•"/>
+        <a:defRPr sz="1200" kern="1200">
+          <a:solidFill>
+            <a:schemeClr val="bg1"/>
+          </a:solidFill>
+          <a:latin typeface="Arial" panose="020B0604020202020204" pitchFamily="34" charset="0"/>
+          <a:ea typeface="+mn-ea"/>
+          <a:cs typeface="Arial" panose="020B0604020202020204" pitchFamily="34" charset="0"/>
+        </a:defRPr>
+      </a:lvl3pPr>
+      <a:lvl4pPr marL="1600200" indent="-228600" algn="l" defTabSz="914400" rtl="0" eaLnBrk="1" latinLnBrk="0" hangingPunct="1">
+        <a:lnSpc>
+          <a:spcPct val="90000"/>
+        </a:lnSpc>
+        <a:spcBef>
+          <a:spcPts val="500"/>
+        </a:spcBef>
+        <a:buFont typeface="Arial" panose="020B0604020202020204" pitchFamily="34" charset="0"/>
+        <a:buChar char="•"/>
+        <a:defRPr sz="1100" kern="1200">
+          <a:solidFill>
+            <a:schemeClr val="bg1"/>
+          </a:solidFill>
+          <a:latin typeface="Arial" panose="020B0604020202020204" pitchFamily="34" charset="0"/>
+          <a:ea typeface="+mn-ea"/>
+          <a:cs typeface="Arial" panose="020B0604020202020204" pitchFamily="34" charset="0"/>
+        </a:defRPr>
+      </a:lvl4pPr>
+      <a:lvl5pPr marL="2057400" indent="-228600" algn="l" defTabSz="914400" rtl="0" eaLnBrk="1" latinLnBrk="0" hangingPunct="1">
+        <a:lnSpc>
+          <a:spcPct val="90000"/>
+        </a:lnSpc>
+        <a:spcBef>
+          <a:spcPts val="500"/>
+        </a:spcBef>
+        <a:buFont typeface="Arial" panose="020B0604020202020204" pitchFamily="34" charset="0"/>
+        <a:buChar char="•"/>
+        <a:defRPr sz="1100" kern="1200">
+          <a:solidFill>
+            <a:schemeClr val="bg1"/>
+          </a:solidFill>
+          <a:latin typeface="Arial" panose="020B0604020202020204" pitchFamily="34" charset="0"/>
+          <a:ea typeface="+mn-ea"/>
+          <a:cs typeface="Arial" panose="020B0604020202020204" pitchFamily="34" charset="0"/>
+        </a:defRPr>
+      </a:lvl5pPr>
+      <a:lvl6pPr marL="2514600" indent="-228600" algn="l" defTabSz="914400" rtl="0" eaLnBrk="1" latinLnBrk="0" hangingPunct="1">
+        <a:lnSpc>
+          <a:spcPct val="90000"/>
+        </a:lnSpc>
+        <a:spcBef>
+          <a:spcPts val="500"/>
+        </a:spcBef>
+        <a:buFont typeface="Arial" panose="020B0604020202020204" pitchFamily="34" charset="0"/>
+        <a:buChar char="•"/>
+        <a:defRPr sz="1800" kern="1200">
+          <a:solidFill>
+            <a:schemeClr val="tx1"/>
+          </a:solidFill>
+          <a:latin typeface="+mn-lt"/>
+          <a:ea typeface="+mn-ea"/>
+          <a:cs typeface="+mn-cs"/>
+        </a:defRPr>
+      </a:lvl6pPr>
+      <a:lvl7pPr marL="2971800" indent="-228600" algn="l" defTabSz="914400" rtl="0" eaLnBrk="1" latinLnBrk="0" hangingPunct="1">
+        <a:lnSpc>
+          <a:spcPct val="90000"/>
+        </a:lnSpc>
+        <a:spcBef>
+          <a:spcPts val="500"/>
+        </a:spcBef>
+        <a:buFont typeface="Arial" panose="020B0604020202020204" pitchFamily="34" charset="0"/>
+        <a:buChar char="•"/>
+        <a:defRPr sz="1800" kern="1200">
+          <a:solidFill>
+            <a:schemeClr val="tx1"/>
+          </a:solidFill>
+          <a:latin typeface="+mn-lt"/>
+          <a:ea typeface="+mn-ea"/>
+          <a:cs typeface="+mn-cs"/>
+        </a:defRPr>
+      </a:lvl7pPr>
+      <a:lvl8pPr marL="3429000" indent="-228600" algn="l" defTabSz="914400" rtl="0" eaLnBrk="1" latinLnBrk="0" hangingPunct="1">
+        <a:lnSpc>
+          <a:spcPct val="90000"/>
+        </a:lnSpc>
+        <a:spcBef>
+          <a:spcPts val="500"/>
+        </a:spcBef>
+        <a:buFont typeface="Arial" panose="020B0604020202020204" pitchFamily="34" charset="0"/>
+        <a:buChar char="•"/>
+        <a:defRPr sz="1800" kern="1200">
+          <a:solidFill>
+            <a:schemeClr val="tx1"/>
+          </a:solidFill>
+          <a:latin typeface="+mn-lt"/>
+          <a:ea typeface="+mn-ea"/>
+          <a:cs typeface="+mn-cs"/>
+        </a:defRPr>
+      </a:lvl8pPr>
+      <a:lvl9pPr marL="3886200" indent="-228600" algn="l" defTabSz="914400" rtl="0" eaLnBrk="1" latinLnBrk="0" hangingPunct="1">
+        <a:lnSpc>
+          <a:spcPct val="90000"/>
+        </a:lnSpc>
+        <a:spcBef>
+          <a:spcPts val="500"/>
+        </a:spcBef>
+        <a:buFont typeface="Arial" panose="020B0604020202020204" pitchFamily="34" charset="0"/>
+        <a:buChar char="•"/>
+        <a:defRPr sz="1800" kern="1200">
+          <a:solidFill>
+            <a:schemeClr val="tx1"/>
+          </a:solidFill>
+          <a:latin typeface="+mn-lt"/>
+          <a:ea typeface="+mn-ea"/>
+          <a:cs typeface="+mn-cs"/>
+        </a:defRPr>
+      </a:lvl9pPr>
+    </p:bodyStyle>
+    <p:otherStyle>
+      <a:defPPr>
+        <a:defRPr lang="nb-NO"/>
+      </a:defPPr>
+      <a:lvl1pPr marL="0" algn="l" defTabSz="914400" rtl="0" eaLnBrk="1" latinLnBrk="0" hangingPunct="1">
+        <a:defRPr sz="1800" kern="1200">
+          <a:solidFill>
+            <a:schemeClr val="tx1"/>
+          </a:solidFill>
+          <a:latin typeface="+mn-lt"/>
+          <a:ea typeface="+mn-ea"/>
+          <a:cs typeface="+mn-cs"/>
+        </a:defRPr>
+      </a:lvl1pPr>
+      <a:lvl2pPr marL="457200" algn="l" defTabSz="914400" rtl="0" eaLnBrk="1" latinLnBrk="0" hangingPunct="1">
+        <a:defRPr sz="1800" kern="1200">
+          <a:solidFill>
+            <a:schemeClr val="tx1"/>
+          </a:solidFill>
+          <a:latin typeface="+mn-lt"/>
+          <a:ea typeface="+mn-ea"/>
+          <a:cs typeface="+mn-cs"/>
+        </a:defRPr>
+      </a:lvl2pPr>
+      <a:lvl3pPr marL="914400" algn="l" defTabSz="914400" rtl="0" eaLnBrk="1" latinLnBrk="0" hangingPunct="1">
+        <a:defRPr sz="1800" kern="1200">
+          <a:solidFill>
+            <a:schemeClr val="tx1"/>
+          </a:solidFill>
+          <a:latin typeface="+mn-lt"/>
+          <a:ea typeface="+mn-ea"/>
+          <a:cs typeface="+mn-cs"/>
+        </a:defRPr>
+      </a:lvl3pPr>
+      <a:lvl4pPr marL="1371600" algn="l" defTabSz="914400" rtl="0" eaLnBrk="1" latinLnBrk="0" hangingPunct="1">
+        <a:defRPr sz="1800" kern="1200">
+          <a:solidFill>
+            <a:schemeClr val="tx1"/>
+          </a:solidFill>
+          <a:latin typeface="+mn-lt"/>
+          <a:ea typeface="+mn-ea"/>
+          <a:cs typeface="+mn-cs"/>
+        </a:defRPr>
+      </a:lvl4pPr>
+      <a:lvl5pPr marL="1828800" algn="l" defTabSz="914400" rtl="0" eaLnBrk="1" latinLnBrk="0" hangingPunct="1">
+        <a:defRPr sz="1800" kern="1200">
+          <a:solidFill>
+            <a:schemeClr val="tx1"/>
+          </a:solidFill>
+          <a:latin typeface="+mn-lt"/>
+          <a:ea typeface="+mn-ea"/>
+          <a:cs typeface="+mn-cs"/>
+        </a:defRPr>
+      </a:lvl5pPr>
+      <a:lvl6pPr marL="2286000" algn="l" defTabSz="914400" rtl="0" eaLnBrk="1" latinLnBrk="0" hangingPunct="1">
+        <a:defRPr sz="1800" kern="1200">
+          <a:solidFill>
+            <a:schemeClr val="tx1"/>
+          </a:solidFill>
+          <a:latin typeface="+mn-lt"/>
+          <a:ea typeface="+mn-ea"/>
+          <a:cs typeface="+mn-cs"/>
+        </a:defRPr>
+      </a:lvl6pPr>
+      <a:lvl7pPr marL="2743200" algn="l" defTabSz="914400" rtl="0" eaLnBrk="1" latinLnBrk="0" hangingPunct="1">
+        <a:defRPr sz="1800" kern="1200">
+          <a:solidFill>
+            <a:schemeClr val="tx1"/>
+          </a:solidFill>
+          <a:latin typeface="+mn-lt"/>
+          <a:ea typeface="+mn-ea"/>
+          <a:cs typeface="+mn-cs"/>
+        </a:defRPr>
+      </a:lvl7pPr>
+      <a:lvl8pPr marL="3200400" algn="l" defTabSz="914400" rtl="0" eaLnBrk="1" latinLnBrk="0" hangingPunct="1">
+        <a:defRPr sz="1800" kern="1200">
+          <a:solidFill>
+            <a:schemeClr val="tx1"/>
+          </a:solidFill>
+          <a:latin typeface="+mn-lt"/>
+          <a:ea typeface="+mn-ea"/>
+          <a:cs typeface="+mn-cs"/>
+        </a:defRPr>
+      </a:lvl8pPr>
+      <a:lvl9pPr marL="3657600" algn="l" defTabSz="914400" rtl="0" eaLnBrk="1" latinLnBrk="0" hangingPunct="1">
+        <a:defRPr sz="1800" kern="1200">
+          <a:solidFill>
+            <a:schemeClr val="tx1"/>
+          </a:solidFill>
+          <a:latin typeface="+mn-lt"/>
+          <a:ea typeface="+mn-ea"/>
+          <a:cs typeface="+mn-cs"/>
+        </a:defRPr>
+      </a:lvl9pPr>
+    </p:otherStyle>
+  </p:txStyles>
+</p:sldMaster>
+</file>
+
+<file path=ppt/slides/slide1.xml><?xml version="1.0" encoding="utf-8"?>
+<p:sld xmlns:a="http://schemas.openxmlformats.org/drawingml/2006/main" xmlns:r="http://schemas.openxmlformats.org/officeDocument/2006/relationships" xmlns:p="http://schemas.openxmlformats.org/presentationml/2006/main">
+  <p:cSld>
+    <p:spTree>
+      <p:nvGrpSpPr>
+        <p:cNvPr id="1" name=""/>
+        <p:cNvGrpSpPr/>
+        <p:nvPr/>
+      </p:nvGrpSpPr>
+      <p:grpSpPr>
+        <a:xfrm>
+          <a:off x="0" y="0"/>
+          <a:ext cx="0" cy="0"/>
+          <a:chOff x="0" y="0"/>
+          <a:chExt cx="0" cy="0"/>
+        </a:xfrm>
+      </p:grpSpPr>
+      <p:sp>
+        <p:nvSpPr>
+          <p:cNvPr id="3" name="Date Placeholder 2">
+            <a:extLst>
+              <a:ext uri="{FF2B5EF4-FFF2-40B4-BE49-F238E27FC236}">
+                <a16:creationId xmlns:a16="http://schemas.microsoft.com/office/drawing/2014/main" id="{6E25B125-2AEA-462B-AA3E-051607D0C54A}"/>
+              </a:ext>
+            </a:extLst>
+          </p:cNvPr>
+          <p:cNvSpPr>
+            <a:spLocks noGrp="1"/>
+          </p:cNvSpPr>
+          <p:nvPr>
+            <p:ph type="dt" sz="half" idx="10"/>
+          </p:nvPr>
+        </p:nvSpPr>
+        <p:spPr>
+          <a:xfrm>
+            <a:off x="2003079" y="3839778"/>
             <a:ext cx="5137842" cy="200055"/>
           </a:xfrm>
         </p:spPr>
@@ -8273,18 +11698,44 @@
           <a:bodyPr/>
           <a:lstStyle/>
           <a:p>
-            <a:fld id="{404F54D4-8696-41B3-8696-2C19716F107F}" type="datetime1">
+            <a:fld id="{CC918E41-4448-4E79-865F-42013EA6E1CC}" type="datetime1">
               <a:rPr lang="nb-NO" smtClean="0"/>
-              <a:t>02.07.2021</a:t>
+              <a:pPr/>
+              <a:t>22.12.2021</a:t>
             </a:fld>
             <a:endParaRPr lang="nb-NO" dirty="0"/>
+          </a:p>
+        </p:txBody>
+      </p:sp>
+      <p:sp>
+        <p:nvSpPr>
+          <p:cNvPr id="5" name="Title 4">
+            <a:extLst>
+              <a:ext uri="{FF2B5EF4-FFF2-40B4-BE49-F238E27FC236}">
+                <a16:creationId xmlns:a16="http://schemas.microsoft.com/office/drawing/2014/main" id="{3BB9F911-BF99-43B6-9D96-8516CE9350EA}"/>
+              </a:ext>
+            </a:extLst>
+          </p:cNvPr>
+          <p:cNvSpPr>
+            <a:spLocks noGrp="1"/>
+          </p:cNvSpPr>
+          <p:nvPr>
+            <p:ph type="ctrTitle"/>
+          </p:nvPr>
+        </p:nvSpPr>
+        <p:spPr/>
+        <p:txBody>
+          <a:bodyPr/>
+          <a:lstStyle/>
+          <a:p>
+            <a:endParaRPr lang="en-GB"/>
           </a:p>
         </p:txBody>
       </p:sp>
     </p:spTree>
     <p:extLst>
       <p:ext uri="{BB962C8B-B14F-4D97-AF65-F5344CB8AC3E}">
-        <p14:creationId xmlns:p14="http://schemas.microsoft.com/office/powerpoint/2010/main" val="3711813004"/>
+        <p14:creationId xmlns:p14="http://schemas.microsoft.com/office/powerpoint/2010/main" val="2794889260"/>
       </p:ext>
     </p:extLst>
   </p:cSld>
@@ -8381,10 +11832,10 @@
       </p:grpSpPr>
       <p:sp>
         <p:nvSpPr>
-          <p:cNvPr id="2" name="Tittel 1">
+          <p:cNvPr id="4" name="Tittel 3">
             <a:extLst>
               <a:ext uri="{FF2B5EF4-FFF2-40B4-BE49-F238E27FC236}">
-                <a16:creationId xmlns:a16="http://schemas.microsoft.com/office/drawing/2014/main" id="{8F82BCA6-D4FC-4004-ADAA-E5958410E74E}"/>
+                <a16:creationId xmlns:a16="http://schemas.microsoft.com/office/drawing/2014/main" id="{D3A94549-CD46-40B4-A9DF-22BFB9115D2F}"/>
               </a:ext>
             </a:extLst>
           </p:cNvPr>
@@ -8400,16 +11851,16 @@
           <a:bodyPr/>
           <a:lstStyle/>
           <a:p>
-            <a:endParaRPr lang="nb-NO"/>
-          </a:p>
-        </p:txBody>
-      </p:sp>
-      <p:sp>
-        <p:nvSpPr>
-          <p:cNvPr id="3" name="Plassholder for innhold 2">
+            <a:endParaRPr lang="nb-NO" dirty="0"/>
+          </a:p>
+        </p:txBody>
+      </p:sp>
+      <p:sp>
+        <p:nvSpPr>
+          <p:cNvPr id="5" name="Plassholder for innhold 4">
             <a:extLst>
               <a:ext uri="{FF2B5EF4-FFF2-40B4-BE49-F238E27FC236}">
-                <a16:creationId xmlns:a16="http://schemas.microsoft.com/office/drawing/2014/main" id="{666E7BE9-F4D8-4CEF-A6C7-9C4C1010171D}"/>
+                <a16:creationId xmlns:a16="http://schemas.microsoft.com/office/drawing/2014/main" id="{7E598A93-FF9A-40F1-AE3A-EE8E559D5C96}"/>
               </a:ext>
             </a:extLst>
           </p:cNvPr>
@@ -8425,7 +11876,7 @@
           <a:bodyPr/>
           <a:lstStyle/>
           <a:p>
-            <a:endParaRPr lang="nb-NO"/>
+            <a:endParaRPr lang="nb-NO" dirty="0"/>
           </a:p>
         </p:txBody>
       </p:sp>
@@ -8461,10 +11912,10 @@
       </p:grpSpPr>
       <p:sp>
         <p:nvSpPr>
-          <p:cNvPr id="2" name="Undertittel 1">
+          <p:cNvPr id="14" name="Title 13">
             <a:extLst>
               <a:ext uri="{FF2B5EF4-FFF2-40B4-BE49-F238E27FC236}">
-                <a16:creationId xmlns:a16="http://schemas.microsoft.com/office/drawing/2014/main" id="{1AAD4469-307D-40FF-8C9A-D903DF3B7A99}"/>
+                <a16:creationId xmlns:a16="http://schemas.microsoft.com/office/drawing/2014/main" id="{52E85523-F499-4345-955A-291A7C3ED1FB}"/>
               </a:ext>
             </a:extLst>
           </p:cNvPr>
@@ -8472,7 +11923,7 @@
             <a:spLocks noGrp="1"/>
           </p:cNvSpPr>
           <p:nvPr>
-            <p:ph type="subTitle" idx="1"/>
+            <p:ph type="title"/>
           </p:nvPr>
         </p:nvSpPr>
         <p:spPr/>
@@ -8480,16 +11931,16 @@
           <a:bodyPr/>
           <a:lstStyle/>
           <a:p>
-            <a:endParaRPr lang="nb-NO"/>
-          </a:p>
-        </p:txBody>
-      </p:sp>
-      <p:sp>
-        <p:nvSpPr>
-          <p:cNvPr id="3" name="Tittel 2">
+            <a:endParaRPr lang="en-GB"/>
+          </a:p>
+        </p:txBody>
+      </p:sp>
+      <p:sp>
+        <p:nvSpPr>
+          <p:cNvPr id="15" name="Text Placeholder 14">
             <a:extLst>
               <a:ext uri="{FF2B5EF4-FFF2-40B4-BE49-F238E27FC236}">
-                <a16:creationId xmlns:a16="http://schemas.microsoft.com/office/drawing/2014/main" id="{490568AF-2B79-44C8-AF0D-5FEC452538D5}"/>
+                <a16:creationId xmlns:a16="http://schemas.microsoft.com/office/drawing/2014/main" id="{D67D2A62-98F2-4FA8-A4F4-D659F210848E}"/>
               </a:ext>
             </a:extLst>
           </p:cNvPr>
@@ -8497,7 +11948,7 @@
             <a:spLocks noGrp="1"/>
           </p:cNvSpPr>
           <p:nvPr>
-            <p:ph type="ctrTitle"/>
+            <p:ph type="body" sz="quarter" idx="14"/>
           </p:nvPr>
         </p:nvSpPr>
         <p:spPr/>
@@ -8505,14 +11956,64 @@
           <a:bodyPr/>
           <a:lstStyle/>
           <a:p>
-            <a:endParaRPr lang="nb-NO"/>
+            <a:endParaRPr lang="en-GB"/>
+          </a:p>
+        </p:txBody>
+      </p:sp>
+      <p:sp>
+        <p:nvSpPr>
+          <p:cNvPr id="16" name="Content Placeholder 15">
+            <a:extLst>
+              <a:ext uri="{FF2B5EF4-FFF2-40B4-BE49-F238E27FC236}">
+                <a16:creationId xmlns:a16="http://schemas.microsoft.com/office/drawing/2014/main" id="{5FB51DEA-D6FD-4171-AB30-1B1FDD071D24}"/>
+              </a:ext>
+            </a:extLst>
+          </p:cNvPr>
+          <p:cNvSpPr>
+            <a:spLocks noGrp="1"/>
+          </p:cNvSpPr>
+          <p:nvPr>
+            <p:ph sz="quarter" idx="15"/>
+          </p:nvPr>
+        </p:nvSpPr>
+        <p:spPr/>
+        <p:txBody>
+          <a:bodyPr/>
+          <a:lstStyle/>
+          <a:p>
+            <a:endParaRPr lang="en-GB"/>
+          </a:p>
+        </p:txBody>
+      </p:sp>
+      <p:sp>
+        <p:nvSpPr>
+          <p:cNvPr id="17" name="Content Placeholder 16">
+            <a:extLst>
+              <a:ext uri="{FF2B5EF4-FFF2-40B4-BE49-F238E27FC236}">
+                <a16:creationId xmlns:a16="http://schemas.microsoft.com/office/drawing/2014/main" id="{62DA606F-DF51-4F65-94B0-DB15C5B25E1C}"/>
+              </a:ext>
+            </a:extLst>
+          </p:cNvPr>
+          <p:cNvSpPr>
+            <a:spLocks noGrp="1"/>
+          </p:cNvSpPr>
+          <p:nvPr>
+            <p:ph sz="quarter" idx="16"/>
+          </p:nvPr>
+        </p:nvSpPr>
+        <p:spPr/>
+        <p:txBody>
+          <a:bodyPr/>
+          <a:lstStyle/>
+          <a:p>
+            <a:endParaRPr lang="en-GB"/>
           </a:p>
         </p:txBody>
       </p:sp>
     </p:spTree>
     <p:extLst>
       <p:ext uri="{BB962C8B-B14F-4D97-AF65-F5344CB8AC3E}">
-        <p14:creationId xmlns:p14="http://schemas.microsoft.com/office/powerpoint/2010/main" val="3251226832"/>
+        <p14:creationId xmlns:p14="http://schemas.microsoft.com/office/powerpoint/2010/main" val="1739513579"/>
       </p:ext>
     </p:extLst>
   </p:cSld>
@@ -8539,49 +12040,20 @@
           <a:chExt cx="0" cy="0"/>
         </a:xfrm>
       </p:grpSpPr>
-      <p:pic>
-        <p:nvPicPr>
-          <p:cNvPr id="15" name="Plassholder for innhold 14" descr="Et bilde som inneholder utendørs, gress, himmel, natur&#10;&#10;Automatisk generert beskrivelse">
+      <p:sp>
+        <p:nvSpPr>
+          <p:cNvPr id="2" name="Undertittel 1">
             <a:extLst>
               <a:ext uri="{FF2B5EF4-FFF2-40B4-BE49-F238E27FC236}">
-                <a16:creationId xmlns:a16="http://schemas.microsoft.com/office/drawing/2014/main" id="{B9907C18-AB61-42AC-B395-A8251318F11F}"/>
+                <a16:creationId xmlns:a16="http://schemas.microsoft.com/office/drawing/2014/main" id="{1AAD4469-307D-40FF-8C9A-D903DF3B7A99}"/>
               </a:ext>
             </a:extLst>
           </p:cNvPr>
-          <p:cNvPicPr>
-            <a:picLocks noGrp="1" noChangeAspect="1"/>
-          </p:cNvPicPr>
-          <p:nvPr>
-            <p:ph idx="1"/>
-          </p:nvPr>
-        </p:nvPicPr>
-        <p:blipFill>
-          <a:blip r:embed="rId2">
-            <a:extLst>
-              <a:ext uri="{28A0092B-C50C-407E-A947-70E740481C1C}">
-                <a14:useLocalDpi xmlns:a14="http://schemas.microsoft.com/office/drawing/2010/main" val="0"/>
-              </a:ext>
-            </a:extLst>
-          </a:blip>
-          <a:stretch>
-            <a:fillRect/>
-          </a:stretch>
-        </p:blipFill>
-        <p:spPr>
-          <a:xfrm>
-            <a:off x="1" y="-152083"/>
-            <a:ext cx="9143998" cy="6085842"/>
-          </a:xfrm>
-        </p:spPr>
-      </p:pic>
-      <p:sp>
-        <p:nvSpPr>
-          <p:cNvPr id="2" name="Tittel 1"/>
-          <p:cNvSpPr>
-            <a:spLocks noGrp="1"/>
-          </p:cNvSpPr>
-          <p:nvPr>
-            <p:ph type="title"/>
+          <p:cNvSpPr>
+            <a:spLocks noGrp="1"/>
+          </p:cNvSpPr>
+          <p:nvPr>
+            <p:ph type="subTitle" idx="1"/>
           </p:nvPr>
         </p:nvSpPr>
         <p:spPr/>
@@ -8589,69 +12061,39 @@
           <a:bodyPr/>
           <a:lstStyle/>
           <a:p>
-            <a:endParaRPr lang="nb-NO"/>
-          </a:p>
-        </p:txBody>
-      </p:sp>
-      <p:sp>
-        <p:nvSpPr>
-          <p:cNvPr id="5" name="Rektangel 4">
+            <a:endParaRPr lang="nb-NO" dirty="0"/>
+          </a:p>
+        </p:txBody>
+      </p:sp>
+      <p:sp>
+        <p:nvSpPr>
+          <p:cNvPr id="3" name="Tittel 2">
             <a:extLst>
               <a:ext uri="{FF2B5EF4-FFF2-40B4-BE49-F238E27FC236}">
-                <a16:creationId xmlns:a16="http://schemas.microsoft.com/office/drawing/2014/main" id="{5F062C62-53E1-434C-886D-9C1AF2271C81}"/>
+                <a16:creationId xmlns:a16="http://schemas.microsoft.com/office/drawing/2014/main" id="{490568AF-2B79-44C8-AF0D-5FEC452538D5}"/>
               </a:ext>
             </a:extLst>
           </p:cNvPr>
-          <p:cNvSpPr/>
-          <p:nvPr/>
-        </p:nvSpPr>
-        <p:spPr>
-          <a:xfrm>
-            <a:off x="-414829" y="4419875"/>
-            <a:ext cx="6649010" cy="422582"/>
-          </a:xfrm>
-          <a:prstGeom prst="rect">
-            <a:avLst/>
-          </a:prstGeom>
-          <a:solidFill>
-            <a:srgbClr val="DC1E23"/>
-          </a:solidFill>
-          <a:ln>
-            <a:noFill/>
-          </a:ln>
-        </p:spPr>
-        <p:style>
-          <a:lnRef idx="2">
-            <a:schemeClr val="accent1">
-              <a:shade val="50000"/>
-            </a:schemeClr>
-          </a:lnRef>
-          <a:fillRef idx="1">
-            <a:schemeClr val="accent1"/>
-          </a:fillRef>
-          <a:effectRef idx="0">
-            <a:schemeClr val="accent1"/>
-          </a:effectRef>
-          <a:fontRef idx="minor">
-            <a:schemeClr val="lt1"/>
-          </a:fontRef>
-        </p:style>
-        <p:txBody>
-          <a:bodyPr rtlCol="0" anchor="ctr"/>
+          <p:cNvSpPr>
+            <a:spLocks noGrp="1"/>
+          </p:cNvSpPr>
+          <p:nvPr>
+            <p:ph type="ctrTitle"/>
+          </p:nvPr>
+        </p:nvSpPr>
+        <p:spPr/>
+        <p:txBody>
+          <a:bodyPr/>
           <a:lstStyle/>
           <a:p>
-            <a:pPr algn="ctr"/>
-            <a:r>
-              <a:rPr lang="nb-NO" sz="1800" dirty="0"/>
-              <a:t>Eller hvit tekst på rødt </a:t>
-            </a:r>
+            <a:endParaRPr lang="nb-NO" dirty="0"/>
           </a:p>
         </p:txBody>
       </p:sp>
     </p:spTree>
     <p:extLst>
       <p:ext uri="{BB962C8B-B14F-4D97-AF65-F5344CB8AC3E}">
-        <p14:creationId xmlns:p14="http://schemas.microsoft.com/office/powerpoint/2010/main" val="2579066178"/>
+        <p14:creationId xmlns:p14="http://schemas.microsoft.com/office/powerpoint/2010/main" val="3251226832"/>
       </p:ext>
     </p:extLst>
   </p:cSld>
@@ -8678,48 +12120,30 @@
           <a:chExt cx="0" cy="0"/>
         </a:xfrm>
       </p:grpSpPr>
-      <p:pic>
-        <p:nvPicPr>
-          <p:cNvPr id="12" name="Bilde 11" descr="Et bilde som inneholder vann, utendørs, himmel, fjell&#10;&#10;Automatisk generert beskrivelse">
+      <p:sp>
+        <p:nvSpPr>
+          <p:cNvPr id="2" name="Picture Placeholder 1">
             <a:extLst>
               <a:ext uri="{FF2B5EF4-FFF2-40B4-BE49-F238E27FC236}">
-                <a16:creationId xmlns:a16="http://schemas.microsoft.com/office/drawing/2014/main" id="{61E757AE-3BFF-4D77-9EC6-E8344E6F8D3D}"/>
+                <a16:creationId xmlns:a16="http://schemas.microsoft.com/office/drawing/2014/main" id="{65DA202A-A7F2-444B-A4BE-3DF83BFB93D8}"/>
               </a:ext>
             </a:extLst>
           </p:cNvPr>
-          <p:cNvPicPr>
-            <a:picLocks noChangeAspect="1"/>
-          </p:cNvPicPr>
-          <p:nvPr/>
-        </p:nvPicPr>
-        <p:blipFill>
-          <a:blip r:embed="rId2">
-            <a:extLst>
-              <a:ext uri="{28A0092B-C50C-407E-A947-70E740481C1C}">
-                <a14:useLocalDpi xmlns:a14="http://schemas.microsoft.com/office/drawing/2010/main" val="0"/>
-              </a:ext>
-            </a:extLst>
-          </a:blip>
-          <a:stretch>
-            <a:fillRect/>
-          </a:stretch>
-        </p:blipFill>
-        <p:spPr>
-          <a:xfrm>
-            <a:off x="1" y="-476408"/>
-            <a:ext cx="9143998" cy="6097904"/>
-          </a:xfrm>
-          <a:prstGeom prst="rect">
-            <a:avLst/>
-          </a:prstGeom>
-        </p:spPr>
-      </p:pic>
-      <p:sp>
-        <p:nvSpPr>
-          <p:cNvPr id="2" name="Tittel 1">
+          <p:cNvSpPr>
+            <a:spLocks noGrp="1"/>
+          </p:cNvSpPr>
+          <p:nvPr>
+            <p:ph type="pic" sz="quarter" idx="10"/>
+          </p:nvPr>
+        </p:nvSpPr>
+        <p:spPr/>
+      </p:sp>
+      <p:sp>
+        <p:nvSpPr>
+          <p:cNvPr id="3" name="Title 2">
             <a:extLst>
               <a:ext uri="{FF2B5EF4-FFF2-40B4-BE49-F238E27FC236}">
-                <a16:creationId xmlns:a16="http://schemas.microsoft.com/office/drawing/2014/main" id="{AF048B45-5F77-4E03-8E27-94D243851D8A}"/>
+                <a16:creationId xmlns:a16="http://schemas.microsoft.com/office/drawing/2014/main" id="{44769635-A2CC-41D4-B6E4-6E7BFE8390F1}"/>
               </a:ext>
             </a:extLst>
           </p:cNvPr>
@@ -8727,7 +12151,7 @@
             <a:spLocks noGrp="1"/>
           </p:cNvSpPr>
           <p:nvPr>
-            <p:ph type="ctrTitle"/>
+            <p:ph type="title"/>
           </p:nvPr>
         </p:nvSpPr>
         <p:spPr/>
@@ -8741,10 +12165,10 @@
       </p:sp>
       <p:sp>
         <p:nvSpPr>
-          <p:cNvPr id="3" name="Undertittel 2">
+          <p:cNvPr id="4" name="Text Placeholder 3">
             <a:extLst>
               <a:ext uri="{FF2B5EF4-FFF2-40B4-BE49-F238E27FC236}">
-                <a16:creationId xmlns:a16="http://schemas.microsoft.com/office/drawing/2014/main" id="{ACDA2C96-C5EF-46B9-B946-82E53572231B}"/>
+                <a16:creationId xmlns:a16="http://schemas.microsoft.com/office/drawing/2014/main" id="{217ADC61-B52D-467B-A140-9EF23AFC93AC}"/>
               </a:ext>
             </a:extLst>
           </p:cNvPr>
@@ -8752,7 +12176,7 @@
             <a:spLocks noGrp="1"/>
           </p:cNvSpPr>
           <p:nvPr>
-            <p:ph type="subTitle" idx="1"/>
+            <p:ph type="body" sz="quarter" idx="12"/>
           </p:nvPr>
         </p:nvSpPr>
         <p:spPr/>
@@ -8764,111 +12188,83 @@
           </a:p>
         </p:txBody>
       </p:sp>
-      <p:sp>
-        <p:nvSpPr>
-          <p:cNvPr id="5" name="Rektangel 4">
+    </p:spTree>
+    <p:extLst>
+      <p:ext uri="{BB962C8B-B14F-4D97-AF65-F5344CB8AC3E}">
+        <p14:creationId xmlns:p14="http://schemas.microsoft.com/office/powerpoint/2010/main" val="4096936955"/>
+      </p:ext>
+    </p:extLst>
+  </p:cSld>
+  <p:clrMapOvr>
+    <a:masterClrMapping/>
+  </p:clrMapOvr>
+</p:sld>
+</file>
+
+<file path=ppt/slides/slide7.xml><?xml version="1.0" encoding="utf-8"?>
+<p:sld xmlns:a="http://schemas.openxmlformats.org/drawingml/2006/main" xmlns:r="http://schemas.openxmlformats.org/officeDocument/2006/relationships" xmlns:p="http://schemas.openxmlformats.org/presentationml/2006/main">
+  <p:cSld>
+    <p:spTree>
+      <p:nvGrpSpPr>
+        <p:cNvPr id="1" name=""/>
+        <p:cNvGrpSpPr/>
+        <p:nvPr/>
+      </p:nvGrpSpPr>
+      <p:grpSpPr>
+        <a:xfrm>
+          <a:off x="0" y="0"/>
+          <a:ext cx="0" cy="0"/>
+          <a:chOff x="0" y="0"/>
+          <a:chExt cx="0" cy="0"/>
+        </a:xfrm>
+      </p:grpSpPr>
+      <p:sp>
+        <p:nvSpPr>
+          <p:cNvPr id="2" name="Picture Placeholder 1">
             <a:extLst>
               <a:ext uri="{FF2B5EF4-FFF2-40B4-BE49-F238E27FC236}">
-                <a16:creationId xmlns:a16="http://schemas.microsoft.com/office/drawing/2014/main" id="{FD808F70-86D2-42EB-8F1F-59A017BBA8EE}"/>
+                <a16:creationId xmlns:a16="http://schemas.microsoft.com/office/drawing/2014/main" id="{16277633-8DAD-440D-ACC7-54293CAD998C}"/>
               </a:ext>
             </a:extLst>
           </p:cNvPr>
-          <p:cNvSpPr/>
-          <p:nvPr/>
-        </p:nvSpPr>
-        <p:spPr>
-          <a:xfrm>
-            <a:off x="1448474" y="-1217211"/>
-            <a:ext cx="3192685" cy="6837756"/>
-          </a:xfrm>
-          <a:prstGeom prst="rect">
-            <a:avLst/>
-          </a:prstGeom>
-          <a:solidFill>
-            <a:schemeClr val="bg1">
-              <a:alpha val="70000"/>
-            </a:schemeClr>
-          </a:solidFill>
-          <a:ln>
-            <a:noFill/>
-          </a:ln>
-        </p:spPr>
-        <p:style>
-          <a:lnRef idx="2">
-            <a:schemeClr val="accent1">
-              <a:shade val="50000"/>
-            </a:schemeClr>
-          </a:lnRef>
-          <a:fillRef idx="1">
-            <a:schemeClr val="accent1"/>
-          </a:fillRef>
-          <a:effectRef idx="0">
-            <a:schemeClr val="accent1"/>
-          </a:effectRef>
-          <a:fontRef idx="minor">
-            <a:schemeClr val="lt1"/>
-          </a:fontRef>
-        </p:style>
-        <p:txBody>
-          <a:bodyPr rtlCol="0" anchor="ctr"/>
-          <a:lstStyle/>
-          <a:p>
-            <a:pPr algn="ctr"/>
-            <a:r>
-              <a:rPr lang="nb-NO" dirty="0"/>
-              <a:t> </a:t>
-            </a:r>
-          </a:p>
-        </p:txBody>
-      </p:sp>
-      <p:sp>
-        <p:nvSpPr>
-          <p:cNvPr id="6" name="TekstSylinder 5">
+          <p:cNvSpPr>
+            <a:spLocks noGrp="1"/>
+          </p:cNvSpPr>
+          <p:nvPr>
+            <p:ph type="pic" sz="quarter" idx="10"/>
+          </p:nvPr>
+        </p:nvSpPr>
+        <p:spPr/>
+      </p:sp>
+      <p:sp>
+        <p:nvSpPr>
+          <p:cNvPr id="3" name="Text Placeholder 2">
             <a:extLst>
               <a:ext uri="{FF2B5EF4-FFF2-40B4-BE49-F238E27FC236}">
-                <a16:creationId xmlns:a16="http://schemas.microsoft.com/office/drawing/2014/main" id="{3FA36351-A8A3-476A-85D8-D8A85DED978C}"/>
+                <a16:creationId xmlns:a16="http://schemas.microsoft.com/office/drawing/2014/main" id="{FC1C6355-2B2E-4021-9421-9D7791F8FCF3}"/>
               </a:ext>
             </a:extLst>
           </p:cNvPr>
-          <p:cNvSpPr txBox="1"/>
-          <p:nvPr/>
-        </p:nvSpPr>
-        <p:spPr>
-          <a:xfrm>
-            <a:off x="1948815" y="1580481"/>
-            <a:ext cx="2364827" cy="1569660"/>
-          </a:xfrm>
-          <a:prstGeom prst="rect">
-            <a:avLst/>
-          </a:prstGeom>
-          <a:noFill/>
-        </p:spPr>
-        <p:txBody>
-          <a:bodyPr wrap="square" rtlCol="0">
-            <a:spAutoFit/>
-          </a:bodyPr>
+          <p:cNvSpPr>
+            <a:spLocks noGrp="1"/>
+          </p:cNvSpPr>
+          <p:nvPr>
+            <p:ph type="body" sz="quarter" idx="11"/>
+          </p:nvPr>
+        </p:nvSpPr>
+        <p:spPr/>
+        <p:txBody>
+          <a:bodyPr/>
           <a:lstStyle/>
           <a:p>
-            <a:r>
-              <a:rPr lang="nb-NO" sz="2400" dirty="0"/>
-              <a:t>Mulig skrive </a:t>
-            </a:r>
-          </a:p>
-          <a:p>
-            <a:r>
-              <a:rPr lang="nb-NO" sz="2400" dirty="0"/>
-              <a:t>på gradert bakgrunn</a:t>
-            </a:r>
-          </a:p>
-          <a:p>
-            <a:endParaRPr lang="nb-NO" sz="2400" dirty="0"/>
+            <a:endParaRPr lang="nb-NO" dirty="0"/>
           </a:p>
         </p:txBody>
       </p:sp>
     </p:spTree>
     <p:extLst>
       <p:ext uri="{BB962C8B-B14F-4D97-AF65-F5344CB8AC3E}">
-        <p14:creationId xmlns:p14="http://schemas.microsoft.com/office/powerpoint/2010/main" val="676815120"/>
+        <p14:creationId xmlns:p14="http://schemas.microsoft.com/office/powerpoint/2010/main" val="3576217400"/>
       </p:ext>
     </p:extLst>
   </p:cSld>
@@ -8881,7 +12277,7 @@
 <file path=ppt/theme/theme1.xml><?xml version="1.0" encoding="utf-8"?>
 <a:theme xmlns:a="http://schemas.openxmlformats.org/drawingml/2006/main" name="Office-tema">
   <a:themeElements>
-    <a:clrScheme name="Egendefinert 12">
+    <a:clrScheme name="Egendefinert 17">
       <a:dk1>
         <a:sysClr val="windowText" lastClr="000000"/>
       </a:dk1>
@@ -8910,7 +12306,7 @@
         <a:srgbClr val="F6EDCE"/>
       </a:accent5>
       <a:accent6>
-        <a:srgbClr val="428527"/>
+        <a:srgbClr val="117845"/>
       </a:accent6>
       <a:hlink>
         <a:srgbClr val="164B81"/>
@@ -9133,7 +12529,7 @@
   <a:extraClrSchemeLst/>
   <a:extLst>
     <a:ext uri="{05A4C25C-085E-4340-85A3-A5531E510DB2}">
-      <thm15:themeFamily xmlns:thm15="http://schemas.microsoft.com/office/thememl/2012/main" name="PPT_norsk.potx" id="{86D7C2E3-80B4-4843-A112-DB90E0D9A8A9}" vid="{E05C6FC8-F2A8-4791-8993-77E11194EFFB}"/>
+      <thm15:themeFamily xmlns:thm15="http://schemas.microsoft.com/office/thememl/2012/main" name="PP_MAL_NORSK.potx" id="{4359A612-79D9-4FFE-A1EC-B649FD673E03}" vid="{4D68952B-2BA7-4BAD-8878-0723A4933DA0}"/>
     </a:ext>
   </a:extLst>
 </a:theme>
@@ -9142,7 +12538,7 @@
 <file path=ppt/theme/theme2.xml><?xml version="1.0" encoding="utf-8"?>
 <a:theme xmlns:a="http://schemas.openxmlformats.org/drawingml/2006/main" name="1_Office-tema">
   <a:themeElements>
-    <a:clrScheme name="Egendefinert 12">
+    <a:clrScheme name="Egendefinert 18">
       <a:dk1>
         <a:sysClr val="windowText" lastClr="000000"/>
       </a:dk1>
@@ -9171,7 +12567,7 @@
         <a:srgbClr val="F6EDCE"/>
       </a:accent5>
       <a:accent6>
-        <a:srgbClr val="428527"/>
+        <a:srgbClr val="117845"/>
       </a:accent6>
       <a:hlink>
         <a:srgbClr val="164B81"/>
@@ -9394,16 +12790,16 @@
   <a:extraClrSchemeLst/>
   <a:extLst>
     <a:ext uri="{05A4C25C-085E-4340-85A3-A5531E510DB2}">
-      <thm15:themeFamily xmlns:thm15="http://schemas.microsoft.com/office/thememl/2012/main" name="PPT_norsk.potx" id="{86D7C2E3-80B4-4843-A112-DB90E0D9A8A9}" vid="{E05C6FC8-F2A8-4791-8993-77E11194EFFB}"/>
+      <thm15:themeFamily xmlns:thm15="http://schemas.microsoft.com/office/thememl/2012/main" name="PP_MAL_NORSK.potx" id="{4359A612-79D9-4FFE-A1EC-B649FD673E03}" vid="{0D53BFBF-8ABF-415D-ADE0-A730167758B8}"/>
     </a:ext>
   </a:extLst>
 </a:theme>
 </file>
 
 <file path=ppt/theme/theme3.xml><?xml version="1.0" encoding="utf-8"?>
-<a:theme xmlns:a="http://schemas.openxmlformats.org/drawingml/2006/main" name="Egendefinert utforming">
+<a:theme xmlns:a="http://schemas.openxmlformats.org/drawingml/2006/main" name="Rød">
   <a:themeElements>
-    <a:clrScheme name="Egendefinert 22">
+    <a:clrScheme name="Egendefinert 19">
       <a:dk1>
         <a:sysClr val="windowText" lastClr="000000"/>
       </a:dk1>
@@ -9432,7 +12828,7 @@
         <a:srgbClr val="F6EDCE"/>
       </a:accent5>
       <a:accent6>
-        <a:srgbClr val="428527"/>
+        <a:srgbClr val="117845"/>
       </a:accent6>
       <a:hlink>
         <a:srgbClr val="0563C1"/>
@@ -9689,16 +13085,16 @@
   <a:extraClrSchemeLst/>
   <a:extLst>
     <a:ext uri="{05A4C25C-085E-4340-85A3-A5531E510DB2}">
-      <thm15:themeFamily xmlns:thm15="http://schemas.microsoft.com/office/thememl/2012/main" name="Office Theme" id="{62F939B6-93AF-4DB8-9C6B-D6C7DFDC589F}" vid="{4A3C46E8-61CC-4603-A589-7422A47A8E4A}"/>
+      <thm15:themeFamily xmlns:thm15="http://schemas.microsoft.com/office/thememl/2012/main" name="PP_MAL_NORSK.potx" id="{4359A612-79D9-4FFE-A1EC-B649FD673E03}" vid="{6FF1EFEA-8EAC-4D7A-8FA0-3318BD2844C7}"/>
     </a:ext>
   </a:extLst>
 </a:theme>
 </file>
 
 <file path=ppt/theme/theme4.xml><?xml version="1.0" encoding="utf-8"?>
-<a:theme xmlns:a="http://schemas.openxmlformats.org/drawingml/2006/main" name="1_Egendefinert utforming">
+<a:theme xmlns:a="http://schemas.openxmlformats.org/drawingml/2006/main" name="Lilla">
   <a:themeElements>
-    <a:clrScheme name="Egendefinert 21">
+    <a:clrScheme name="Egendefinert 20">
       <a:dk1>
         <a:sysClr val="windowText" lastClr="000000"/>
       </a:dk1>
@@ -9727,7 +13123,7 @@
         <a:srgbClr val="F6EDCE"/>
       </a:accent5>
       <a:accent6>
-        <a:srgbClr val="428527"/>
+        <a:srgbClr val="117845"/>
       </a:accent6>
       <a:hlink>
         <a:srgbClr val="0563C1"/>
@@ -9984,16 +13380,16 @@
   <a:extraClrSchemeLst/>
   <a:extLst>
     <a:ext uri="{05A4C25C-085E-4340-85A3-A5531E510DB2}">
-      <thm15:themeFamily xmlns:thm15="http://schemas.microsoft.com/office/thememl/2012/main" name="Office Theme" id="{62F939B6-93AF-4DB8-9C6B-D6C7DFDC589F}" vid="{4A3C46E8-61CC-4603-A589-7422A47A8E4A}"/>
+      <thm15:themeFamily xmlns:thm15="http://schemas.microsoft.com/office/thememl/2012/main" name="PP_MAL_NORSK.potx" id="{4359A612-79D9-4FFE-A1EC-B649FD673E03}" vid="{068DCFAA-75AA-472C-A9A7-81CD7C4F49C1}"/>
     </a:ext>
   </a:extLst>
 </a:theme>
 </file>
 
 <file path=ppt/theme/theme5.xml><?xml version="1.0" encoding="utf-8"?>
-<a:theme xmlns:a="http://schemas.openxmlformats.org/drawingml/2006/main" name="2_Egendefinert utforming">
+<a:theme xmlns:a="http://schemas.openxmlformats.org/drawingml/2006/main" name="Blå">
   <a:themeElements>
-    <a:clrScheme name="Egendefinert 20">
+    <a:clrScheme name="Egendefinert 21">
       <a:dk1>
         <a:sysClr val="windowText" lastClr="000000"/>
       </a:dk1>
@@ -10022,7 +13418,7 @@
         <a:srgbClr val="F6EDCE"/>
       </a:accent5>
       <a:accent6>
-        <a:srgbClr val="428527"/>
+        <a:srgbClr val="117845"/>
       </a:accent6>
       <a:hlink>
         <a:srgbClr val="0563C1"/>
@@ -10279,16 +13675,16 @@
   <a:extraClrSchemeLst/>
   <a:extLst>
     <a:ext uri="{05A4C25C-085E-4340-85A3-A5531E510DB2}">
-      <thm15:themeFamily xmlns:thm15="http://schemas.microsoft.com/office/thememl/2012/main" name="Office Theme" id="{62F939B6-93AF-4DB8-9C6B-D6C7DFDC589F}" vid="{4A3C46E8-61CC-4603-A589-7422A47A8E4A}"/>
+      <thm15:themeFamily xmlns:thm15="http://schemas.microsoft.com/office/thememl/2012/main" name="PP_MAL_NORSK.potx" id="{4359A612-79D9-4FFE-A1EC-B649FD673E03}" vid="{E28A4A9A-1A7A-4F00-AE42-C53AD7E38FA4}"/>
     </a:ext>
   </a:extLst>
 </a:theme>
 </file>
 
 <file path=ppt/theme/theme6.xml><?xml version="1.0" encoding="utf-8"?>
-<a:theme xmlns:a="http://schemas.openxmlformats.org/drawingml/2006/main" name="3_Egendefinert utforming">
+<a:theme xmlns:a="http://schemas.openxmlformats.org/drawingml/2006/main" name="Grønn">
   <a:themeElements>
-    <a:clrScheme name="Egendefinert 18">
+    <a:clrScheme name="Egendefinert 22">
       <a:dk1>
         <a:sysClr val="windowText" lastClr="000000"/>
       </a:dk1>
@@ -10317,7 +13713,7 @@
         <a:srgbClr val="F6EDCE"/>
       </a:accent5>
       <a:accent6>
-        <a:srgbClr val="428527"/>
+        <a:srgbClr val="117845"/>
       </a:accent6>
       <a:hlink>
         <a:srgbClr val="0563C1"/>
@@ -10574,13 +13970,308 @@
   <a:extraClrSchemeLst/>
   <a:extLst>
     <a:ext uri="{05A4C25C-085E-4340-85A3-A5531E510DB2}">
-      <thm15:themeFamily xmlns:thm15="http://schemas.microsoft.com/office/thememl/2012/main" name="Office Theme" id="{62F939B6-93AF-4DB8-9C6B-D6C7DFDC589F}" vid="{4A3C46E8-61CC-4603-A589-7422A47A8E4A}"/>
+      <thm15:themeFamily xmlns:thm15="http://schemas.microsoft.com/office/thememl/2012/main" name="PP_MAL_NORSK.potx" id="{4359A612-79D9-4FFE-A1EC-B649FD673E03}" vid="{D794DA0E-4499-4272-8C55-91087109A157}"/>
     </a:ext>
   </a:extLst>
 </a:theme>
 </file>
 
 <file path=ppt/theme/theme7.xml><?xml version="1.0" encoding="utf-8"?>
+<a:theme xmlns:a="http://schemas.openxmlformats.org/drawingml/2006/main" name="Svart">
+  <a:themeElements>
+    <a:clrScheme name="Egendefinert 23">
+      <a:dk1>
+        <a:sysClr val="windowText" lastClr="000000"/>
+      </a:dk1>
+      <a:lt1>
+        <a:sysClr val="window" lastClr="FFFFFF"/>
+      </a:lt1>
+      <a:dk2>
+        <a:srgbClr val="DC1E23"/>
+      </a:dk2>
+      <a:lt2>
+        <a:srgbClr val="FFFFFF"/>
+      </a:lt2>
+      <a:accent1>
+        <a:srgbClr val="DC1E23"/>
+      </a:accent1>
+      <a:accent2>
+        <a:srgbClr val="164B81"/>
+      </a:accent2>
+      <a:accent3>
+        <a:srgbClr val="702C80"/>
+      </a:accent3>
+      <a:accent4>
+        <a:srgbClr val="BF9D23"/>
+      </a:accent4>
+      <a:accent5>
+        <a:srgbClr val="F6EDCE"/>
+      </a:accent5>
+      <a:accent6>
+        <a:srgbClr val="117845"/>
+      </a:accent6>
+      <a:hlink>
+        <a:srgbClr val="0563C1"/>
+      </a:hlink>
+      <a:folHlink>
+        <a:srgbClr val="954F72"/>
+      </a:folHlink>
+    </a:clrScheme>
+    <a:fontScheme name="Office">
+      <a:majorFont>
+        <a:latin typeface="Calibri Light" panose="020F0302020204030204"/>
+        <a:ea typeface=""/>
+        <a:cs typeface=""/>
+        <a:font script="Jpan" typeface="游ゴシック Light"/>
+        <a:font script="Hang" typeface="맑은 고딕"/>
+        <a:font script="Hans" typeface="等线 Light"/>
+        <a:font script="Hant" typeface="新細明體"/>
+        <a:font script="Arab" typeface="Times New Roman"/>
+        <a:font script="Hebr" typeface="Times New Roman"/>
+        <a:font script="Thai" typeface="Angsana New"/>
+        <a:font script="Ethi" typeface="Nyala"/>
+        <a:font script="Beng" typeface="Vrinda"/>
+        <a:font script="Gujr" typeface="Shruti"/>
+        <a:font script="Khmr" typeface="MoolBoran"/>
+        <a:font script="Knda" typeface="Tunga"/>
+        <a:font script="Guru" typeface="Raavi"/>
+        <a:font script="Cans" typeface="Euphemia"/>
+        <a:font script="Cher" typeface="Plantagenet Cherokee"/>
+        <a:font script="Yiii" typeface="Microsoft Yi Baiti"/>
+        <a:font script="Tibt" typeface="Microsoft Himalaya"/>
+        <a:font script="Thaa" typeface="MV Boli"/>
+        <a:font script="Deva" typeface="Mangal"/>
+        <a:font script="Telu" typeface="Gautami"/>
+        <a:font script="Taml" typeface="Latha"/>
+        <a:font script="Syrc" typeface="Estrangelo Edessa"/>
+        <a:font script="Orya" typeface="Kalinga"/>
+        <a:font script="Mlym" typeface="Kartika"/>
+        <a:font script="Laoo" typeface="DokChampa"/>
+        <a:font script="Sinh" typeface="Iskoola Pota"/>
+        <a:font script="Mong" typeface="Mongolian Baiti"/>
+        <a:font script="Viet" typeface="Times New Roman"/>
+        <a:font script="Uigh" typeface="Microsoft Uighur"/>
+        <a:font script="Geor" typeface="Sylfaen"/>
+        <a:font script="Armn" typeface="Arial"/>
+        <a:font script="Bugi" typeface="Leelawadee UI"/>
+        <a:font script="Bopo" typeface="Microsoft JhengHei"/>
+        <a:font script="Java" typeface="Javanese Text"/>
+        <a:font script="Lisu" typeface="Segoe UI"/>
+        <a:font script="Mymr" typeface="Myanmar Text"/>
+        <a:font script="Nkoo" typeface="Ebrima"/>
+        <a:font script="Olck" typeface="Nirmala UI"/>
+        <a:font script="Osma" typeface="Ebrima"/>
+        <a:font script="Phag" typeface="Phagspa"/>
+        <a:font script="Syrn" typeface="Estrangelo Edessa"/>
+        <a:font script="Syrj" typeface="Estrangelo Edessa"/>
+        <a:font script="Syre" typeface="Estrangelo Edessa"/>
+        <a:font script="Sora" typeface="Nirmala UI"/>
+        <a:font script="Tale" typeface="Microsoft Tai Le"/>
+        <a:font script="Talu" typeface="Microsoft New Tai Lue"/>
+        <a:font script="Tfng" typeface="Ebrima"/>
+      </a:majorFont>
+      <a:minorFont>
+        <a:latin typeface="Calibri" panose="020F0502020204030204"/>
+        <a:ea typeface=""/>
+        <a:cs typeface=""/>
+        <a:font script="Jpan" typeface="游ゴシック"/>
+        <a:font script="Hang" typeface="맑은 고딕"/>
+        <a:font script="Hans" typeface="等线"/>
+        <a:font script="Hant" typeface="新細明體"/>
+        <a:font script="Arab" typeface="Arial"/>
+        <a:font script="Hebr" typeface="Arial"/>
+        <a:font script="Thai" typeface="Cordia New"/>
+        <a:font script="Ethi" typeface="Nyala"/>
+        <a:font script="Beng" typeface="Vrinda"/>
+        <a:font script="Gujr" typeface="Shruti"/>
+        <a:font script="Khmr" typeface="DaunPenh"/>
+        <a:font script="Knda" typeface="Tunga"/>
+        <a:font script="Guru" typeface="Raavi"/>
+        <a:font script="Cans" typeface="Euphemia"/>
+        <a:font script="Cher" typeface="Plantagenet Cherokee"/>
+        <a:font script="Yiii" typeface="Microsoft Yi Baiti"/>
+        <a:font script="Tibt" typeface="Microsoft Himalaya"/>
+        <a:font script="Thaa" typeface="MV Boli"/>
+        <a:font script="Deva" typeface="Mangal"/>
+        <a:font script="Telu" typeface="Gautami"/>
+        <a:font script="Taml" typeface="Latha"/>
+        <a:font script="Syrc" typeface="Estrangelo Edessa"/>
+        <a:font script="Orya" typeface="Kalinga"/>
+        <a:font script="Mlym" typeface="Kartika"/>
+        <a:font script="Laoo" typeface="DokChampa"/>
+        <a:font script="Sinh" typeface="Iskoola Pota"/>
+        <a:font script="Mong" typeface="Mongolian Baiti"/>
+        <a:font script="Viet" typeface="Arial"/>
+        <a:font script="Uigh" typeface="Microsoft Uighur"/>
+        <a:font script="Geor" typeface="Sylfaen"/>
+        <a:font script="Armn" typeface="Arial"/>
+        <a:font script="Bugi" typeface="Leelawadee UI"/>
+        <a:font script="Bopo" typeface="Microsoft JhengHei"/>
+        <a:font script="Java" typeface="Javanese Text"/>
+        <a:font script="Lisu" typeface="Segoe UI"/>
+        <a:font script="Mymr" typeface="Myanmar Text"/>
+        <a:font script="Nkoo" typeface="Ebrima"/>
+        <a:font script="Olck" typeface="Nirmala UI"/>
+        <a:font script="Osma" typeface="Ebrima"/>
+        <a:font script="Phag" typeface="Phagspa"/>
+        <a:font script="Syrn" typeface="Estrangelo Edessa"/>
+        <a:font script="Syrj" typeface="Estrangelo Edessa"/>
+        <a:font script="Syre" typeface="Estrangelo Edessa"/>
+        <a:font script="Sora" typeface="Nirmala UI"/>
+        <a:font script="Tale" typeface="Microsoft Tai Le"/>
+        <a:font script="Talu" typeface="Microsoft New Tai Lue"/>
+        <a:font script="Tfng" typeface="Ebrima"/>
+      </a:minorFont>
+    </a:fontScheme>
+    <a:fmtScheme name="Office">
+      <a:fillStyleLst>
+        <a:solidFill>
+          <a:schemeClr val="phClr"/>
+        </a:solidFill>
+        <a:gradFill rotWithShape="1">
+          <a:gsLst>
+            <a:gs pos="0">
+              <a:schemeClr val="phClr">
+                <a:lumMod val="110000"/>
+                <a:satMod val="105000"/>
+                <a:tint val="67000"/>
+              </a:schemeClr>
+            </a:gs>
+            <a:gs pos="50000">
+              <a:schemeClr val="phClr">
+                <a:lumMod val="105000"/>
+                <a:satMod val="103000"/>
+                <a:tint val="73000"/>
+              </a:schemeClr>
+            </a:gs>
+            <a:gs pos="100000">
+              <a:schemeClr val="phClr">
+                <a:lumMod val="105000"/>
+                <a:satMod val="109000"/>
+                <a:tint val="81000"/>
+              </a:schemeClr>
+            </a:gs>
+          </a:gsLst>
+          <a:lin ang="5400000" scaled="0"/>
+        </a:gradFill>
+        <a:gradFill rotWithShape="1">
+          <a:gsLst>
+            <a:gs pos="0">
+              <a:schemeClr val="phClr">
+                <a:satMod val="103000"/>
+                <a:lumMod val="102000"/>
+                <a:tint val="94000"/>
+              </a:schemeClr>
+            </a:gs>
+            <a:gs pos="50000">
+              <a:schemeClr val="phClr">
+                <a:satMod val="110000"/>
+                <a:lumMod val="100000"/>
+                <a:shade val="100000"/>
+              </a:schemeClr>
+            </a:gs>
+            <a:gs pos="100000">
+              <a:schemeClr val="phClr">
+                <a:lumMod val="99000"/>
+                <a:satMod val="120000"/>
+                <a:shade val="78000"/>
+              </a:schemeClr>
+            </a:gs>
+          </a:gsLst>
+          <a:lin ang="5400000" scaled="0"/>
+        </a:gradFill>
+      </a:fillStyleLst>
+      <a:lnStyleLst>
+        <a:ln w="6350" cap="flat" cmpd="sng" algn="ctr">
+          <a:solidFill>
+            <a:schemeClr val="phClr"/>
+          </a:solidFill>
+          <a:prstDash val="solid"/>
+          <a:miter lim="800000"/>
+        </a:ln>
+        <a:ln w="12700" cap="flat" cmpd="sng" algn="ctr">
+          <a:solidFill>
+            <a:schemeClr val="phClr"/>
+          </a:solidFill>
+          <a:prstDash val="solid"/>
+          <a:miter lim="800000"/>
+        </a:ln>
+        <a:ln w="19050" cap="flat" cmpd="sng" algn="ctr">
+          <a:solidFill>
+            <a:schemeClr val="phClr"/>
+          </a:solidFill>
+          <a:prstDash val="solid"/>
+          <a:miter lim="800000"/>
+        </a:ln>
+      </a:lnStyleLst>
+      <a:effectStyleLst>
+        <a:effectStyle>
+          <a:effectLst/>
+        </a:effectStyle>
+        <a:effectStyle>
+          <a:effectLst/>
+        </a:effectStyle>
+        <a:effectStyle>
+          <a:effectLst>
+            <a:outerShdw blurRad="57150" dist="19050" dir="5400000" algn="ctr" rotWithShape="0">
+              <a:srgbClr val="000000">
+                <a:alpha val="63000"/>
+              </a:srgbClr>
+            </a:outerShdw>
+          </a:effectLst>
+        </a:effectStyle>
+      </a:effectStyleLst>
+      <a:bgFillStyleLst>
+        <a:solidFill>
+          <a:schemeClr val="phClr"/>
+        </a:solidFill>
+        <a:solidFill>
+          <a:schemeClr val="phClr">
+            <a:tint val="95000"/>
+            <a:satMod val="170000"/>
+          </a:schemeClr>
+        </a:solidFill>
+        <a:gradFill rotWithShape="1">
+          <a:gsLst>
+            <a:gs pos="0">
+              <a:schemeClr val="phClr">
+                <a:tint val="93000"/>
+                <a:satMod val="150000"/>
+                <a:shade val="98000"/>
+                <a:lumMod val="102000"/>
+              </a:schemeClr>
+            </a:gs>
+            <a:gs pos="50000">
+              <a:schemeClr val="phClr">
+                <a:tint val="98000"/>
+                <a:satMod val="130000"/>
+                <a:shade val="90000"/>
+                <a:lumMod val="103000"/>
+              </a:schemeClr>
+            </a:gs>
+            <a:gs pos="100000">
+              <a:schemeClr val="phClr">
+                <a:shade val="63000"/>
+                <a:satMod val="120000"/>
+              </a:schemeClr>
+            </a:gs>
+          </a:gsLst>
+          <a:lin ang="5400000" scaled="0"/>
+        </a:gradFill>
+      </a:bgFillStyleLst>
+    </a:fmtScheme>
+  </a:themeElements>
+  <a:objectDefaults/>
+  <a:extraClrSchemeLst/>
+  <a:extLst>
+    <a:ext uri="{05A4C25C-085E-4340-85A3-A5531E510DB2}">
+      <thm15:themeFamily xmlns:thm15="http://schemas.microsoft.com/office/thememl/2012/main" name="PP_MAL_NORSK.potx" id="{4359A612-79D9-4FFE-A1EC-B649FD673E03}" vid="{CCBA4027-EF89-4D0F-9FE4-7566A8FAF45C}"/>
+    </a:ext>
+  </a:extLst>
+</a:theme>
+</file>
+
+<file path=ppt/theme/theme8.xml><?xml version="1.0" encoding="utf-8"?>
 <a:theme xmlns:a="http://schemas.openxmlformats.org/drawingml/2006/main" name="Office-tema">
   <a:themeElements>
     <a:clrScheme name="Office">
@@ -10839,4 +14530,244 @@
     </a:ext>
   </a:extLst>
 </a:theme>
+</file>
+
+<file path=customXml/item1.xml><?xml version="1.0" encoding="utf-8"?>
+<ct:contentTypeSchema xmlns:ct="http://schemas.microsoft.com/office/2006/metadata/contentType" xmlns:ma="http://schemas.microsoft.com/office/2006/metadata/properties/metaAttributes" ct:_="" ma:_="" ma:contentTypeName="Dokument" ma:contentTypeID="0x010100D982FC97A4EB864EBF6B6ADD443A67CC" ma:contentTypeVersion="11" ma:contentTypeDescription="Opprett et nytt dokument." ma:contentTypeScope="" ma:versionID="1243dad0bdc800c2168160044757ccfa">
+  <xsd:schema xmlns:xsd="http://www.w3.org/2001/XMLSchema" xmlns:xs="http://www.w3.org/2001/XMLSchema" xmlns:p="http://schemas.microsoft.com/office/2006/metadata/properties" xmlns:ns2="3b00a67f-9791-437e-b702-303a706ea042" targetNamespace="http://schemas.microsoft.com/office/2006/metadata/properties" ma:root="true" ma:fieldsID="9f2b7ce840c78a2065a44a5a957cc1d0" ns2:_="">
+    <xsd:import namespace="3b00a67f-9791-437e-b702-303a706ea042"/>
+    <xsd:element name="properties">
+      <xsd:complexType>
+        <xsd:sequence>
+          <xsd:element name="documentManagement">
+            <xsd:complexType>
+              <xsd:all>
+                <xsd:element ref="ns2:MediaServiceMetadata" minOccurs="0"/>
+                <xsd:element ref="ns2:MediaServiceFastMetadata" minOccurs="0"/>
+                <xsd:element ref="ns2:MediaServiceAutoTags" minOccurs="0"/>
+                <xsd:element ref="ns2:MediaServiceGenerationTime" minOccurs="0"/>
+                <xsd:element ref="ns2:MediaServiceEventHashCode" minOccurs="0"/>
+                <xsd:element ref="ns2:MediaServiceDateTaken" minOccurs="0"/>
+                <xsd:element ref="ns2:MediaServiceOCR" minOccurs="0"/>
+                <xsd:element ref="ns2:MediaServiceAutoKeyPoints" minOccurs="0"/>
+                <xsd:element ref="ns2:MediaServiceKeyPoints" minOccurs="0"/>
+                <xsd:element ref="ns2:MediaServiceLocation" minOccurs="0"/>
+                <xsd:element ref="ns2:MediaLengthInSeconds" minOccurs="0"/>
+              </xsd:all>
+            </xsd:complexType>
+          </xsd:element>
+        </xsd:sequence>
+      </xsd:complexType>
+    </xsd:element>
+  </xsd:schema>
+  <xsd:schema xmlns:xsd="http://www.w3.org/2001/XMLSchema" xmlns:xs="http://www.w3.org/2001/XMLSchema" xmlns:dms="http://schemas.microsoft.com/office/2006/documentManagement/types" xmlns:pc="http://schemas.microsoft.com/office/infopath/2007/PartnerControls" targetNamespace="3b00a67f-9791-437e-b702-303a706ea042" elementFormDefault="qualified">
+    <xsd:import namespace="http://schemas.microsoft.com/office/2006/documentManagement/types"/>
+    <xsd:import namespace="http://schemas.microsoft.com/office/infopath/2007/PartnerControls"/>
+    <xsd:element name="MediaServiceMetadata" ma:index="8" nillable="true" ma:displayName="MediaServiceMetadata" ma:hidden="true" ma:internalName="MediaServiceMetadata" ma:readOnly="true">
+      <xsd:simpleType>
+        <xsd:restriction base="dms:Note"/>
+      </xsd:simpleType>
+    </xsd:element>
+    <xsd:element name="MediaServiceFastMetadata" ma:index="9" nillable="true" ma:displayName="MediaServiceFastMetadata" ma:hidden="true" ma:internalName="MediaServiceFastMetadata" ma:readOnly="true">
+      <xsd:simpleType>
+        <xsd:restriction base="dms:Note"/>
+      </xsd:simpleType>
+    </xsd:element>
+    <xsd:element name="MediaServiceAutoTags" ma:index="10" nillable="true" ma:displayName="Tags" ma:internalName="MediaServiceAutoTags" ma:readOnly="true">
+      <xsd:simpleType>
+        <xsd:restriction base="dms:Text"/>
+      </xsd:simpleType>
+    </xsd:element>
+    <xsd:element name="MediaServiceGenerationTime" ma:index="11" nillable="true" ma:displayName="MediaServiceGenerationTime" ma:hidden="true" ma:internalName="MediaServiceGenerationTime" ma:readOnly="true">
+      <xsd:simpleType>
+        <xsd:restriction base="dms:Text"/>
+      </xsd:simpleType>
+    </xsd:element>
+    <xsd:element name="MediaServiceEventHashCode" ma:index="12" nillable="true" ma:displayName="MediaServiceEventHashCode" ma:hidden="true" ma:internalName="MediaServiceEventHashCode" ma:readOnly="true">
+      <xsd:simpleType>
+        <xsd:restriction base="dms:Text"/>
+      </xsd:simpleType>
+    </xsd:element>
+    <xsd:element name="MediaServiceDateTaken" ma:index="13" nillable="true" ma:displayName="MediaServiceDateTaken" ma:hidden="true" ma:internalName="MediaServiceDateTaken" ma:readOnly="true">
+      <xsd:simpleType>
+        <xsd:restriction base="dms:Text"/>
+      </xsd:simpleType>
+    </xsd:element>
+    <xsd:element name="MediaServiceOCR" ma:index="14" nillable="true" ma:displayName="Extracted Text" ma:internalName="MediaServiceOCR" ma:readOnly="true">
+      <xsd:simpleType>
+        <xsd:restriction base="dms:Note">
+          <xsd:maxLength value="255"/>
+        </xsd:restriction>
+      </xsd:simpleType>
+    </xsd:element>
+    <xsd:element name="MediaServiceAutoKeyPoints" ma:index="15" nillable="true" ma:displayName="MediaServiceAutoKeyPoints" ma:hidden="true" ma:internalName="MediaServiceAutoKeyPoints" ma:readOnly="true">
+      <xsd:simpleType>
+        <xsd:restriction base="dms:Note"/>
+      </xsd:simpleType>
+    </xsd:element>
+    <xsd:element name="MediaServiceKeyPoints" ma:index="16" nillable="true" ma:displayName="KeyPoints" ma:internalName="MediaServiceKeyPoints" ma:readOnly="true">
+      <xsd:simpleType>
+        <xsd:restriction base="dms:Note">
+          <xsd:maxLength value="255"/>
+        </xsd:restriction>
+      </xsd:simpleType>
+    </xsd:element>
+    <xsd:element name="MediaServiceLocation" ma:index="17" nillable="true" ma:displayName="Location" ma:internalName="MediaServiceLocation" ma:readOnly="true">
+      <xsd:simpleType>
+        <xsd:restriction base="dms:Text"/>
+      </xsd:simpleType>
+    </xsd:element>
+    <xsd:element name="MediaLengthInSeconds" ma:index="18" nillable="true" ma:displayName="Length (seconds)" ma:internalName="MediaLengthInSeconds" ma:readOnly="true">
+      <xsd:simpleType>
+        <xsd:restriction base="dms:Unknown"/>
+      </xsd:simpleType>
+    </xsd:element>
+  </xsd:schema>
+  <xsd:schema xmlns="http://schemas.openxmlformats.org/package/2006/metadata/core-properties" xmlns:xsd="http://www.w3.org/2001/XMLSchema" xmlns:xsi="http://www.w3.org/2001/XMLSchema-instance" xmlns:dc="http://purl.org/dc/elements/1.1/" xmlns:dcterms="http://purl.org/dc/terms/" xmlns:odoc="http://schemas.microsoft.com/internal/obd" targetNamespace="http://schemas.openxmlformats.org/package/2006/metadata/core-properties" elementFormDefault="qualified" attributeFormDefault="unqualified" blockDefault="#all">
+    <xsd:import namespace="http://purl.org/dc/elements/1.1/" schemaLocation="http://dublincore.org/schemas/xmls/qdc/2003/04/02/dc.xsd"/>
+    <xsd:import namespace="http://purl.org/dc/terms/" schemaLocation="http://dublincore.org/schemas/xmls/qdc/2003/04/02/dcterms.xsd"/>
+    <xsd:element name="coreProperties" type="CT_coreProperties"/>
+    <xsd:complexType name="CT_coreProperties">
+      <xsd:all>
+        <xsd:element ref="dc:creator" minOccurs="0" maxOccurs="1"/>
+        <xsd:element ref="dcterms:created" minOccurs="0" maxOccurs="1"/>
+        <xsd:element ref="dc:identifier" minOccurs="0" maxOccurs="1"/>
+        <xsd:element name="contentType" minOccurs="0" maxOccurs="1" type="xsd:string" ma:index="0" ma:displayName="Innholdstype"/>
+        <xsd:element ref="dc:title" minOccurs="0" maxOccurs="1" ma:index="4" ma:displayName="Tittel"/>
+        <xsd:element ref="dc:subject" minOccurs="0" maxOccurs="1"/>
+        <xsd:element ref="dc:description" minOccurs="0" maxOccurs="1"/>
+        <xsd:element name="keywords" minOccurs="0" maxOccurs="1" type="xsd:string"/>
+        <xsd:element ref="dc:language" minOccurs="0" maxOccurs="1"/>
+        <xsd:element name="category" minOccurs="0" maxOccurs="1" type="xsd:string"/>
+        <xsd:element name="version" minOccurs="0" maxOccurs="1" type="xsd:string"/>
+        <xsd:element name="revision" minOccurs="0" maxOccurs="1" type="xsd:string">
+          <xsd:annotation>
+            <xsd:documentation>
+                        This value indicates the number of saves or revisions. The application is responsible for updating this value after each revision.
+                    </xsd:documentation>
+          </xsd:annotation>
+        </xsd:element>
+        <xsd:element name="lastModifiedBy" minOccurs="0" maxOccurs="1" type="xsd:string"/>
+        <xsd:element ref="dcterms:modified" minOccurs="0" maxOccurs="1"/>
+        <xsd:element name="contentStatus" minOccurs="0" maxOccurs="1" type="xsd:string"/>
+      </xsd:all>
+    </xsd:complexType>
+  </xsd:schema>
+  <xs:schema xmlns:pc="http://schemas.microsoft.com/office/infopath/2007/PartnerControls" xmlns:xs="http://www.w3.org/2001/XMLSchema" targetNamespace="http://schemas.microsoft.com/office/infopath/2007/PartnerControls" elementFormDefault="qualified" attributeFormDefault="unqualified">
+    <xs:element name="Person">
+      <xs:complexType>
+        <xs:sequence>
+          <xs:element ref="pc:DisplayName" minOccurs="0"/>
+          <xs:element ref="pc:AccountId" minOccurs="0"/>
+          <xs:element ref="pc:AccountType" minOccurs="0"/>
+        </xs:sequence>
+      </xs:complexType>
+    </xs:element>
+    <xs:element name="DisplayName" type="xs:string"/>
+    <xs:element name="AccountId" type="xs:string"/>
+    <xs:element name="AccountType" type="xs:string"/>
+    <xs:element name="BDCAssociatedEntity">
+      <xs:complexType>
+        <xs:sequence>
+          <xs:element ref="pc:BDCEntity" minOccurs="0" maxOccurs="unbounded"/>
+        </xs:sequence>
+        <xs:attribute ref="pc:EntityNamespace"/>
+        <xs:attribute ref="pc:EntityName"/>
+        <xs:attribute ref="pc:SystemInstanceName"/>
+        <xs:attribute ref="pc:AssociationName"/>
+      </xs:complexType>
+    </xs:element>
+    <xs:attribute name="EntityNamespace" type="xs:string"/>
+    <xs:attribute name="EntityName" type="xs:string"/>
+    <xs:attribute name="SystemInstanceName" type="xs:string"/>
+    <xs:attribute name="AssociationName" type="xs:string"/>
+    <xs:element name="BDCEntity">
+      <xs:complexType>
+        <xs:sequence>
+          <xs:element ref="pc:EntityDisplayName" minOccurs="0"/>
+          <xs:element ref="pc:EntityInstanceReference" minOccurs="0"/>
+          <xs:element ref="pc:EntityId1" minOccurs="0"/>
+          <xs:element ref="pc:EntityId2" minOccurs="0"/>
+          <xs:element ref="pc:EntityId3" minOccurs="0"/>
+          <xs:element ref="pc:EntityId4" minOccurs="0"/>
+          <xs:element ref="pc:EntityId5" minOccurs="0"/>
+        </xs:sequence>
+      </xs:complexType>
+    </xs:element>
+    <xs:element name="EntityDisplayName" type="xs:string"/>
+    <xs:element name="EntityInstanceReference" type="xs:string"/>
+    <xs:element name="EntityId1" type="xs:string"/>
+    <xs:element name="EntityId2" type="xs:string"/>
+    <xs:element name="EntityId3" type="xs:string"/>
+    <xs:element name="EntityId4" type="xs:string"/>
+    <xs:element name="EntityId5" type="xs:string"/>
+    <xs:element name="Terms">
+      <xs:complexType>
+        <xs:sequence>
+          <xs:element ref="pc:TermInfo" minOccurs="0" maxOccurs="unbounded"/>
+        </xs:sequence>
+      </xs:complexType>
+    </xs:element>
+    <xs:element name="TermInfo">
+      <xs:complexType>
+        <xs:sequence>
+          <xs:element ref="pc:TermName" minOccurs="0"/>
+          <xs:element ref="pc:TermId" minOccurs="0"/>
+        </xs:sequence>
+      </xs:complexType>
+    </xs:element>
+    <xs:element name="TermName" type="xs:string"/>
+    <xs:element name="TermId" type="xs:string"/>
+  </xs:schema>
+</ct:contentTypeSchema>
+</file>
+
+<file path=customXml/item2.xml><?xml version="1.0" encoding="utf-8"?>
+<p:properties xmlns:p="http://schemas.microsoft.com/office/2006/metadata/properties" xmlns:xsi="http://www.w3.org/2001/XMLSchema-instance" xmlns:pc="http://schemas.microsoft.com/office/infopath/2007/PartnerControls">
+  <documentManagement/>
+</p:properties>
+</file>
+
+<file path=customXml/item3.xml><?xml version="1.0" encoding="utf-8"?>
+<?mso-contentType ?>
+<FormTemplates xmlns="http://schemas.microsoft.com/sharepoint/v3/contenttype/forms">
+  <Display>DocumentLibraryForm</Display>
+  <Edit>DocumentLibraryForm</Edit>
+  <New>DocumentLibraryForm</New>
+</FormTemplates>
+</file>
+
+<file path=customXml/itemProps1.xml><?xml version="1.0" encoding="utf-8"?>
+<ds:datastoreItem xmlns:ds="http://schemas.openxmlformats.org/officeDocument/2006/customXml" ds:itemID="{407582D6-3137-4D13-9E48-A98685FC6931}">
+  <ds:schemaRefs>
+    <ds:schemaRef ds:uri="http://schemas.microsoft.com/office/2006/metadata/contentType"/>
+    <ds:schemaRef ds:uri="http://schemas.microsoft.com/office/2006/metadata/properties/metaAttributes"/>
+    <ds:schemaRef ds:uri="http://www.w3.org/2001/XMLSchema"/>
+    <ds:schemaRef ds:uri="http://schemas.microsoft.com/office/2006/metadata/properties"/>
+    <ds:schemaRef ds:uri="3b00a67f-9791-437e-b702-303a706ea042"/>
+    <ds:schemaRef ds:uri="http://schemas.microsoft.com/office/2006/documentManagement/types"/>
+    <ds:schemaRef ds:uri="http://schemas.microsoft.com/office/infopath/2007/PartnerControls"/>
+    <ds:schemaRef ds:uri="http://schemas.openxmlformats.org/package/2006/metadata/core-properties"/>
+    <ds:schemaRef ds:uri="http://purl.org/dc/elements/1.1/"/>
+    <ds:schemaRef ds:uri="http://purl.org/dc/terms/"/>
+    <ds:schemaRef ds:uri="http://schemas.microsoft.com/internal/obd"/>
+  </ds:schemaRefs>
+</ds:datastoreItem>
+</file>
+
+<file path=customXml/itemProps2.xml><?xml version="1.0" encoding="utf-8"?>
+<ds:datastoreItem xmlns:ds="http://schemas.openxmlformats.org/officeDocument/2006/customXml" ds:itemID="{59D84FE9-90BD-413A-BD1B-E5F8442116C9}">
+  <ds:schemaRefs>
+    <ds:schemaRef ds:uri="http://schemas.microsoft.com/office/2006/metadata/properties"/>
+    <ds:schemaRef ds:uri="http://schemas.microsoft.com/office/infopath/2007/PartnerControls"/>
+  </ds:schemaRefs>
+</ds:datastoreItem>
+</file>
+
+<file path=customXml/itemProps3.xml><?xml version="1.0" encoding="utf-8"?>
+<ds:datastoreItem xmlns:ds="http://schemas.openxmlformats.org/officeDocument/2006/customXml" ds:itemID="{03F341BE-FCEF-4AC8-980C-63738F6D926A}">
+  <ds:schemaRefs>
+    <ds:schemaRef ds:uri="http://schemas.microsoft.com/sharepoint/v3/contenttype/forms"/>
+  </ds:schemaRefs>
+</ds:datastoreItem>
 </file>
--- a/PP_MAL_NORSK.pptx
+++ b/PP_MAL_NORSK.pptx
@@ -209,7 +209,7 @@
           <a:p>
             <a:fld id="{FE3CBABE-916E-4AAD-B057-5389DC7DF64C}" type="datetimeFigureOut">
               <a:rPr lang="nb-NO" smtClean="0"/>
-              <a:t>22.12.2021</a:t>
+              <a:t>13.07.2022</a:t>
             </a:fld>
             <a:endParaRPr lang="nb-NO"/>
           </a:p>
@@ -1118,7 +1118,7 @@
             <a:fld id="{CC918E41-4448-4E79-865F-42013EA6E1CC}" type="datetime1">
               <a:rPr lang="nb-NO" smtClean="0"/>
               <a:pPr/>
-              <a:t>22.12.2021</a:t>
+              <a:t>13.07.2022</a:t>
             </a:fld>
             <a:endParaRPr lang="nb-NO" dirty="0"/>
           </a:p>
@@ -2711,6 +2711,88 @@
 </file>
 
 <file path=ppt/slideLayouts/slideLayout17.xml><?xml version="1.0" encoding="utf-8"?>
+<p:sldLayout xmlns:a="http://schemas.openxmlformats.org/drawingml/2006/main" xmlns:r="http://schemas.openxmlformats.org/officeDocument/2006/relationships" xmlns:p="http://schemas.openxmlformats.org/presentationml/2006/main" preserve="1" userDrawn="1">
+  <p:cSld name="Nøytral uten logo">
+    <p:spTree>
+      <p:nvGrpSpPr>
+        <p:cNvPr id="1" name=""/>
+        <p:cNvGrpSpPr/>
+        <p:nvPr/>
+      </p:nvGrpSpPr>
+      <p:grpSpPr>
+        <a:xfrm>
+          <a:off x="0" y="0"/>
+          <a:ext cx="0" cy="0"/>
+          <a:chOff x="0" y="0"/>
+          <a:chExt cx="0" cy="0"/>
+        </a:xfrm>
+      </p:grpSpPr>
+      <p:sp>
+        <p:nvSpPr>
+          <p:cNvPr id="5" name="Rektangel 4">
+            <a:extLst>
+              <a:ext uri="{FF2B5EF4-FFF2-40B4-BE49-F238E27FC236}">
+                <a16:creationId xmlns:a16="http://schemas.microsoft.com/office/drawing/2014/main" id="{82B0047A-29FF-A858-ACDB-7140A07BD473}"/>
+              </a:ext>
+            </a:extLst>
+          </p:cNvPr>
+          <p:cNvSpPr/>
+          <p:nvPr userDrawn="1"/>
+        </p:nvSpPr>
+        <p:spPr>
+          <a:xfrm>
+            <a:off x="107576" y="4525896"/>
+            <a:ext cx="1160290" cy="507146"/>
+          </a:xfrm>
+          <a:prstGeom prst="rect">
+            <a:avLst/>
+          </a:prstGeom>
+          <a:solidFill>
+            <a:schemeClr val="bg1"/>
+          </a:solidFill>
+          <a:ln>
+            <a:noFill/>
+          </a:ln>
+        </p:spPr>
+        <p:style>
+          <a:lnRef idx="2">
+            <a:schemeClr val="accent1">
+              <a:shade val="50000"/>
+            </a:schemeClr>
+          </a:lnRef>
+          <a:fillRef idx="1">
+            <a:schemeClr val="accent1"/>
+          </a:fillRef>
+          <a:effectRef idx="0">
+            <a:schemeClr val="accent1"/>
+          </a:effectRef>
+          <a:fontRef idx="minor">
+            <a:schemeClr val="lt1"/>
+          </a:fontRef>
+        </p:style>
+        <p:txBody>
+          <a:bodyPr rtlCol="0" anchor="ctr"/>
+          <a:lstStyle/>
+          <a:p>
+            <a:pPr algn="ctr"/>
+            <a:endParaRPr lang="nb-NO"/>
+          </a:p>
+        </p:txBody>
+      </p:sp>
+    </p:spTree>
+    <p:extLst>
+      <p:ext uri="{BB962C8B-B14F-4D97-AF65-F5344CB8AC3E}">
+        <p14:creationId xmlns:p14="http://schemas.microsoft.com/office/powerpoint/2010/main" val="4182634070"/>
+      </p:ext>
+    </p:extLst>
+  </p:cSld>
+  <p:clrMapOvr>
+    <a:masterClrMapping/>
+  </p:clrMapOvr>
+</p:sldLayout>
+</file>
+
+<file path=ppt/slideLayouts/slideLayout18.xml><?xml version="1.0" encoding="utf-8"?>
 <p:sldLayout xmlns:a="http://schemas.openxmlformats.org/drawingml/2006/main" xmlns:r="http://schemas.openxmlformats.org/officeDocument/2006/relationships" xmlns:p="http://schemas.openxmlformats.org/presentationml/2006/main" showMasterSp="0" preserve="1" userDrawn="1">
   <p:cSld name="Forside">
     <p:spTree>
@@ -2801,7 +2883,7 @@
           <a:p>
             <a:fld id="{CC918E41-4448-4E79-865F-42013EA6E1CC}" type="datetime1">
               <a:rPr lang="nb-NO" smtClean="0"/>
-              <a:t>22.12.2021</a:t>
+              <a:t>13.07.2022</a:t>
             </a:fld>
             <a:endParaRPr lang="nb-NO" dirty="0"/>
           </a:p>
@@ -2909,7 +2991,7 @@
 </p:sldLayout>
 </file>
 
-<file path=ppt/slideLayouts/slideLayout18.xml><?xml version="1.0" encoding="utf-8"?>
+<file path=ppt/slideLayouts/slideLayout19.xml><?xml version="1.0" encoding="utf-8"?>
 <p:sldLayout xmlns:a="http://schemas.openxmlformats.org/drawingml/2006/main" xmlns:r="http://schemas.openxmlformats.org/officeDocument/2006/relationships" xmlns:p="http://schemas.openxmlformats.org/presentationml/2006/main" type="title" preserve="1">
   <p:cSld name="Tittellysbilde">
     <p:spTree>
@@ -3027,151 +3109,6 @@
     <p:extLst>
       <p:ext uri="{BB962C8B-B14F-4D97-AF65-F5344CB8AC3E}">
         <p14:creationId xmlns:p14="http://schemas.microsoft.com/office/powerpoint/2010/main" val="806274069"/>
-      </p:ext>
-    </p:extLst>
-  </p:cSld>
-  <p:clrMapOvr>
-    <a:masterClrMapping/>
-  </p:clrMapOvr>
-</p:sldLayout>
-</file>
-
-<file path=ppt/slideLayouts/slideLayout19.xml><?xml version="1.0" encoding="utf-8"?>
-<p:sldLayout xmlns:a="http://schemas.openxmlformats.org/drawingml/2006/main" xmlns:r="http://schemas.openxmlformats.org/officeDocument/2006/relationships" xmlns:p="http://schemas.openxmlformats.org/presentationml/2006/main" type="obj" preserve="1">
-  <p:cSld name="Tittel og innhold">
-    <p:spTree>
-      <p:nvGrpSpPr>
-        <p:cNvPr id="1" name=""/>
-        <p:cNvGrpSpPr/>
-        <p:nvPr/>
-      </p:nvGrpSpPr>
-      <p:grpSpPr>
-        <a:xfrm>
-          <a:off x="0" y="0"/>
-          <a:ext cx="0" cy="0"/>
-          <a:chOff x="0" y="0"/>
-          <a:chExt cx="0" cy="0"/>
-        </a:xfrm>
-      </p:grpSpPr>
-      <p:sp>
-        <p:nvSpPr>
-          <p:cNvPr id="2" name="Tittel 1"/>
-          <p:cNvSpPr>
-            <a:spLocks noGrp="1"/>
-          </p:cNvSpPr>
-          <p:nvPr>
-            <p:ph type="title" hasCustomPrompt="1"/>
-          </p:nvPr>
-        </p:nvSpPr>
-        <p:spPr/>
-        <p:txBody>
-          <a:bodyPr/>
-          <a:lstStyle/>
-          <a:p>
-            <a:r>
-              <a:rPr lang="nb-NO" dirty="0"/>
-              <a:t>Klikk for å legge til tittel</a:t>
-            </a:r>
-          </a:p>
-        </p:txBody>
-      </p:sp>
-      <p:sp>
-        <p:nvSpPr>
-          <p:cNvPr id="3" name="Plassholder for innhold 2"/>
-          <p:cNvSpPr>
-            <a:spLocks noGrp="1"/>
-          </p:cNvSpPr>
-          <p:nvPr>
-            <p:ph idx="1" hasCustomPrompt="1"/>
-          </p:nvPr>
-        </p:nvSpPr>
-        <p:spPr/>
-        <p:txBody>
-          <a:bodyPr/>
-          <a:lstStyle/>
-          <a:p>
-            <a:pPr lvl="0"/>
-            <a:r>
-              <a:rPr lang="nb-NO" dirty="0"/>
-              <a:t>Klikk for å legge til tekst</a:t>
-            </a:r>
-          </a:p>
-          <a:p>
-            <a:pPr lvl="1"/>
-            <a:r>
-              <a:rPr lang="nb-NO" dirty="0"/>
-              <a:t>Andre nivå</a:t>
-            </a:r>
-          </a:p>
-          <a:p>
-            <a:pPr lvl="2"/>
-            <a:r>
-              <a:rPr lang="nb-NO" dirty="0"/>
-              <a:t>Tredje nivå</a:t>
-            </a:r>
-          </a:p>
-          <a:p>
-            <a:pPr lvl="3"/>
-            <a:r>
-              <a:rPr lang="nb-NO" dirty="0"/>
-              <a:t>Fjerde nivå</a:t>
-            </a:r>
-          </a:p>
-          <a:p>
-            <a:pPr lvl="4"/>
-            <a:r>
-              <a:rPr lang="nb-NO" dirty="0"/>
-              <a:t>Femte nivå</a:t>
-            </a:r>
-          </a:p>
-        </p:txBody>
-      </p:sp>
-      <p:sp>
-        <p:nvSpPr>
-          <p:cNvPr id="5" name="Plassholder for bunntekst 4"/>
-          <p:cNvSpPr>
-            <a:spLocks noGrp="1"/>
-          </p:cNvSpPr>
-          <p:nvPr>
-            <p:ph type="ftr" sz="quarter" idx="11"/>
-          </p:nvPr>
-        </p:nvSpPr>
-        <p:spPr/>
-        <p:txBody>
-          <a:bodyPr/>
-          <a:lstStyle/>
-          <a:p>
-            <a:endParaRPr lang="nb-NO" dirty="0"/>
-          </a:p>
-        </p:txBody>
-      </p:sp>
-      <p:sp>
-        <p:nvSpPr>
-          <p:cNvPr id="6" name="Plassholder for lysbildenummer 5"/>
-          <p:cNvSpPr>
-            <a:spLocks noGrp="1"/>
-          </p:cNvSpPr>
-          <p:nvPr>
-            <p:ph type="sldNum" sz="quarter" idx="12"/>
-          </p:nvPr>
-        </p:nvSpPr>
-        <p:spPr/>
-        <p:txBody>
-          <a:bodyPr/>
-          <a:lstStyle/>
-          <a:p>
-            <a:fld id="{35E025E5-F4E9-4572-B8CF-5901727261FC}" type="slidenum">
-              <a:rPr lang="nb-NO" smtClean="0"/>
-              <a:t>‹#›</a:t>
-            </a:fld>
-            <a:endParaRPr lang="nb-NO" dirty="0"/>
-          </a:p>
-        </p:txBody>
-      </p:sp>
-    </p:spTree>
-    <p:extLst>
-      <p:ext uri="{BB962C8B-B14F-4D97-AF65-F5344CB8AC3E}">
-        <p14:creationId xmlns:p14="http://schemas.microsoft.com/office/powerpoint/2010/main" val="125319587"/>
       </p:ext>
     </p:extLst>
   </p:cSld>
@@ -3359,6 +3296,151 @@
 </file>
 
 <file path=ppt/slideLayouts/slideLayout20.xml><?xml version="1.0" encoding="utf-8"?>
+<p:sldLayout xmlns:a="http://schemas.openxmlformats.org/drawingml/2006/main" xmlns:r="http://schemas.openxmlformats.org/officeDocument/2006/relationships" xmlns:p="http://schemas.openxmlformats.org/presentationml/2006/main" type="obj" preserve="1">
+  <p:cSld name="Tittel og innhold">
+    <p:spTree>
+      <p:nvGrpSpPr>
+        <p:cNvPr id="1" name=""/>
+        <p:cNvGrpSpPr/>
+        <p:nvPr/>
+      </p:nvGrpSpPr>
+      <p:grpSpPr>
+        <a:xfrm>
+          <a:off x="0" y="0"/>
+          <a:ext cx="0" cy="0"/>
+          <a:chOff x="0" y="0"/>
+          <a:chExt cx="0" cy="0"/>
+        </a:xfrm>
+      </p:grpSpPr>
+      <p:sp>
+        <p:nvSpPr>
+          <p:cNvPr id="2" name="Tittel 1"/>
+          <p:cNvSpPr>
+            <a:spLocks noGrp="1"/>
+          </p:cNvSpPr>
+          <p:nvPr>
+            <p:ph type="title" hasCustomPrompt="1"/>
+          </p:nvPr>
+        </p:nvSpPr>
+        <p:spPr/>
+        <p:txBody>
+          <a:bodyPr/>
+          <a:lstStyle/>
+          <a:p>
+            <a:r>
+              <a:rPr lang="nb-NO" dirty="0"/>
+              <a:t>Klikk for å legge til tittel</a:t>
+            </a:r>
+          </a:p>
+        </p:txBody>
+      </p:sp>
+      <p:sp>
+        <p:nvSpPr>
+          <p:cNvPr id="3" name="Plassholder for innhold 2"/>
+          <p:cNvSpPr>
+            <a:spLocks noGrp="1"/>
+          </p:cNvSpPr>
+          <p:nvPr>
+            <p:ph idx="1" hasCustomPrompt="1"/>
+          </p:nvPr>
+        </p:nvSpPr>
+        <p:spPr/>
+        <p:txBody>
+          <a:bodyPr/>
+          <a:lstStyle/>
+          <a:p>
+            <a:pPr lvl="0"/>
+            <a:r>
+              <a:rPr lang="nb-NO" dirty="0"/>
+              <a:t>Klikk for å legge til tekst</a:t>
+            </a:r>
+          </a:p>
+          <a:p>
+            <a:pPr lvl="1"/>
+            <a:r>
+              <a:rPr lang="nb-NO" dirty="0"/>
+              <a:t>Andre nivå</a:t>
+            </a:r>
+          </a:p>
+          <a:p>
+            <a:pPr lvl="2"/>
+            <a:r>
+              <a:rPr lang="nb-NO" dirty="0"/>
+              <a:t>Tredje nivå</a:t>
+            </a:r>
+          </a:p>
+          <a:p>
+            <a:pPr lvl="3"/>
+            <a:r>
+              <a:rPr lang="nb-NO" dirty="0"/>
+              <a:t>Fjerde nivå</a:t>
+            </a:r>
+          </a:p>
+          <a:p>
+            <a:pPr lvl="4"/>
+            <a:r>
+              <a:rPr lang="nb-NO" dirty="0"/>
+              <a:t>Femte nivå</a:t>
+            </a:r>
+          </a:p>
+        </p:txBody>
+      </p:sp>
+      <p:sp>
+        <p:nvSpPr>
+          <p:cNvPr id="5" name="Plassholder for bunntekst 4"/>
+          <p:cNvSpPr>
+            <a:spLocks noGrp="1"/>
+          </p:cNvSpPr>
+          <p:nvPr>
+            <p:ph type="ftr" sz="quarter" idx="11"/>
+          </p:nvPr>
+        </p:nvSpPr>
+        <p:spPr/>
+        <p:txBody>
+          <a:bodyPr/>
+          <a:lstStyle/>
+          <a:p>
+            <a:endParaRPr lang="nb-NO" dirty="0"/>
+          </a:p>
+        </p:txBody>
+      </p:sp>
+      <p:sp>
+        <p:nvSpPr>
+          <p:cNvPr id="6" name="Plassholder for lysbildenummer 5"/>
+          <p:cNvSpPr>
+            <a:spLocks noGrp="1"/>
+          </p:cNvSpPr>
+          <p:nvPr>
+            <p:ph type="sldNum" sz="quarter" idx="12"/>
+          </p:nvPr>
+        </p:nvSpPr>
+        <p:spPr/>
+        <p:txBody>
+          <a:bodyPr/>
+          <a:lstStyle/>
+          <a:p>
+            <a:fld id="{35E025E5-F4E9-4572-B8CF-5901727261FC}" type="slidenum">
+              <a:rPr lang="nb-NO" smtClean="0"/>
+              <a:t>‹#›</a:t>
+            </a:fld>
+            <a:endParaRPr lang="nb-NO" dirty="0"/>
+          </a:p>
+        </p:txBody>
+      </p:sp>
+    </p:spTree>
+    <p:extLst>
+      <p:ext uri="{BB962C8B-B14F-4D97-AF65-F5344CB8AC3E}">
+        <p14:creationId xmlns:p14="http://schemas.microsoft.com/office/powerpoint/2010/main" val="125319587"/>
+      </p:ext>
+    </p:extLst>
+  </p:cSld>
+  <p:clrMapOvr>
+    <a:masterClrMapping/>
+  </p:clrMapOvr>
+</p:sldLayout>
+</file>
+
+<file path=ppt/slideLayouts/slideLayout21.xml><?xml version="1.0" encoding="utf-8"?>
 <p:sldLayout xmlns:a="http://schemas.openxmlformats.org/drawingml/2006/main" xmlns:r="http://schemas.openxmlformats.org/officeDocument/2006/relationships" xmlns:p="http://schemas.openxmlformats.org/presentationml/2006/main" type="secHead" preserve="1">
   <p:cSld name="Deloverskrift">
     <p:spTree>
@@ -3579,7 +3661,7 @@
 </p:sldLayout>
 </file>
 
-<file path=ppt/slideLayouts/slideLayout21.xml><?xml version="1.0" encoding="utf-8"?>
+<file path=ppt/slideLayouts/slideLayout22.xml><?xml version="1.0" encoding="utf-8"?>
 <p:sldLayout xmlns:a="http://schemas.openxmlformats.org/drawingml/2006/main" xmlns:r="http://schemas.openxmlformats.org/officeDocument/2006/relationships" xmlns:p="http://schemas.openxmlformats.org/presentationml/2006/main" type="twoObj" preserve="1">
   <p:cSld name="To innholdsdeler">
     <p:spTree>
@@ -3785,7 +3867,7 @@
 </p:sldLayout>
 </file>
 
-<file path=ppt/slideLayouts/slideLayout22.xml><?xml version="1.0" encoding="utf-8"?>
+<file path=ppt/slideLayouts/slideLayout23.xml><?xml version="1.0" encoding="utf-8"?>
 <p:sldLayout xmlns:a="http://schemas.openxmlformats.org/drawingml/2006/main" xmlns:r="http://schemas.openxmlformats.org/officeDocument/2006/relationships" xmlns:p="http://schemas.openxmlformats.org/presentationml/2006/main" preserve="1" userDrawn="1">
   <p:cSld name="Sammenligning">
     <p:spTree>
@@ -4135,7 +4217,7 @@
 </p:sldLayout>
 </file>
 
-<file path=ppt/slideLayouts/slideLayout23.xml><?xml version="1.0" encoding="utf-8"?>
+<file path=ppt/slideLayouts/slideLayout24.xml><?xml version="1.0" encoding="utf-8"?>
 <p:sldLayout xmlns:a="http://schemas.openxmlformats.org/drawingml/2006/main" xmlns:r="http://schemas.openxmlformats.org/officeDocument/2006/relationships" xmlns:p="http://schemas.openxmlformats.org/presentationml/2006/main" type="titleOnly" preserve="1">
   <p:cSld name="Bare tittel">
     <p:spTree>
@@ -4229,7 +4311,7 @@
 </p:sldLayout>
 </file>
 
-<file path=ppt/slideLayouts/slideLayout24.xml><?xml version="1.0" encoding="utf-8"?>
+<file path=ppt/slideLayouts/slideLayout25.xml><?xml version="1.0" encoding="utf-8"?>
 <p:sldLayout xmlns:a="http://schemas.openxmlformats.org/drawingml/2006/main" xmlns:r="http://schemas.openxmlformats.org/officeDocument/2006/relationships" xmlns:p="http://schemas.openxmlformats.org/presentationml/2006/main" type="blank" preserve="1">
   <p:cSld name="Tomt">
     <p:spTree>
@@ -4301,7 +4383,7 @@
 </p:sldLayout>
 </file>
 
-<file path=ppt/slideLayouts/slideLayout25.xml><?xml version="1.0" encoding="utf-8"?>
+<file path=ppt/slideLayouts/slideLayout26.xml><?xml version="1.0" encoding="utf-8"?>
 <p:sldLayout xmlns:a="http://schemas.openxmlformats.org/drawingml/2006/main" xmlns:r="http://schemas.openxmlformats.org/officeDocument/2006/relationships" xmlns:p="http://schemas.openxmlformats.org/presentationml/2006/main" type="objTx" preserve="1">
   <p:cSld name="Innhold med tekst">
     <p:spTree>
@@ -4553,7 +4635,7 @@
 </p:sldLayout>
 </file>
 
-<file path=ppt/slideLayouts/slideLayout26.xml><?xml version="1.0" encoding="utf-8"?>
+<file path=ppt/slideLayouts/slideLayout27.xml><?xml version="1.0" encoding="utf-8"?>
 <p:sldLayout xmlns:a="http://schemas.openxmlformats.org/drawingml/2006/main" xmlns:r="http://schemas.openxmlformats.org/officeDocument/2006/relationships" xmlns:p="http://schemas.openxmlformats.org/presentationml/2006/main" type="picTx" preserve="1">
   <p:cSld name="Bilde med tekst">
     <p:spTree>
@@ -4785,7 +4867,7 @@
 </p:sldLayout>
 </file>
 
-<file path=ppt/slideLayouts/slideLayout27.xml><?xml version="1.0" encoding="utf-8"?>
+<file path=ppt/slideLayouts/slideLayout28.xml><?xml version="1.0" encoding="utf-8"?>
 <p:sldLayout xmlns:a="http://schemas.openxmlformats.org/drawingml/2006/main" xmlns:r="http://schemas.openxmlformats.org/officeDocument/2006/relationships" xmlns:p="http://schemas.openxmlformats.org/presentationml/2006/main" preserve="1" userDrawn="1">
   <p:cSld name="Tittellysbilde">
     <p:spTree>
@@ -4924,7 +5006,7 @@
 </p:sldLayout>
 </file>
 
-<file path=ppt/slideLayouts/slideLayout28.xml><?xml version="1.0" encoding="utf-8"?>
+<file path=ppt/slideLayouts/slideLayout29.xml><?xml version="1.0" encoding="utf-8"?>
 <p:sldLayout xmlns:a="http://schemas.openxmlformats.org/drawingml/2006/main" xmlns:r="http://schemas.openxmlformats.org/officeDocument/2006/relationships" xmlns:p="http://schemas.openxmlformats.org/presentationml/2006/main" preserve="1" userDrawn="1">
   <p:cSld name="Tittel og innhold">
     <p:spTree>
@@ -5097,73 +5179,6 @@
     <p:extLst>
       <p:ext uri="{BB962C8B-B14F-4D97-AF65-F5344CB8AC3E}">
         <p14:creationId xmlns:p14="http://schemas.microsoft.com/office/powerpoint/2010/main" val="4285739991"/>
-      </p:ext>
-    </p:extLst>
-  </p:cSld>
-  <p:clrMapOvr>
-    <a:masterClrMapping/>
-  </p:clrMapOvr>
-</p:sldLayout>
-</file>
-
-<file path=ppt/slideLayouts/slideLayout29.xml><?xml version="1.0" encoding="utf-8"?>
-<p:sldLayout xmlns:a="http://schemas.openxmlformats.org/drawingml/2006/main" xmlns:r="http://schemas.openxmlformats.org/officeDocument/2006/relationships" xmlns:p="http://schemas.openxmlformats.org/presentationml/2006/main" preserve="1" userDrawn="1">
-  <p:cSld name="Bare tittel">
-    <p:spTree>
-      <p:nvGrpSpPr>
-        <p:cNvPr id="1" name=""/>
-        <p:cNvGrpSpPr/>
-        <p:nvPr/>
-      </p:nvGrpSpPr>
-      <p:grpSpPr>
-        <a:xfrm>
-          <a:off x="0" y="0"/>
-          <a:ext cx="0" cy="0"/>
-          <a:chOff x="0" y="0"/>
-          <a:chExt cx="0" cy="0"/>
-        </a:xfrm>
-      </p:grpSpPr>
-      <p:sp>
-        <p:nvSpPr>
-          <p:cNvPr id="6" name="Tittel 1">
-            <a:extLst>
-              <a:ext uri="{FF2B5EF4-FFF2-40B4-BE49-F238E27FC236}">
-                <a16:creationId xmlns:a16="http://schemas.microsoft.com/office/drawing/2014/main" id="{F57C1160-AA3D-4EC7-A753-1B68C145575F}"/>
-              </a:ext>
-            </a:extLst>
-          </p:cNvPr>
-          <p:cNvSpPr>
-            <a:spLocks noGrp="1"/>
-          </p:cNvSpPr>
-          <p:nvPr>
-            <p:ph type="title" hasCustomPrompt="1"/>
-          </p:nvPr>
-        </p:nvSpPr>
-        <p:spPr>
-          <a:xfrm>
-            <a:off x="772085" y="2033824"/>
-            <a:ext cx="7886700" cy="993775"/>
-          </a:xfrm>
-        </p:spPr>
-        <p:txBody>
-          <a:bodyPr/>
-          <a:lstStyle>
-            <a:lvl1pPr algn="ctr">
-              <a:defRPr/>
-            </a:lvl1pPr>
-          </a:lstStyle>
-          <a:p>
-            <a:r>
-              <a:rPr lang="nb-NO" dirty="0"/>
-              <a:t>Klikk for å legge til tittel</a:t>
-            </a:r>
-          </a:p>
-        </p:txBody>
-      </p:sp>
-    </p:spTree>
-    <p:extLst>
-      <p:ext uri="{BB962C8B-B14F-4D97-AF65-F5344CB8AC3E}">
-        <p14:creationId xmlns:p14="http://schemas.microsoft.com/office/powerpoint/2010/main" val="344276294"/>
       </p:ext>
     </p:extLst>
   </p:cSld>
@@ -5317,6 +5332,73 @@
 </file>
 
 <file path=ppt/slideLayouts/slideLayout30.xml><?xml version="1.0" encoding="utf-8"?>
+<p:sldLayout xmlns:a="http://schemas.openxmlformats.org/drawingml/2006/main" xmlns:r="http://schemas.openxmlformats.org/officeDocument/2006/relationships" xmlns:p="http://schemas.openxmlformats.org/presentationml/2006/main" preserve="1" userDrawn="1">
+  <p:cSld name="Bare tittel">
+    <p:spTree>
+      <p:nvGrpSpPr>
+        <p:cNvPr id="1" name=""/>
+        <p:cNvGrpSpPr/>
+        <p:nvPr/>
+      </p:nvGrpSpPr>
+      <p:grpSpPr>
+        <a:xfrm>
+          <a:off x="0" y="0"/>
+          <a:ext cx="0" cy="0"/>
+          <a:chOff x="0" y="0"/>
+          <a:chExt cx="0" cy="0"/>
+        </a:xfrm>
+      </p:grpSpPr>
+      <p:sp>
+        <p:nvSpPr>
+          <p:cNvPr id="6" name="Tittel 1">
+            <a:extLst>
+              <a:ext uri="{FF2B5EF4-FFF2-40B4-BE49-F238E27FC236}">
+                <a16:creationId xmlns:a16="http://schemas.microsoft.com/office/drawing/2014/main" id="{F57C1160-AA3D-4EC7-A753-1B68C145575F}"/>
+              </a:ext>
+            </a:extLst>
+          </p:cNvPr>
+          <p:cNvSpPr>
+            <a:spLocks noGrp="1"/>
+          </p:cNvSpPr>
+          <p:nvPr>
+            <p:ph type="title" hasCustomPrompt="1"/>
+          </p:nvPr>
+        </p:nvSpPr>
+        <p:spPr>
+          <a:xfrm>
+            <a:off x="772085" y="2033824"/>
+            <a:ext cx="7886700" cy="993775"/>
+          </a:xfrm>
+        </p:spPr>
+        <p:txBody>
+          <a:bodyPr/>
+          <a:lstStyle>
+            <a:lvl1pPr algn="ctr">
+              <a:defRPr/>
+            </a:lvl1pPr>
+          </a:lstStyle>
+          <a:p>
+            <a:r>
+              <a:rPr lang="nb-NO" dirty="0"/>
+              <a:t>Klikk for å legge til tittel</a:t>
+            </a:r>
+          </a:p>
+        </p:txBody>
+      </p:sp>
+    </p:spTree>
+    <p:extLst>
+      <p:ext uri="{BB962C8B-B14F-4D97-AF65-F5344CB8AC3E}">
+        <p14:creationId xmlns:p14="http://schemas.microsoft.com/office/powerpoint/2010/main" val="344276294"/>
+      </p:ext>
+    </p:extLst>
+  </p:cSld>
+  <p:clrMapOvr>
+    <a:masterClrMapping/>
+  </p:clrMapOvr>
+</p:sldLayout>
+</file>
+
+<file path=ppt/slideLayouts/slideLayout31.xml><?xml version="1.0" encoding="utf-8"?>
 <p:sldLayout xmlns:a="http://schemas.openxmlformats.org/drawingml/2006/main" xmlns:r="http://schemas.openxmlformats.org/officeDocument/2006/relationships" xmlns:p="http://schemas.openxmlformats.org/presentationml/2006/main" type="blank" preserve="1">
   <p:cSld name="Tomt">
     <p:spTree>
@@ -5346,7 +5428,7 @@
 </p:sldLayout>
 </file>
 
-<file path=ppt/slideLayouts/slideLayout31.xml><?xml version="1.0" encoding="utf-8"?>
+<file path=ppt/slideLayouts/slideLayout32.xml><?xml version="1.0" encoding="utf-8"?>
 <p:sldLayout xmlns:a="http://schemas.openxmlformats.org/drawingml/2006/main" xmlns:r="http://schemas.openxmlformats.org/officeDocument/2006/relationships" xmlns:p="http://schemas.openxmlformats.org/presentationml/2006/main" preserve="1" userDrawn="1">
   <p:cSld name="Tittellysbilde">
     <p:spTree>
@@ -5485,7 +5567,7 @@
 </p:sldLayout>
 </file>
 
-<file path=ppt/slideLayouts/slideLayout32.xml><?xml version="1.0" encoding="utf-8"?>
+<file path=ppt/slideLayouts/slideLayout33.xml><?xml version="1.0" encoding="utf-8"?>
 <p:sldLayout xmlns:a="http://schemas.openxmlformats.org/drawingml/2006/main" xmlns:r="http://schemas.openxmlformats.org/officeDocument/2006/relationships" xmlns:p="http://schemas.openxmlformats.org/presentationml/2006/main" preserve="1" userDrawn="1">
   <p:cSld name="Tittel og innhold">
     <p:spTree>
@@ -5667,7 +5749,7 @@
 </p:sldLayout>
 </file>
 
-<file path=ppt/slideLayouts/slideLayout33.xml><?xml version="1.0" encoding="utf-8"?>
+<file path=ppt/slideLayouts/slideLayout34.xml><?xml version="1.0" encoding="utf-8"?>
 <p:sldLayout xmlns:a="http://schemas.openxmlformats.org/drawingml/2006/main" xmlns:r="http://schemas.openxmlformats.org/officeDocument/2006/relationships" xmlns:p="http://schemas.openxmlformats.org/presentationml/2006/main" preserve="1" userDrawn="1">
   <p:cSld name="Bare tittel">
     <p:spTree>
@@ -5734,7 +5816,7 @@
 </p:sldLayout>
 </file>
 
-<file path=ppt/slideLayouts/slideLayout34.xml><?xml version="1.0" encoding="utf-8"?>
+<file path=ppt/slideLayouts/slideLayout35.xml><?xml version="1.0" encoding="utf-8"?>
 <p:sldLayout xmlns:a="http://schemas.openxmlformats.org/drawingml/2006/main" xmlns:r="http://schemas.openxmlformats.org/officeDocument/2006/relationships" xmlns:p="http://schemas.openxmlformats.org/presentationml/2006/main" type="blank" preserve="1">
   <p:cSld name="Tomt">
     <p:spTree>
@@ -5764,7 +5846,7 @@
 </p:sldLayout>
 </file>
 
-<file path=ppt/slideLayouts/slideLayout35.xml><?xml version="1.0" encoding="utf-8"?>
+<file path=ppt/slideLayouts/slideLayout36.xml><?xml version="1.0" encoding="utf-8"?>
 <p:sldLayout xmlns:a="http://schemas.openxmlformats.org/drawingml/2006/main" xmlns:r="http://schemas.openxmlformats.org/officeDocument/2006/relationships" xmlns:p="http://schemas.openxmlformats.org/presentationml/2006/main" preserve="1" userDrawn="1">
   <p:cSld name="Tittellysbilde">
     <p:spTree>
@@ -5903,7 +5985,7 @@
 </p:sldLayout>
 </file>
 
-<file path=ppt/slideLayouts/slideLayout36.xml><?xml version="1.0" encoding="utf-8"?>
+<file path=ppt/slideLayouts/slideLayout37.xml><?xml version="1.0" encoding="utf-8"?>
 <p:sldLayout xmlns:a="http://schemas.openxmlformats.org/drawingml/2006/main" xmlns:r="http://schemas.openxmlformats.org/officeDocument/2006/relationships" xmlns:p="http://schemas.openxmlformats.org/presentationml/2006/main" preserve="1" userDrawn="1">
   <p:cSld name="Tittel og innhold">
     <p:spTree>
@@ -6085,7 +6167,7 @@
 </p:sldLayout>
 </file>
 
-<file path=ppt/slideLayouts/slideLayout37.xml><?xml version="1.0" encoding="utf-8"?>
+<file path=ppt/slideLayouts/slideLayout38.xml><?xml version="1.0" encoding="utf-8"?>
 <p:sldLayout xmlns:a="http://schemas.openxmlformats.org/drawingml/2006/main" xmlns:r="http://schemas.openxmlformats.org/officeDocument/2006/relationships" xmlns:p="http://schemas.openxmlformats.org/presentationml/2006/main" preserve="1" userDrawn="1">
   <p:cSld name="Bare tittel">
     <p:spTree>
@@ -6152,7 +6234,7 @@
 </p:sldLayout>
 </file>
 
-<file path=ppt/slideLayouts/slideLayout38.xml><?xml version="1.0" encoding="utf-8"?>
+<file path=ppt/slideLayouts/slideLayout39.xml><?xml version="1.0" encoding="utf-8"?>
 <p:sldLayout xmlns:a="http://schemas.openxmlformats.org/drawingml/2006/main" xmlns:r="http://schemas.openxmlformats.org/officeDocument/2006/relationships" xmlns:p="http://schemas.openxmlformats.org/presentationml/2006/main" type="blank" preserve="1">
   <p:cSld name="Tomt">
     <p:spTree>
@@ -6182,145 +6264,6 @@
 </p:sldLayout>
 </file>
 
-<file path=ppt/slideLayouts/slideLayout39.xml><?xml version="1.0" encoding="utf-8"?>
-<p:sldLayout xmlns:a="http://schemas.openxmlformats.org/drawingml/2006/main" xmlns:r="http://schemas.openxmlformats.org/officeDocument/2006/relationships" xmlns:p="http://schemas.openxmlformats.org/presentationml/2006/main" preserve="1" userDrawn="1">
-  <p:cSld name="Tittellysbilde">
-    <p:spTree>
-      <p:nvGrpSpPr>
-        <p:cNvPr id="1" name=""/>
-        <p:cNvGrpSpPr/>
-        <p:nvPr/>
-      </p:nvGrpSpPr>
-      <p:grpSpPr>
-        <a:xfrm>
-          <a:off x="0" y="0"/>
-          <a:ext cx="0" cy="0"/>
-          <a:chOff x="0" y="0"/>
-          <a:chExt cx="0" cy="0"/>
-        </a:xfrm>
-      </p:grpSpPr>
-      <p:sp>
-        <p:nvSpPr>
-          <p:cNvPr id="3" name="Undertittel 2">
-            <a:extLst>
-              <a:ext uri="{FF2B5EF4-FFF2-40B4-BE49-F238E27FC236}">
-                <a16:creationId xmlns:a16="http://schemas.microsoft.com/office/drawing/2014/main" id="{7B531ECD-27B0-42FD-B6F4-19322107A360}"/>
-              </a:ext>
-            </a:extLst>
-          </p:cNvPr>
-          <p:cNvSpPr>
-            <a:spLocks noGrp="1"/>
-          </p:cNvSpPr>
-          <p:nvPr>
-            <p:ph type="subTitle" idx="1" hasCustomPrompt="1"/>
-          </p:nvPr>
-        </p:nvSpPr>
-        <p:spPr>
-          <a:xfrm>
-            <a:off x="1143000" y="2701925"/>
-            <a:ext cx="6858000" cy="1243013"/>
-          </a:xfrm>
-        </p:spPr>
-        <p:txBody>
-          <a:bodyPr/>
-          <a:lstStyle>
-            <a:lvl1pPr marL="0" indent="0" algn="ctr">
-              <a:buNone/>
-              <a:defRPr sz="2400"/>
-            </a:lvl1pPr>
-            <a:lvl2pPr marL="457200" indent="0" algn="ctr">
-              <a:buNone/>
-              <a:defRPr sz="2000"/>
-            </a:lvl2pPr>
-            <a:lvl3pPr marL="914400" indent="0" algn="ctr">
-              <a:buNone/>
-              <a:defRPr sz="1800"/>
-            </a:lvl3pPr>
-            <a:lvl4pPr marL="1371600" indent="0" algn="ctr">
-              <a:buNone/>
-              <a:defRPr sz="1600"/>
-            </a:lvl4pPr>
-            <a:lvl5pPr marL="1828800" indent="0" algn="ctr">
-              <a:buNone/>
-              <a:defRPr sz="1600"/>
-            </a:lvl5pPr>
-            <a:lvl6pPr marL="2286000" indent="0" algn="ctr">
-              <a:buNone/>
-              <a:defRPr sz="1600"/>
-            </a:lvl6pPr>
-            <a:lvl7pPr marL="2743200" indent="0" algn="ctr">
-              <a:buNone/>
-              <a:defRPr sz="1600"/>
-            </a:lvl7pPr>
-            <a:lvl8pPr marL="3200400" indent="0" algn="ctr">
-              <a:buNone/>
-              <a:defRPr sz="1600"/>
-            </a:lvl8pPr>
-            <a:lvl9pPr marL="3657600" indent="0" algn="ctr">
-              <a:buNone/>
-              <a:defRPr sz="1600"/>
-            </a:lvl9pPr>
-          </a:lstStyle>
-          <a:p>
-            <a:r>
-              <a:rPr lang="nb-NO" dirty="0"/>
-              <a:t>Klikk for å legge til undertittel</a:t>
-            </a:r>
-          </a:p>
-        </p:txBody>
-      </p:sp>
-      <p:sp>
-        <p:nvSpPr>
-          <p:cNvPr id="7" name="Tittel 1">
-            <a:extLst>
-              <a:ext uri="{FF2B5EF4-FFF2-40B4-BE49-F238E27FC236}">
-                <a16:creationId xmlns:a16="http://schemas.microsoft.com/office/drawing/2014/main" id="{32EC9AFC-2C7E-4AC5-A70A-C42677DDAFA2}"/>
-              </a:ext>
-            </a:extLst>
-          </p:cNvPr>
-          <p:cNvSpPr>
-            <a:spLocks noGrp="1"/>
-          </p:cNvSpPr>
-          <p:nvPr>
-            <p:ph type="ctrTitle" hasCustomPrompt="1"/>
-          </p:nvPr>
-        </p:nvSpPr>
-        <p:spPr>
-          <a:xfrm>
-            <a:off x="1143000" y="1547906"/>
-            <a:ext cx="6858000" cy="895258"/>
-          </a:xfrm>
-        </p:spPr>
-        <p:txBody>
-          <a:bodyPr anchor="b">
-            <a:normAutofit/>
-          </a:bodyPr>
-          <a:lstStyle>
-            <a:lvl1pPr algn="ctr">
-              <a:defRPr sz="3200" baseline="0"/>
-            </a:lvl1pPr>
-          </a:lstStyle>
-          <a:p>
-            <a:r>
-              <a:rPr lang="nb-NO" dirty="0"/>
-              <a:t>Klikk for å legge til tittel</a:t>
-            </a:r>
-          </a:p>
-        </p:txBody>
-      </p:sp>
-    </p:spTree>
-    <p:extLst>
-      <p:ext uri="{BB962C8B-B14F-4D97-AF65-F5344CB8AC3E}">
-        <p14:creationId xmlns:p14="http://schemas.microsoft.com/office/powerpoint/2010/main" val="1952750465"/>
-      </p:ext>
-    </p:extLst>
-  </p:cSld>
-  <p:clrMapOvr>
-    <a:masterClrMapping/>
-  </p:clrMapOvr>
-</p:sldLayout>
-</file>
-
 <file path=ppt/slideLayouts/slideLayout4.xml><?xml version="1.0" encoding="utf-8"?>
 <p:sldLayout xmlns:a="http://schemas.openxmlformats.org/drawingml/2006/main" xmlns:r="http://schemas.openxmlformats.org/officeDocument/2006/relationships" xmlns:p="http://schemas.openxmlformats.org/presentationml/2006/main" preserve="1" userDrawn="1">
   <p:cSld name="Bilde og tekst søyle">
@@ -6466,6 +6409,145 @@
 
 <file path=ppt/slideLayouts/slideLayout40.xml><?xml version="1.0" encoding="utf-8"?>
 <p:sldLayout xmlns:a="http://schemas.openxmlformats.org/drawingml/2006/main" xmlns:r="http://schemas.openxmlformats.org/officeDocument/2006/relationships" xmlns:p="http://schemas.openxmlformats.org/presentationml/2006/main" preserve="1" userDrawn="1">
+  <p:cSld name="Tittellysbilde">
+    <p:spTree>
+      <p:nvGrpSpPr>
+        <p:cNvPr id="1" name=""/>
+        <p:cNvGrpSpPr/>
+        <p:nvPr/>
+      </p:nvGrpSpPr>
+      <p:grpSpPr>
+        <a:xfrm>
+          <a:off x="0" y="0"/>
+          <a:ext cx="0" cy="0"/>
+          <a:chOff x="0" y="0"/>
+          <a:chExt cx="0" cy="0"/>
+        </a:xfrm>
+      </p:grpSpPr>
+      <p:sp>
+        <p:nvSpPr>
+          <p:cNvPr id="3" name="Undertittel 2">
+            <a:extLst>
+              <a:ext uri="{FF2B5EF4-FFF2-40B4-BE49-F238E27FC236}">
+                <a16:creationId xmlns:a16="http://schemas.microsoft.com/office/drawing/2014/main" id="{7B531ECD-27B0-42FD-B6F4-19322107A360}"/>
+              </a:ext>
+            </a:extLst>
+          </p:cNvPr>
+          <p:cNvSpPr>
+            <a:spLocks noGrp="1"/>
+          </p:cNvSpPr>
+          <p:nvPr>
+            <p:ph type="subTitle" idx="1" hasCustomPrompt="1"/>
+          </p:nvPr>
+        </p:nvSpPr>
+        <p:spPr>
+          <a:xfrm>
+            <a:off x="1143000" y="2701925"/>
+            <a:ext cx="6858000" cy="1243013"/>
+          </a:xfrm>
+        </p:spPr>
+        <p:txBody>
+          <a:bodyPr/>
+          <a:lstStyle>
+            <a:lvl1pPr marL="0" indent="0" algn="ctr">
+              <a:buNone/>
+              <a:defRPr sz="2400"/>
+            </a:lvl1pPr>
+            <a:lvl2pPr marL="457200" indent="0" algn="ctr">
+              <a:buNone/>
+              <a:defRPr sz="2000"/>
+            </a:lvl2pPr>
+            <a:lvl3pPr marL="914400" indent="0" algn="ctr">
+              <a:buNone/>
+              <a:defRPr sz="1800"/>
+            </a:lvl3pPr>
+            <a:lvl4pPr marL="1371600" indent="0" algn="ctr">
+              <a:buNone/>
+              <a:defRPr sz="1600"/>
+            </a:lvl4pPr>
+            <a:lvl5pPr marL="1828800" indent="0" algn="ctr">
+              <a:buNone/>
+              <a:defRPr sz="1600"/>
+            </a:lvl5pPr>
+            <a:lvl6pPr marL="2286000" indent="0" algn="ctr">
+              <a:buNone/>
+              <a:defRPr sz="1600"/>
+            </a:lvl6pPr>
+            <a:lvl7pPr marL="2743200" indent="0" algn="ctr">
+              <a:buNone/>
+              <a:defRPr sz="1600"/>
+            </a:lvl7pPr>
+            <a:lvl8pPr marL="3200400" indent="0" algn="ctr">
+              <a:buNone/>
+              <a:defRPr sz="1600"/>
+            </a:lvl8pPr>
+            <a:lvl9pPr marL="3657600" indent="0" algn="ctr">
+              <a:buNone/>
+              <a:defRPr sz="1600"/>
+            </a:lvl9pPr>
+          </a:lstStyle>
+          <a:p>
+            <a:r>
+              <a:rPr lang="nb-NO" dirty="0"/>
+              <a:t>Klikk for å legge til undertittel</a:t>
+            </a:r>
+          </a:p>
+        </p:txBody>
+      </p:sp>
+      <p:sp>
+        <p:nvSpPr>
+          <p:cNvPr id="7" name="Tittel 1">
+            <a:extLst>
+              <a:ext uri="{FF2B5EF4-FFF2-40B4-BE49-F238E27FC236}">
+                <a16:creationId xmlns:a16="http://schemas.microsoft.com/office/drawing/2014/main" id="{32EC9AFC-2C7E-4AC5-A70A-C42677DDAFA2}"/>
+              </a:ext>
+            </a:extLst>
+          </p:cNvPr>
+          <p:cNvSpPr>
+            <a:spLocks noGrp="1"/>
+          </p:cNvSpPr>
+          <p:nvPr>
+            <p:ph type="ctrTitle" hasCustomPrompt="1"/>
+          </p:nvPr>
+        </p:nvSpPr>
+        <p:spPr>
+          <a:xfrm>
+            <a:off x="1143000" y="1547906"/>
+            <a:ext cx="6858000" cy="895258"/>
+          </a:xfrm>
+        </p:spPr>
+        <p:txBody>
+          <a:bodyPr anchor="b">
+            <a:normAutofit/>
+          </a:bodyPr>
+          <a:lstStyle>
+            <a:lvl1pPr algn="ctr">
+              <a:defRPr sz="3200" baseline="0"/>
+            </a:lvl1pPr>
+          </a:lstStyle>
+          <a:p>
+            <a:r>
+              <a:rPr lang="nb-NO" dirty="0"/>
+              <a:t>Klikk for å legge til tittel</a:t>
+            </a:r>
+          </a:p>
+        </p:txBody>
+      </p:sp>
+    </p:spTree>
+    <p:extLst>
+      <p:ext uri="{BB962C8B-B14F-4D97-AF65-F5344CB8AC3E}">
+        <p14:creationId xmlns:p14="http://schemas.microsoft.com/office/powerpoint/2010/main" val="1952750465"/>
+      </p:ext>
+    </p:extLst>
+  </p:cSld>
+  <p:clrMapOvr>
+    <a:masterClrMapping/>
+  </p:clrMapOvr>
+</p:sldLayout>
+</file>
+
+<file path=ppt/slideLayouts/slideLayout41.xml><?xml version="1.0" encoding="utf-8"?>
+<p:sldLayout xmlns:a="http://schemas.openxmlformats.org/drawingml/2006/main" xmlns:r="http://schemas.openxmlformats.org/officeDocument/2006/relationships" xmlns:p="http://schemas.openxmlformats.org/presentationml/2006/main" preserve="1" userDrawn="1">
   <p:cSld name="Tittel og innhold">
     <p:spTree>
       <p:nvGrpSpPr>
@@ -6646,7 +6728,7 @@
 </p:sldLayout>
 </file>
 
-<file path=ppt/slideLayouts/slideLayout41.xml><?xml version="1.0" encoding="utf-8"?>
+<file path=ppt/slideLayouts/slideLayout42.xml><?xml version="1.0" encoding="utf-8"?>
 <p:sldLayout xmlns:a="http://schemas.openxmlformats.org/drawingml/2006/main" xmlns:r="http://schemas.openxmlformats.org/officeDocument/2006/relationships" xmlns:p="http://schemas.openxmlformats.org/presentationml/2006/main" preserve="1" userDrawn="1">
   <p:cSld name="Bare tittel">
     <p:spTree>
@@ -6713,7 +6795,7 @@
 </p:sldLayout>
 </file>
 
-<file path=ppt/slideLayouts/slideLayout42.xml><?xml version="1.0" encoding="utf-8"?>
+<file path=ppt/slideLayouts/slideLayout43.xml><?xml version="1.0" encoding="utf-8"?>
 <p:sldLayout xmlns:a="http://schemas.openxmlformats.org/drawingml/2006/main" xmlns:r="http://schemas.openxmlformats.org/officeDocument/2006/relationships" xmlns:p="http://schemas.openxmlformats.org/presentationml/2006/main" type="blank" preserve="1">
   <p:cSld name="Tomt">
     <p:spTree>
@@ -6743,7 +6825,7 @@
 </p:sldLayout>
 </file>
 
-<file path=ppt/slideLayouts/slideLayout43.xml><?xml version="1.0" encoding="utf-8"?>
+<file path=ppt/slideLayouts/slideLayout44.xml><?xml version="1.0" encoding="utf-8"?>
 <p:sldLayout xmlns:a="http://schemas.openxmlformats.org/drawingml/2006/main" xmlns:r="http://schemas.openxmlformats.org/officeDocument/2006/relationships" xmlns:p="http://schemas.openxmlformats.org/presentationml/2006/main" preserve="1" userDrawn="1">
   <p:cSld name="Tittellysbilde">
     <p:spTree>
@@ -6973,7 +7055,7 @@
 </p:sldLayout>
 </file>
 
-<file path=ppt/slideLayouts/slideLayout44.xml><?xml version="1.0" encoding="utf-8"?>
+<file path=ppt/slideLayouts/slideLayout45.xml><?xml version="1.0" encoding="utf-8"?>
 <p:sldLayout xmlns:a="http://schemas.openxmlformats.org/drawingml/2006/main" xmlns:r="http://schemas.openxmlformats.org/officeDocument/2006/relationships" xmlns:p="http://schemas.openxmlformats.org/presentationml/2006/main" preserve="1" userDrawn="1">
   <p:cSld name="Tittel og innhold">
     <p:spTree>
@@ -7155,7 +7237,7 @@
 </p:sldLayout>
 </file>
 
-<file path=ppt/slideLayouts/slideLayout45.xml><?xml version="1.0" encoding="utf-8"?>
+<file path=ppt/slideLayouts/slideLayout46.xml><?xml version="1.0" encoding="utf-8"?>
 <p:sldLayout xmlns:a="http://schemas.openxmlformats.org/drawingml/2006/main" xmlns:r="http://schemas.openxmlformats.org/officeDocument/2006/relationships" xmlns:p="http://schemas.openxmlformats.org/presentationml/2006/main" preserve="1" userDrawn="1">
   <p:cSld name="Bare tittel">
     <p:spTree>
@@ -7222,7 +7304,7 @@
 </p:sldLayout>
 </file>
 
-<file path=ppt/slideLayouts/slideLayout46.xml><?xml version="1.0" encoding="utf-8"?>
+<file path=ppt/slideLayouts/slideLayout47.xml><?xml version="1.0" encoding="utf-8"?>
 <p:sldLayout xmlns:a="http://schemas.openxmlformats.org/drawingml/2006/main" xmlns:r="http://schemas.openxmlformats.org/officeDocument/2006/relationships" xmlns:p="http://schemas.openxmlformats.org/presentationml/2006/main" type="blank" preserve="1">
   <p:cSld name="Tomt">
     <p:spTree>
@@ -8428,7 +8510,7 @@
           <p:nvPr userDrawn="1"/>
         </p:nvPicPr>
         <p:blipFill>
-          <a:blip r:embed="rId18" cstate="print">
+          <a:blip r:embed="rId19" cstate="print">
             <a:extLst>
               <a:ext uri="{28A0092B-C50C-407E-A947-70E740481C1C}">
                 <a14:useLocalDpi xmlns:a14="http://schemas.microsoft.com/office/drawing/2010/main" val="0"/>
@@ -8646,6 +8728,7 @@
     <p:sldLayoutId id="2147483655" r:id="rId14"/>
     <p:sldLayoutId id="2147483656" r:id="rId15"/>
     <p:sldLayoutId id="2147483657" r:id="rId16"/>
+    <p:sldLayoutId id="2147483774" r:id="rId17"/>
   </p:sldLayoutIdLst>
   <p:hf sldNum="0" hdr="0" ftr="0"/>
   <p:txStyles>
@@ -11701,7 +11784,7 @@
             <a:fld id="{CC918E41-4448-4E79-865F-42013EA6E1CC}" type="datetime1">
               <a:rPr lang="nb-NO" smtClean="0"/>
               <a:pPr/>
-              <a:t>22.12.2021</a:t>
+              <a:t>13.07.2022</a:t>
             </a:fld>
             <a:endParaRPr lang="nb-NO" dirty="0"/>
           </a:p>
@@ -11728,7 +11811,7 @@
           <a:bodyPr/>
           <a:lstStyle/>
           <a:p>
-            <a:endParaRPr lang="en-GB"/>
+            <a:endParaRPr lang="nb-NO"/>
           </a:p>
         </p:txBody>
       </p:sp>
@@ -12529,7 +12612,7 @@
   <a:extraClrSchemeLst/>
   <a:extLst>
     <a:ext uri="{05A4C25C-085E-4340-85A3-A5531E510DB2}">
-      <thm15:themeFamily xmlns:thm15="http://schemas.microsoft.com/office/thememl/2012/main" name="PP_MAL_NORSK.potx" id="{4359A612-79D9-4FFE-A1EC-B649FD673E03}" vid="{4D68952B-2BA7-4BAD-8878-0723A4933DA0}"/>
+      <thm15:themeFamily xmlns:thm15="http://schemas.microsoft.com/office/thememl/2012/main" name="PP_MAL_NORSK" id="{95BFF06D-6487-472C-9F4F-DE1D22A30A92}" vid="{A720278C-83EE-48EE-833D-97AE2B86CFF3}"/>
     </a:ext>
   </a:extLst>
 </a:theme>
@@ -12790,7 +12873,7 @@
   <a:extraClrSchemeLst/>
   <a:extLst>
     <a:ext uri="{05A4C25C-085E-4340-85A3-A5531E510DB2}">
-      <thm15:themeFamily xmlns:thm15="http://schemas.microsoft.com/office/thememl/2012/main" name="PP_MAL_NORSK.potx" id="{4359A612-79D9-4FFE-A1EC-B649FD673E03}" vid="{0D53BFBF-8ABF-415D-ADE0-A730167758B8}"/>
+      <thm15:themeFamily xmlns:thm15="http://schemas.microsoft.com/office/thememl/2012/main" name="PP_MAL_NORSK" id="{95BFF06D-6487-472C-9F4F-DE1D22A30A92}" vid="{D45F9FA0-B131-4EC0-AFC4-01D1FB483B8D}"/>
     </a:ext>
   </a:extLst>
 </a:theme>
@@ -13085,7 +13168,7 @@
   <a:extraClrSchemeLst/>
   <a:extLst>
     <a:ext uri="{05A4C25C-085E-4340-85A3-A5531E510DB2}">
-      <thm15:themeFamily xmlns:thm15="http://schemas.microsoft.com/office/thememl/2012/main" name="PP_MAL_NORSK.potx" id="{4359A612-79D9-4FFE-A1EC-B649FD673E03}" vid="{6FF1EFEA-8EAC-4D7A-8FA0-3318BD2844C7}"/>
+      <thm15:themeFamily xmlns:thm15="http://schemas.microsoft.com/office/thememl/2012/main" name="PP_MAL_NORSK" id="{95BFF06D-6487-472C-9F4F-DE1D22A30A92}" vid="{522C0E01-F5B3-47B8-A113-B90E71362804}"/>
     </a:ext>
   </a:extLst>
 </a:theme>
@@ -13380,7 +13463,7 @@
   <a:extraClrSchemeLst/>
   <a:extLst>
     <a:ext uri="{05A4C25C-085E-4340-85A3-A5531E510DB2}">
-      <thm15:themeFamily xmlns:thm15="http://schemas.microsoft.com/office/thememl/2012/main" name="PP_MAL_NORSK.potx" id="{4359A612-79D9-4FFE-A1EC-B649FD673E03}" vid="{068DCFAA-75AA-472C-A9A7-81CD7C4F49C1}"/>
+      <thm15:themeFamily xmlns:thm15="http://schemas.microsoft.com/office/thememl/2012/main" name="PP_MAL_NORSK" id="{95BFF06D-6487-472C-9F4F-DE1D22A30A92}" vid="{8BC8C436-444F-47E3-AAFF-581C03617193}"/>
     </a:ext>
   </a:extLst>
 </a:theme>
@@ -13675,7 +13758,7 @@
   <a:extraClrSchemeLst/>
   <a:extLst>
     <a:ext uri="{05A4C25C-085E-4340-85A3-A5531E510DB2}">
-      <thm15:themeFamily xmlns:thm15="http://schemas.microsoft.com/office/thememl/2012/main" name="PP_MAL_NORSK.potx" id="{4359A612-79D9-4FFE-A1EC-B649FD673E03}" vid="{E28A4A9A-1A7A-4F00-AE42-C53AD7E38FA4}"/>
+      <thm15:themeFamily xmlns:thm15="http://schemas.microsoft.com/office/thememl/2012/main" name="PP_MAL_NORSK" id="{95BFF06D-6487-472C-9F4F-DE1D22A30A92}" vid="{C807659C-5C80-451A-BC1C-AD01FCD328EF}"/>
     </a:ext>
   </a:extLst>
 </a:theme>
@@ -13970,7 +14053,7 @@
   <a:extraClrSchemeLst/>
   <a:extLst>
     <a:ext uri="{05A4C25C-085E-4340-85A3-A5531E510DB2}">
-      <thm15:themeFamily xmlns:thm15="http://schemas.microsoft.com/office/thememl/2012/main" name="PP_MAL_NORSK.potx" id="{4359A612-79D9-4FFE-A1EC-B649FD673E03}" vid="{D794DA0E-4499-4272-8C55-91087109A157}"/>
+      <thm15:themeFamily xmlns:thm15="http://schemas.microsoft.com/office/thememl/2012/main" name="PP_MAL_NORSK" id="{95BFF06D-6487-472C-9F4F-DE1D22A30A92}" vid="{4385D189-78FD-4AC8-BA5D-7A35BAB920F0}"/>
     </a:ext>
   </a:extLst>
 </a:theme>
@@ -14265,7 +14348,7 @@
   <a:extraClrSchemeLst/>
   <a:extLst>
     <a:ext uri="{05A4C25C-085E-4340-85A3-A5531E510DB2}">
-      <thm15:themeFamily xmlns:thm15="http://schemas.microsoft.com/office/thememl/2012/main" name="PP_MAL_NORSK.potx" id="{4359A612-79D9-4FFE-A1EC-B649FD673E03}" vid="{CCBA4027-EF89-4D0F-9FE4-7566A8FAF45C}"/>
+      <thm15:themeFamily xmlns:thm15="http://schemas.microsoft.com/office/thememl/2012/main" name="PP_MAL_NORSK" id="{95BFF06D-6487-472C-9F4F-DE1D22A30A92}" vid="{15030006-CB2B-49A6-A0CC-6465261196E9}"/>
     </a:ext>
   </a:extLst>
 </a:theme>
@@ -14533,6 +14616,12 @@
 </file>
 
 <file path=customXml/item1.xml><?xml version="1.0" encoding="utf-8"?>
+<p:properties xmlns:p="http://schemas.microsoft.com/office/2006/metadata/properties" xmlns:xsi="http://www.w3.org/2001/XMLSchema-instance" xmlns:pc="http://schemas.microsoft.com/office/infopath/2007/PartnerControls">
+  <documentManagement/>
+</p:properties>
+</file>
+
+<file path=customXml/item2.xml><?xml version="1.0" encoding="utf-8"?>
 <ct:contentTypeSchema xmlns:ct="http://schemas.microsoft.com/office/2006/metadata/contentType" xmlns:ma="http://schemas.microsoft.com/office/2006/metadata/properties/metaAttributes" ct:_="" ma:_="" ma:contentTypeName="Dokument" ma:contentTypeID="0x010100D982FC97A4EB864EBF6B6ADD443A67CC" ma:contentTypeVersion="11" ma:contentTypeDescription="Opprett et nytt dokument." ma:contentTypeScope="" ma:versionID="1243dad0bdc800c2168160044757ccfa">
   <xsd:schema xmlns:xsd="http://www.w3.org/2001/XMLSchema" xmlns:xs="http://www.w3.org/2001/XMLSchema" xmlns:p="http://schemas.microsoft.com/office/2006/metadata/properties" xmlns:ns2="3b00a67f-9791-437e-b702-303a706ea042" targetNamespace="http://schemas.microsoft.com/office/2006/metadata/properties" ma:root="true" ma:fieldsID="9f2b7ce840c78a2065a44a5a957cc1d0" ns2:_="">
     <xsd:import namespace="3b00a67f-9791-437e-b702-303a706ea042"/>
@@ -14722,12 +14811,6 @@
 </ct:contentTypeSchema>
 </file>
 
-<file path=customXml/item2.xml><?xml version="1.0" encoding="utf-8"?>
-<p:properties xmlns:p="http://schemas.microsoft.com/office/2006/metadata/properties" xmlns:xsi="http://www.w3.org/2001/XMLSchema-instance" xmlns:pc="http://schemas.microsoft.com/office/infopath/2007/PartnerControls">
-  <documentManagement/>
-</p:properties>
-</file>
-
 <file path=customXml/item3.xml><?xml version="1.0" encoding="utf-8"?>
 <?mso-contentType ?>
 <FormTemplates xmlns="http://schemas.microsoft.com/sharepoint/v3/contenttype/forms">
@@ -14738,6 +14821,15 @@
 </file>
 
 <file path=customXml/itemProps1.xml><?xml version="1.0" encoding="utf-8"?>
+<ds:datastoreItem xmlns:ds="http://schemas.openxmlformats.org/officeDocument/2006/customXml" ds:itemID="{59D84FE9-90BD-413A-BD1B-E5F8442116C9}">
+  <ds:schemaRefs>
+    <ds:schemaRef ds:uri="http://schemas.microsoft.com/office/2006/metadata/properties"/>
+    <ds:schemaRef ds:uri="http://schemas.microsoft.com/office/infopath/2007/PartnerControls"/>
+  </ds:schemaRefs>
+</ds:datastoreItem>
+</file>
+
+<file path=customXml/itemProps2.xml><?xml version="1.0" encoding="utf-8"?>
 <ds:datastoreItem xmlns:ds="http://schemas.openxmlformats.org/officeDocument/2006/customXml" ds:itemID="{407582D6-3137-4D13-9E48-A98685FC6931}">
   <ds:schemaRefs>
     <ds:schemaRef ds:uri="http://schemas.microsoft.com/office/2006/metadata/contentType"/>
@@ -14755,15 +14847,6 @@
 </ds:datastoreItem>
 </file>
 
-<file path=customXml/itemProps2.xml><?xml version="1.0" encoding="utf-8"?>
-<ds:datastoreItem xmlns:ds="http://schemas.openxmlformats.org/officeDocument/2006/customXml" ds:itemID="{59D84FE9-90BD-413A-BD1B-E5F8442116C9}">
-  <ds:schemaRefs>
-    <ds:schemaRef ds:uri="http://schemas.microsoft.com/office/2006/metadata/properties"/>
-    <ds:schemaRef ds:uri="http://schemas.microsoft.com/office/infopath/2007/PartnerControls"/>
-  </ds:schemaRefs>
-</ds:datastoreItem>
-</file>
-
 <file path=customXml/itemProps3.xml><?xml version="1.0" encoding="utf-8"?>
 <ds:datastoreItem xmlns:ds="http://schemas.openxmlformats.org/officeDocument/2006/customXml" ds:itemID="{03F341BE-FCEF-4AC8-980C-63738F6D926A}">
   <ds:schemaRefs>

--- a/PP_MAL_NORSK.pptx
+++ b/PP_MAL_NORSK.pptx
@@ -11,16 +11,17 @@
     <p:sldMasterId id="2147483765" r:id="rId10"/>
   </p:sldMasterIdLst>
   <p:notesMasterIdLst>
-    <p:notesMasterId r:id="rId18"/>
+    <p:notesMasterId r:id="rId19"/>
   </p:notesMasterIdLst>
   <p:sldIdLst>
     <p:sldId id="289" r:id="rId11"/>
-    <p:sldId id="270" r:id="rId12"/>
-    <p:sldId id="285" r:id="rId13"/>
+    <p:sldId id="285" r:id="rId12"/>
+    <p:sldId id="292" r:id="rId13"/>
     <p:sldId id="290" r:id="rId14"/>
     <p:sldId id="286" r:id="rId15"/>
-    <p:sldId id="287" r:id="rId16"/>
-    <p:sldId id="288" r:id="rId17"/>
+    <p:sldId id="291" r:id="rId16"/>
+    <p:sldId id="287" r:id="rId17"/>
+    <p:sldId id="288" r:id="rId18"/>
   </p:sldIdLst>
   <p:sldSz cx="9144000" cy="5145088"/>
   <p:notesSz cx="6858000" cy="9144000"/>
@@ -209,7 +210,7 @@
           <a:p>
             <a:fld id="{FE3CBABE-916E-4AAD-B057-5389DC7DF64C}" type="datetimeFigureOut">
               <a:rPr lang="nb-NO" smtClean="0"/>
-              <a:t>13.07.2022</a:t>
+              <a:t>20.07.2023</a:t>
             </a:fld>
             <a:endParaRPr lang="nb-NO"/>
           </a:p>
@@ -634,7 +635,7 @@
     </p:spTree>
     <p:extLst>
       <p:ext uri="{BB962C8B-B14F-4D97-AF65-F5344CB8AC3E}">
-        <p14:creationId xmlns:p14="http://schemas.microsoft.com/office/powerpoint/2010/main" val="2332199911"/>
+        <p14:creationId xmlns:p14="http://schemas.microsoft.com/office/powerpoint/2010/main" val="1017204725"/>
       </p:ext>
     </p:extLst>
   </p:cSld>
@@ -709,7 +710,7 @@
           <a:p>
             <a:fld id="{0C6A1A9E-9E56-4094-AB2E-3DD200DFCBAC}" type="slidenum">
               <a:rPr lang="nb-NO" smtClean="0"/>
-              <a:t>3</a:t>
+              <a:t>4</a:t>
             </a:fld>
             <a:endParaRPr lang="nb-NO" dirty="0"/>
           </a:p>
@@ -718,7 +719,7 @@
     </p:spTree>
     <p:extLst>
       <p:ext uri="{BB962C8B-B14F-4D97-AF65-F5344CB8AC3E}">
-        <p14:creationId xmlns:p14="http://schemas.microsoft.com/office/powerpoint/2010/main" val="1017204725"/>
+        <p14:creationId xmlns:p14="http://schemas.microsoft.com/office/powerpoint/2010/main" val="964964411"/>
       </p:ext>
     </p:extLst>
   </p:cSld>
@@ -793,7 +794,7 @@
           <a:p>
             <a:fld id="{0C6A1A9E-9E56-4094-AB2E-3DD200DFCBAC}" type="slidenum">
               <a:rPr lang="nb-NO" smtClean="0"/>
-              <a:t>4</a:t>
+              <a:t>5</a:t>
             </a:fld>
             <a:endParaRPr lang="nb-NO" dirty="0"/>
           </a:p>
@@ -802,7 +803,7 @@
     </p:spTree>
     <p:extLst>
       <p:ext uri="{BB962C8B-B14F-4D97-AF65-F5344CB8AC3E}">
-        <p14:creationId xmlns:p14="http://schemas.microsoft.com/office/powerpoint/2010/main" val="964964411"/>
+        <p14:creationId xmlns:p14="http://schemas.microsoft.com/office/powerpoint/2010/main" val="1674105865"/>
       </p:ext>
     </p:extLst>
   </p:cSld>
@@ -877,7 +878,7 @@
           <a:p>
             <a:fld id="{0C6A1A9E-9E56-4094-AB2E-3DD200DFCBAC}" type="slidenum">
               <a:rPr lang="nb-NO" smtClean="0"/>
-              <a:t>5</a:t>
+              <a:t>7</a:t>
             </a:fld>
             <a:endParaRPr lang="nb-NO" dirty="0"/>
           </a:p>
@@ -886,7 +887,7 @@
     </p:spTree>
     <p:extLst>
       <p:ext uri="{BB962C8B-B14F-4D97-AF65-F5344CB8AC3E}">
-        <p14:creationId xmlns:p14="http://schemas.microsoft.com/office/powerpoint/2010/main" val="1674105865"/>
+        <p14:creationId xmlns:p14="http://schemas.microsoft.com/office/powerpoint/2010/main" val="173012655"/>
       </p:ext>
     </p:extLst>
   </p:cSld>
@@ -961,91 +962,7 @@
           <a:p>
             <a:fld id="{0C6A1A9E-9E56-4094-AB2E-3DD200DFCBAC}" type="slidenum">
               <a:rPr lang="nb-NO" smtClean="0"/>
-              <a:t>6</a:t>
-            </a:fld>
-            <a:endParaRPr lang="nb-NO" dirty="0"/>
-          </a:p>
-        </p:txBody>
-      </p:sp>
-    </p:spTree>
-    <p:extLst>
-      <p:ext uri="{BB962C8B-B14F-4D97-AF65-F5344CB8AC3E}">
-        <p14:creationId xmlns:p14="http://schemas.microsoft.com/office/powerpoint/2010/main" val="173012655"/>
-      </p:ext>
-    </p:extLst>
-  </p:cSld>
-  <p:clrMapOvr>
-    <a:masterClrMapping/>
-  </p:clrMapOvr>
-</p:notes>
-</file>
-
-<file path=ppt/notesSlides/notesSlide7.xml><?xml version="1.0" encoding="utf-8"?>
-<p:notes xmlns:a="http://schemas.openxmlformats.org/drawingml/2006/main" xmlns:r="http://schemas.openxmlformats.org/officeDocument/2006/relationships" xmlns:p="http://schemas.openxmlformats.org/presentationml/2006/main">
-  <p:cSld>
-    <p:spTree>
-      <p:nvGrpSpPr>
-        <p:cNvPr id="1" name=""/>
-        <p:cNvGrpSpPr/>
-        <p:nvPr/>
-      </p:nvGrpSpPr>
-      <p:grpSpPr>
-        <a:xfrm>
-          <a:off x="0" y="0"/>
-          <a:ext cx="0" cy="0"/>
-          <a:chOff x="0" y="0"/>
-          <a:chExt cx="0" cy="0"/>
-        </a:xfrm>
-      </p:grpSpPr>
-      <p:sp>
-        <p:nvSpPr>
-          <p:cNvPr id="2" name="Slide Image Placeholder 1"/>
-          <p:cNvSpPr>
-            <a:spLocks noGrp="1" noRot="1" noChangeAspect="1"/>
-          </p:cNvSpPr>
-          <p:nvPr>
-            <p:ph type="sldImg"/>
-          </p:nvPr>
-        </p:nvSpPr>
-        <p:spPr/>
-      </p:sp>
-      <p:sp>
-        <p:nvSpPr>
-          <p:cNvPr id="3" name="Notes Placeholder 2"/>
-          <p:cNvSpPr>
-            <a:spLocks noGrp="1"/>
-          </p:cNvSpPr>
-          <p:nvPr>
-            <p:ph type="body" idx="1"/>
-          </p:nvPr>
-        </p:nvSpPr>
-        <p:spPr/>
-        <p:txBody>
-          <a:bodyPr/>
-          <a:lstStyle/>
-          <a:p>
-            <a:endParaRPr lang="nb-NO" dirty="0"/>
-          </a:p>
-        </p:txBody>
-      </p:sp>
-      <p:sp>
-        <p:nvSpPr>
-          <p:cNvPr id="4" name="Slide Number Placeholder 3"/>
-          <p:cNvSpPr>
-            <a:spLocks noGrp="1"/>
-          </p:cNvSpPr>
-          <p:nvPr>
-            <p:ph type="sldNum" sz="quarter" idx="5"/>
-          </p:nvPr>
-        </p:nvSpPr>
-        <p:spPr/>
-        <p:txBody>
-          <a:bodyPr/>
-          <a:lstStyle/>
-          <a:p>
-            <a:fld id="{0C6A1A9E-9E56-4094-AB2E-3DD200DFCBAC}" type="slidenum">
-              <a:rPr lang="nb-NO" smtClean="0"/>
-              <a:t>7</a:t>
+              <a:t>8</a:t>
             </a:fld>
             <a:endParaRPr lang="nb-NO" dirty="0"/>
           </a:p>
@@ -1118,7 +1035,7 @@
             <a:fld id="{CC918E41-4448-4E79-865F-42013EA6E1CC}" type="datetime1">
               <a:rPr lang="nb-NO" smtClean="0"/>
               <a:pPr/>
-              <a:t>13.07.2022</a:t>
+              <a:t>20.07.2023</a:t>
             </a:fld>
             <a:endParaRPr lang="nb-NO" dirty="0"/>
           </a:p>
@@ -1265,6 +1182,471 @@
 </file>
 
 <file path=ppt/slideLayouts/slideLayout10.xml><?xml version="1.0" encoding="utf-8"?>
+<p:sldLayout xmlns:a="http://schemas.openxmlformats.org/drawingml/2006/main" xmlns:r="http://schemas.openxmlformats.org/officeDocument/2006/relationships" xmlns:p="http://schemas.openxmlformats.org/presentationml/2006/main" preserve="1" userDrawn="1">
+  <p:cSld name="Tittel, innhold og bilde (H)">
+    <p:spTree>
+      <p:nvGrpSpPr>
+        <p:cNvPr id="1" name=""/>
+        <p:cNvGrpSpPr/>
+        <p:nvPr/>
+      </p:nvGrpSpPr>
+      <p:grpSpPr>
+        <a:xfrm>
+          <a:off x="0" y="0"/>
+          <a:ext cx="0" cy="0"/>
+          <a:chOff x="0" y="0"/>
+          <a:chExt cx="0" cy="0"/>
+        </a:xfrm>
+      </p:grpSpPr>
+      <p:sp>
+        <p:nvSpPr>
+          <p:cNvPr id="4" name="Rectangle 3">
+            <a:extLst>
+              <a:ext uri="{FF2B5EF4-FFF2-40B4-BE49-F238E27FC236}">
+                <a16:creationId xmlns:a16="http://schemas.microsoft.com/office/drawing/2014/main" id="{F1E1C32F-6395-4279-A4F6-2DFACFC18416}"/>
+              </a:ext>
+            </a:extLst>
+          </p:cNvPr>
+          <p:cNvSpPr/>
+          <p:nvPr userDrawn="1"/>
+        </p:nvSpPr>
+        <p:spPr>
+          <a:xfrm>
+            <a:off x="1" y="0"/>
+            <a:ext cx="9143998" cy="5145088"/>
+          </a:xfrm>
+          <a:prstGeom prst="rect">
+            <a:avLst/>
+          </a:prstGeom>
+          <a:solidFill>
+            <a:schemeClr val="bg1">
+              <a:lumMod val="95000"/>
+            </a:schemeClr>
+          </a:solidFill>
+          <a:ln>
+            <a:noFill/>
+          </a:ln>
+        </p:spPr>
+        <p:style>
+          <a:lnRef idx="2">
+            <a:schemeClr val="accent1">
+              <a:shade val="50000"/>
+            </a:schemeClr>
+          </a:lnRef>
+          <a:fillRef idx="1">
+            <a:schemeClr val="accent1"/>
+          </a:fillRef>
+          <a:effectRef idx="0">
+            <a:schemeClr val="accent1"/>
+          </a:effectRef>
+          <a:fontRef idx="minor">
+            <a:schemeClr val="lt1"/>
+          </a:fontRef>
+        </p:style>
+        <p:txBody>
+          <a:bodyPr rtlCol="0" anchor="ctr"/>
+          <a:lstStyle/>
+          <a:p>
+            <a:pPr algn="ctr"/>
+            <a:endParaRPr lang="nb-NO" dirty="0"/>
+          </a:p>
+        </p:txBody>
+      </p:sp>
+      <p:sp>
+        <p:nvSpPr>
+          <p:cNvPr id="2" name="Tittel 1"/>
+          <p:cNvSpPr>
+            <a:spLocks noGrp="1"/>
+          </p:cNvSpPr>
+          <p:nvPr>
+            <p:ph type="title" hasCustomPrompt="1"/>
+          </p:nvPr>
+        </p:nvSpPr>
+        <p:spPr>
+          <a:xfrm>
+            <a:off x="628650" y="351954"/>
+            <a:ext cx="3316055" cy="828104"/>
+          </a:xfrm>
+        </p:spPr>
+        <p:txBody>
+          <a:bodyPr/>
+          <a:lstStyle>
+            <a:lvl1pPr>
+              <a:defRPr/>
+            </a:lvl1pPr>
+          </a:lstStyle>
+          <a:p>
+            <a:r>
+              <a:rPr lang="nb-NO" dirty="0"/>
+              <a:t>Tittel</a:t>
+            </a:r>
+          </a:p>
+        </p:txBody>
+      </p:sp>
+      <p:sp>
+        <p:nvSpPr>
+          <p:cNvPr id="3" name="Plassholder for innhold 2"/>
+          <p:cNvSpPr>
+            <a:spLocks noGrp="1"/>
+          </p:cNvSpPr>
+          <p:nvPr>
+            <p:ph idx="1" hasCustomPrompt="1"/>
+          </p:nvPr>
+        </p:nvSpPr>
+        <p:spPr>
+          <a:xfrm>
+            <a:off x="628650" y="1369643"/>
+            <a:ext cx="3316056" cy="3042700"/>
+          </a:xfrm>
+        </p:spPr>
+        <p:txBody>
+          <a:bodyPr/>
+          <a:lstStyle/>
+          <a:p>
+            <a:pPr lvl="0"/>
+            <a:r>
+              <a:rPr lang="nb-NO" dirty="0"/>
+              <a:t>Klikk for å legge til tekst</a:t>
+            </a:r>
+          </a:p>
+          <a:p>
+            <a:pPr lvl="1"/>
+            <a:r>
+              <a:rPr lang="nb-NO" dirty="0"/>
+              <a:t>Andre nivå</a:t>
+            </a:r>
+          </a:p>
+          <a:p>
+            <a:pPr lvl="2"/>
+            <a:r>
+              <a:rPr lang="nb-NO" dirty="0"/>
+              <a:t>Tredje nivå</a:t>
+            </a:r>
+          </a:p>
+          <a:p>
+            <a:pPr lvl="3"/>
+            <a:r>
+              <a:rPr lang="nb-NO" dirty="0"/>
+              <a:t>Fjerde nivå</a:t>
+            </a:r>
+          </a:p>
+          <a:p>
+            <a:pPr lvl="4"/>
+            <a:r>
+              <a:rPr lang="nb-NO" dirty="0"/>
+              <a:t>Femte nivå</a:t>
+            </a:r>
+          </a:p>
+        </p:txBody>
+      </p:sp>
+      <p:sp>
+        <p:nvSpPr>
+          <p:cNvPr id="5" name="Plassholder for bunntekst 4"/>
+          <p:cNvSpPr>
+            <a:spLocks noGrp="1"/>
+          </p:cNvSpPr>
+          <p:nvPr>
+            <p:ph type="ftr" sz="quarter" idx="11"/>
+          </p:nvPr>
+        </p:nvSpPr>
+        <p:spPr/>
+        <p:txBody>
+          <a:bodyPr/>
+          <a:lstStyle/>
+          <a:p>
+            <a:endParaRPr lang="nb-NO" dirty="0"/>
+          </a:p>
+        </p:txBody>
+      </p:sp>
+      <p:sp>
+        <p:nvSpPr>
+          <p:cNvPr id="6" name="Plassholder for lysbildenummer 5"/>
+          <p:cNvSpPr>
+            <a:spLocks noGrp="1"/>
+          </p:cNvSpPr>
+          <p:nvPr>
+            <p:ph type="sldNum" sz="quarter" idx="12"/>
+          </p:nvPr>
+        </p:nvSpPr>
+        <p:spPr/>
+        <p:txBody>
+          <a:bodyPr/>
+          <a:lstStyle/>
+          <a:p>
+            <a:fld id="{35E025E5-F4E9-4572-B8CF-5901727261FC}" type="slidenum">
+              <a:rPr lang="nb-NO" smtClean="0"/>
+              <a:t>‹#›</a:t>
+            </a:fld>
+            <a:endParaRPr lang="nb-NO" dirty="0"/>
+          </a:p>
+        </p:txBody>
+      </p:sp>
+      <p:sp>
+        <p:nvSpPr>
+          <p:cNvPr id="7" name="Picture Placeholder 6">
+            <a:extLst>
+              <a:ext uri="{FF2B5EF4-FFF2-40B4-BE49-F238E27FC236}">
+                <a16:creationId xmlns:a16="http://schemas.microsoft.com/office/drawing/2014/main" id="{48218045-9B70-4777-A444-3E4233FF4C41}"/>
+              </a:ext>
+            </a:extLst>
+          </p:cNvPr>
+          <p:cNvSpPr>
+            <a:spLocks noGrp="1"/>
+          </p:cNvSpPr>
+          <p:nvPr>
+            <p:ph type="pic" sz="quarter" idx="15"/>
+          </p:nvPr>
+        </p:nvSpPr>
+        <p:spPr>
+          <a:xfrm>
+            <a:off x="4572000" y="0"/>
+            <a:ext cx="4571999" cy="5145087"/>
+          </a:xfrm>
+          <a:prstGeom prst="rect">
+            <a:avLst/>
+          </a:prstGeom>
+        </p:spPr>
+        <p:txBody>
+          <a:bodyPr lIns="0" tIns="0" rIns="0" bIns="0"/>
+          <a:lstStyle/>
+          <a:p>
+            <a:r>
+              <a:rPr lang="nb-NO"/>
+              <a:t>Klikk på ikonet for å legge til et bilde</a:t>
+            </a:r>
+            <a:endParaRPr lang="en-GB"/>
+          </a:p>
+        </p:txBody>
+      </p:sp>
+    </p:spTree>
+    <p:extLst>
+      <p:ext uri="{BB962C8B-B14F-4D97-AF65-F5344CB8AC3E}">
+        <p14:creationId xmlns:p14="http://schemas.microsoft.com/office/powerpoint/2010/main" val="3202611020"/>
+      </p:ext>
+    </p:extLst>
+  </p:cSld>
+  <p:clrMapOvr>
+    <a:masterClrMapping/>
+  </p:clrMapOvr>
+</p:sldLayout>
+</file>
+
+<file path=ppt/slideLayouts/slideLayout11.xml><?xml version="1.0" encoding="utf-8"?>
+<p:sldLayout xmlns:a="http://schemas.openxmlformats.org/drawingml/2006/main" xmlns:r="http://schemas.openxmlformats.org/officeDocument/2006/relationships" xmlns:p="http://schemas.openxmlformats.org/presentationml/2006/main" preserve="1" userDrawn="1">
+  <p:cSld name="Tittel, innhold og bilde (V)">
+    <p:spTree>
+      <p:nvGrpSpPr>
+        <p:cNvPr id="1" name=""/>
+        <p:cNvGrpSpPr/>
+        <p:nvPr/>
+      </p:nvGrpSpPr>
+      <p:grpSpPr>
+        <a:xfrm>
+          <a:off x="0" y="0"/>
+          <a:ext cx="0" cy="0"/>
+          <a:chOff x="0" y="0"/>
+          <a:chExt cx="0" cy="0"/>
+        </a:xfrm>
+      </p:grpSpPr>
+      <p:sp>
+        <p:nvSpPr>
+          <p:cNvPr id="5" name="Plassholder for bunntekst 4"/>
+          <p:cNvSpPr>
+            <a:spLocks noGrp="1"/>
+          </p:cNvSpPr>
+          <p:nvPr>
+            <p:ph type="ftr" sz="quarter" idx="11"/>
+          </p:nvPr>
+        </p:nvSpPr>
+        <p:spPr/>
+        <p:txBody>
+          <a:bodyPr/>
+          <a:lstStyle/>
+          <a:p>
+            <a:endParaRPr lang="nb-NO" dirty="0"/>
+          </a:p>
+        </p:txBody>
+      </p:sp>
+      <p:sp>
+        <p:nvSpPr>
+          <p:cNvPr id="6" name="Plassholder for lysbildenummer 5"/>
+          <p:cNvSpPr>
+            <a:spLocks noGrp="1"/>
+          </p:cNvSpPr>
+          <p:nvPr>
+            <p:ph type="sldNum" sz="quarter" idx="12"/>
+          </p:nvPr>
+        </p:nvSpPr>
+        <p:spPr/>
+        <p:txBody>
+          <a:bodyPr/>
+          <a:lstStyle/>
+          <a:p>
+            <a:fld id="{35E025E5-F4E9-4572-B8CF-5901727261FC}" type="slidenum">
+              <a:rPr lang="nb-NO" smtClean="0"/>
+              <a:t>‹#›</a:t>
+            </a:fld>
+            <a:endParaRPr lang="nb-NO" dirty="0"/>
+          </a:p>
+        </p:txBody>
+      </p:sp>
+      <p:sp>
+        <p:nvSpPr>
+          <p:cNvPr id="8" name="Plassholder for innhold 2">
+            <a:extLst>
+              <a:ext uri="{FF2B5EF4-FFF2-40B4-BE49-F238E27FC236}">
+                <a16:creationId xmlns:a16="http://schemas.microsoft.com/office/drawing/2014/main" id="{3DDC1A92-163C-4D9F-982D-CDC6A6CB0788}"/>
+              </a:ext>
+            </a:extLst>
+          </p:cNvPr>
+          <p:cNvSpPr>
+            <a:spLocks noGrp="1"/>
+          </p:cNvSpPr>
+          <p:nvPr>
+            <p:ph idx="13" hasCustomPrompt="1"/>
+          </p:nvPr>
+        </p:nvSpPr>
+        <p:spPr>
+          <a:xfrm>
+            <a:off x="5200649" y="1369643"/>
+            <a:ext cx="3314696" cy="3042700"/>
+          </a:xfrm>
+        </p:spPr>
+        <p:txBody>
+          <a:bodyPr/>
+          <a:lstStyle/>
+          <a:p>
+            <a:pPr lvl="0"/>
+            <a:r>
+              <a:rPr lang="nb-NO" dirty="0"/>
+              <a:t>Klikk for å legge til tekst</a:t>
+            </a:r>
+          </a:p>
+          <a:p>
+            <a:pPr lvl="1"/>
+            <a:r>
+              <a:rPr lang="nb-NO" dirty="0"/>
+              <a:t>Andre nivå</a:t>
+            </a:r>
+          </a:p>
+          <a:p>
+            <a:pPr lvl="2"/>
+            <a:r>
+              <a:rPr lang="nb-NO" dirty="0"/>
+              <a:t>Tredje nivå</a:t>
+            </a:r>
+          </a:p>
+          <a:p>
+            <a:pPr lvl="3"/>
+            <a:r>
+              <a:rPr lang="nb-NO" dirty="0"/>
+              <a:t>Fjerde nivå</a:t>
+            </a:r>
+          </a:p>
+          <a:p>
+            <a:pPr lvl="4"/>
+            <a:r>
+              <a:rPr lang="nb-NO" dirty="0"/>
+              <a:t>Femte nivå</a:t>
+            </a:r>
+          </a:p>
+        </p:txBody>
+      </p:sp>
+      <p:sp>
+        <p:nvSpPr>
+          <p:cNvPr id="10" name="Text Placeholder 9">
+            <a:extLst>
+              <a:ext uri="{FF2B5EF4-FFF2-40B4-BE49-F238E27FC236}">
+                <a16:creationId xmlns:a16="http://schemas.microsoft.com/office/drawing/2014/main" id="{6D5337E2-4B06-4343-A7EC-B372A6E84A7B}"/>
+              </a:ext>
+            </a:extLst>
+          </p:cNvPr>
+          <p:cNvSpPr>
+            <a:spLocks noGrp="1"/>
+          </p:cNvSpPr>
+          <p:nvPr>
+            <p:ph type="body" sz="quarter" idx="14" hasCustomPrompt="1"/>
+          </p:nvPr>
+        </p:nvSpPr>
+        <p:spPr>
+          <a:xfrm>
+            <a:off x="5200648" y="351954"/>
+            <a:ext cx="3314697" cy="828104"/>
+          </a:xfrm>
+        </p:spPr>
+        <p:txBody>
+          <a:bodyPr anchor="ctr">
+            <a:normAutofit/>
+          </a:bodyPr>
+          <a:lstStyle>
+            <a:lvl1pPr marL="0" indent="0">
+              <a:spcBef>
+                <a:spcPts val="0"/>
+              </a:spcBef>
+              <a:buNone/>
+              <a:defRPr sz="2600"/>
+            </a:lvl1pPr>
+          </a:lstStyle>
+          <a:p>
+            <a:pPr lvl="0"/>
+            <a:r>
+              <a:rPr lang="nb-NO" dirty="0"/>
+              <a:t>Tittel</a:t>
+            </a:r>
+          </a:p>
+        </p:txBody>
+      </p:sp>
+      <p:sp>
+        <p:nvSpPr>
+          <p:cNvPr id="7" name="Picture Placeholder 6">
+            <a:extLst>
+              <a:ext uri="{FF2B5EF4-FFF2-40B4-BE49-F238E27FC236}">
+                <a16:creationId xmlns:a16="http://schemas.microsoft.com/office/drawing/2014/main" id="{DB52D3BE-B2BB-4638-9CFB-C9E00968464D}"/>
+              </a:ext>
+            </a:extLst>
+          </p:cNvPr>
+          <p:cNvSpPr>
+            <a:spLocks noGrp="1"/>
+          </p:cNvSpPr>
+          <p:nvPr>
+            <p:ph type="pic" sz="quarter" idx="15"/>
+          </p:nvPr>
+        </p:nvSpPr>
+        <p:spPr>
+          <a:xfrm>
+            <a:off x="-1" y="0"/>
+            <a:ext cx="4572001" cy="5145087"/>
+          </a:xfrm>
+          <a:prstGeom prst="rect">
+            <a:avLst/>
+          </a:prstGeom>
+        </p:spPr>
+        <p:txBody>
+          <a:bodyPr lIns="0" tIns="0" rIns="0" bIns="0"/>
+          <a:lstStyle/>
+          <a:p>
+            <a:r>
+              <a:rPr lang="nb-NO"/>
+              <a:t>Klikk på ikonet for å legge til et bilde</a:t>
+            </a:r>
+            <a:endParaRPr lang="en-GB"/>
+          </a:p>
+        </p:txBody>
+      </p:sp>
+    </p:spTree>
+    <p:extLst>
+      <p:ext uri="{BB962C8B-B14F-4D97-AF65-F5344CB8AC3E}">
+        <p14:creationId xmlns:p14="http://schemas.microsoft.com/office/powerpoint/2010/main" val="2245130753"/>
+      </p:ext>
+    </p:extLst>
+  </p:cSld>
+  <p:clrMapOvr>
+    <a:masterClrMapping/>
+  </p:clrMapOvr>
+</p:sldLayout>
+</file>
+
+<file path=ppt/slideLayouts/slideLayout12.xml><?xml version="1.0" encoding="utf-8"?>
 <p:sldLayout xmlns:a="http://schemas.openxmlformats.org/drawingml/2006/main" xmlns:r="http://schemas.openxmlformats.org/officeDocument/2006/relationships" xmlns:p="http://schemas.openxmlformats.org/presentationml/2006/main" type="secHead" preserve="1">
   <p:cSld name="Deloverskrift">
     <p:spTree>
@@ -1486,7 +1868,7 @@
 </p:sldLayout>
 </file>
 
-<file path=ppt/slideLayouts/slideLayout11.xml><?xml version="1.0" encoding="utf-8"?>
+<file path=ppt/slideLayouts/slideLayout13.xml><?xml version="1.0" encoding="utf-8"?>
 <p:sldLayout xmlns:a="http://schemas.openxmlformats.org/drawingml/2006/main" xmlns:r="http://schemas.openxmlformats.org/officeDocument/2006/relationships" xmlns:p="http://schemas.openxmlformats.org/presentationml/2006/main" type="twoObj" preserve="1">
   <p:cSld name="To innholdsdeler">
     <p:spTree>
@@ -1700,7 +2082,7 @@
 </p:sldLayout>
 </file>
 
-<file path=ppt/slideLayouts/slideLayout12.xml><?xml version="1.0" encoding="utf-8"?>
+<file path=ppt/slideLayouts/slideLayout14.xml><?xml version="1.0" encoding="utf-8"?>
 <p:sldLayout xmlns:a="http://schemas.openxmlformats.org/drawingml/2006/main" xmlns:r="http://schemas.openxmlformats.org/officeDocument/2006/relationships" xmlns:p="http://schemas.openxmlformats.org/presentationml/2006/main" preserve="1" userDrawn="1">
   <p:cSld name="Sammenligning">
     <p:spTree>
@@ -2060,7 +2442,7 @@
 </p:sldLayout>
 </file>
 
-<file path=ppt/slideLayouts/slideLayout13.xml><?xml version="1.0" encoding="utf-8"?>
+<file path=ppt/slideLayouts/slideLayout15.xml><?xml version="1.0" encoding="utf-8"?>
 <p:sldLayout xmlns:a="http://schemas.openxmlformats.org/drawingml/2006/main" xmlns:r="http://schemas.openxmlformats.org/officeDocument/2006/relationships" xmlns:p="http://schemas.openxmlformats.org/presentationml/2006/main" type="titleOnly" preserve="1">
   <p:cSld name="Bare tittel">
     <p:spTree>
@@ -2154,7 +2536,7 @@
 </p:sldLayout>
 </file>
 
-<file path=ppt/slideLayouts/slideLayout14.xml><?xml version="1.0" encoding="utf-8"?>
+<file path=ppt/slideLayouts/slideLayout16.xml><?xml version="1.0" encoding="utf-8"?>
 <p:sldLayout xmlns:a="http://schemas.openxmlformats.org/drawingml/2006/main" xmlns:r="http://schemas.openxmlformats.org/officeDocument/2006/relationships" xmlns:p="http://schemas.openxmlformats.org/presentationml/2006/main" type="blank" preserve="1">
   <p:cSld name="Tomt">
     <p:spTree>
@@ -2226,7 +2608,7 @@
 </p:sldLayout>
 </file>
 
-<file path=ppt/slideLayouts/slideLayout15.xml><?xml version="1.0" encoding="utf-8"?>
+<file path=ppt/slideLayouts/slideLayout17.xml><?xml version="1.0" encoding="utf-8"?>
 <p:sldLayout xmlns:a="http://schemas.openxmlformats.org/drawingml/2006/main" xmlns:r="http://schemas.openxmlformats.org/officeDocument/2006/relationships" xmlns:p="http://schemas.openxmlformats.org/presentationml/2006/main" type="objTx" preserve="1">
   <p:cSld name="Innhold med tekst">
     <p:spTree>
@@ -2478,7 +2860,7 @@
 </p:sldLayout>
 </file>
 
-<file path=ppt/slideLayouts/slideLayout16.xml><?xml version="1.0" encoding="utf-8"?>
+<file path=ppt/slideLayouts/slideLayout18.xml><?xml version="1.0" encoding="utf-8"?>
 <p:sldLayout xmlns:a="http://schemas.openxmlformats.org/drawingml/2006/main" xmlns:r="http://schemas.openxmlformats.org/officeDocument/2006/relationships" xmlns:p="http://schemas.openxmlformats.org/presentationml/2006/main" type="picTx" preserve="1">
   <p:cSld name="Bilde med tekst">
     <p:spTree>
@@ -2710,7 +3092,7 @@
 </p:sldLayout>
 </file>
 
-<file path=ppt/slideLayouts/slideLayout17.xml><?xml version="1.0" encoding="utf-8"?>
+<file path=ppt/slideLayouts/slideLayout19.xml><?xml version="1.0" encoding="utf-8"?>
 <p:sldLayout xmlns:a="http://schemas.openxmlformats.org/drawingml/2006/main" xmlns:r="http://schemas.openxmlformats.org/officeDocument/2006/relationships" xmlns:p="http://schemas.openxmlformats.org/presentationml/2006/main" preserve="1" userDrawn="1">
   <p:cSld name="Nøytral uten logo">
     <p:spTree>
@@ -2792,7 +3174,81 @@
 </p:sldLayout>
 </file>
 
-<file path=ppt/slideLayouts/slideLayout18.xml><?xml version="1.0" encoding="utf-8"?>
+<file path=ppt/slideLayouts/slideLayout2.xml><?xml version="1.0" encoding="utf-8"?>
+<p:sldLayout xmlns:a="http://schemas.openxmlformats.org/drawingml/2006/main" xmlns:r="http://schemas.openxmlformats.org/officeDocument/2006/relationships" xmlns:p="http://schemas.openxmlformats.org/presentationml/2006/main" showMasterSp="0" preserve="1" userDrawn="1">
+  <p:cSld name="1_Tittelside">
+    <p:bg>
+      <p:bgPr>
+        <a:solidFill>
+          <a:schemeClr val="tx1"/>
+        </a:solidFill>
+        <a:effectLst/>
+      </p:bgPr>
+    </p:bg>
+    <p:spTree>
+      <p:nvGrpSpPr>
+        <p:cNvPr id="1" name=""/>
+        <p:cNvGrpSpPr/>
+        <p:nvPr/>
+      </p:nvGrpSpPr>
+      <p:grpSpPr>
+        <a:xfrm>
+          <a:off x="0" y="0"/>
+          <a:ext cx="0" cy="0"/>
+          <a:chOff x="0" y="0"/>
+          <a:chExt cx="0" cy="0"/>
+        </a:xfrm>
+      </p:grpSpPr>
+      <p:pic>
+        <p:nvPicPr>
+          <p:cNvPr id="6" name="Bilde 5" descr="Et bilde som inneholder tekst, logo, emblem, Varemerke&#10;&#10;Automatisk generert beskrivelse">
+            <a:extLst>
+              <a:ext uri="{FF2B5EF4-FFF2-40B4-BE49-F238E27FC236}">
+                <a16:creationId xmlns:a16="http://schemas.microsoft.com/office/drawing/2014/main" id="{55051756-E483-7614-7CAE-77CE4530EDB2}"/>
+              </a:ext>
+            </a:extLst>
+          </p:cNvPr>
+          <p:cNvPicPr>
+            <a:picLocks noChangeAspect="1"/>
+          </p:cNvPicPr>
+          <p:nvPr userDrawn="1"/>
+        </p:nvPicPr>
+        <p:blipFill>
+          <a:blip r:embed="rId2" cstate="print">
+            <a:extLst>
+              <a:ext uri="{28A0092B-C50C-407E-A947-70E740481C1C}">
+                <a14:useLocalDpi xmlns:a14="http://schemas.microsoft.com/office/drawing/2010/main" val="0"/>
+              </a:ext>
+            </a:extLst>
+          </a:blip>
+          <a:stretch>
+            <a:fillRect/>
+          </a:stretch>
+        </p:blipFill>
+        <p:spPr>
+          <a:xfrm>
+            <a:off x="657546" y="421551"/>
+            <a:ext cx="7828908" cy="4301986"/>
+          </a:xfrm>
+          <a:prstGeom prst="rect">
+            <a:avLst/>
+          </a:prstGeom>
+        </p:spPr>
+      </p:pic>
+    </p:spTree>
+    <p:extLst>
+      <p:ext uri="{BB962C8B-B14F-4D97-AF65-F5344CB8AC3E}">
+        <p14:creationId xmlns:p14="http://schemas.microsoft.com/office/powerpoint/2010/main" val="2299493670"/>
+      </p:ext>
+    </p:extLst>
+  </p:cSld>
+  <p:clrMapOvr>
+    <a:overrideClrMapping bg1="dk1" tx1="lt1" bg2="dk2" tx2="lt2" accent1="accent1" accent2="accent2" accent3="accent3" accent4="accent4" accent5="accent5" accent6="accent6" hlink="hlink" folHlink="folHlink"/>
+  </p:clrMapOvr>
+</p:sldLayout>
+</file>
+
+<file path=ppt/slideLayouts/slideLayout20.xml><?xml version="1.0" encoding="utf-8"?>
 <p:sldLayout xmlns:a="http://schemas.openxmlformats.org/drawingml/2006/main" xmlns:r="http://schemas.openxmlformats.org/officeDocument/2006/relationships" xmlns:p="http://schemas.openxmlformats.org/presentationml/2006/main" showMasterSp="0" preserve="1" userDrawn="1">
   <p:cSld name="Forside">
     <p:spTree>
@@ -2883,7 +3339,7 @@
           <a:p>
             <a:fld id="{CC918E41-4448-4E79-865F-42013EA6E1CC}" type="datetime1">
               <a:rPr lang="nb-NO" smtClean="0"/>
-              <a:t>13.07.2022</a:t>
+              <a:t>20.07.2023</a:t>
             </a:fld>
             <a:endParaRPr lang="nb-NO" dirty="0"/>
           </a:p>
@@ -2991,7 +3447,7 @@
 </p:sldLayout>
 </file>
 
-<file path=ppt/slideLayouts/slideLayout19.xml><?xml version="1.0" encoding="utf-8"?>
+<file path=ppt/slideLayouts/slideLayout21.xml><?xml version="1.0" encoding="utf-8"?>
 <p:sldLayout xmlns:a="http://schemas.openxmlformats.org/drawingml/2006/main" xmlns:r="http://schemas.openxmlformats.org/officeDocument/2006/relationships" xmlns:p="http://schemas.openxmlformats.org/presentationml/2006/main" type="title" preserve="1">
   <p:cSld name="Tittellysbilde">
     <p:spTree>
@@ -3118,184 +3574,7 @@
 </p:sldLayout>
 </file>
 
-<file path=ppt/slideLayouts/slideLayout2.xml><?xml version="1.0" encoding="utf-8"?>
-<p:sldLayout xmlns:a="http://schemas.openxmlformats.org/drawingml/2006/main" xmlns:r="http://schemas.openxmlformats.org/officeDocument/2006/relationships" xmlns:p="http://schemas.openxmlformats.org/presentationml/2006/main" preserve="1" userDrawn="1">
-  <p:cSld name="Bilde, tittel og rød strek">
-    <p:spTree>
-      <p:nvGrpSpPr>
-        <p:cNvPr id="1" name=""/>
-        <p:cNvGrpSpPr/>
-        <p:nvPr/>
-      </p:nvGrpSpPr>
-      <p:grpSpPr>
-        <a:xfrm>
-          <a:off x="0" y="0"/>
-          <a:ext cx="0" cy="0"/>
-          <a:chOff x="0" y="0"/>
-          <a:chExt cx="0" cy="0"/>
-        </a:xfrm>
-      </p:grpSpPr>
-      <p:sp>
-        <p:nvSpPr>
-          <p:cNvPr id="10" name="Picture Placeholder 9">
-            <a:extLst>
-              <a:ext uri="{FF2B5EF4-FFF2-40B4-BE49-F238E27FC236}">
-                <a16:creationId xmlns:a16="http://schemas.microsoft.com/office/drawing/2014/main" id="{EBB785D6-56F2-421B-9C6E-0CE161F6B873}"/>
-              </a:ext>
-            </a:extLst>
-          </p:cNvPr>
-          <p:cNvSpPr>
-            <a:spLocks noGrp="1"/>
-          </p:cNvSpPr>
-          <p:nvPr>
-            <p:ph type="pic" sz="quarter" idx="10"/>
-          </p:nvPr>
-        </p:nvSpPr>
-        <p:spPr>
-          <a:xfrm>
-            <a:off x="0" y="0"/>
-            <a:ext cx="9144000" cy="5145088"/>
-          </a:xfrm>
-          <a:solidFill>
-            <a:srgbClr val="F6F6F6"/>
-          </a:solidFill>
-        </p:spPr>
-        <p:txBody>
-          <a:bodyPr>
-            <a:normAutofit/>
-          </a:bodyPr>
-          <a:lstStyle>
-            <a:lvl1pPr marL="0" indent="0">
-              <a:buNone/>
-              <a:defRPr sz="1200"/>
-            </a:lvl1pPr>
-          </a:lstStyle>
-          <a:p>
-            <a:r>
-              <a:rPr lang="nb-NO"/>
-              <a:t>Klikk på ikonet for å legge til et bilde</a:t>
-            </a:r>
-            <a:endParaRPr lang="en-GB" dirty="0"/>
-          </a:p>
-        </p:txBody>
-      </p:sp>
-      <p:sp>
-        <p:nvSpPr>
-          <p:cNvPr id="2" name="Title 1">
-            <a:extLst>
-              <a:ext uri="{FF2B5EF4-FFF2-40B4-BE49-F238E27FC236}">
-                <a16:creationId xmlns:a16="http://schemas.microsoft.com/office/drawing/2014/main" id="{8FB34EC5-FCD0-4DB5-B3AE-6EB23C75DF43}"/>
-              </a:ext>
-            </a:extLst>
-          </p:cNvPr>
-          <p:cNvSpPr>
-            <a:spLocks noGrp="1"/>
-          </p:cNvSpPr>
-          <p:nvPr>
-            <p:ph type="title" hasCustomPrompt="1"/>
-          </p:nvPr>
-        </p:nvSpPr>
-        <p:spPr/>
-        <p:txBody>
-          <a:bodyPr/>
-          <a:lstStyle>
-            <a:lvl1pPr>
-              <a:defRPr/>
-            </a:lvl1pPr>
-          </a:lstStyle>
-          <a:p>
-            <a:r>
-              <a:rPr lang="nb-NO" dirty="0"/>
-              <a:t>Klikk for å legge til tittel</a:t>
-            </a:r>
-          </a:p>
-        </p:txBody>
-      </p:sp>
-      <p:sp>
-        <p:nvSpPr>
-          <p:cNvPr id="17" name="Text Placeholder 16">
-            <a:extLst>
-              <a:ext uri="{FF2B5EF4-FFF2-40B4-BE49-F238E27FC236}">
-                <a16:creationId xmlns:a16="http://schemas.microsoft.com/office/drawing/2014/main" id="{E7A3D93F-B7C3-4F5A-B7D9-2F41E5150842}"/>
-              </a:ext>
-            </a:extLst>
-          </p:cNvPr>
-          <p:cNvSpPr>
-            <a:spLocks noGrp="1"/>
-          </p:cNvSpPr>
-          <p:nvPr>
-            <p:ph type="body" sz="quarter" idx="12" hasCustomPrompt="1"/>
-          </p:nvPr>
-        </p:nvSpPr>
-        <p:spPr>
-          <a:xfrm>
-            <a:off x="-1" y="4419599"/>
-            <a:ext cx="6234113" cy="409576"/>
-          </a:xfrm>
-          <a:blipFill>
-            <a:blip r:embed="rId2">
-              <a:extLst>
-                <a:ext uri="{96DAC541-7B7A-43D3-8B79-37D633B846F1}">
-                  <asvg:svgBlip xmlns:asvg="http://schemas.microsoft.com/office/drawing/2016/SVG/main" r:embed="rId3"/>
-                </a:ext>
-              </a:extLst>
-            </a:blip>
-            <a:stretch>
-              <a:fillRect/>
-            </a:stretch>
-          </a:blipFill>
-        </p:spPr>
-        <p:txBody>
-          <a:bodyPr anchor="ctr"/>
-          <a:lstStyle>
-            <a:lvl1pPr marL="0" indent="0" algn="ctr">
-              <a:buNone/>
-              <a:defRPr>
-                <a:solidFill>
-                  <a:schemeClr val="bg1"/>
-                </a:solidFill>
-              </a:defRPr>
-            </a:lvl1pPr>
-          </a:lstStyle>
-          <a:p>
-            <a:pPr marL="0" marR="0" lvl="0" indent="0" algn="ctr" defTabSz="685800" rtl="0" eaLnBrk="1" fontAlgn="auto" latinLnBrk="0" hangingPunct="1">
-              <a:lnSpc>
-                <a:spcPct val="90000"/>
-              </a:lnSpc>
-              <a:spcBef>
-                <a:spcPts val="750"/>
-              </a:spcBef>
-              <a:spcAft>
-                <a:spcPts val="0"/>
-              </a:spcAft>
-              <a:buClrTx/>
-              <a:buSzTx/>
-              <a:buFont typeface="Arial" panose="020B0604020202020204" pitchFamily="34" charset="0"/>
-              <a:buNone/>
-              <a:tabLst/>
-              <a:defRPr/>
-            </a:pPr>
-            <a:r>
-              <a:rPr lang="nb-NO" dirty="0"/>
-              <a:t>Klikk for å legge til tekst</a:t>
-            </a:r>
-          </a:p>
-        </p:txBody>
-      </p:sp>
-    </p:spTree>
-    <p:extLst>
-      <p:ext uri="{BB962C8B-B14F-4D97-AF65-F5344CB8AC3E}">
-        <p14:creationId xmlns:p14="http://schemas.microsoft.com/office/powerpoint/2010/main" val="2787842652"/>
-      </p:ext>
-    </p:extLst>
-  </p:cSld>
-  <p:clrMapOvr>
-    <a:masterClrMapping/>
-  </p:clrMapOvr>
-</p:sldLayout>
-</file>
-
-<file path=ppt/slideLayouts/slideLayout20.xml><?xml version="1.0" encoding="utf-8"?>
+<file path=ppt/slideLayouts/slideLayout22.xml><?xml version="1.0" encoding="utf-8"?>
 <p:sldLayout xmlns:a="http://schemas.openxmlformats.org/drawingml/2006/main" xmlns:r="http://schemas.openxmlformats.org/officeDocument/2006/relationships" xmlns:p="http://schemas.openxmlformats.org/presentationml/2006/main" type="obj" preserve="1">
   <p:cSld name="Tittel og innhold">
     <p:spTree>
@@ -3440,7 +3719,7 @@
 </p:sldLayout>
 </file>
 
-<file path=ppt/slideLayouts/slideLayout21.xml><?xml version="1.0" encoding="utf-8"?>
+<file path=ppt/slideLayouts/slideLayout23.xml><?xml version="1.0" encoding="utf-8"?>
 <p:sldLayout xmlns:a="http://schemas.openxmlformats.org/drawingml/2006/main" xmlns:r="http://schemas.openxmlformats.org/officeDocument/2006/relationships" xmlns:p="http://schemas.openxmlformats.org/presentationml/2006/main" type="secHead" preserve="1">
   <p:cSld name="Deloverskrift">
     <p:spTree>
@@ -3661,7 +3940,7 @@
 </p:sldLayout>
 </file>
 
-<file path=ppt/slideLayouts/slideLayout22.xml><?xml version="1.0" encoding="utf-8"?>
+<file path=ppt/slideLayouts/slideLayout24.xml><?xml version="1.0" encoding="utf-8"?>
 <p:sldLayout xmlns:a="http://schemas.openxmlformats.org/drawingml/2006/main" xmlns:r="http://schemas.openxmlformats.org/officeDocument/2006/relationships" xmlns:p="http://schemas.openxmlformats.org/presentationml/2006/main" type="twoObj" preserve="1">
   <p:cSld name="To innholdsdeler">
     <p:spTree>
@@ -3867,7 +4146,7 @@
 </p:sldLayout>
 </file>
 
-<file path=ppt/slideLayouts/slideLayout23.xml><?xml version="1.0" encoding="utf-8"?>
+<file path=ppt/slideLayouts/slideLayout25.xml><?xml version="1.0" encoding="utf-8"?>
 <p:sldLayout xmlns:a="http://schemas.openxmlformats.org/drawingml/2006/main" xmlns:r="http://schemas.openxmlformats.org/officeDocument/2006/relationships" xmlns:p="http://schemas.openxmlformats.org/presentationml/2006/main" preserve="1" userDrawn="1">
   <p:cSld name="Sammenligning">
     <p:spTree>
@@ -4217,7 +4496,7 @@
 </p:sldLayout>
 </file>
 
-<file path=ppt/slideLayouts/slideLayout24.xml><?xml version="1.0" encoding="utf-8"?>
+<file path=ppt/slideLayouts/slideLayout26.xml><?xml version="1.0" encoding="utf-8"?>
 <p:sldLayout xmlns:a="http://schemas.openxmlformats.org/drawingml/2006/main" xmlns:r="http://schemas.openxmlformats.org/officeDocument/2006/relationships" xmlns:p="http://schemas.openxmlformats.org/presentationml/2006/main" type="titleOnly" preserve="1">
   <p:cSld name="Bare tittel">
     <p:spTree>
@@ -4311,7 +4590,7 @@
 </p:sldLayout>
 </file>
 
-<file path=ppt/slideLayouts/slideLayout25.xml><?xml version="1.0" encoding="utf-8"?>
+<file path=ppt/slideLayouts/slideLayout27.xml><?xml version="1.0" encoding="utf-8"?>
 <p:sldLayout xmlns:a="http://schemas.openxmlformats.org/drawingml/2006/main" xmlns:r="http://schemas.openxmlformats.org/officeDocument/2006/relationships" xmlns:p="http://schemas.openxmlformats.org/presentationml/2006/main" type="blank" preserve="1">
   <p:cSld name="Tomt">
     <p:spTree>
@@ -4383,7 +4662,7 @@
 </p:sldLayout>
 </file>
 
-<file path=ppt/slideLayouts/slideLayout26.xml><?xml version="1.0" encoding="utf-8"?>
+<file path=ppt/slideLayouts/slideLayout28.xml><?xml version="1.0" encoding="utf-8"?>
 <p:sldLayout xmlns:a="http://schemas.openxmlformats.org/drawingml/2006/main" xmlns:r="http://schemas.openxmlformats.org/officeDocument/2006/relationships" xmlns:p="http://schemas.openxmlformats.org/presentationml/2006/main" type="objTx" preserve="1">
   <p:cSld name="Innhold med tekst">
     <p:spTree>
@@ -4635,7 +4914,7 @@
 </p:sldLayout>
 </file>
 
-<file path=ppt/slideLayouts/slideLayout27.xml><?xml version="1.0" encoding="utf-8"?>
+<file path=ppt/slideLayouts/slideLayout29.xml><?xml version="1.0" encoding="utf-8"?>
 <p:sldLayout xmlns:a="http://schemas.openxmlformats.org/drawingml/2006/main" xmlns:r="http://schemas.openxmlformats.org/officeDocument/2006/relationships" xmlns:p="http://schemas.openxmlformats.org/presentationml/2006/main" type="picTx" preserve="1">
   <p:cSld name="Bilde med tekst">
     <p:spTree>
@@ -4867,7 +5146,81 @@
 </p:sldLayout>
 </file>
 
-<file path=ppt/slideLayouts/slideLayout28.xml><?xml version="1.0" encoding="utf-8"?>
+<file path=ppt/slideLayouts/slideLayout3.xml><?xml version="1.0" encoding="utf-8"?>
+<p:sldLayout xmlns:a="http://schemas.openxmlformats.org/drawingml/2006/main" xmlns:r="http://schemas.openxmlformats.org/officeDocument/2006/relationships" xmlns:p="http://schemas.openxmlformats.org/presentationml/2006/main" showMasterSp="0" preserve="1" userDrawn="1">
+  <p:cSld name="3_Tittelside">
+    <p:bg>
+      <p:bgPr>
+        <a:solidFill>
+          <a:schemeClr val="bg1"/>
+        </a:solidFill>
+        <a:effectLst/>
+      </p:bgPr>
+    </p:bg>
+    <p:spTree>
+      <p:nvGrpSpPr>
+        <p:cNvPr id="1" name=""/>
+        <p:cNvGrpSpPr/>
+        <p:nvPr/>
+      </p:nvGrpSpPr>
+      <p:grpSpPr>
+        <a:xfrm>
+          <a:off x="0" y="0"/>
+          <a:ext cx="0" cy="0"/>
+          <a:chOff x="0" y="0"/>
+          <a:chExt cx="0" cy="0"/>
+        </a:xfrm>
+      </p:grpSpPr>
+      <p:pic>
+        <p:nvPicPr>
+          <p:cNvPr id="3" name="Bilde 2" descr="Et bilde som inneholder tekst, logo, Font, emblem&#10;&#10;Automatisk generert beskrivelse">
+            <a:extLst>
+              <a:ext uri="{FF2B5EF4-FFF2-40B4-BE49-F238E27FC236}">
+                <a16:creationId xmlns:a16="http://schemas.microsoft.com/office/drawing/2014/main" id="{8A8F8D20-B50A-90FE-D1C4-2D081D65C0DD}"/>
+              </a:ext>
+            </a:extLst>
+          </p:cNvPr>
+          <p:cNvPicPr>
+            <a:picLocks noChangeAspect="1"/>
+          </p:cNvPicPr>
+          <p:nvPr userDrawn="1"/>
+        </p:nvPicPr>
+        <p:blipFill>
+          <a:blip r:embed="rId2" cstate="print">
+            <a:extLst>
+              <a:ext uri="{28A0092B-C50C-407E-A947-70E740481C1C}">
+                <a14:useLocalDpi xmlns:a14="http://schemas.microsoft.com/office/drawing/2010/main" val="0"/>
+              </a:ext>
+            </a:extLst>
+          </a:blip>
+          <a:stretch>
+            <a:fillRect/>
+          </a:stretch>
+        </p:blipFill>
+        <p:spPr>
+          <a:xfrm>
+            <a:off x="739739" y="466716"/>
+            <a:ext cx="7664522" cy="4211656"/>
+          </a:xfrm>
+          <a:prstGeom prst="rect">
+            <a:avLst/>
+          </a:prstGeom>
+        </p:spPr>
+      </p:pic>
+    </p:spTree>
+    <p:extLst>
+      <p:ext uri="{BB962C8B-B14F-4D97-AF65-F5344CB8AC3E}">
+        <p14:creationId xmlns:p14="http://schemas.microsoft.com/office/powerpoint/2010/main" val="2351092569"/>
+      </p:ext>
+    </p:extLst>
+  </p:cSld>
+  <p:clrMapOvr>
+    <a:overrideClrMapping bg1="dk1" tx1="lt1" bg2="dk2" tx2="lt2" accent1="accent1" accent2="accent2" accent3="accent3" accent4="accent4" accent5="accent5" accent6="accent6" hlink="hlink" folHlink="folHlink"/>
+  </p:clrMapOvr>
+</p:sldLayout>
+</file>
+
+<file path=ppt/slideLayouts/slideLayout30.xml><?xml version="1.0" encoding="utf-8"?>
 <p:sldLayout xmlns:a="http://schemas.openxmlformats.org/drawingml/2006/main" xmlns:r="http://schemas.openxmlformats.org/officeDocument/2006/relationships" xmlns:p="http://schemas.openxmlformats.org/presentationml/2006/main" preserve="1" userDrawn="1">
   <p:cSld name="Tittellysbilde">
     <p:spTree>
@@ -5006,7 +5359,7 @@
 </p:sldLayout>
 </file>
 
-<file path=ppt/slideLayouts/slideLayout29.xml><?xml version="1.0" encoding="utf-8"?>
+<file path=ppt/slideLayouts/slideLayout31.xml><?xml version="1.0" encoding="utf-8"?>
 <p:sldLayout xmlns:a="http://schemas.openxmlformats.org/drawingml/2006/main" xmlns:r="http://schemas.openxmlformats.org/officeDocument/2006/relationships" xmlns:p="http://schemas.openxmlformats.org/presentationml/2006/main" preserve="1" userDrawn="1">
   <p:cSld name="Tittel og innhold">
     <p:spTree>
@@ -5188,150 +5541,7 @@
 </p:sldLayout>
 </file>
 
-<file path=ppt/slideLayouts/slideLayout3.xml><?xml version="1.0" encoding="utf-8"?>
-<p:sldLayout xmlns:a="http://schemas.openxmlformats.org/drawingml/2006/main" xmlns:r="http://schemas.openxmlformats.org/officeDocument/2006/relationships" xmlns:p="http://schemas.openxmlformats.org/presentationml/2006/main" preserve="1" userDrawn="1">
-  <p:cSld name="Bilde og tekst">
-    <p:spTree>
-      <p:nvGrpSpPr>
-        <p:cNvPr id="1" name=""/>
-        <p:cNvGrpSpPr/>
-        <p:nvPr/>
-      </p:nvGrpSpPr>
-      <p:grpSpPr>
-        <a:xfrm>
-          <a:off x="0" y="0"/>
-          <a:ext cx="0" cy="0"/>
-          <a:chOff x="0" y="0"/>
-          <a:chExt cx="0" cy="0"/>
-        </a:xfrm>
-      </p:grpSpPr>
-      <p:sp>
-        <p:nvSpPr>
-          <p:cNvPr id="8" name="Picture Placeholder 9">
-            <a:extLst>
-              <a:ext uri="{FF2B5EF4-FFF2-40B4-BE49-F238E27FC236}">
-                <a16:creationId xmlns:a16="http://schemas.microsoft.com/office/drawing/2014/main" id="{CBBDFCF7-F532-477F-8A1A-E900E1DC9286}"/>
-              </a:ext>
-            </a:extLst>
-          </p:cNvPr>
-          <p:cNvSpPr>
-            <a:spLocks noGrp="1"/>
-          </p:cNvSpPr>
-          <p:nvPr>
-            <p:ph type="pic" sz="quarter" idx="10"/>
-          </p:nvPr>
-        </p:nvSpPr>
-        <p:spPr>
-          <a:xfrm>
-            <a:off x="0" y="0"/>
-            <a:ext cx="9144000" cy="5145088"/>
-          </a:xfrm>
-          <a:solidFill>
-            <a:srgbClr val="F6F6F6"/>
-          </a:solidFill>
-        </p:spPr>
-        <p:txBody>
-          <a:bodyPr anchor="t">
-            <a:normAutofit/>
-          </a:bodyPr>
-          <a:lstStyle>
-            <a:lvl1pPr marL="0" indent="0" algn="ctr">
-              <a:buNone/>
-              <a:defRPr sz="1200"/>
-            </a:lvl1pPr>
-          </a:lstStyle>
-          <a:p>
-            <a:r>
-              <a:rPr lang="nb-NO"/>
-              <a:t>Klikk på ikonet for å legge til et bilde</a:t>
-            </a:r>
-            <a:endParaRPr lang="en-GB" dirty="0"/>
-          </a:p>
-        </p:txBody>
-      </p:sp>
-      <p:sp>
-        <p:nvSpPr>
-          <p:cNvPr id="12" name="Text Placeholder 11">
-            <a:extLst>
-              <a:ext uri="{FF2B5EF4-FFF2-40B4-BE49-F238E27FC236}">
-                <a16:creationId xmlns:a16="http://schemas.microsoft.com/office/drawing/2014/main" id="{2FA06A6E-EF01-4423-B229-C83BB34ADB95}"/>
-              </a:ext>
-            </a:extLst>
-          </p:cNvPr>
-          <p:cNvSpPr>
-            <a:spLocks noGrp="1"/>
-          </p:cNvSpPr>
-          <p:nvPr>
-            <p:ph type="body" sz="quarter" idx="11" hasCustomPrompt="1"/>
-          </p:nvPr>
-        </p:nvSpPr>
-        <p:spPr>
-          <a:xfrm>
-            <a:off x="0" y="4412342"/>
-            <a:ext cx="9143999" cy="732745"/>
-          </a:xfrm>
-          <a:blipFill>
-            <a:blip r:embed="rId2">
-              <a:extLst>
-                <a:ext uri="{96DAC541-7B7A-43D3-8B79-37D633B846F1}">
-                  <asvg:svgBlip xmlns:asvg="http://schemas.microsoft.com/office/drawing/2016/SVG/main" r:embed="rId3"/>
-                </a:ext>
-              </a:extLst>
-            </a:blip>
-            <a:stretch>
-              <a:fillRect/>
-            </a:stretch>
-          </a:blipFill>
-        </p:spPr>
-        <p:txBody>
-          <a:bodyPr lIns="612000" rIns="468000" anchor="ctr">
-            <a:normAutofit/>
-          </a:bodyPr>
-          <a:lstStyle>
-            <a:lvl1pPr marL="0" indent="0" algn="l">
-              <a:buNone/>
-              <a:defRPr sz="2000" b="1"/>
-            </a:lvl1pPr>
-          </a:lstStyle>
-          <a:p>
-            <a:pPr marL="0" marR="0" lvl="0" indent="0" algn="l" defTabSz="685800" rtl="0" eaLnBrk="1" fontAlgn="auto" latinLnBrk="0" hangingPunct="1">
-              <a:lnSpc>
-                <a:spcPct val="90000"/>
-              </a:lnSpc>
-              <a:spcBef>
-                <a:spcPts val="750"/>
-              </a:spcBef>
-              <a:spcAft>
-                <a:spcPts val="0"/>
-              </a:spcAft>
-              <a:buClrTx/>
-              <a:buSzTx/>
-              <a:buFont typeface="Arial" panose="020B0604020202020204" pitchFamily="34" charset="0"/>
-              <a:buNone/>
-              <a:tabLst/>
-              <a:defRPr/>
-            </a:pPr>
-            <a:r>
-              <a:rPr lang="nb-NO" dirty="0"/>
-              <a:t>Klikk for å legge til tekst</a:t>
-            </a:r>
-          </a:p>
-        </p:txBody>
-      </p:sp>
-    </p:spTree>
-    <p:extLst>
-      <p:ext uri="{BB962C8B-B14F-4D97-AF65-F5344CB8AC3E}">
-        <p14:creationId xmlns:p14="http://schemas.microsoft.com/office/powerpoint/2010/main" val="300024147"/>
-      </p:ext>
-    </p:extLst>
-  </p:cSld>
-  <p:clrMapOvr>
-    <a:masterClrMapping/>
-  </p:clrMapOvr>
-</p:sldLayout>
-</file>
-
-<file path=ppt/slideLayouts/slideLayout30.xml><?xml version="1.0" encoding="utf-8"?>
+<file path=ppt/slideLayouts/slideLayout32.xml><?xml version="1.0" encoding="utf-8"?>
 <p:sldLayout xmlns:a="http://schemas.openxmlformats.org/drawingml/2006/main" xmlns:r="http://schemas.openxmlformats.org/officeDocument/2006/relationships" xmlns:p="http://schemas.openxmlformats.org/presentationml/2006/main" preserve="1" userDrawn="1">
   <p:cSld name="Bare tittel">
     <p:spTree>
@@ -5398,7 +5608,7 @@
 </p:sldLayout>
 </file>
 
-<file path=ppt/slideLayouts/slideLayout31.xml><?xml version="1.0" encoding="utf-8"?>
+<file path=ppt/slideLayouts/slideLayout33.xml><?xml version="1.0" encoding="utf-8"?>
 <p:sldLayout xmlns:a="http://schemas.openxmlformats.org/drawingml/2006/main" xmlns:r="http://schemas.openxmlformats.org/officeDocument/2006/relationships" xmlns:p="http://schemas.openxmlformats.org/presentationml/2006/main" type="blank" preserve="1">
   <p:cSld name="Tomt">
     <p:spTree>
@@ -5428,7 +5638,7 @@
 </p:sldLayout>
 </file>
 
-<file path=ppt/slideLayouts/slideLayout32.xml><?xml version="1.0" encoding="utf-8"?>
+<file path=ppt/slideLayouts/slideLayout34.xml><?xml version="1.0" encoding="utf-8"?>
 <p:sldLayout xmlns:a="http://schemas.openxmlformats.org/drawingml/2006/main" xmlns:r="http://schemas.openxmlformats.org/officeDocument/2006/relationships" xmlns:p="http://schemas.openxmlformats.org/presentationml/2006/main" preserve="1" userDrawn="1">
   <p:cSld name="Tittellysbilde">
     <p:spTree>
@@ -5567,7 +5777,7 @@
 </p:sldLayout>
 </file>
 
-<file path=ppt/slideLayouts/slideLayout33.xml><?xml version="1.0" encoding="utf-8"?>
+<file path=ppt/slideLayouts/slideLayout35.xml><?xml version="1.0" encoding="utf-8"?>
 <p:sldLayout xmlns:a="http://schemas.openxmlformats.org/drawingml/2006/main" xmlns:r="http://schemas.openxmlformats.org/officeDocument/2006/relationships" xmlns:p="http://schemas.openxmlformats.org/presentationml/2006/main" preserve="1" userDrawn="1">
   <p:cSld name="Tittel og innhold">
     <p:spTree>
@@ -5749,7 +5959,7 @@
 </p:sldLayout>
 </file>
 
-<file path=ppt/slideLayouts/slideLayout34.xml><?xml version="1.0" encoding="utf-8"?>
+<file path=ppt/slideLayouts/slideLayout36.xml><?xml version="1.0" encoding="utf-8"?>
 <p:sldLayout xmlns:a="http://schemas.openxmlformats.org/drawingml/2006/main" xmlns:r="http://schemas.openxmlformats.org/officeDocument/2006/relationships" xmlns:p="http://schemas.openxmlformats.org/presentationml/2006/main" preserve="1" userDrawn="1">
   <p:cSld name="Bare tittel">
     <p:spTree>
@@ -5816,7 +6026,7 @@
 </p:sldLayout>
 </file>
 
-<file path=ppt/slideLayouts/slideLayout35.xml><?xml version="1.0" encoding="utf-8"?>
+<file path=ppt/slideLayouts/slideLayout37.xml><?xml version="1.0" encoding="utf-8"?>
 <p:sldLayout xmlns:a="http://schemas.openxmlformats.org/drawingml/2006/main" xmlns:r="http://schemas.openxmlformats.org/officeDocument/2006/relationships" xmlns:p="http://schemas.openxmlformats.org/presentationml/2006/main" type="blank" preserve="1">
   <p:cSld name="Tomt">
     <p:spTree>
@@ -5846,7 +6056,7 @@
 </p:sldLayout>
 </file>
 
-<file path=ppt/slideLayouts/slideLayout36.xml><?xml version="1.0" encoding="utf-8"?>
+<file path=ppt/slideLayouts/slideLayout38.xml><?xml version="1.0" encoding="utf-8"?>
 <p:sldLayout xmlns:a="http://schemas.openxmlformats.org/drawingml/2006/main" xmlns:r="http://schemas.openxmlformats.org/officeDocument/2006/relationships" xmlns:p="http://schemas.openxmlformats.org/presentationml/2006/main" preserve="1" userDrawn="1">
   <p:cSld name="Tittellysbilde">
     <p:spTree>
@@ -5985,7 +6195,7 @@
 </p:sldLayout>
 </file>
 
-<file path=ppt/slideLayouts/slideLayout37.xml><?xml version="1.0" encoding="utf-8"?>
+<file path=ppt/slideLayouts/slideLayout39.xml><?xml version="1.0" encoding="utf-8"?>
 <p:sldLayout xmlns:a="http://schemas.openxmlformats.org/drawingml/2006/main" xmlns:r="http://schemas.openxmlformats.org/officeDocument/2006/relationships" xmlns:p="http://schemas.openxmlformats.org/presentationml/2006/main" preserve="1" userDrawn="1">
   <p:cSld name="Tittel og innhold">
     <p:spTree>
@@ -6167,7 +6377,184 @@
 </p:sldLayout>
 </file>
 
-<file path=ppt/slideLayouts/slideLayout38.xml><?xml version="1.0" encoding="utf-8"?>
+<file path=ppt/slideLayouts/slideLayout4.xml><?xml version="1.0" encoding="utf-8"?>
+<p:sldLayout xmlns:a="http://schemas.openxmlformats.org/drawingml/2006/main" xmlns:r="http://schemas.openxmlformats.org/officeDocument/2006/relationships" xmlns:p="http://schemas.openxmlformats.org/presentationml/2006/main" preserve="1" userDrawn="1">
+  <p:cSld name="Bilde, tittel og rød strek">
+    <p:spTree>
+      <p:nvGrpSpPr>
+        <p:cNvPr id="1" name=""/>
+        <p:cNvGrpSpPr/>
+        <p:nvPr/>
+      </p:nvGrpSpPr>
+      <p:grpSpPr>
+        <a:xfrm>
+          <a:off x="0" y="0"/>
+          <a:ext cx="0" cy="0"/>
+          <a:chOff x="0" y="0"/>
+          <a:chExt cx="0" cy="0"/>
+        </a:xfrm>
+      </p:grpSpPr>
+      <p:sp>
+        <p:nvSpPr>
+          <p:cNvPr id="10" name="Picture Placeholder 9">
+            <a:extLst>
+              <a:ext uri="{FF2B5EF4-FFF2-40B4-BE49-F238E27FC236}">
+                <a16:creationId xmlns:a16="http://schemas.microsoft.com/office/drawing/2014/main" id="{EBB785D6-56F2-421B-9C6E-0CE161F6B873}"/>
+              </a:ext>
+            </a:extLst>
+          </p:cNvPr>
+          <p:cNvSpPr>
+            <a:spLocks noGrp="1"/>
+          </p:cNvSpPr>
+          <p:nvPr>
+            <p:ph type="pic" sz="quarter" idx="10"/>
+          </p:nvPr>
+        </p:nvSpPr>
+        <p:spPr>
+          <a:xfrm>
+            <a:off x="0" y="0"/>
+            <a:ext cx="9144000" cy="5145088"/>
+          </a:xfrm>
+          <a:solidFill>
+            <a:srgbClr val="F6F6F6"/>
+          </a:solidFill>
+        </p:spPr>
+        <p:txBody>
+          <a:bodyPr>
+            <a:normAutofit/>
+          </a:bodyPr>
+          <a:lstStyle>
+            <a:lvl1pPr marL="0" indent="0">
+              <a:buNone/>
+              <a:defRPr sz="1200"/>
+            </a:lvl1pPr>
+          </a:lstStyle>
+          <a:p>
+            <a:r>
+              <a:rPr lang="nb-NO"/>
+              <a:t>Klikk på ikonet for å legge til et bilde</a:t>
+            </a:r>
+            <a:endParaRPr lang="en-GB" dirty="0"/>
+          </a:p>
+        </p:txBody>
+      </p:sp>
+      <p:sp>
+        <p:nvSpPr>
+          <p:cNvPr id="2" name="Title 1">
+            <a:extLst>
+              <a:ext uri="{FF2B5EF4-FFF2-40B4-BE49-F238E27FC236}">
+                <a16:creationId xmlns:a16="http://schemas.microsoft.com/office/drawing/2014/main" id="{8FB34EC5-FCD0-4DB5-B3AE-6EB23C75DF43}"/>
+              </a:ext>
+            </a:extLst>
+          </p:cNvPr>
+          <p:cNvSpPr>
+            <a:spLocks noGrp="1"/>
+          </p:cNvSpPr>
+          <p:nvPr>
+            <p:ph type="title" hasCustomPrompt="1"/>
+          </p:nvPr>
+        </p:nvSpPr>
+        <p:spPr/>
+        <p:txBody>
+          <a:bodyPr/>
+          <a:lstStyle>
+            <a:lvl1pPr>
+              <a:defRPr/>
+            </a:lvl1pPr>
+          </a:lstStyle>
+          <a:p>
+            <a:r>
+              <a:rPr lang="nb-NO" dirty="0"/>
+              <a:t>Klikk for å legge til tittel</a:t>
+            </a:r>
+          </a:p>
+        </p:txBody>
+      </p:sp>
+      <p:sp>
+        <p:nvSpPr>
+          <p:cNvPr id="17" name="Text Placeholder 16">
+            <a:extLst>
+              <a:ext uri="{FF2B5EF4-FFF2-40B4-BE49-F238E27FC236}">
+                <a16:creationId xmlns:a16="http://schemas.microsoft.com/office/drawing/2014/main" id="{E7A3D93F-B7C3-4F5A-B7D9-2F41E5150842}"/>
+              </a:ext>
+            </a:extLst>
+          </p:cNvPr>
+          <p:cNvSpPr>
+            <a:spLocks noGrp="1"/>
+          </p:cNvSpPr>
+          <p:nvPr>
+            <p:ph type="body" sz="quarter" idx="12" hasCustomPrompt="1"/>
+          </p:nvPr>
+        </p:nvSpPr>
+        <p:spPr>
+          <a:xfrm>
+            <a:off x="-1" y="4419599"/>
+            <a:ext cx="6234113" cy="409576"/>
+          </a:xfrm>
+          <a:blipFill>
+            <a:blip r:embed="rId2">
+              <a:extLst>
+                <a:ext uri="{96DAC541-7B7A-43D3-8B79-37D633B846F1}">
+                  <asvg:svgBlip xmlns:asvg="http://schemas.microsoft.com/office/drawing/2016/SVG/main" r:embed="rId3"/>
+                </a:ext>
+              </a:extLst>
+            </a:blip>
+            <a:stretch>
+              <a:fillRect/>
+            </a:stretch>
+          </a:blipFill>
+        </p:spPr>
+        <p:txBody>
+          <a:bodyPr anchor="ctr"/>
+          <a:lstStyle>
+            <a:lvl1pPr marL="0" indent="0" algn="ctr">
+              <a:buNone/>
+              <a:defRPr>
+                <a:solidFill>
+                  <a:schemeClr val="bg1"/>
+                </a:solidFill>
+              </a:defRPr>
+            </a:lvl1pPr>
+          </a:lstStyle>
+          <a:p>
+            <a:pPr marL="0" marR="0" lvl="0" indent="0" algn="ctr" defTabSz="685800" rtl="0" eaLnBrk="1" fontAlgn="auto" latinLnBrk="0" hangingPunct="1">
+              <a:lnSpc>
+                <a:spcPct val="90000"/>
+              </a:lnSpc>
+              <a:spcBef>
+                <a:spcPts val="750"/>
+              </a:spcBef>
+              <a:spcAft>
+                <a:spcPts val="0"/>
+              </a:spcAft>
+              <a:buClrTx/>
+              <a:buSzTx/>
+              <a:buFont typeface="Arial" panose="020B0604020202020204" pitchFamily="34" charset="0"/>
+              <a:buNone/>
+              <a:tabLst/>
+              <a:defRPr/>
+            </a:pPr>
+            <a:r>
+              <a:rPr lang="nb-NO" dirty="0"/>
+              <a:t>Klikk for å legge til tekst</a:t>
+            </a:r>
+          </a:p>
+        </p:txBody>
+      </p:sp>
+    </p:spTree>
+    <p:extLst>
+      <p:ext uri="{BB962C8B-B14F-4D97-AF65-F5344CB8AC3E}">
+        <p14:creationId xmlns:p14="http://schemas.microsoft.com/office/powerpoint/2010/main" val="2787842652"/>
+      </p:ext>
+    </p:extLst>
+  </p:cSld>
+  <p:clrMapOvr>
+    <a:masterClrMapping/>
+  </p:clrMapOvr>
+</p:sldLayout>
+</file>
+
+<file path=ppt/slideLayouts/slideLayout40.xml><?xml version="1.0" encoding="utf-8"?>
 <p:sldLayout xmlns:a="http://schemas.openxmlformats.org/drawingml/2006/main" xmlns:r="http://schemas.openxmlformats.org/officeDocument/2006/relationships" xmlns:p="http://schemas.openxmlformats.org/presentationml/2006/main" preserve="1" userDrawn="1">
   <p:cSld name="Bare tittel">
     <p:spTree>
@@ -6234,7 +6621,7 @@
 </p:sldLayout>
 </file>
 
-<file path=ppt/slideLayouts/slideLayout39.xml><?xml version="1.0" encoding="utf-8"?>
+<file path=ppt/slideLayouts/slideLayout41.xml><?xml version="1.0" encoding="utf-8"?>
 <p:sldLayout xmlns:a="http://schemas.openxmlformats.org/drawingml/2006/main" xmlns:r="http://schemas.openxmlformats.org/officeDocument/2006/relationships" xmlns:p="http://schemas.openxmlformats.org/presentationml/2006/main" type="blank" preserve="1">
   <p:cSld name="Tomt">
     <p:spTree>
@@ -6264,150 +6651,7 @@
 </p:sldLayout>
 </file>
 
-<file path=ppt/slideLayouts/slideLayout4.xml><?xml version="1.0" encoding="utf-8"?>
-<p:sldLayout xmlns:a="http://schemas.openxmlformats.org/drawingml/2006/main" xmlns:r="http://schemas.openxmlformats.org/officeDocument/2006/relationships" xmlns:p="http://schemas.openxmlformats.org/presentationml/2006/main" preserve="1" userDrawn="1">
-  <p:cSld name="Bilde og tekst søyle">
-    <p:spTree>
-      <p:nvGrpSpPr>
-        <p:cNvPr id="1" name=""/>
-        <p:cNvGrpSpPr/>
-        <p:nvPr/>
-      </p:nvGrpSpPr>
-      <p:grpSpPr>
-        <a:xfrm>
-          <a:off x="0" y="0"/>
-          <a:ext cx="0" cy="0"/>
-          <a:chOff x="0" y="0"/>
-          <a:chExt cx="0" cy="0"/>
-        </a:xfrm>
-      </p:grpSpPr>
-      <p:sp>
-        <p:nvSpPr>
-          <p:cNvPr id="8" name="Picture Placeholder 9">
-            <a:extLst>
-              <a:ext uri="{FF2B5EF4-FFF2-40B4-BE49-F238E27FC236}">
-                <a16:creationId xmlns:a16="http://schemas.microsoft.com/office/drawing/2014/main" id="{CBBDFCF7-F532-477F-8A1A-E900E1DC9286}"/>
-              </a:ext>
-            </a:extLst>
-          </p:cNvPr>
-          <p:cNvSpPr>
-            <a:spLocks noGrp="1"/>
-          </p:cNvSpPr>
-          <p:nvPr>
-            <p:ph type="pic" sz="quarter" idx="10"/>
-          </p:nvPr>
-        </p:nvSpPr>
-        <p:spPr>
-          <a:xfrm>
-            <a:off x="0" y="0"/>
-            <a:ext cx="9144000" cy="5145088"/>
-          </a:xfrm>
-          <a:solidFill>
-            <a:srgbClr val="F6F6F6"/>
-          </a:solidFill>
-        </p:spPr>
-        <p:txBody>
-          <a:bodyPr anchor="t">
-            <a:normAutofit/>
-          </a:bodyPr>
-          <a:lstStyle>
-            <a:lvl1pPr marL="0" indent="0" algn="ctr">
-              <a:buNone/>
-              <a:defRPr sz="1200"/>
-            </a:lvl1pPr>
-          </a:lstStyle>
-          <a:p>
-            <a:r>
-              <a:rPr lang="nb-NO"/>
-              <a:t>Klikk på ikonet for å legge til et bilde</a:t>
-            </a:r>
-            <a:endParaRPr lang="en-GB" dirty="0"/>
-          </a:p>
-        </p:txBody>
-      </p:sp>
-      <p:sp>
-        <p:nvSpPr>
-          <p:cNvPr id="12" name="Text Placeholder 11">
-            <a:extLst>
-              <a:ext uri="{FF2B5EF4-FFF2-40B4-BE49-F238E27FC236}">
-                <a16:creationId xmlns:a16="http://schemas.microsoft.com/office/drawing/2014/main" id="{2FA06A6E-EF01-4423-B229-C83BB34ADB95}"/>
-              </a:ext>
-            </a:extLst>
-          </p:cNvPr>
-          <p:cNvSpPr>
-            <a:spLocks noGrp="1"/>
-          </p:cNvSpPr>
-          <p:nvPr>
-            <p:ph type="body" sz="quarter" idx="11" hasCustomPrompt="1"/>
-          </p:nvPr>
-        </p:nvSpPr>
-        <p:spPr>
-          <a:xfrm>
-            <a:off x="1447200" y="1"/>
-            <a:ext cx="3193200" cy="5145088"/>
-          </a:xfrm>
-          <a:blipFill>
-            <a:blip r:embed="rId2">
-              <a:extLst>
-                <a:ext uri="{96DAC541-7B7A-43D3-8B79-37D633B846F1}">
-                  <asvg:svgBlip xmlns:asvg="http://schemas.microsoft.com/office/drawing/2016/SVG/main" r:embed="rId3"/>
-                </a:ext>
-              </a:extLst>
-            </a:blip>
-            <a:stretch>
-              <a:fillRect/>
-            </a:stretch>
-          </a:blipFill>
-        </p:spPr>
-        <p:txBody>
-          <a:bodyPr lIns="612000" rIns="468000" anchor="ctr">
-            <a:normAutofit/>
-          </a:bodyPr>
-          <a:lstStyle>
-            <a:lvl1pPr marL="0" indent="0" algn="l">
-              <a:buNone/>
-              <a:defRPr sz="2000" b="0"/>
-            </a:lvl1pPr>
-          </a:lstStyle>
-          <a:p>
-            <a:pPr marL="0" marR="0" lvl="0" indent="0" algn="l" defTabSz="685800" rtl="0" eaLnBrk="1" fontAlgn="auto" latinLnBrk="0" hangingPunct="1">
-              <a:lnSpc>
-                <a:spcPct val="90000"/>
-              </a:lnSpc>
-              <a:spcBef>
-                <a:spcPts val="750"/>
-              </a:spcBef>
-              <a:spcAft>
-                <a:spcPts val="0"/>
-              </a:spcAft>
-              <a:buClrTx/>
-              <a:buSzTx/>
-              <a:buFont typeface="Arial" panose="020B0604020202020204" pitchFamily="34" charset="0"/>
-              <a:buNone/>
-              <a:tabLst/>
-              <a:defRPr/>
-            </a:pPr>
-            <a:r>
-              <a:rPr lang="nb-NO" dirty="0"/>
-              <a:t>Klikk for å legge til tekst</a:t>
-            </a:r>
-          </a:p>
-        </p:txBody>
-      </p:sp>
-    </p:spTree>
-    <p:extLst>
-      <p:ext uri="{BB962C8B-B14F-4D97-AF65-F5344CB8AC3E}">
-        <p14:creationId xmlns:p14="http://schemas.microsoft.com/office/powerpoint/2010/main" val="3558173076"/>
-      </p:ext>
-    </p:extLst>
-  </p:cSld>
-  <p:clrMapOvr>
-    <a:masterClrMapping/>
-  </p:clrMapOvr>
-</p:sldLayout>
-</file>
-
-<file path=ppt/slideLayouts/slideLayout40.xml><?xml version="1.0" encoding="utf-8"?>
+<file path=ppt/slideLayouts/slideLayout42.xml><?xml version="1.0" encoding="utf-8"?>
 <p:sldLayout xmlns:a="http://schemas.openxmlformats.org/drawingml/2006/main" xmlns:r="http://schemas.openxmlformats.org/officeDocument/2006/relationships" xmlns:p="http://schemas.openxmlformats.org/presentationml/2006/main" preserve="1" userDrawn="1">
   <p:cSld name="Tittellysbilde">
     <p:spTree>
@@ -6546,7 +6790,7 @@
 </p:sldLayout>
 </file>
 
-<file path=ppt/slideLayouts/slideLayout41.xml><?xml version="1.0" encoding="utf-8"?>
+<file path=ppt/slideLayouts/slideLayout43.xml><?xml version="1.0" encoding="utf-8"?>
 <p:sldLayout xmlns:a="http://schemas.openxmlformats.org/drawingml/2006/main" xmlns:r="http://schemas.openxmlformats.org/officeDocument/2006/relationships" xmlns:p="http://schemas.openxmlformats.org/presentationml/2006/main" preserve="1" userDrawn="1">
   <p:cSld name="Tittel og innhold">
     <p:spTree>
@@ -6728,7 +6972,7 @@
 </p:sldLayout>
 </file>
 
-<file path=ppt/slideLayouts/slideLayout42.xml><?xml version="1.0" encoding="utf-8"?>
+<file path=ppt/slideLayouts/slideLayout44.xml><?xml version="1.0" encoding="utf-8"?>
 <p:sldLayout xmlns:a="http://schemas.openxmlformats.org/drawingml/2006/main" xmlns:r="http://schemas.openxmlformats.org/officeDocument/2006/relationships" xmlns:p="http://schemas.openxmlformats.org/presentationml/2006/main" preserve="1" userDrawn="1">
   <p:cSld name="Bare tittel">
     <p:spTree>
@@ -6795,7 +7039,7 @@
 </p:sldLayout>
 </file>
 
-<file path=ppt/slideLayouts/slideLayout43.xml><?xml version="1.0" encoding="utf-8"?>
+<file path=ppt/slideLayouts/slideLayout45.xml><?xml version="1.0" encoding="utf-8"?>
 <p:sldLayout xmlns:a="http://schemas.openxmlformats.org/drawingml/2006/main" xmlns:r="http://schemas.openxmlformats.org/officeDocument/2006/relationships" xmlns:p="http://schemas.openxmlformats.org/presentationml/2006/main" type="blank" preserve="1">
   <p:cSld name="Tomt">
     <p:spTree>
@@ -6825,7 +7069,7 @@
 </p:sldLayout>
 </file>
 
-<file path=ppt/slideLayouts/slideLayout44.xml><?xml version="1.0" encoding="utf-8"?>
+<file path=ppt/slideLayouts/slideLayout46.xml><?xml version="1.0" encoding="utf-8"?>
 <p:sldLayout xmlns:a="http://schemas.openxmlformats.org/drawingml/2006/main" xmlns:r="http://schemas.openxmlformats.org/officeDocument/2006/relationships" xmlns:p="http://schemas.openxmlformats.org/presentationml/2006/main" preserve="1" userDrawn="1">
   <p:cSld name="Tittellysbilde">
     <p:spTree>
@@ -7055,7 +7299,7 @@
 </p:sldLayout>
 </file>
 
-<file path=ppt/slideLayouts/slideLayout45.xml><?xml version="1.0" encoding="utf-8"?>
+<file path=ppt/slideLayouts/slideLayout47.xml><?xml version="1.0" encoding="utf-8"?>
 <p:sldLayout xmlns:a="http://schemas.openxmlformats.org/drawingml/2006/main" xmlns:r="http://schemas.openxmlformats.org/officeDocument/2006/relationships" xmlns:p="http://schemas.openxmlformats.org/presentationml/2006/main" preserve="1" userDrawn="1">
   <p:cSld name="Tittel og innhold">
     <p:spTree>
@@ -7237,7 +7481,7 @@
 </p:sldLayout>
 </file>
 
-<file path=ppt/slideLayouts/slideLayout46.xml><?xml version="1.0" encoding="utf-8"?>
+<file path=ppt/slideLayouts/slideLayout48.xml><?xml version="1.0" encoding="utf-8"?>
 <p:sldLayout xmlns:a="http://schemas.openxmlformats.org/drawingml/2006/main" xmlns:r="http://schemas.openxmlformats.org/officeDocument/2006/relationships" xmlns:p="http://schemas.openxmlformats.org/presentationml/2006/main" preserve="1" userDrawn="1">
   <p:cSld name="Bare tittel">
     <p:spTree>
@@ -7304,7 +7548,7 @@
 </p:sldLayout>
 </file>
 
-<file path=ppt/slideLayouts/slideLayout47.xml><?xml version="1.0" encoding="utf-8"?>
+<file path=ppt/slideLayouts/slideLayout49.xml><?xml version="1.0" encoding="utf-8"?>
 <p:sldLayout xmlns:a="http://schemas.openxmlformats.org/drawingml/2006/main" xmlns:r="http://schemas.openxmlformats.org/officeDocument/2006/relationships" xmlns:p="http://schemas.openxmlformats.org/presentationml/2006/main" type="blank" preserve="1">
   <p:cSld name="Tomt">
     <p:spTree>
@@ -7335,6 +7579,292 @@
 </file>
 
 <file path=ppt/slideLayouts/slideLayout5.xml><?xml version="1.0" encoding="utf-8"?>
+<p:sldLayout xmlns:a="http://schemas.openxmlformats.org/drawingml/2006/main" xmlns:r="http://schemas.openxmlformats.org/officeDocument/2006/relationships" xmlns:p="http://schemas.openxmlformats.org/presentationml/2006/main" preserve="1" userDrawn="1">
+  <p:cSld name="Bilde og tekst">
+    <p:spTree>
+      <p:nvGrpSpPr>
+        <p:cNvPr id="1" name=""/>
+        <p:cNvGrpSpPr/>
+        <p:nvPr/>
+      </p:nvGrpSpPr>
+      <p:grpSpPr>
+        <a:xfrm>
+          <a:off x="0" y="0"/>
+          <a:ext cx="0" cy="0"/>
+          <a:chOff x="0" y="0"/>
+          <a:chExt cx="0" cy="0"/>
+        </a:xfrm>
+      </p:grpSpPr>
+      <p:sp>
+        <p:nvSpPr>
+          <p:cNvPr id="8" name="Picture Placeholder 9">
+            <a:extLst>
+              <a:ext uri="{FF2B5EF4-FFF2-40B4-BE49-F238E27FC236}">
+                <a16:creationId xmlns:a16="http://schemas.microsoft.com/office/drawing/2014/main" id="{CBBDFCF7-F532-477F-8A1A-E900E1DC9286}"/>
+              </a:ext>
+            </a:extLst>
+          </p:cNvPr>
+          <p:cNvSpPr>
+            <a:spLocks noGrp="1"/>
+          </p:cNvSpPr>
+          <p:nvPr>
+            <p:ph type="pic" sz="quarter" idx="10"/>
+          </p:nvPr>
+        </p:nvSpPr>
+        <p:spPr>
+          <a:xfrm>
+            <a:off x="0" y="0"/>
+            <a:ext cx="9144000" cy="5145088"/>
+          </a:xfrm>
+          <a:solidFill>
+            <a:srgbClr val="F6F6F6"/>
+          </a:solidFill>
+        </p:spPr>
+        <p:txBody>
+          <a:bodyPr anchor="t">
+            <a:normAutofit/>
+          </a:bodyPr>
+          <a:lstStyle>
+            <a:lvl1pPr marL="0" indent="0" algn="ctr">
+              <a:buNone/>
+              <a:defRPr sz="1200"/>
+            </a:lvl1pPr>
+          </a:lstStyle>
+          <a:p>
+            <a:r>
+              <a:rPr lang="nb-NO"/>
+              <a:t>Klikk på ikonet for å legge til et bilde</a:t>
+            </a:r>
+            <a:endParaRPr lang="en-GB" dirty="0"/>
+          </a:p>
+        </p:txBody>
+      </p:sp>
+      <p:sp>
+        <p:nvSpPr>
+          <p:cNvPr id="12" name="Text Placeholder 11">
+            <a:extLst>
+              <a:ext uri="{FF2B5EF4-FFF2-40B4-BE49-F238E27FC236}">
+                <a16:creationId xmlns:a16="http://schemas.microsoft.com/office/drawing/2014/main" id="{2FA06A6E-EF01-4423-B229-C83BB34ADB95}"/>
+              </a:ext>
+            </a:extLst>
+          </p:cNvPr>
+          <p:cNvSpPr>
+            <a:spLocks noGrp="1"/>
+          </p:cNvSpPr>
+          <p:nvPr>
+            <p:ph type="body" sz="quarter" idx="11" hasCustomPrompt="1"/>
+          </p:nvPr>
+        </p:nvSpPr>
+        <p:spPr>
+          <a:xfrm>
+            <a:off x="0" y="4412342"/>
+            <a:ext cx="9143999" cy="732745"/>
+          </a:xfrm>
+          <a:blipFill>
+            <a:blip r:embed="rId2">
+              <a:extLst>
+                <a:ext uri="{96DAC541-7B7A-43D3-8B79-37D633B846F1}">
+                  <asvg:svgBlip xmlns:asvg="http://schemas.microsoft.com/office/drawing/2016/SVG/main" r:embed="rId3"/>
+                </a:ext>
+              </a:extLst>
+            </a:blip>
+            <a:stretch>
+              <a:fillRect/>
+            </a:stretch>
+          </a:blipFill>
+        </p:spPr>
+        <p:txBody>
+          <a:bodyPr lIns="612000" rIns="468000" anchor="ctr">
+            <a:normAutofit/>
+          </a:bodyPr>
+          <a:lstStyle>
+            <a:lvl1pPr marL="0" indent="0" algn="l">
+              <a:buNone/>
+              <a:defRPr sz="2000" b="1"/>
+            </a:lvl1pPr>
+          </a:lstStyle>
+          <a:p>
+            <a:pPr marL="0" marR="0" lvl="0" indent="0" algn="l" defTabSz="685800" rtl="0" eaLnBrk="1" fontAlgn="auto" latinLnBrk="0" hangingPunct="1">
+              <a:lnSpc>
+                <a:spcPct val="90000"/>
+              </a:lnSpc>
+              <a:spcBef>
+                <a:spcPts val="750"/>
+              </a:spcBef>
+              <a:spcAft>
+                <a:spcPts val="0"/>
+              </a:spcAft>
+              <a:buClrTx/>
+              <a:buSzTx/>
+              <a:buFont typeface="Arial" panose="020B0604020202020204" pitchFamily="34" charset="0"/>
+              <a:buNone/>
+              <a:tabLst/>
+              <a:defRPr/>
+            </a:pPr>
+            <a:r>
+              <a:rPr lang="nb-NO" dirty="0"/>
+              <a:t>Klikk for å legge til tekst</a:t>
+            </a:r>
+          </a:p>
+        </p:txBody>
+      </p:sp>
+    </p:spTree>
+    <p:extLst>
+      <p:ext uri="{BB962C8B-B14F-4D97-AF65-F5344CB8AC3E}">
+        <p14:creationId xmlns:p14="http://schemas.microsoft.com/office/powerpoint/2010/main" val="300024147"/>
+      </p:ext>
+    </p:extLst>
+  </p:cSld>
+  <p:clrMapOvr>
+    <a:masterClrMapping/>
+  </p:clrMapOvr>
+</p:sldLayout>
+</file>
+
+<file path=ppt/slideLayouts/slideLayout6.xml><?xml version="1.0" encoding="utf-8"?>
+<p:sldLayout xmlns:a="http://schemas.openxmlformats.org/drawingml/2006/main" xmlns:r="http://schemas.openxmlformats.org/officeDocument/2006/relationships" xmlns:p="http://schemas.openxmlformats.org/presentationml/2006/main" preserve="1" userDrawn="1">
+  <p:cSld name="Bilde og tekst søyle">
+    <p:spTree>
+      <p:nvGrpSpPr>
+        <p:cNvPr id="1" name=""/>
+        <p:cNvGrpSpPr/>
+        <p:nvPr/>
+      </p:nvGrpSpPr>
+      <p:grpSpPr>
+        <a:xfrm>
+          <a:off x="0" y="0"/>
+          <a:ext cx="0" cy="0"/>
+          <a:chOff x="0" y="0"/>
+          <a:chExt cx="0" cy="0"/>
+        </a:xfrm>
+      </p:grpSpPr>
+      <p:sp>
+        <p:nvSpPr>
+          <p:cNvPr id="8" name="Picture Placeholder 9">
+            <a:extLst>
+              <a:ext uri="{FF2B5EF4-FFF2-40B4-BE49-F238E27FC236}">
+                <a16:creationId xmlns:a16="http://schemas.microsoft.com/office/drawing/2014/main" id="{CBBDFCF7-F532-477F-8A1A-E900E1DC9286}"/>
+              </a:ext>
+            </a:extLst>
+          </p:cNvPr>
+          <p:cNvSpPr>
+            <a:spLocks noGrp="1"/>
+          </p:cNvSpPr>
+          <p:nvPr>
+            <p:ph type="pic" sz="quarter" idx="10"/>
+          </p:nvPr>
+        </p:nvSpPr>
+        <p:spPr>
+          <a:xfrm>
+            <a:off x="0" y="0"/>
+            <a:ext cx="9144000" cy="5145088"/>
+          </a:xfrm>
+          <a:solidFill>
+            <a:srgbClr val="F6F6F6"/>
+          </a:solidFill>
+        </p:spPr>
+        <p:txBody>
+          <a:bodyPr anchor="t">
+            <a:normAutofit/>
+          </a:bodyPr>
+          <a:lstStyle>
+            <a:lvl1pPr marL="0" indent="0" algn="ctr">
+              <a:buNone/>
+              <a:defRPr sz="1200"/>
+            </a:lvl1pPr>
+          </a:lstStyle>
+          <a:p>
+            <a:r>
+              <a:rPr lang="nb-NO"/>
+              <a:t>Klikk på ikonet for å legge til et bilde</a:t>
+            </a:r>
+            <a:endParaRPr lang="en-GB" dirty="0"/>
+          </a:p>
+        </p:txBody>
+      </p:sp>
+      <p:sp>
+        <p:nvSpPr>
+          <p:cNvPr id="12" name="Text Placeholder 11">
+            <a:extLst>
+              <a:ext uri="{FF2B5EF4-FFF2-40B4-BE49-F238E27FC236}">
+                <a16:creationId xmlns:a16="http://schemas.microsoft.com/office/drawing/2014/main" id="{2FA06A6E-EF01-4423-B229-C83BB34ADB95}"/>
+              </a:ext>
+            </a:extLst>
+          </p:cNvPr>
+          <p:cNvSpPr>
+            <a:spLocks noGrp="1"/>
+          </p:cNvSpPr>
+          <p:nvPr>
+            <p:ph type="body" sz="quarter" idx="11" hasCustomPrompt="1"/>
+          </p:nvPr>
+        </p:nvSpPr>
+        <p:spPr>
+          <a:xfrm>
+            <a:off x="1447200" y="1"/>
+            <a:ext cx="3193200" cy="5145088"/>
+          </a:xfrm>
+          <a:blipFill>
+            <a:blip r:embed="rId2">
+              <a:extLst>
+                <a:ext uri="{96DAC541-7B7A-43D3-8B79-37D633B846F1}">
+                  <asvg:svgBlip xmlns:asvg="http://schemas.microsoft.com/office/drawing/2016/SVG/main" r:embed="rId3"/>
+                </a:ext>
+              </a:extLst>
+            </a:blip>
+            <a:stretch>
+              <a:fillRect/>
+            </a:stretch>
+          </a:blipFill>
+        </p:spPr>
+        <p:txBody>
+          <a:bodyPr lIns="612000" rIns="468000" anchor="ctr">
+            <a:normAutofit/>
+          </a:bodyPr>
+          <a:lstStyle>
+            <a:lvl1pPr marL="0" indent="0" algn="l">
+              <a:buNone/>
+              <a:defRPr sz="2000" b="0"/>
+            </a:lvl1pPr>
+          </a:lstStyle>
+          <a:p>
+            <a:pPr marL="0" marR="0" lvl="0" indent="0" algn="l" defTabSz="685800" rtl="0" eaLnBrk="1" fontAlgn="auto" latinLnBrk="0" hangingPunct="1">
+              <a:lnSpc>
+                <a:spcPct val="90000"/>
+              </a:lnSpc>
+              <a:spcBef>
+                <a:spcPts val="750"/>
+              </a:spcBef>
+              <a:spcAft>
+                <a:spcPts val="0"/>
+              </a:spcAft>
+              <a:buClrTx/>
+              <a:buSzTx/>
+              <a:buFont typeface="Arial" panose="020B0604020202020204" pitchFamily="34" charset="0"/>
+              <a:buNone/>
+              <a:tabLst/>
+              <a:defRPr/>
+            </a:pPr>
+            <a:r>
+              <a:rPr lang="nb-NO" dirty="0"/>
+              <a:t>Klikk for å legge til tekst</a:t>
+            </a:r>
+          </a:p>
+        </p:txBody>
+      </p:sp>
+    </p:spTree>
+    <p:extLst>
+      <p:ext uri="{BB962C8B-B14F-4D97-AF65-F5344CB8AC3E}">
+        <p14:creationId xmlns:p14="http://schemas.microsoft.com/office/powerpoint/2010/main" val="3558173076"/>
+      </p:ext>
+    </p:extLst>
+  </p:cSld>
+  <p:clrMapOvr>
+    <a:masterClrMapping/>
+  </p:clrMapOvr>
+</p:sldLayout>
+</file>
+
+<file path=ppt/slideLayouts/slideLayout7.xml><?xml version="1.0" encoding="utf-8"?>
 <p:sldLayout xmlns:a="http://schemas.openxmlformats.org/drawingml/2006/main" xmlns:r="http://schemas.openxmlformats.org/officeDocument/2006/relationships" xmlns:p="http://schemas.openxmlformats.org/presentationml/2006/main" type="title" preserve="1">
   <p:cSld name="Tittellysbilde">
     <p:spTree>
@@ -7464,7 +7994,7 @@
 </p:sldLayout>
 </file>
 
-<file path=ppt/slideLayouts/slideLayout6.xml><?xml version="1.0" encoding="utf-8"?>
+<file path=ppt/slideLayouts/slideLayout8.xml><?xml version="1.0" encoding="utf-8"?>
 <p:sldLayout xmlns:a="http://schemas.openxmlformats.org/drawingml/2006/main" xmlns:r="http://schemas.openxmlformats.org/officeDocument/2006/relationships" xmlns:p="http://schemas.openxmlformats.org/presentationml/2006/main" type="obj" preserve="1">
   <p:cSld name="Tittel og innhold">
     <p:spTree>
@@ -7617,7 +8147,7 @@
 </p:sldLayout>
 </file>
 
-<file path=ppt/slideLayouts/slideLayout7.xml><?xml version="1.0" encoding="utf-8"?>
+<file path=ppt/slideLayouts/slideLayout9.xml><?xml version="1.0" encoding="utf-8"?>
 <p:sldLayout xmlns:a="http://schemas.openxmlformats.org/drawingml/2006/main" xmlns:r="http://schemas.openxmlformats.org/officeDocument/2006/relationships" xmlns:p="http://schemas.openxmlformats.org/presentationml/2006/main" preserve="1" userDrawn="1">
   <p:cSld name="Tittel og innhold (2)">
     <p:spTree>
@@ -7999,471 +8529,6 @@
     <p:extLst>
       <p:ext uri="{BB962C8B-B14F-4D97-AF65-F5344CB8AC3E}">
         <p14:creationId xmlns:p14="http://schemas.microsoft.com/office/powerpoint/2010/main" val="4036886614"/>
-      </p:ext>
-    </p:extLst>
-  </p:cSld>
-  <p:clrMapOvr>
-    <a:masterClrMapping/>
-  </p:clrMapOvr>
-</p:sldLayout>
-</file>
-
-<file path=ppt/slideLayouts/slideLayout8.xml><?xml version="1.0" encoding="utf-8"?>
-<p:sldLayout xmlns:a="http://schemas.openxmlformats.org/drawingml/2006/main" xmlns:r="http://schemas.openxmlformats.org/officeDocument/2006/relationships" xmlns:p="http://schemas.openxmlformats.org/presentationml/2006/main" preserve="1" userDrawn="1">
-  <p:cSld name="Tittel, innhold og bilde (H)">
-    <p:spTree>
-      <p:nvGrpSpPr>
-        <p:cNvPr id="1" name=""/>
-        <p:cNvGrpSpPr/>
-        <p:nvPr/>
-      </p:nvGrpSpPr>
-      <p:grpSpPr>
-        <a:xfrm>
-          <a:off x="0" y="0"/>
-          <a:ext cx="0" cy="0"/>
-          <a:chOff x="0" y="0"/>
-          <a:chExt cx="0" cy="0"/>
-        </a:xfrm>
-      </p:grpSpPr>
-      <p:sp>
-        <p:nvSpPr>
-          <p:cNvPr id="4" name="Rectangle 3">
-            <a:extLst>
-              <a:ext uri="{FF2B5EF4-FFF2-40B4-BE49-F238E27FC236}">
-                <a16:creationId xmlns:a16="http://schemas.microsoft.com/office/drawing/2014/main" id="{F1E1C32F-6395-4279-A4F6-2DFACFC18416}"/>
-              </a:ext>
-            </a:extLst>
-          </p:cNvPr>
-          <p:cNvSpPr/>
-          <p:nvPr userDrawn="1"/>
-        </p:nvSpPr>
-        <p:spPr>
-          <a:xfrm>
-            <a:off x="1" y="0"/>
-            <a:ext cx="9143998" cy="5145088"/>
-          </a:xfrm>
-          <a:prstGeom prst="rect">
-            <a:avLst/>
-          </a:prstGeom>
-          <a:solidFill>
-            <a:schemeClr val="bg1">
-              <a:lumMod val="95000"/>
-            </a:schemeClr>
-          </a:solidFill>
-          <a:ln>
-            <a:noFill/>
-          </a:ln>
-        </p:spPr>
-        <p:style>
-          <a:lnRef idx="2">
-            <a:schemeClr val="accent1">
-              <a:shade val="50000"/>
-            </a:schemeClr>
-          </a:lnRef>
-          <a:fillRef idx="1">
-            <a:schemeClr val="accent1"/>
-          </a:fillRef>
-          <a:effectRef idx="0">
-            <a:schemeClr val="accent1"/>
-          </a:effectRef>
-          <a:fontRef idx="minor">
-            <a:schemeClr val="lt1"/>
-          </a:fontRef>
-        </p:style>
-        <p:txBody>
-          <a:bodyPr rtlCol="0" anchor="ctr"/>
-          <a:lstStyle/>
-          <a:p>
-            <a:pPr algn="ctr"/>
-            <a:endParaRPr lang="nb-NO" dirty="0"/>
-          </a:p>
-        </p:txBody>
-      </p:sp>
-      <p:sp>
-        <p:nvSpPr>
-          <p:cNvPr id="2" name="Tittel 1"/>
-          <p:cNvSpPr>
-            <a:spLocks noGrp="1"/>
-          </p:cNvSpPr>
-          <p:nvPr>
-            <p:ph type="title" hasCustomPrompt="1"/>
-          </p:nvPr>
-        </p:nvSpPr>
-        <p:spPr>
-          <a:xfrm>
-            <a:off x="628650" y="351954"/>
-            <a:ext cx="3316055" cy="828104"/>
-          </a:xfrm>
-        </p:spPr>
-        <p:txBody>
-          <a:bodyPr/>
-          <a:lstStyle>
-            <a:lvl1pPr>
-              <a:defRPr/>
-            </a:lvl1pPr>
-          </a:lstStyle>
-          <a:p>
-            <a:r>
-              <a:rPr lang="nb-NO" dirty="0"/>
-              <a:t>Tittel</a:t>
-            </a:r>
-          </a:p>
-        </p:txBody>
-      </p:sp>
-      <p:sp>
-        <p:nvSpPr>
-          <p:cNvPr id="3" name="Plassholder for innhold 2"/>
-          <p:cNvSpPr>
-            <a:spLocks noGrp="1"/>
-          </p:cNvSpPr>
-          <p:nvPr>
-            <p:ph idx="1" hasCustomPrompt="1"/>
-          </p:nvPr>
-        </p:nvSpPr>
-        <p:spPr>
-          <a:xfrm>
-            <a:off x="628650" y="1369643"/>
-            <a:ext cx="3316056" cy="3042700"/>
-          </a:xfrm>
-        </p:spPr>
-        <p:txBody>
-          <a:bodyPr/>
-          <a:lstStyle/>
-          <a:p>
-            <a:pPr lvl="0"/>
-            <a:r>
-              <a:rPr lang="nb-NO" dirty="0"/>
-              <a:t>Klikk for å legge til tekst</a:t>
-            </a:r>
-          </a:p>
-          <a:p>
-            <a:pPr lvl="1"/>
-            <a:r>
-              <a:rPr lang="nb-NO" dirty="0"/>
-              <a:t>Andre nivå</a:t>
-            </a:r>
-          </a:p>
-          <a:p>
-            <a:pPr lvl="2"/>
-            <a:r>
-              <a:rPr lang="nb-NO" dirty="0"/>
-              <a:t>Tredje nivå</a:t>
-            </a:r>
-          </a:p>
-          <a:p>
-            <a:pPr lvl="3"/>
-            <a:r>
-              <a:rPr lang="nb-NO" dirty="0"/>
-              <a:t>Fjerde nivå</a:t>
-            </a:r>
-          </a:p>
-          <a:p>
-            <a:pPr lvl="4"/>
-            <a:r>
-              <a:rPr lang="nb-NO" dirty="0"/>
-              <a:t>Femte nivå</a:t>
-            </a:r>
-          </a:p>
-        </p:txBody>
-      </p:sp>
-      <p:sp>
-        <p:nvSpPr>
-          <p:cNvPr id="5" name="Plassholder for bunntekst 4"/>
-          <p:cNvSpPr>
-            <a:spLocks noGrp="1"/>
-          </p:cNvSpPr>
-          <p:nvPr>
-            <p:ph type="ftr" sz="quarter" idx="11"/>
-          </p:nvPr>
-        </p:nvSpPr>
-        <p:spPr/>
-        <p:txBody>
-          <a:bodyPr/>
-          <a:lstStyle/>
-          <a:p>
-            <a:endParaRPr lang="nb-NO" dirty="0"/>
-          </a:p>
-        </p:txBody>
-      </p:sp>
-      <p:sp>
-        <p:nvSpPr>
-          <p:cNvPr id="6" name="Plassholder for lysbildenummer 5"/>
-          <p:cNvSpPr>
-            <a:spLocks noGrp="1"/>
-          </p:cNvSpPr>
-          <p:nvPr>
-            <p:ph type="sldNum" sz="quarter" idx="12"/>
-          </p:nvPr>
-        </p:nvSpPr>
-        <p:spPr/>
-        <p:txBody>
-          <a:bodyPr/>
-          <a:lstStyle/>
-          <a:p>
-            <a:fld id="{35E025E5-F4E9-4572-B8CF-5901727261FC}" type="slidenum">
-              <a:rPr lang="nb-NO" smtClean="0"/>
-              <a:t>‹#›</a:t>
-            </a:fld>
-            <a:endParaRPr lang="nb-NO" dirty="0"/>
-          </a:p>
-        </p:txBody>
-      </p:sp>
-      <p:sp>
-        <p:nvSpPr>
-          <p:cNvPr id="7" name="Picture Placeholder 6">
-            <a:extLst>
-              <a:ext uri="{FF2B5EF4-FFF2-40B4-BE49-F238E27FC236}">
-                <a16:creationId xmlns:a16="http://schemas.microsoft.com/office/drawing/2014/main" id="{48218045-9B70-4777-A444-3E4233FF4C41}"/>
-              </a:ext>
-            </a:extLst>
-          </p:cNvPr>
-          <p:cNvSpPr>
-            <a:spLocks noGrp="1"/>
-          </p:cNvSpPr>
-          <p:nvPr>
-            <p:ph type="pic" sz="quarter" idx="15"/>
-          </p:nvPr>
-        </p:nvSpPr>
-        <p:spPr>
-          <a:xfrm>
-            <a:off x="4572000" y="0"/>
-            <a:ext cx="4571999" cy="5145087"/>
-          </a:xfrm>
-          <a:prstGeom prst="rect">
-            <a:avLst/>
-          </a:prstGeom>
-        </p:spPr>
-        <p:txBody>
-          <a:bodyPr lIns="0" tIns="0" rIns="0" bIns="0"/>
-          <a:lstStyle/>
-          <a:p>
-            <a:r>
-              <a:rPr lang="nb-NO"/>
-              <a:t>Klikk på ikonet for å legge til et bilde</a:t>
-            </a:r>
-            <a:endParaRPr lang="en-GB"/>
-          </a:p>
-        </p:txBody>
-      </p:sp>
-    </p:spTree>
-    <p:extLst>
-      <p:ext uri="{BB962C8B-B14F-4D97-AF65-F5344CB8AC3E}">
-        <p14:creationId xmlns:p14="http://schemas.microsoft.com/office/powerpoint/2010/main" val="3202611020"/>
-      </p:ext>
-    </p:extLst>
-  </p:cSld>
-  <p:clrMapOvr>
-    <a:masterClrMapping/>
-  </p:clrMapOvr>
-</p:sldLayout>
-</file>
-
-<file path=ppt/slideLayouts/slideLayout9.xml><?xml version="1.0" encoding="utf-8"?>
-<p:sldLayout xmlns:a="http://schemas.openxmlformats.org/drawingml/2006/main" xmlns:r="http://schemas.openxmlformats.org/officeDocument/2006/relationships" xmlns:p="http://schemas.openxmlformats.org/presentationml/2006/main" preserve="1" userDrawn="1">
-  <p:cSld name="Tittel, innhold og bilde (V)">
-    <p:spTree>
-      <p:nvGrpSpPr>
-        <p:cNvPr id="1" name=""/>
-        <p:cNvGrpSpPr/>
-        <p:nvPr/>
-      </p:nvGrpSpPr>
-      <p:grpSpPr>
-        <a:xfrm>
-          <a:off x="0" y="0"/>
-          <a:ext cx="0" cy="0"/>
-          <a:chOff x="0" y="0"/>
-          <a:chExt cx="0" cy="0"/>
-        </a:xfrm>
-      </p:grpSpPr>
-      <p:sp>
-        <p:nvSpPr>
-          <p:cNvPr id="5" name="Plassholder for bunntekst 4"/>
-          <p:cNvSpPr>
-            <a:spLocks noGrp="1"/>
-          </p:cNvSpPr>
-          <p:nvPr>
-            <p:ph type="ftr" sz="quarter" idx="11"/>
-          </p:nvPr>
-        </p:nvSpPr>
-        <p:spPr/>
-        <p:txBody>
-          <a:bodyPr/>
-          <a:lstStyle/>
-          <a:p>
-            <a:endParaRPr lang="nb-NO" dirty="0"/>
-          </a:p>
-        </p:txBody>
-      </p:sp>
-      <p:sp>
-        <p:nvSpPr>
-          <p:cNvPr id="6" name="Plassholder for lysbildenummer 5"/>
-          <p:cNvSpPr>
-            <a:spLocks noGrp="1"/>
-          </p:cNvSpPr>
-          <p:nvPr>
-            <p:ph type="sldNum" sz="quarter" idx="12"/>
-          </p:nvPr>
-        </p:nvSpPr>
-        <p:spPr/>
-        <p:txBody>
-          <a:bodyPr/>
-          <a:lstStyle/>
-          <a:p>
-            <a:fld id="{35E025E5-F4E9-4572-B8CF-5901727261FC}" type="slidenum">
-              <a:rPr lang="nb-NO" smtClean="0"/>
-              <a:t>‹#›</a:t>
-            </a:fld>
-            <a:endParaRPr lang="nb-NO" dirty="0"/>
-          </a:p>
-        </p:txBody>
-      </p:sp>
-      <p:sp>
-        <p:nvSpPr>
-          <p:cNvPr id="8" name="Plassholder for innhold 2">
-            <a:extLst>
-              <a:ext uri="{FF2B5EF4-FFF2-40B4-BE49-F238E27FC236}">
-                <a16:creationId xmlns:a16="http://schemas.microsoft.com/office/drawing/2014/main" id="{3DDC1A92-163C-4D9F-982D-CDC6A6CB0788}"/>
-              </a:ext>
-            </a:extLst>
-          </p:cNvPr>
-          <p:cNvSpPr>
-            <a:spLocks noGrp="1"/>
-          </p:cNvSpPr>
-          <p:nvPr>
-            <p:ph idx="13" hasCustomPrompt="1"/>
-          </p:nvPr>
-        </p:nvSpPr>
-        <p:spPr>
-          <a:xfrm>
-            <a:off x="5200649" y="1369643"/>
-            <a:ext cx="3314696" cy="3042700"/>
-          </a:xfrm>
-        </p:spPr>
-        <p:txBody>
-          <a:bodyPr/>
-          <a:lstStyle/>
-          <a:p>
-            <a:pPr lvl="0"/>
-            <a:r>
-              <a:rPr lang="nb-NO" dirty="0"/>
-              <a:t>Klikk for å legge til tekst</a:t>
-            </a:r>
-          </a:p>
-          <a:p>
-            <a:pPr lvl="1"/>
-            <a:r>
-              <a:rPr lang="nb-NO" dirty="0"/>
-              <a:t>Andre nivå</a:t>
-            </a:r>
-          </a:p>
-          <a:p>
-            <a:pPr lvl="2"/>
-            <a:r>
-              <a:rPr lang="nb-NO" dirty="0"/>
-              <a:t>Tredje nivå</a:t>
-            </a:r>
-          </a:p>
-          <a:p>
-            <a:pPr lvl="3"/>
-            <a:r>
-              <a:rPr lang="nb-NO" dirty="0"/>
-              <a:t>Fjerde nivå</a:t>
-            </a:r>
-          </a:p>
-          <a:p>
-            <a:pPr lvl="4"/>
-            <a:r>
-              <a:rPr lang="nb-NO" dirty="0"/>
-              <a:t>Femte nivå</a:t>
-            </a:r>
-          </a:p>
-        </p:txBody>
-      </p:sp>
-      <p:sp>
-        <p:nvSpPr>
-          <p:cNvPr id="10" name="Text Placeholder 9">
-            <a:extLst>
-              <a:ext uri="{FF2B5EF4-FFF2-40B4-BE49-F238E27FC236}">
-                <a16:creationId xmlns:a16="http://schemas.microsoft.com/office/drawing/2014/main" id="{6D5337E2-4B06-4343-A7EC-B372A6E84A7B}"/>
-              </a:ext>
-            </a:extLst>
-          </p:cNvPr>
-          <p:cNvSpPr>
-            <a:spLocks noGrp="1"/>
-          </p:cNvSpPr>
-          <p:nvPr>
-            <p:ph type="body" sz="quarter" idx="14" hasCustomPrompt="1"/>
-          </p:nvPr>
-        </p:nvSpPr>
-        <p:spPr>
-          <a:xfrm>
-            <a:off x="5200648" y="351954"/>
-            <a:ext cx="3314697" cy="828104"/>
-          </a:xfrm>
-        </p:spPr>
-        <p:txBody>
-          <a:bodyPr anchor="ctr">
-            <a:normAutofit/>
-          </a:bodyPr>
-          <a:lstStyle>
-            <a:lvl1pPr marL="0" indent="0">
-              <a:spcBef>
-                <a:spcPts val="0"/>
-              </a:spcBef>
-              <a:buNone/>
-              <a:defRPr sz="2600"/>
-            </a:lvl1pPr>
-          </a:lstStyle>
-          <a:p>
-            <a:pPr lvl="0"/>
-            <a:r>
-              <a:rPr lang="nb-NO" dirty="0"/>
-              <a:t>Tittel</a:t>
-            </a:r>
-          </a:p>
-        </p:txBody>
-      </p:sp>
-      <p:sp>
-        <p:nvSpPr>
-          <p:cNvPr id="7" name="Picture Placeholder 6">
-            <a:extLst>
-              <a:ext uri="{FF2B5EF4-FFF2-40B4-BE49-F238E27FC236}">
-                <a16:creationId xmlns:a16="http://schemas.microsoft.com/office/drawing/2014/main" id="{DB52D3BE-B2BB-4638-9CFB-C9E00968464D}"/>
-              </a:ext>
-            </a:extLst>
-          </p:cNvPr>
-          <p:cNvSpPr>
-            <a:spLocks noGrp="1"/>
-          </p:cNvSpPr>
-          <p:nvPr>
-            <p:ph type="pic" sz="quarter" idx="15"/>
-          </p:nvPr>
-        </p:nvSpPr>
-        <p:spPr>
-          <a:xfrm>
-            <a:off x="-1" y="0"/>
-            <a:ext cx="4572001" cy="5145087"/>
-          </a:xfrm>
-          <a:prstGeom prst="rect">
-            <a:avLst/>
-          </a:prstGeom>
-        </p:spPr>
-        <p:txBody>
-          <a:bodyPr lIns="0" tIns="0" rIns="0" bIns="0"/>
-          <a:lstStyle/>
-          <a:p>
-            <a:r>
-              <a:rPr lang="nb-NO"/>
-              <a:t>Klikk på ikonet for å legge til et bilde</a:t>
-            </a:r>
-            <a:endParaRPr lang="en-GB"/>
-          </a:p>
-        </p:txBody>
-      </p:sp>
-    </p:spTree>
-    <p:extLst>
-      <p:ext uri="{BB962C8B-B14F-4D97-AF65-F5344CB8AC3E}">
-        <p14:creationId xmlns:p14="http://schemas.microsoft.com/office/powerpoint/2010/main" val="2245130753"/>
       </p:ext>
     </p:extLst>
   </p:cSld>
@@ -8510,7 +8575,7 @@
           <p:nvPr userDrawn="1"/>
         </p:nvPicPr>
         <p:blipFill>
-          <a:blip r:embed="rId19" cstate="print">
+          <a:blip r:embed="rId21" cstate="print">
             <a:extLst>
               <a:ext uri="{28A0092B-C50C-407E-A947-70E740481C1C}">
                 <a14:useLocalDpi xmlns:a14="http://schemas.microsoft.com/office/drawing/2010/main" val="0"/>
@@ -8713,22 +8778,24 @@
   <p:clrMap bg1="lt1" tx1="dk1" bg2="lt2" tx2="dk2" accent1="accent1" accent2="accent2" accent3="accent3" accent4="accent4" accent5="accent5" accent6="accent6" hlink="hlink" folHlink="folHlink"/>
   <p:sldLayoutIdLst>
     <p:sldLayoutId id="2147483660" r:id="rId1"/>
-    <p:sldLayoutId id="2147483763" r:id="rId2"/>
-    <p:sldLayoutId id="2147483770" r:id="rId3"/>
-    <p:sldLayoutId id="2147483764" r:id="rId4"/>
-    <p:sldLayoutId id="2147483649" r:id="rId5"/>
-    <p:sldLayoutId id="2147483650" r:id="rId6"/>
-    <p:sldLayoutId id="2147483769" r:id="rId7"/>
-    <p:sldLayoutId id="2147483771" r:id="rId8"/>
-    <p:sldLayoutId id="2147483772" r:id="rId9"/>
-    <p:sldLayoutId id="2147483651" r:id="rId10"/>
-    <p:sldLayoutId id="2147483652" r:id="rId11"/>
-    <p:sldLayoutId id="2147483653" r:id="rId12"/>
-    <p:sldLayoutId id="2147483654" r:id="rId13"/>
-    <p:sldLayoutId id="2147483655" r:id="rId14"/>
-    <p:sldLayoutId id="2147483656" r:id="rId15"/>
-    <p:sldLayoutId id="2147483657" r:id="rId16"/>
-    <p:sldLayoutId id="2147483774" r:id="rId17"/>
+    <p:sldLayoutId id="2147483775" r:id="rId2"/>
+    <p:sldLayoutId id="2147483777" r:id="rId3"/>
+    <p:sldLayoutId id="2147483763" r:id="rId4"/>
+    <p:sldLayoutId id="2147483770" r:id="rId5"/>
+    <p:sldLayoutId id="2147483764" r:id="rId6"/>
+    <p:sldLayoutId id="2147483649" r:id="rId7"/>
+    <p:sldLayoutId id="2147483650" r:id="rId8"/>
+    <p:sldLayoutId id="2147483769" r:id="rId9"/>
+    <p:sldLayoutId id="2147483771" r:id="rId10"/>
+    <p:sldLayoutId id="2147483772" r:id="rId11"/>
+    <p:sldLayoutId id="2147483651" r:id="rId12"/>
+    <p:sldLayoutId id="2147483652" r:id="rId13"/>
+    <p:sldLayoutId id="2147483653" r:id="rId14"/>
+    <p:sldLayoutId id="2147483654" r:id="rId15"/>
+    <p:sldLayoutId id="2147483655" r:id="rId16"/>
+    <p:sldLayoutId id="2147483656" r:id="rId17"/>
+    <p:sldLayoutId id="2147483657" r:id="rId18"/>
+    <p:sldLayoutId id="2147483774" r:id="rId19"/>
   </p:sldLayoutIdLst>
   <p:hf sldNum="0" hdr="0" ftr="0"/>
   <p:txStyles>
@@ -11784,7 +11851,7 @@
             <a:fld id="{CC918E41-4448-4E79-865F-42013EA6E1CC}" type="datetime1">
               <a:rPr lang="nb-NO" smtClean="0"/>
               <a:pPr/>
-              <a:t>13.07.2022</a:t>
+              <a:t>20.07.2023</a:t>
             </a:fld>
             <a:endParaRPr lang="nb-NO" dirty="0"/>
           </a:p>
@@ -11847,12 +11914,18 @@
       </p:grpSpPr>
       <p:sp>
         <p:nvSpPr>
-          <p:cNvPr id="2" name="Tittel 1"/>
-          <p:cNvSpPr>
-            <a:spLocks noGrp="1"/>
-          </p:cNvSpPr>
-          <p:nvPr>
-            <p:ph type="ctrTitle"/>
+          <p:cNvPr id="4" name="Tittel 3">
+            <a:extLst>
+              <a:ext uri="{FF2B5EF4-FFF2-40B4-BE49-F238E27FC236}">
+                <a16:creationId xmlns:a16="http://schemas.microsoft.com/office/drawing/2014/main" id="{D3A94549-CD46-40B4-A9DF-22BFB9115D2F}"/>
+              </a:ext>
+            </a:extLst>
+          </p:cNvPr>
+          <p:cNvSpPr>
+            <a:spLocks noGrp="1"/>
+          </p:cNvSpPr>
+          <p:nvPr>
+            <p:ph type="title"/>
           </p:nvPr>
         </p:nvSpPr>
         <p:spPr/>
@@ -11866,12 +11939,18 @@
       </p:sp>
       <p:sp>
         <p:nvSpPr>
-          <p:cNvPr id="3" name="Undertittel 2"/>
-          <p:cNvSpPr>
-            <a:spLocks noGrp="1"/>
-          </p:cNvSpPr>
-          <p:nvPr>
-            <p:ph type="subTitle" idx="1"/>
+          <p:cNvPr id="5" name="Plassholder for innhold 4">
+            <a:extLst>
+              <a:ext uri="{FF2B5EF4-FFF2-40B4-BE49-F238E27FC236}">
+                <a16:creationId xmlns:a16="http://schemas.microsoft.com/office/drawing/2014/main" id="{7E598A93-FF9A-40F1-AE3A-EE8E559D5C96}"/>
+              </a:ext>
+            </a:extLst>
+          </p:cNvPr>
+          <p:cNvSpPr>
+            <a:spLocks noGrp="1"/>
+          </p:cNvSpPr>
+          <p:nvPr>
+            <p:ph idx="1"/>
           </p:nvPr>
         </p:nvSpPr>
         <p:spPr/>
@@ -11886,7 +11965,7 @@
     </p:spTree>
     <p:extLst>
       <p:ext uri="{BB962C8B-B14F-4D97-AF65-F5344CB8AC3E}">
-        <p14:creationId xmlns:p14="http://schemas.microsoft.com/office/powerpoint/2010/main" val="1971417066"/>
+        <p14:creationId xmlns:p14="http://schemas.microsoft.com/office/powerpoint/2010/main" val="3766052420"/>
       </p:ext>
     </p:extLst>
   </p:cSld>
@@ -11915,10 +11994,10 @@
       </p:grpSpPr>
       <p:sp>
         <p:nvSpPr>
-          <p:cNvPr id="4" name="Tittel 3">
+          <p:cNvPr id="2" name="Tittel 1">
             <a:extLst>
               <a:ext uri="{FF2B5EF4-FFF2-40B4-BE49-F238E27FC236}">
-                <a16:creationId xmlns:a16="http://schemas.microsoft.com/office/drawing/2014/main" id="{D3A94549-CD46-40B4-A9DF-22BFB9115D2F}"/>
+                <a16:creationId xmlns:a16="http://schemas.microsoft.com/office/drawing/2014/main" id="{2CC0A4E0-3C0F-089B-3417-5E5D1845A1EC}"/>
               </a:ext>
             </a:extLst>
           </p:cNvPr>
@@ -11934,16 +12013,16 @@
           <a:bodyPr/>
           <a:lstStyle/>
           <a:p>
-            <a:endParaRPr lang="nb-NO" dirty="0"/>
-          </a:p>
-        </p:txBody>
-      </p:sp>
-      <p:sp>
-        <p:nvSpPr>
-          <p:cNvPr id="5" name="Plassholder for innhold 4">
+            <a:endParaRPr lang="nb-NO"/>
+          </a:p>
+        </p:txBody>
+      </p:sp>
+      <p:sp>
+        <p:nvSpPr>
+          <p:cNvPr id="3" name="Plassholder for innhold 2">
             <a:extLst>
               <a:ext uri="{FF2B5EF4-FFF2-40B4-BE49-F238E27FC236}">
-                <a16:creationId xmlns:a16="http://schemas.microsoft.com/office/drawing/2014/main" id="{7E598A93-FF9A-40F1-AE3A-EE8E559D5C96}"/>
+                <a16:creationId xmlns:a16="http://schemas.microsoft.com/office/drawing/2014/main" id="{325C6902-5949-D450-B4ED-CAE4FEB14E81}"/>
               </a:ext>
             </a:extLst>
           </p:cNvPr>
@@ -11959,14 +12038,14 @@
           <a:bodyPr/>
           <a:lstStyle/>
           <a:p>
-            <a:endParaRPr lang="nb-NO" dirty="0"/>
+            <a:endParaRPr lang="nb-NO"/>
           </a:p>
         </p:txBody>
       </p:sp>
     </p:spTree>
     <p:extLst>
       <p:ext uri="{BB962C8B-B14F-4D97-AF65-F5344CB8AC3E}">
-        <p14:creationId xmlns:p14="http://schemas.microsoft.com/office/powerpoint/2010/main" val="3766052420"/>
+        <p14:creationId xmlns:p14="http://schemas.microsoft.com/office/powerpoint/2010/main" val="25833047"/>
       </p:ext>
     </p:extLst>
   </p:cSld>
@@ -12064,7 +12143,7 @@
           <a:bodyPr/>
           <a:lstStyle/>
           <a:p>
-            <a:endParaRPr lang="en-GB"/>
+            <a:endParaRPr lang="en-GB" dirty="0"/>
           </a:p>
         </p:txBody>
       </p:sp>
@@ -12089,7 +12168,7 @@
           <a:bodyPr/>
           <a:lstStyle/>
           <a:p>
-            <a:endParaRPr lang="en-GB"/>
+            <a:endParaRPr lang="en-GB" dirty="0"/>
           </a:p>
         </p:txBody>
       </p:sp>
@@ -12205,6 +12284,111 @@
       </p:grpSpPr>
       <p:sp>
         <p:nvSpPr>
+          <p:cNvPr id="2" name="Plassholder for innhold 1">
+            <a:extLst>
+              <a:ext uri="{FF2B5EF4-FFF2-40B4-BE49-F238E27FC236}">
+                <a16:creationId xmlns:a16="http://schemas.microsoft.com/office/drawing/2014/main" id="{E1219B8E-C2DF-A157-C0FC-0FB8CA091B0D}"/>
+              </a:ext>
+            </a:extLst>
+          </p:cNvPr>
+          <p:cNvSpPr>
+            <a:spLocks noGrp="1"/>
+          </p:cNvSpPr>
+          <p:nvPr>
+            <p:ph sz="quarter" idx="10"/>
+          </p:nvPr>
+        </p:nvSpPr>
+        <p:spPr/>
+        <p:txBody>
+          <a:bodyPr/>
+          <a:lstStyle/>
+          <a:p>
+            <a:endParaRPr lang="nb-NO"/>
+          </a:p>
+        </p:txBody>
+      </p:sp>
+      <p:sp>
+        <p:nvSpPr>
+          <p:cNvPr id="3" name="Undertittel 2">
+            <a:extLst>
+              <a:ext uri="{FF2B5EF4-FFF2-40B4-BE49-F238E27FC236}">
+                <a16:creationId xmlns:a16="http://schemas.microsoft.com/office/drawing/2014/main" id="{26C38074-46FC-10A8-4501-641EE2B5ABE1}"/>
+              </a:ext>
+            </a:extLst>
+          </p:cNvPr>
+          <p:cNvSpPr>
+            <a:spLocks noGrp="1"/>
+          </p:cNvSpPr>
+          <p:nvPr>
+            <p:ph type="subTitle" idx="1"/>
+          </p:nvPr>
+        </p:nvSpPr>
+        <p:spPr/>
+        <p:txBody>
+          <a:bodyPr/>
+          <a:lstStyle/>
+          <a:p>
+            <a:endParaRPr lang="nb-NO"/>
+          </a:p>
+        </p:txBody>
+      </p:sp>
+      <p:sp>
+        <p:nvSpPr>
+          <p:cNvPr id="4" name="Tittel 3">
+            <a:extLst>
+              <a:ext uri="{FF2B5EF4-FFF2-40B4-BE49-F238E27FC236}">
+                <a16:creationId xmlns:a16="http://schemas.microsoft.com/office/drawing/2014/main" id="{314BF2D4-27F7-8EFD-F023-463F879C26F6}"/>
+              </a:ext>
+            </a:extLst>
+          </p:cNvPr>
+          <p:cNvSpPr>
+            <a:spLocks noGrp="1"/>
+          </p:cNvSpPr>
+          <p:nvPr>
+            <p:ph type="ctrTitle"/>
+          </p:nvPr>
+        </p:nvSpPr>
+        <p:spPr/>
+        <p:txBody>
+          <a:bodyPr/>
+          <a:lstStyle/>
+          <a:p>
+            <a:endParaRPr lang="nb-NO"/>
+          </a:p>
+        </p:txBody>
+      </p:sp>
+    </p:spTree>
+    <p:extLst>
+      <p:ext uri="{BB962C8B-B14F-4D97-AF65-F5344CB8AC3E}">
+        <p14:creationId xmlns:p14="http://schemas.microsoft.com/office/powerpoint/2010/main" val="4258890854"/>
+      </p:ext>
+    </p:extLst>
+  </p:cSld>
+  <p:clrMapOvr>
+    <a:masterClrMapping/>
+  </p:clrMapOvr>
+</p:sld>
+</file>
+
+<file path=ppt/slides/slide7.xml><?xml version="1.0" encoding="utf-8"?>
+<p:sld xmlns:a="http://schemas.openxmlformats.org/drawingml/2006/main" xmlns:r="http://schemas.openxmlformats.org/officeDocument/2006/relationships" xmlns:p="http://schemas.openxmlformats.org/presentationml/2006/main">
+  <p:cSld>
+    <p:spTree>
+      <p:nvGrpSpPr>
+        <p:cNvPr id="1" name=""/>
+        <p:cNvGrpSpPr/>
+        <p:nvPr/>
+      </p:nvGrpSpPr>
+      <p:grpSpPr>
+        <a:xfrm>
+          <a:off x="0" y="0"/>
+          <a:ext cx="0" cy="0"/>
+          <a:chOff x="0" y="0"/>
+          <a:chExt cx="0" cy="0"/>
+        </a:xfrm>
+      </p:grpSpPr>
+      <p:sp>
+        <p:nvSpPr>
           <p:cNvPr id="2" name="Picture Placeholder 1">
             <a:extLst>
               <a:ext uri="{FF2B5EF4-FFF2-40B4-BE49-F238E27FC236}">
@@ -12284,7 +12468,7 @@
 </p:sld>
 </file>
 
-<file path=ppt/slides/slide7.xml><?xml version="1.0" encoding="utf-8"?>
+<file path=ppt/slides/slide8.xml><?xml version="1.0" encoding="utf-8"?>
 <p:sld xmlns:a="http://schemas.openxmlformats.org/drawingml/2006/main" xmlns:r="http://schemas.openxmlformats.org/officeDocument/2006/relationships" xmlns:p="http://schemas.openxmlformats.org/presentationml/2006/main">
   <p:cSld>
     <p:spTree>
@@ -14616,9 +14800,12 @@
 </file>
 
 <file path=customXml/item1.xml><?xml version="1.0" encoding="utf-8"?>
-<p:properties xmlns:p="http://schemas.microsoft.com/office/2006/metadata/properties" xmlns:xsi="http://www.w3.org/2001/XMLSchema-instance" xmlns:pc="http://schemas.microsoft.com/office/infopath/2007/PartnerControls">
-  <documentManagement/>
-</p:properties>
+<?mso-contentType ?>
+<FormTemplates xmlns="http://schemas.microsoft.com/sharepoint/v3/contenttype/forms">
+  <Display>DocumentLibraryForm</Display>
+  <Edit>DocumentLibraryForm</Edit>
+  <New>DocumentLibraryForm</New>
+</FormTemplates>
 </file>
 
 <file path=customXml/item2.xml><?xml version="1.0" encoding="utf-8"?>
@@ -14812,19 +14999,15 @@
 </file>
 
 <file path=customXml/item3.xml><?xml version="1.0" encoding="utf-8"?>
-<?mso-contentType ?>
-<FormTemplates xmlns="http://schemas.microsoft.com/sharepoint/v3/contenttype/forms">
-  <Display>DocumentLibraryForm</Display>
-  <Edit>DocumentLibraryForm</Edit>
-  <New>DocumentLibraryForm</New>
-</FormTemplates>
+<p:properties xmlns:p="http://schemas.microsoft.com/office/2006/metadata/properties" xmlns:xsi="http://www.w3.org/2001/XMLSchema-instance" xmlns:pc="http://schemas.microsoft.com/office/infopath/2007/PartnerControls">
+  <documentManagement/>
+</p:properties>
 </file>
 
 <file path=customXml/itemProps1.xml><?xml version="1.0" encoding="utf-8"?>
-<ds:datastoreItem xmlns:ds="http://schemas.openxmlformats.org/officeDocument/2006/customXml" ds:itemID="{59D84FE9-90BD-413A-BD1B-E5F8442116C9}">
+<ds:datastoreItem xmlns:ds="http://schemas.openxmlformats.org/officeDocument/2006/customXml" ds:itemID="{03F341BE-FCEF-4AC8-980C-63738F6D926A}">
   <ds:schemaRefs>
-    <ds:schemaRef ds:uri="http://schemas.microsoft.com/office/2006/metadata/properties"/>
-    <ds:schemaRef ds:uri="http://schemas.microsoft.com/office/infopath/2007/PartnerControls"/>
+    <ds:schemaRef ds:uri="http://schemas.microsoft.com/sharepoint/v3/contenttype/forms"/>
   </ds:schemaRefs>
 </ds:datastoreItem>
 </file>
@@ -14848,9 +15031,10 @@
 </file>
 
 <file path=customXml/itemProps3.xml><?xml version="1.0" encoding="utf-8"?>
-<ds:datastoreItem xmlns:ds="http://schemas.openxmlformats.org/officeDocument/2006/customXml" ds:itemID="{03F341BE-FCEF-4AC8-980C-63738F6D926A}">
+<ds:datastoreItem xmlns:ds="http://schemas.openxmlformats.org/officeDocument/2006/customXml" ds:itemID="{59D84FE9-90BD-413A-BD1B-E5F8442116C9}">
   <ds:schemaRefs>
-    <ds:schemaRef ds:uri="http://schemas.microsoft.com/sharepoint/v3/contenttype/forms"/>
+    <ds:schemaRef ds:uri="http://schemas.microsoft.com/office/2006/metadata/properties"/>
+    <ds:schemaRef ds:uri="http://schemas.microsoft.com/office/infopath/2007/PartnerControls"/>
   </ds:schemaRefs>
 </ds:datastoreItem>
 </file>